--- a/docs/Deep diving plots.pptx
+++ b/docs/Deep diving plots.pptx
@@ -5,7 +5,7 @@
     <p:sldMasterId id="2147483660" r:id="rId1"/>
   </p:sldMasterIdLst>
   <p:notesMasterIdLst>
-    <p:notesMasterId r:id="rId34"/>
+    <p:notesMasterId r:id="rId33"/>
   </p:notesMasterIdLst>
   <p:sldIdLst>
     <p:sldId id="311" r:id="rId2"/>
@@ -22,24 +22,23 @@
     <p:sldId id="341" r:id="rId13"/>
     <p:sldId id="362" r:id="rId14"/>
     <p:sldId id="369" r:id="rId15"/>
-    <p:sldId id="370" r:id="rId16"/>
-    <p:sldId id="363" r:id="rId17"/>
-    <p:sldId id="368" r:id="rId18"/>
-    <p:sldId id="367" r:id="rId19"/>
-    <p:sldId id="364" r:id="rId20"/>
-    <p:sldId id="365" r:id="rId21"/>
-    <p:sldId id="366" r:id="rId22"/>
-    <p:sldId id="342" r:id="rId23"/>
-    <p:sldId id="350" r:id="rId24"/>
-    <p:sldId id="351" r:id="rId25"/>
-    <p:sldId id="353" r:id="rId26"/>
-    <p:sldId id="354" r:id="rId27"/>
-    <p:sldId id="352" r:id="rId28"/>
-    <p:sldId id="355" r:id="rId29"/>
-    <p:sldId id="356" r:id="rId30"/>
-    <p:sldId id="343" r:id="rId31"/>
-    <p:sldId id="360" r:id="rId32"/>
-    <p:sldId id="361" r:id="rId33"/>
+    <p:sldId id="363" r:id="rId16"/>
+    <p:sldId id="368" r:id="rId17"/>
+    <p:sldId id="367" r:id="rId18"/>
+    <p:sldId id="364" r:id="rId19"/>
+    <p:sldId id="365" r:id="rId20"/>
+    <p:sldId id="366" r:id="rId21"/>
+    <p:sldId id="342" r:id="rId22"/>
+    <p:sldId id="350" r:id="rId23"/>
+    <p:sldId id="351" r:id="rId24"/>
+    <p:sldId id="353" r:id="rId25"/>
+    <p:sldId id="354" r:id="rId26"/>
+    <p:sldId id="352" r:id="rId27"/>
+    <p:sldId id="355" r:id="rId28"/>
+    <p:sldId id="356" r:id="rId29"/>
+    <p:sldId id="343" r:id="rId30"/>
+    <p:sldId id="360" r:id="rId31"/>
+    <p:sldId id="361" r:id="rId32"/>
   </p:sldIdLst>
   <p:sldSz cx="12192000" cy="6858000"/>
   <p:notesSz cx="6858000" cy="9144000"/>
@@ -896,6 +895,31 @@
   </mc:AlternateContent>
   <c:chart>
     <c:title>
+      <c:tx>
+        <c:rich>
+          <a:bodyPr rot="0" spcFirstLastPara="1" vertOverflow="ellipsis" vert="horz" wrap="square" anchor="ctr" anchorCtr="1"/>
+          <a:lstStyle/>
+          <a:p>
+            <a:pPr>
+              <a:defRPr lang="en-US" altLang="zh-CN" sz="1200" b="0" i="0" u="none" strike="noStrike" kern="1200" spc="0" baseline="0">
+                <a:solidFill>
+                  <a:schemeClr val="tx2"/>
+                </a:solidFill>
+                <a:latin typeface="ITC Officina Sans Std Book" panose="020B0506040203020204" pitchFamily="34" charset="0"/>
+                <a:ea typeface="+mn-ea"/>
+                <a:cs typeface="+mn-cs"/>
+              </a:defRPr>
+            </a:pPr>
+            <a:r>
+              <a:rPr lang="en-US" altLang="zh-CN" sz="1200" b="0" i="0" u="none" strike="noStrike" baseline="0" dirty="0">
+                <a:effectLst/>
+              </a:rPr>
+              <a:t>AP CS scoring 3 or higher</a:t>
+            </a:r>
+            <a:endParaRPr lang="en-US" altLang="zh-CN" dirty="0"/>
+          </a:p>
+        </c:rich>
+      </c:tx>
       <c:overlay val="0"/>
       <c:spPr>
         <a:noFill/>
@@ -1592,6 +1616,43 @@
   </mc:AlternateContent>
   <c:chart>
     <c:title>
+      <c:tx>
+        <c:rich>
+          <a:bodyPr rot="0" spcFirstLastPara="1" vertOverflow="ellipsis" vert="horz" wrap="square" anchor="ctr" anchorCtr="1"/>
+          <a:lstStyle/>
+          <a:p>
+            <a:pPr>
+              <a:defRPr lang="en-US" altLang="zh-CN" sz="1200" b="0" i="0" u="none" strike="noStrike" kern="1200" spc="0" baseline="0">
+                <a:solidFill>
+                  <a:schemeClr val="tx2"/>
+                </a:solidFill>
+                <a:latin typeface="ITC Officina Sans Std Book" panose="020B0506040203020204" pitchFamily="34" charset="0"/>
+                <a:ea typeface="+mn-ea"/>
+                <a:cs typeface="+mn-cs"/>
+              </a:defRPr>
+            </a:pPr>
+            <a:r>
+              <a:rPr lang="en-US" altLang="zh-CN" sz="1200" b="0" i="0" u="none" strike="noStrike" kern="1200" spc="0" baseline="0" dirty="0">
+                <a:solidFill>
+                  <a:srgbClr val="4A4A4A"/>
+                </a:solidFill>
+                <a:latin typeface="ITC Officina Sans Std Book" panose="020B0506040203020204" pitchFamily="34" charset="0"/>
+                <a:ea typeface="+mn-ea"/>
+                <a:cs typeface="+mn-cs"/>
+              </a:rPr>
+              <a:t>HS SAT Math Advanced</a:t>
+            </a:r>
+            <a:endParaRPr lang="zh-CN" altLang="zh-CN" sz="1200" b="0" i="0" u="none" strike="noStrike" kern="1200" spc="0" baseline="0" dirty="0">
+              <a:solidFill>
+                <a:srgbClr val="4A4A4A"/>
+              </a:solidFill>
+              <a:latin typeface="ITC Officina Sans Std Book" panose="020B0506040203020204" pitchFamily="34" charset="0"/>
+              <a:ea typeface="+mn-ea"/>
+              <a:cs typeface="+mn-cs"/>
+            </a:endParaRPr>
+          </a:p>
+        </c:rich>
+      </c:tx>
       <c:overlay val="0"/>
       <c:spPr>
         <a:noFill/>
@@ -2280,6 +2341,43 @@
   </mc:AlternateContent>
   <c:chart>
     <c:title>
+      <c:tx>
+        <c:rich>
+          <a:bodyPr rot="0" spcFirstLastPara="1" vertOverflow="ellipsis" vert="horz" wrap="square" anchor="ctr" anchorCtr="1"/>
+          <a:lstStyle/>
+          <a:p>
+            <a:pPr>
+              <a:defRPr lang="en-US" altLang="zh-CN" sz="1200" b="0" i="0" u="none" strike="noStrike" kern="1200" spc="0" baseline="0">
+                <a:solidFill>
+                  <a:schemeClr val="tx2"/>
+                </a:solidFill>
+                <a:latin typeface="ITC Officina Sans Std Book" panose="020B0506040203020204" pitchFamily="34" charset="0"/>
+                <a:ea typeface="+mn-ea"/>
+                <a:cs typeface="+mn-cs"/>
+              </a:defRPr>
+            </a:pPr>
+            <a:r>
+              <a:rPr lang="en-US" altLang="zh-CN" sz="1200" b="0" i="0" u="none" strike="noStrike" kern="1200" spc="0" baseline="0" dirty="0">
+                <a:solidFill>
+                  <a:srgbClr val="4A4A4A"/>
+                </a:solidFill>
+                <a:latin typeface="ITC Officina Sans Std Book" panose="020B0506040203020204" pitchFamily="34" charset="0"/>
+                <a:ea typeface="+mn-ea"/>
+                <a:cs typeface="+mn-cs"/>
+              </a:rPr>
+              <a:t>CPS AP CS scored 5</a:t>
+            </a:r>
+            <a:endParaRPr lang="zh-CN" altLang="zh-CN" sz="1200" b="0" i="0" u="none" strike="noStrike" kern="1200" spc="0" baseline="0" dirty="0">
+              <a:solidFill>
+                <a:srgbClr val="4A4A4A"/>
+              </a:solidFill>
+              <a:latin typeface="ITC Officina Sans Std Book" panose="020B0506040203020204" pitchFamily="34" charset="0"/>
+              <a:ea typeface="+mn-ea"/>
+              <a:cs typeface="+mn-cs"/>
+            </a:endParaRPr>
+          </a:p>
+        </c:rich>
+      </c:tx>
       <c:overlay val="0"/>
       <c:spPr>
         <a:noFill/>
@@ -2976,6 +3074,31 @@
   </mc:AlternateContent>
   <c:chart>
     <c:title>
+      <c:tx>
+        <c:rich>
+          <a:bodyPr rot="0" spcFirstLastPara="1" vertOverflow="ellipsis" vert="horz" wrap="square" anchor="ctr" anchorCtr="1"/>
+          <a:lstStyle/>
+          <a:p>
+            <a:pPr>
+              <a:defRPr lang="en-US" altLang="zh-CN" sz="1200" b="0" i="0" u="none" strike="noStrike" kern="1200" spc="0" baseline="0">
+                <a:solidFill>
+                  <a:schemeClr val="tx2"/>
+                </a:solidFill>
+                <a:latin typeface="ITC Officina Sans Std Book" panose="020B0506040203020204" pitchFamily="34" charset="0"/>
+                <a:ea typeface="+mn-ea"/>
+                <a:cs typeface="+mn-cs"/>
+              </a:defRPr>
+            </a:pPr>
+            <a:r>
+              <a:rPr lang="en-US" altLang="zh-CN" sz="1200" b="0" i="0" u="none" strike="noStrike" baseline="0" dirty="0">
+                <a:effectLst/>
+              </a:rPr>
+              <a:t>AP CS Enrollment</a:t>
+            </a:r>
+            <a:endParaRPr lang="en-US" altLang="zh-CN" dirty="0"/>
+          </a:p>
+        </c:rich>
+      </c:tx>
       <c:overlay val="0"/>
       <c:spPr>
         <a:noFill/>
@@ -3672,6 +3795,31 @@
   </mc:AlternateContent>
   <c:chart>
     <c:title>
+      <c:tx>
+        <c:rich>
+          <a:bodyPr rot="0" spcFirstLastPara="1" vertOverflow="ellipsis" vert="horz" wrap="square" anchor="ctr" anchorCtr="1"/>
+          <a:lstStyle/>
+          <a:p>
+            <a:pPr>
+              <a:defRPr lang="en-US" altLang="zh-CN" sz="1200" b="0" i="0" u="none" strike="noStrike" kern="1200" spc="0" baseline="0">
+                <a:solidFill>
+                  <a:schemeClr val="tx2"/>
+                </a:solidFill>
+                <a:latin typeface="ITC Officina Sans Std Book" panose="020B0506040203020204" pitchFamily="34" charset="0"/>
+                <a:ea typeface="+mn-ea"/>
+                <a:cs typeface="+mn-cs"/>
+              </a:defRPr>
+            </a:pPr>
+            <a:r>
+              <a:rPr lang="en-US" altLang="zh-CN" sz="1200" b="0" i="0" u="none" strike="noStrike" baseline="0" dirty="0">
+                <a:effectLst/>
+              </a:rPr>
+              <a:t>CPS HS STEM Magnet School Enrollment</a:t>
+            </a:r>
+            <a:endParaRPr lang="en-US" altLang="zh-CN" dirty="0"/>
+          </a:p>
+        </c:rich>
+      </c:tx>
       <c:overlay val="0"/>
       <c:spPr>
         <a:noFill/>
@@ -4344,6 +4492,31 @@
   </mc:AlternateContent>
   <c:chart>
     <c:title>
+      <c:tx>
+        <c:rich>
+          <a:bodyPr rot="0" spcFirstLastPara="1" vertOverflow="ellipsis" vert="horz" wrap="square" anchor="ctr" anchorCtr="1"/>
+          <a:lstStyle/>
+          <a:p>
+            <a:pPr>
+              <a:defRPr lang="en-US" altLang="zh-CN" sz="1200" b="0" i="0" u="none" strike="noStrike" kern="1200" spc="0" baseline="0">
+                <a:solidFill>
+                  <a:schemeClr val="tx2"/>
+                </a:solidFill>
+                <a:latin typeface="ITC Officina Sans Std Book" panose="020B0506040203020204" pitchFamily="34" charset="0"/>
+                <a:ea typeface="+mn-ea"/>
+                <a:cs typeface="+mn-cs"/>
+              </a:defRPr>
+            </a:pPr>
+            <a:r>
+              <a:rPr lang="en-US" altLang="zh-CN" sz="1200" b="0" i="0" u="none" strike="noStrike" baseline="0" dirty="0">
+                <a:effectLst/>
+              </a:rPr>
+              <a:t>CS Interest</a:t>
+            </a:r>
+            <a:endParaRPr lang="en-US" altLang="zh-CN" dirty="0"/>
+          </a:p>
+        </c:rich>
+      </c:tx>
       <c:overlay val="0"/>
       <c:spPr>
         <a:noFill/>
@@ -5016,6 +5189,31 @@
   </mc:AlternateContent>
   <c:chart>
     <c:title>
+      <c:tx>
+        <c:rich>
+          <a:bodyPr rot="0" spcFirstLastPara="1" vertOverflow="ellipsis" vert="horz" wrap="square" anchor="ctr" anchorCtr="1"/>
+          <a:lstStyle/>
+          <a:p>
+            <a:pPr>
+              <a:defRPr lang="en-US" altLang="zh-CN" sz="1200" b="0" i="0" u="none" strike="noStrike" kern="1200" spc="0" baseline="0">
+                <a:solidFill>
+                  <a:schemeClr val="tx2"/>
+                </a:solidFill>
+                <a:latin typeface="ITC Officina Sans Std Book" panose="020B0506040203020204" pitchFamily="34" charset="0"/>
+                <a:ea typeface="+mn-ea"/>
+                <a:cs typeface="+mn-cs"/>
+              </a:defRPr>
+            </a:pPr>
+            <a:r>
+              <a:rPr lang="en-US" altLang="zh-CN" sz="1200" b="0" i="0" u="none" strike="noStrike" baseline="0" dirty="0">
+                <a:effectLst/>
+              </a:rPr>
+              <a:t>Advanced Math Enrollment</a:t>
+            </a:r>
+            <a:endParaRPr lang="en-US" altLang="zh-CN" dirty="0"/>
+          </a:p>
+        </c:rich>
+      </c:tx>
       <c:overlay val="0"/>
       <c:spPr>
         <a:noFill/>
@@ -5717,10 +5915,10 @@
           <a:bodyPr rot="0" spcFirstLastPara="1" vertOverflow="ellipsis" vert="horz" wrap="square" anchor="ctr" anchorCtr="1"/>
           <a:lstStyle/>
           <a:p>
-            <a:pPr>
+            <a:pPr algn="ctr" rtl="0">
               <a:defRPr lang="en-US" altLang="zh-CN" sz="1200" b="0" i="0" u="none" strike="noStrike" kern="1200" spc="0" baseline="0">
                 <a:solidFill>
-                  <a:schemeClr val="tx2"/>
+                  <a:srgbClr val="4A4A4A"/>
                 </a:solidFill>
                 <a:latin typeface="ITC Officina Sans Std Book" panose="020B0506040203020204" pitchFamily="34" charset="0"/>
                 <a:ea typeface="+mn-ea"/>
@@ -5728,13 +5926,25 @@
               </a:defRPr>
             </a:pPr>
             <a:r>
-              <a:rPr lang="en-US" altLang="zh-CN" sz="1400" dirty="0">
+              <a:rPr lang="en-US" altLang="zh-CN" sz="1200" b="0" i="0" u="none" strike="noStrike" kern="1200" spc="0" baseline="0" dirty="0">
+                <a:solidFill>
+                  <a:srgbClr val="4A4A4A"/>
+                </a:solidFill>
                 <a:effectLst/>
+                <a:latin typeface="ITC Officina Sans Std Book" panose="020B0506040203020204" pitchFamily="34" charset="0"/>
+                <a:ea typeface="+mn-ea"/>
+                <a:cs typeface="+mn-cs"/>
               </a:rPr>
               <a:t>Illinois CS/Computing Degree Persistence</a:t>
             </a:r>
-            <a:endParaRPr lang="zh-CN" altLang="zh-CN" sz="1050" dirty="0">
+            <a:endParaRPr lang="zh-CN" altLang="zh-CN" sz="1200" b="0" i="0" u="none" strike="noStrike" kern="1200" spc="0" baseline="0" dirty="0">
+              <a:solidFill>
+                <a:srgbClr val="4A4A4A"/>
+              </a:solidFill>
               <a:effectLst/>
+              <a:latin typeface="ITC Officina Sans Std Book" panose="020B0506040203020204" pitchFamily="34" charset="0"/>
+              <a:ea typeface="+mn-ea"/>
+              <a:cs typeface="+mn-cs"/>
             </a:endParaRPr>
           </a:p>
         </c:rich>
@@ -5751,10 +5961,10 @@
         <a:bodyPr rot="0" spcFirstLastPara="1" vertOverflow="ellipsis" vert="horz" wrap="square" anchor="ctr" anchorCtr="1"/>
         <a:lstStyle/>
         <a:p>
-          <a:pPr>
+          <a:pPr algn="ctr" rtl="0">
             <a:defRPr lang="en-US" altLang="zh-CN" sz="1200" b="0" i="0" u="none" strike="noStrike" kern="1200" spc="0" baseline="0">
               <a:solidFill>
-                <a:schemeClr val="tx2"/>
+                <a:srgbClr val="4A4A4A"/>
               </a:solidFill>
               <a:latin typeface="ITC Officina Sans Std Book" panose="020B0506040203020204" pitchFamily="34" charset="0"/>
               <a:ea typeface="+mn-ea"/>
@@ -6451,7 +6661,7 @@
               </a:defRPr>
             </a:pPr>
             <a:r>
-              <a:rPr lang="en-US" altLang="zh-CN" sz="1400" b="0" i="0" u="none" strike="noStrike" kern="1200" spc="0" baseline="0" dirty="0">
+              <a:rPr lang="en-US" altLang="zh-CN" sz="1200" b="0" i="0" u="none" strike="noStrike" kern="1200" spc="0" baseline="0" dirty="0">
                 <a:solidFill>
                   <a:srgbClr val="4A4A4A"/>
                 </a:solidFill>
@@ -6462,7 +6672,7 @@
               </a:rPr>
               <a:t>Illinois CS/Computing Degree Conferral</a:t>
             </a:r>
-            <a:endParaRPr lang="zh-CN" altLang="zh-CN" sz="1400" b="0" i="0" u="none" strike="noStrike" kern="1200" spc="0" baseline="0" dirty="0">
+            <a:endParaRPr lang="zh-CN" altLang="zh-CN" sz="1200" b="0" i="0" u="none" strike="noStrike" kern="1200" spc="0" baseline="0" dirty="0">
               <a:solidFill>
                 <a:srgbClr val="4A4A4A"/>
               </a:solidFill>
@@ -7170,6 +7380,31 @@
   </mc:AlternateContent>
   <c:chart>
     <c:title>
+      <c:tx>
+        <c:rich>
+          <a:bodyPr rot="0" spcFirstLastPara="1" vertOverflow="ellipsis" vert="horz" wrap="square" anchor="ctr" anchorCtr="1"/>
+          <a:lstStyle/>
+          <a:p>
+            <a:pPr>
+              <a:defRPr lang="en-US" altLang="zh-CN" sz="1200" b="0" i="0" u="none" strike="noStrike" kern="1200" spc="0" baseline="0">
+                <a:solidFill>
+                  <a:schemeClr val="tx2"/>
+                </a:solidFill>
+                <a:latin typeface="ITC Officina Sans Std Book" panose="020B0506040203020204" pitchFamily="34" charset="0"/>
+                <a:ea typeface="+mn-ea"/>
+                <a:cs typeface="+mn-cs"/>
+              </a:defRPr>
+            </a:pPr>
+            <a:r>
+              <a:rPr lang="en-US" altLang="zh-CN" sz="1200" b="0" i="0" u="none" strike="noStrike" baseline="0" dirty="0">
+                <a:effectLst/>
+              </a:rPr>
+              <a:t>Illinois CS/Computing Degree Enrollment for Top 3 </a:t>
+            </a:r>
+            <a:endParaRPr lang="en-US" altLang="zh-CN" dirty="0"/>
+          </a:p>
+        </c:rich>
+      </c:tx>
       <c:overlay val="0"/>
       <c:spPr>
         <a:noFill/>
@@ -8623,7 +8858,7 @@
                 <a:ea typeface="+mn-ea"/>
                 <a:cs typeface="+mn-cs"/>
               </a:rPr>
-              <a:t>Top 3 CS Persistent</a:t>
+              <a:t>Illinois CS/Computing Degree Persistence for Top 3 </a:t>
             </a:r>
             <a:endParaRPr lang="zh-CN" altLang="zh-CN" sz="1200" b="0" i="0" u="none" strike="noStrike" kern="1200" spc="0" baseline="0" dirty="0">
               <a:solidFill>
@@ -9348,12 +9583,10 @@
               </a:defRPr>
             </a:pPr>
             <a:r>
-              <a:rPr lang="en-US" dirty="0"/>
-              <a:t>Top</a:t>
-            </a:r>
-            <a:r>
-              <a:rPr lang="en-US" baseline="0" dirty="0"/>
-              <a:t> 3 CS Conferral</a:t>
+              <a:rPr lang="en-US" altLang="zh-CN" sz="1200" b="0" i="0" u="none" strike="noStrike" baseline="0" dirty="0">
+                <a:effectLst/>
+              </a:rPr>
+              <a:t>Illinois CS/Computing Degree Conferral for Top 3 </a:t>
             </a:r>
             <a:endParaRPr lang="en-US" dirty="0"/>
           </a:p>
@@ -10055,6 +10288,31 @@
   </mc:AlternateContent>
   <c:chart>
     <c:title>
+      <c:tx>
+        <c:rich>
+          <a:bodyPr rot="0" spcFirstLastPara="1" vertOverflow="ellipsis" vert="horz" wrap="square" anchor="ctr" anchorCtr="1"/>
+          <a:lstStyle/>
+          <a:p>
+            <a:pPr>
+              <a:defRPr lang="en-US" altLang="zh-CN" sz="1200" b="0" i="0" u="none" strike="noStrike" kern="1200" spc="0" baseline="0">
+                <a:solidFill>
+                  <a:schemeClr val="tx2"/>
+                </a:solidFill>
+                <a:latin typeface="ITC Officina Sans Std Book" panose="020B0506040203020204" pitchFamily="34" charset="0"/>
+                <a:ea typeface="+mn-ea"/>
+                <a:cs typeface="+mn-cs"/>
+              </a:defRPr>
+            </a:pPr>
+            <a:r>
+              <a:rPr lang="en-US" altLang="zh-CN" sz="1200" b="0" i="0" u="none" strike="noStrike" baseline="0" dirty="0">
+                <a:effectLst/>
+              </a:rPr>
+              <a:t>Illinois CS/Computing Degree Enrollment </a:t>
+            </a:r>
+            <a:endParaRPr lang="en-US" altLang="zh-CN" dirty="0"/>
+          </a:p>
+        </c:rich>
+      </c:tx>
       <c:overlay val="0"/>
       <c:spPr>
         <a:noFill/>
@@ -10751,6 +11009,31 @@
   </mc:AlternateContent>
   <c:chart>
     <c:title>
+      <c:tx>
+        <c:rich>
+          <a:bodyPr rot="0" spcFirstLastPara="1" vertOverflow="ellipsis" vert="horz" wrap="square" anchor="ctr" anchorCtr="1"/>
+          <a:lstStyle/>
+          <a:p>
+            <a:pPr>
+              <a:defRPr lang="en-US" altLang="zh-CN" sz="1200" b="0" i="0" u="none" strike="noStrike" kern="1200" spc="0" baseline="0">
+                <a:solidFill>
+                  <a:schemeClr val="tx2"/>
+                </a:solidFill>
+                <a:latin typeface="ITC Officina Sans Std Book" panose="020B0506040203020204" pitchFamily="34" charset="0"/>
+                <a:ea typeface="+mn-ea"/>
+                <a:cs typeface="+mn-cs"/>
+              </a:defRPr>
+            </a:pPr>
+            <a:r>
+              <a:rPr lang="en-US" altLang="zh-CN" sz="1200" b="0" i="0" u="none" strike="noStrike" baseline="0" dirty="0">
+                <a:effectLst/>
+              </a:rPr>
+              <a:t>Illinois Immediate College Enrollment Rates </a:t>
+            </a:r>
+            <a:endParaRPr lang="en-US" altLang="zh-CN" dirty="0"/>
+          </a:p>
+        </c:rich>
+      </c:tx>
       <c:overlay val="0"/>
       <c:spPr>
         <a:noFill/>
@@ -11439,6 +11722,31 @@
   </mc:AlternateContent>
   <c:chart>
     <c:title>
+      <c:tx>
+        <c:rich>
+          <a:bodyPr rot="0" spcFirstLastPara="1" vertOverflow="ellipsis" vert="horz" wrap="square" anchor="ctr" anchorCtr="1"/>
+          <a:lstStyle/>
+          <a:p>
+            <a:pPr>
+              <a:defRPr lang="en-US" altLang="zh-CN" sz="1200" b="0" i="0" u="none" strike="noStrike" kern="1200" spc="0" baseline="0">
+                <a:solidFill>
+                  <a:schemeClr val="tx2"/>
+                </a:solidFill>
+                <a:latin typeface="ITC Officina Sans Std Book" panose="020B0506040203020204" pitchFamily="34" charset="0"/>
+                <a:ea typeface="+mn-ea"/>
+                <a:cs typeface="+mn-cs"/>
+              </a:defRPr>
+            </a:pPr>
+            <a:r>
+              <a:rPr lang="en-US" altLang="zh-CN" sz="1200" b="0" i="0" u="none" strike="noStrike" baseline="0" dirty="0">
+                <a:effectLst/>
+              </a:rPr>
+              <a:t>Chicago MSA tech employee demographics</a:t>
+            </a:r>
+            <a:endParaRPr lang="en-US" altLang="zh-CN" dirty="0"/>
+          </a:p>
+        </c:rich>
+      </c:tx>
       <c:overlay val="0"/>
       <c:spPr>
         <a:noFill/>
@@ -12135,6 +12443,31 @@
   </mc:AlternateContent>
   <c:chart>
     <c:title>
+      <c:tx>
+        <c:rich>
+          <a:bodyPr rot="0" spcFirstLastPara="1" vertOverflow="ellipsis" vert="horz" wrap="square" anchor="ctr" anchorCtr="1"/>
+          <a:lstStyle/>
+          <a:p>
+            <a:pPr>
+              <a:defRPr lang="en-US" altLang="zh-CN" sz="1200" b="0" i="0" u="none" strike="noStrike" kern="1200" spc="0" baseline="0">
+                <a:solidFill>
+                  <a:schemeClr val="tx2"/>
+                </a:solidFill>
+                <a:latin typeface="ITC Officina Sans Std Book" panose="020B0506040203020204" pitchFamily="34" charset="0"/>
+                <a:ea typeface="+mn-ea"/>
+                <a:cs typeface="+mn-cs"/>
+              </a:defRPr>
+            </a:pPr>
+            <a:r>
+              <a:rPr lang="en-US" altLang="zh-CN" sz="1200" b="0" i="0" u="none" strike="noStrike" baseline="0" dirty="0">
+                <a:effectLst/>
+              </a:rPr>
+              <a:t>Illinois Immediate College Enrollment Rates </a:t>
+            </a:r>
+            <a:endParaRPr lang="en-US" altLang="zh-CN" dirty="0"/>
+          </a:p>
+        </c:rich>
+      </c:tx>
       <c:overlay val="0"/>
       <c:spPr>
         <a:noFill/>
@@ -36411,7 +36744,7 @@
         <p:spPr>
           <a:xfrm>
             <a:off x="581025" y="2190749"/>
-            <a:ext cx="3714750" cy="3231654"/>
+            <a:ext cx="3714750" cy="3600986"/>
           </a:xfrm>
           <a:prstGeom prst="rect">
             <a:avLst/>
@@ -36454,7 +36787,7 @@
                 </a:solidFill>
                 <a:latin typeface="ITC Officina Sans Std Book" panose="020B0506040203020204" pitchFamily="34" charset="0"/>
               </a:rPr>
-              <a:t>The proportion of White and Asian students who meet sat math benchmark is 2.7 - 5.6 times higher than that of Hispanic and Black students.</a:t>
+              <a:t>Over 50% of White and Asian students meet SAT Math benchmark while no more than 20% of Black and Hispanic students meet SAT Math benchmark.  </a:t>
             </a:r>
           </a:p>
           <a:p>
@@ -36481,7 +36814,7 @@
                 </a:solidFill>
                 <a:latin typeface="ITC Officina Sans Std Book" panose="020B0506040203020204" pitchFamily="34" charset="0"/>
               </a:rPr>
-              <a:t>Only the White population in CPS high school perform slightly above the national average. Asian, Hispanic, and black students in CPS high school have the SAT math benchmark meeting rate 11% - 30% lower than the national average. </a:t>
+              <a:t>Only the White population in CPS high school perform slightly above the national average. Asian, Hispanic, and black students have the SAT math benchmark meeting rate 11% - 30% lower than the national average. </a:t>
             </a:r>
           </a:p>
           <a:p>
@@ -36508,7 +36841,11 @@
             </a:r>
           </a:p>
           <a:p>
-            <a:endParaRPr lang="en-US" altLang="zh-CN" sz="1200" b="1" u="sng" dirty="0">
+            <a:pPr marL="171450" indent="-171450">
+              <a:buFont typeface="Arial" panose="020B0604020202020204" pitchFamily="34" charset="0"/>
+              <a:buChar char="•"/>
+            </a:pPr>
+            <a:endParaRPr lang="en-US" altLang="zh-CN" sz="1200" dirty="0">
               <a:solidFill>
                 <a:srgbClr val="4A4A4A"/>
               </a:solidFill>
@@ -36527,26 +36864,20 @@
                 </a:solidFill>
                 <a:latin typeface="ITC Officina Sans Std Book" panose="020B0506040203020204" pitchFamily="34" charset="0"/>
               </a:rPr>
-              <a:t>Black and Hispanic students in 4</a:t>
+              <a:t>Deep disparity in math proficiency rate. The proportion of White and Asian students who meet sat math benchmark is 2.7 - 5.6 times higher than that of Hispanic and Black students.</a:t>
             </a:r>
-            <a:r>
-              <a:rPr lang="en-US" altLang="zh-CN" sz="1200" baseline="30000" dirty="0">
-                <a:solidFill>
-                  <a:srgbClr val="4A4A4A"/>
-                </a:solidFill>
-                <a:latin typeface="ITC Officina Sans Std Book" panose="020B0506040203020204" pitchFamily="34" charset="0"/>
-              </a:rPr>
-              <a:t>th</a:t>
-            </a:r>
-            <a:r>
-              <a:rPr lang="en-US" altLang="zh-CN" sz="1200" dirty="0">
-                <a:solidFill>
-                  <a:srgbClr val="4A4A4A"/>
-                </a:solidFill>
-                <a:latin typeface="ITC Officina Sans Std Book" panose="020B0506040203020204" pitchFamily="34" charset="0"/>
-              </a:rPr>
-              <a:t> grade perform poorly in math related to Black and Hispanic on the national average.  </a:t>
-            </a:r>
+          </a:p>
+          <a:p>
+            <a:pPr marL="171450" indent="-171450">
+              <a:buFont typeface="Arial" panose="020B0604020202020204" pitchFamily="34" charset="0"/>
+              <a:buChar char="•"/>
+            </a:pPr>
+            <a:endParaRPr lang="en-US" altLang="zh-CN" sz="1200" dirty="0">
+              <a:solidFill>
+                <a:srgbClr val="4A4A4A"/>
+              </a:solidFill>
+              <a:latin typeface="ITC Officina Sans Std Book" panose="020B0506040203020204" pitchFamily="34" charset="0"/>
+            </a:endParaRPr>
           </a:p>
         </p:txBody>
       </p:sp>
@@ -36642,7 +36973,7 @@
         <p:spPr>
           <a:xfrm>
             <a:off x="510556" y="386396"/>
-            <a:ext cx="11170886" cy="677108"/>
+            <a:ext cx="11170886" cy="1785104"/>
           </a:xfrm>
           <a:prstGeom prst="rect">
             <a:avLst/>
@@ -36688,45 +37019,18 @@
               </a:rPr>
               <a:t>The proportion of CPS AP CS students scoring a 3 or higher by race/ethnicity</a:t>
             </a:r>
-            <a:endParaRPr lang="zh-CN" altLang="en-US" dirty="0">
+          </a:p>
+          <a:p>
+            <a:endParaRPr lang="en-US" altLang="zh-CN" dirty="0">
               <a:solidFill>
                 <a:srgbClr val="4A4A4A"/>
               </a:solidFill>
               <a:latin typeface="ITC Officina Sans Std Book" panose="020B0506040203020204" pitchFamily="34" charset="0"/>
             </a:endParaRPr>
           </a:p>
-        </p:txBody>
-      </p:sp>
-      <p:sp>
-        <p:nvSpPr>
-          <p:cNvPr id="12" name="TextBox 11">
-            <a:extLst>
-              <a:ext uri="{FF2B5EF4-FFF2-40B4-BE49-F238E27FC236}">
-                <a16:creationId xmlns:a16="http://schemas.microsoft.com/office/drawing/2014/main" id="{9C6672FC-7502-04F6-E4D2-9B68357344AE}"/>
-              </a:ext>
-            </a:extLst>
-          </p:cNvPr>
-          <p:cNvSpPr txBox="1"/>
-          <p:nvPr/>
-        </p:nvSpPr>
-        <p:spPr>
-          <a:xfrm>
-            <a:off x="510556" y="2967335"/>
-            <a:ext cx="4785344" cy="646331"/>
-          </a:xfrm>
-          <a:prstGeom prst="rect">
-            <a:avLst/>
-          </a:prstGeom>
-          <a:noFill/>
-        </p:spPr>
-        <p:txBody>
-          <a:bodyPr wrap="square" rtlCol="0">
-            <a:spAutoFit/>
-          </a:bodyPr>
-          <a:lstStyle/>
           <a:p>
             <a:r>
-              <a:rPr lang="en-US" altLang="zh-CN" sz="1200" dirty="0">
+              <a:rPr lang="en-US" altLang="zh-CN" sz="1800" dirty="0">
                 <a:solidFill>
                   <a:srgbClr val="4A4A4A"/>
                 </a:solidFill>
@@ -36737,25 +37041,22 @@
           </a:p>
           <a:p>
             <a:r>
-              <a:rPr lang="en-US" altLang="zh-CN" sz="1200" dirty="0">
+              <a:rPr lang="en-US" altLang="zh-CN" sz="1800" dirty="0">
                 <a:solidFill>
                   <a:srgbClr val="4A4A4A"/>
                 </a:solidFill>
                 <a:latin typeface="ITC Officina Sans Std Book" panose="020B0506040203020204" pitchFamily="34" charset="0"/>
               </a:rPr>
-              <a:t>Vs. </a:t>
+              <a:t>Vs. AP CS scoring 3 or higher US / Total AP CS students US</a:t>
             </a:r>
           </a:p>
           <a:p>
-            <a:r>
-              <a:rPr lang="en-US" altLang="zh-CN" sz="1200" dirty="0">
-                <a:solidFill>
-                  <a:srgbClr val="4A4A4A"/>
-                </a:solidFill>
-                <a:latin typeface="ITC Officina Sans Std Book" panose="020B0506040203020204" pitchFamily="34" charset="0"/>
-              </a:rPr>
-              <a:t>AP CS scoring 3 or higher US / Total AP CS students US</a:t>
-            </a:r>
+            <a:endParaRPr lang="zh-CN" altLang="en-US" dirty="0">
+              <a:solidFill>
+                <a:srgbClr val="4A4A4A"/>
+              </a:solidFill>
+              <a:latin typeface="ITC Officina Sans Std Book" panose="020B0506040203020204" pitchFamily="34" charset="0"/>
+            </a:endParaRPr>
           </a:p>
         </p:txBody>
       </p:sp>
@@ -36772,14 +37073,14 @@
           <p:nvPr>
             <p:extLst>
               <p:ext uri="{D42A27DB-BD31-4B8C-83A1-F6EECF244321}">
-                <p14:modId xmlns:p14="http://schemas.microsoft.com/office/powerpoint/2010/main" val="3591647415"/>
+                <p14:modId xmlns:p14="http://schemas.microsoft.com/office/powerpoint/2010/main" val="3709899377"/>
               </p:ext>
             </p:extLst>
           </p:nvPr>
         </p:nvGraphicFramePr>
         <p:xfrm>
-          <a:off x="4318000" y="1815042"/>
-          <a:ext cx="6264275" cy="4176184"/>
+          <a:off x="5113529" y="2189788"/>
+          <a:ext cx="6115304" cy="4281816"/>
         </p:xfrm>
         <a:graphic>
           <a:graphicData uri="http://schemas.openxmlformats.org/drawingml/2006/chart">
@@ -36787,6 +37088,154 @@
           </a:graphicData>
         </a:graphic>
       </p:graphicFrame>
+      <p:sp>
+        <p:nvSpPr>
+          <p:cNvPr id="6" name="TextBox 5">
+            <a:extLst>
+              <a:ext uri="{FF2B5EF4-FFF2-40B4-BE49-F238E27FC236}">
+                <a16:creationId xmlns:a16="http://schemas.microsoft.com/office/drawing/2014/main" id="{DC6D9235-1644-3806-4286-5FCA33C47ADF}"/>
+              </a:ext>
+            </a:extLst>
+          </p:cNvPr>
+          <p:cNvSpPr txBox="1"/>
+          <p:nvPr/>
+        </p:nvSpPr>
+        <p:spPr>
+          <a:xfrm>
+            <a:off x="581025" y="2190749"/>
+            <a:ext cx="3714750" cy="3231654"/>
+          </a:xfrm>
+          <a:prstGeom prst="rect">
+            <a:avLst/>
+          </a:prstGeom>
+          <a:noFill/>
+        </p:spPr>
+        <p:txBody>
+          <a:bodyPr wrap="square" rtlCol="0">
+            <a:spAutoFit/>
+          </a:bodyPr>
+          <a:lstStyle/>
+          <a:p>
+            <a:r>
+              <a:rPr lang="en-US" altLang="zh-CN" sz="1200" b="1" u="sng" dirty="0">
+                <a:solidFill>
+                  <a:srgbClr val="4A4A4A"/>
+                </a:solidFill>
+                <a:latin typeface="ITC Officina Sans Std Book" panose="020B0506040203020204" pitchFamily="34" charset="0"/>
+              </a:rPr>
+              <a:t>What does the data tell?</a:t>
+            </a:r>
+          </a:p>
+          <a:p>
+            <a:endParaRPr lang="en-US" altLang="zh-CN" sz="1200" b="1" u="sng" dirty="0">
+              <a:solidFill>
+                <a:srgbClr val="4A4A4A"/>
+              </a:solidFill>
+              <a:latin typeface="ITC Officina Sans Std Book" panose="020B0506040203020204" pitchFamily="34" charset="0"/>
+            </a:endParaRPr>
+          </a:p>
+          <a:p>
+            <a:pPr marL="171450" indent="-171450">
+              <a:buFont typeface="Arial" panose="020B0604020202020204" pitchFamily="34" charset="0"/>
+              <a:buChar char="•"/>
+            </a:pPr>
+            <a:r>
+              <a:rPr lang="en-US" altLang="zh-CN" sz="1200" dirty="0">
+                <a:solidFill>
+                  <a:srgbClr val="4A4A4A"/>
+                </a:solidFill>
+                <a:latin typeface="ITC Officina Sans Std Book" panose="020B0506040203020204" pitchFamily="34" charset="0"/>
+              </a:rPr>
+              <a:t>The proportion of White students in CPS high school score 3 or higher is nearly 70%, 1.1 times higher than Asians, and 2.1 times higher than Hispanic, and 4 times higher than Black.</a:t>
+            </a:r>
+          </a:p>
+          <a:p>
+            <a:endParaRPr lang="en-US" altLang="zh-CN" sz="1200" dirty="0">
+              <a:solidFill>
+                <a:srgbClr val="4A4A4A"/>
+              </a:solidFill>
+              <a:latin typeface="ITC Officina Sans Std Book" panose="020B0506040203020204" pitchFamily="34" charset="0"/>
+            </a:endParaRPr>
+          </a:p>
+          <a:p>
+            <a:pPr marL="171450" indent="-171450">
+              <a:buFont typeface="Arial" panose="020B0604020202020204" pitchFamily="34" charset="0"/>
+              <a:buChar char="•"/>
+            </a:pPr>
+            <a:r>
+              <a:rPr lang="en-US" altLang="zh-CN" sz="1200" dirty="0">
+                <a:solidFill>
+                  <a:srgbClr val="4A4A4A"/>
+                </a:solidFill>
+                <a:latin typeface="ITC Officina Sans Std Book" panose="020B0506040203020204" pitchFamily="34" charset="0"/>
+              </a:rPr>
+              <a:t>CPS High school students have their proportion of scoring 3 on AP CS lower than the national average. </a:t>
+            </a:r>
+          </a:p>
+          <a:p>
+            <a:pPr marL="171450" indent="-171450">
+              <a:buFont typeface="Arial" panose="020B0604020202020204" pitchFamily="34" charset="0"/>
+              <a:buChar char="•"/>
+            </a:pPr>
+            <a:endParaRPr lang="en-US" altLang="zh-CN" sz="1200" dirty="0">
+              <a:solidFill>
+                <a:srgbClr val="4A4A4A"/>
+              </a:solidFill>
+              <a:latin typeface="ITC Officina Sans Std Book" panose="020B0506040203020204" pitchFamily="34" charset="0"/>
+            </a:endParaRPr>
+          </a:p>
+          <a:p>
+            <a:r>
+              <a:rPr lang="en-US" altLang="zh-CN" sz="1200" b="1" u="sng" dirty="0">
+                <a:solidFill>
+                  <a:srgbClr val="4A4A4A"/>
+                </a:solidFill>
+                <a:latin typeface="ITC Officina Sans Std Book" panose="020B0506040203020204" pitchFamily="34" charset="0"/>
+              </a:rPr>
+              <a:t>Takeaways</a:t>
+            </a:r>
+          </a:p>
+          <a:p>
+            <a:pPr marL="171450" indent="-171450">
+              <a:buFont typeface="Arial" panose="020B0604020202020204" pitchFamily="34" charset="0"/>
+              <a:buChar char="•"/>
+            </a:pPr>
+            <a:endParaRPr lang="en-US" altLang="zh-CN" sz="1200" dirty="0">
+              <a:solidFill>
+                <a:srgbClr val="4A4A4A"/>
+              </a:solidFill>
+              <a:latin typeface="ITC Officina Sans Std Book" panose="020B0506040203020204" pitchFamily="34" charset="0"/>
+            </a:endParaRPr>
+          </a:p>
+          <a:p>
+            <a:pPr marL="171450" indent="-171450">
+              <a:buFont typeface="Arial" panose="020B0604020202020204" pitchFamily="34" charset="0"/>
+              <a:buChar char="•"/>
+            </a:pPr>
+            <a:r>
+              <a:rPr lang="en-US" altLang="zh-CN" sz="1200" dirty="0">
+                <a:solidFill>
+                  <a:srgbClr val="4A4A4A"/>
+                </a:solidFill>
+                <a:latin typeface="ITC Officina Sans Std Book" panose="020B0506040203020204" pitchFamily="34" charset="0"/>
+              </a:rPr>
+              <a:t>Deep disparity in AP CS scoring. The proportion of White and Asian students who scores 3 or higher in AP CS is 1.9 - 4 times higher than that of Hispanic and Black students.</a:t>
+            </a:r>
+          </a:p>
+          <a:p>
+            <a:pPr marL="171450" indent="-171450">
+              <a:buFont typeface="Arial" panose="020B0604020202020204" pitchFamily="34" charset="0"/>
+              <a:buChar char="•"/>
+            </a:pPr>
+            <a:endParaRPr lang="en-US" altLang="zh-CN" sz="1200" dirty="0">
+              <a:solidFill>
+                <a:srgbClr val="4A4A4A"/>
+              </a:solidFill>
+              <a:latin typeface="ITC Officina Sans Std Book" panose="020B0506040203020204" pitchFamily="34" charset="0"/>
+            </a:endParaRPr>
+          </a:p>
+        </p:txBody>
+      </p:sp>
     </p:spTree>
     <p:extLst>
       <p:ext uri="{BB962C8B-B14F-4D97-AF65-F5344CB8AC3E}">
@@ -36879,7 +37328,7 @@
         <p:spPr>
           <a:xfrm>
             <a:off x="510556" y="386396"/>
-            <a:ext cx="11170886" cy="677108"/>
+            <a:ext cx="11170886" cy="1785104"/>
           </a:xfrm>
           <a:prstGeom prst="rect">
             <a:avLst/>
@@ -36901,7 +37350,7 @@
                 <a:ea typeface="Tahoma" panose="020B0604030504040204" pitchFamily="34" charset="0"/>
                 <a:cs typeface="Tahoma" panose="020B0604030504040204" pitchFamily="34" charset="0"/>
               </a:rPr>
-              <a:t>Proficiency</a:t>
+              <a:t>Excellence</a:t>
             </a:r>
             <a:r>
               <a:rPr lang="en-US" altLang="zh-CN" sz="2000" dirty="0">
@@ -36912,7 +37361,7 @@
                 <a:ea typeface="Tahoma" panose="020B0604030504040204" pitchFamily="34" charset="0"/>
                 <a:cs typeface="Tahoma" panose="020B0604030504040204" pitchFamily="34" charset="0"/>
               </a:rPr>
-              <a:t>: CS Dual Credit Completion</a:t>
+              <a:t>: HS SAT Math Advanced</a:t>
             </a:r>
           </a:p>
           <a:p>
@@ -36923,8 +37372,40 @@
                 </a:solidFill>
                 <a:latin typeface="ITC Officina Sans Std Book" panose="020B0506040203020204" pitchFamily="34" charset="0"/>
               </a:rPr>
-              <a:t>The proportion of CPS HS students obtaining dual credit by race/ethnicity</a:t>
+              <a:t>The proportion of CPS SAT takers advancing math standards by race/ethnicity</a:t>
             </a:r>
+          </a:p>
+          <a:p>
+            <a:endParaRPr lang="en-US" altLang="zh-CN" dirty="0">
+              <a:solidFill>
+                <a:srgbClr val="4A4A4A"/>
+              </a:solidFill>
+              <a:latin typeface="ITC Officina Sans Std Book" panose="020B0506040203020204" pitchFamily="34" charset="0"/>
+            </a:endParaRPr>
+          </a:p>
+          <a:p>
+            <a:r>
+              <a:rPr lang="en-US" altLang="zh-CN" sz="1800" dirty="0">
+                <a:solidFill>
+                  <a:srgbClr val="4A4A4A"/>
+                </a:solidFill>
+                <a:latin typeface="ITC Officina Sans Std Book" panose="020B0506040203020204" pitchFamily="34" charset="0"/>
+              </a:rPr>
+              <a:t>SAT math advanced / SAT takers CHI</a:t>
+            </a:r>
+          </a:p>
+          <a:p>
+            <a:r>
+              <a:rPr lang="en-US" altLang="zh-CN" sz="1800" dirty="0">
+                <a:solidFill>
+                  <a:srgbClr val="4A4A4A"/>
+                </a:solidFill>
+                <a:latin typeface="ITC Officina Sans Std Book" panose="020B0506040203020204" pitchFamily="34" charset="0"/>
+              </a:rPr>
+              <a:t>Vs. SAT math advanced / SAT takers US</a:t>
+            </a:r>
+          </a:p>
+          <a:p>
             <a:endParaRPr lang="zh-CN" altLang="en-US" dirty="0">
               <a:solidFill>
                 <a:srgbClr val="4A4A4A"/>
@@ -36934,12 +37415,40 @@
           </a:p>
         </p:txBody>
       </p:sp>
+      <p:graphicFrame>
+        <p:nvGraphicFramePr>
+          <p:cNvPr id="4" name="Chart 3">
+            <a:extLst>
+              <a:ext uri="{FF2B5EF4-FFF2-40B4-BE49-F238E27FC236}">
+                <a16:creationId xmlns:a16="http://schemas.microsoft.com/office/drawing/2014/main" id="{C55CAE41-081A-694A-2953-EC9C1581E223}"/>
+              </a:ext>
+            </a:extLst>
+          </p:cNvPr>
+          <p:cNvGraphicFramePr/>
+          <p:nvPr>
+            <p:extLst>
+              <p:ext uri="{D42A27DB-BD31-4B8C-83A1-F6EECF244321}">
+                <p14:modId xmlns:p14="http://schemas.microsoft.com/office/powerpoint/2010/main" val="2916166455"/>
+              </p:ext>
+            </p:extLst>
+          </p:nvPr>
+        </p:nvGraphicFramePr>
+        <p:xfrm>
+          <a:off x="5101336" y="2189565"/>
+          <a:ext cx="6118207" cy="4282039"/>
+        </p:xfrm>
+        <a:graphic>
+          <a:graphicData uri="http://schemas.openxmlformats.org/drawingml/2006/chart">
+            <c:chart xmlns:c="http://schemas.openxmlformats.org/drawingml/2006/chart" xmlns:r="http://schemas.openxmlformats.org/officeDocument/2006/relationships" r:id="rId2"/>
+          </a:graphicData>
+        </a:graphic>
+      </p:graphicFrame>
       <p:sp>
         <p:nvSpPr>
-          <p:cNvPr id="2" name="TextBox 1">
+          <p:cNvPr id="6" name="TextBox 5">
             <a:extLst>
               <a:ext uri="{FF2B5EF4-FFF2-40B4-BE49-F238E27FC236}">
-                <a16:creationId xmlns:a16="http://schemas.microsoft.com/office/drawing/2014/main" id="{C58DE5A6-D162-7C90-4730-8E071D65E836}"/>
+                <a16:creationId xmlns:a16="http://schemas.microsoft.com/office/drawing/2014/main" id="{406A553A-2B5B-92B1-6D0F-A4D5921C8941}"/>
               </a:ext>
             </a:extLst>
           </p:cNvPr>
@@ -36948,8 +37457,8 @@
         </p:nvSpPr>
         <p:spPr>
           <a:xfrm>
-            <a:off x="4104640" y="2560320"/>
-            <a:ext cx="3474720" cy="861774"/>
+            <a:off x="581025" y="2190749"/>
+            <a:ext cx="3714750" cy="3046988"/>
           </a:xfrm>
           <a:prstGeom prst="rect">
             <a:avLst/>
@@ -36963,17 +37472,129 @@
           <a:lstStyle/>
           <a:p>
             <a:r>
-              <a:rPr lang="en-US" altLang="zh-CN" sz="5000" b="1" dirty="0"/>
-              <a:t>tbc</a:t>
+              <a:rPr lang="en-US" altLang="zh-CN" sz="1200" b="1" u="sng" dirty="0">
+                <a:solidFill>
+                  <a:srgbClr val="4A4A4A"/>
+                </a:solidFill>
+                <a:latin typeface="ITC Officina Sans Std Book" panose="020B0506040203020204" pitchFamily="34" charset="0"/>
+              </a:rPr>
+              <a:t>What does the data tell?</a:t>
             </a:r>
-            <a:endParaRPr lang="zh-CN" altLang="en-US" sz="5000" b="1" dirty="0"/>
+          </a:p>
+          <a:p>
+            <a:endParaRPr lang="en-US" altLang="zh-CN" sz="1200" b="1" u="sng" dirty="0">
+              <a:solidFill>
+                <a:srgbClr val="4A4A4A"/>
+              </a:solidFill>
+              <a:latin typeface="ITC Officina Sans Std Book" panose="020B0506040203020204" pitchFamily="34" charset="0"/>
+            </a:endParaRPr>
+          </a:p>
+          <a:p>
+            <a:pPr marL="171450" indent="-171450">
+              <a:buFont typeface="Arial" panose="020B0604020202020204" pitchFamily="34" charset="0"/>
+              <a:buChar char="•"/>
+            </a:pPr>
+            <a:r>
+              <a:rPr lang="en-US" altLang="zh-CN" sz="1200" dirty="0">
+                <a:solidFill>
+                  <a:srgbClr val="4A4A4A"/>
+                </a:solidFill>
+                <a:latin typeface="ITC Officina Sans Std Book" panose="020B0506040203020204" pitchFamily="34" charset="0"/>
+              </a:rPr>
+              <a:t>No more than 2% of Hispanic students and 1% of Black students advance in SAT math tests. </a:t>
+            </a:r>
+          </a:p>
+          <a:p>
+            <a:endParaRPr lang="en-US" altLang="zh-CN" sz="1200" dirty="0">
+              <a:solidFill>
+                <a:srgbClr val="4A4A4A"/>
+              </a:solidFill>
+              <a:latin typeface="ITC Officina Sans Std Book" panose="020B0506040203020204" pitchFamily="34" charset="0"/>
+            </a:endParaRPr>
+          </a:p>
+          <a:p>
+            <a:pPr marL="171450" indent="-171450">
+              <a:buFont typeface="Arial" panose="020B0604020202020204" pitchFamily="34" charset="0"/>
+              <a:buChar char="•"/>
+            </a:pPr>
+            <a:r>
+              <a:rPr lang="en-US" altLang="zh-CN" sz="1200" dirty="0">
+                <a:solidFill>
+                  <a:srgbClr val="4A4A4A"/>
+                </a:solidFill>
+                <a:latin typeface="ITC Officina Sans Std Book" panose="020B0506040203020204" pitchFamily="34" charset="0"/>
+              </a:rPr>
+              <a:t>CPS High school students have a proportion of SAT math advanced students significantly lower than the national average across all ethnic groups.</a:t>
+            </a:r>
+          </a:p>
+          <a:p>
+            <a:pPr marL="171450" indent="-171450">
+              <a:buFont typeface="Arial" panose="020B0604020202020204" pitchFamily="34" charset="0"/>
+              <a:buChar char="•"/>
+            </a:pPr>
+            <a:endParaRPr lang="en-US" altLang="zh-CN" sz="1200" dirty="0">
+              <a:solidFill>
+                <a:srgbClr val="4A4A4A"/>
+              </a:solidFill>
+              <a:latin typeface="ITC Officina Sans Std Book" panose="020B0506040203020204" pitchFamily="34" charset="0"/>
+            </a:endParaRPr>
+          </a:p>
+          <a:p>
+            <a:r>
+              <a:rPr lang="en-US" altLang="zh-CN" sz="1200" b="1" u="sng" dirty="0">
+                <a:solidFill>
+                  <a:srgbClr val="4A4A4A"/>
+                </a:solidFill>
+                <a:latin typeface="ITC Officina Sans Std Book" panose="020B0506040203020204" pitchFamily="34" charset="0"/>
+              </a:rPr>
+              <a:t>Takeaways</a:t>
+            </a:r>
+          </a:p>
+          <a:p>
+            <a:pPr marL="171450" indent="-171450">
+              <a:buFont typeface="Arial" panose="020B0604020202020204" pitchFamily="34" charset="0"/>
+              <a:buChar char="•"/>
+            </a:pPr>
+            <a:endParaRPr lang="en-US" altLang="zh-CN" sz="1200" dirty="0">
+              <a:solidFill>
+                <a:srgbClr val="4A4A4A"/>
+              </a:solidFill>
+              <a:latin typeface="ITC Officina Sans Std Book" panose="020B0506040203020204" pitchFamily="34" charset="0"/>
+            </a:endParaRPr>
+          </a:p>
+          <a:p>
+            <a:pPr marL="171450" indent="-171450">
+              <a:buFont typeface="Arial" panose="020B0604020202020204" pitchFamily="34" charset="0"/>
+              <a:buChar char="•"/>
+            </a:pPr>
+            <a:r>
+              <a:rPr lang="en-US" altLang="zh-CN" sz="1200" dirty="0">
+                <a:solidFill>
+                  <a:srgbClr val="4A4A4A"/>
+                </a:solidFill>
+                <a:latin typeface="ITC Officina Sans Std Book" panose="020B0506040203020204" pitchFamily="34" charset="0"/>
+              </a:rPr>
+              <a:t>Extreme disparity in sat math advance rate. The proportion of White and Asian students who advance SAT math is 12.3 - 34 times higher than that of Hispanic and Black students in CPS.</a:t>
+            </a:r>
+          </a:p>
+          <a:p>
+            <a:pPr marL="171450" indent="-171450">
+              <a:buFont typeface="Arial" panose="020B0604020202020204" pitchFamily="34" charset="0"/>
+              <a:buChar char="•"/>
+            </a:pPr>
+            <a:endParaRPr lang="en-US" altLang="zh-CN" sz="1200" dirty="0">
+              <a:solidFill>
+                <a:srgbClr val="4A4A4A"/>
+              </a:solidFill>
+              <a:latin typeface="ITC Officina Sans Std Book" panose="020B0506040203020204" pitchFamily="34" charset="0"/>
+            </a:endParaRPr>
           </a:p>
         </p:txBody>
       </p:sp>
     </p:spTree>
     <p:extLst>
       <p:ext uri="{BB962C8B-B14F-4D97-AF65-F5344CB8AC3E}">
-        <p14:creationId xmlns:p14="http://schemas.microsoft.com/office/powerpoint/2010/main" val="3691343586"/>
+        <p14:creationId xmlns:p14="http://schemas.microsoft.com/office/powerpoint/2010/main" val="3221337434"/>
       </p:ext>
     </p:extLst>
   </p:cSld>
@@ -37062,7 +37683,7 @@
         <p:spPr>
           <a:xfrm>
             <a:off x="510556" y="386396"/>
-            <a:ext cx="11170886" cy="677108"/>
+            <a:ext cx="11170886" cy="1508105"/>
           </a:xfrm>
           <a:prstGeom prst="rect">
             <a:avLst/>
@@ -37095,7 +37716,7 @@
                 <a:ea typeface="Tahoma" panose="020B0604030504040204" pitchFamily="34" charset="0"/>
                 <a:cs typeface="Tahoma" panose="020B0604030504040204" pitchFamily="34" charset="0"/>
               </a:rPr>
-              <a:t>: HS SAT Math Advanced</a:t>
+              <a:t>: CPS AP CS scored 5</a:t>
             </a:r>
           </a:p>
           <a:p>
@@ -37106,85 +37727,47 @@
                 </a:solidFill>
                 <a:latin typeface="ITC Officina Sans Std Book" panose="020B0506040203020204" pitchFamily="34" charset="0"/>
               </a:rPr>
-              <a:t>The proportion of CPS SAT takers advancing standards by race/ethnicity</a:t>
+              <a:t>The proportion of CPS AP CS students scoring a 5 by race/ethnicity</a:t>
             </a:r>
-            <a:endParaRPr lang="zh-CN" altLang="en-US" dirty="0">
+          </a:p>
+          <a:p>
+            <a:endParaRPr lang="en-US" altLang="zh-CN" dirty="0">
               <a:solidFill>
                 <a:srgbClr val="4A4A4A"/>
               </a:solidFill>
               <a:latin typeface="ITC Officina Sans Std Book" panose="020B0506040203020204" pitchFamily="34" charset="0"/>
             </a:endParaRPr>
           </a:p>
-        </p:txBody>
-      </p:sp>
-      <p:sp>
-        <p:nvSpPr>
-          <p:cNvPr id="5" name="TextBox 4">
-            <a:extLst>
-              <a:ext uri="{FF2B5EF4-FFF2-40B4-BE49-F238E27FC236}">
-                <a16:creationId xmlns:a16="http://schemas.microsoft.com/office/drawing/2014/main" id="{086A675C-C124-357D-9054-31EFE8C72E56}"/>
-              </a:ext>
-            </a:extLst>
-          </p:cNvPr>
-          <p:cNvSpPr txBox="1"/>
-          <p:nvPr/>
-        </p:nvSpPr>
-        <p:spPr>
-          <a:xfrm>
-            <a:off x="510556" y="2967335"/>
-            <a:ext cx="3401044" cy="646331"/>
-          </a:xfrm>
-          <a:prstGeom prst="rect">
-            <a:avLst/>
-          </a:prstGeom>
-          <a:noFill/>
-        </p:spPr>
-        <p:txBody>
-          <a:bodyPr wrap="square" rtlCol="0">
-            <a:spAutoFit/>
-          </a:bodyPr>
-          <a:lstStyle/>
           <a:p>
             <a:r>
-              <a:rPr lang="en-US" altLang="zh-CN" sz="1200" dirty="0">
+              <a:rPr lang="en-US" altLang="zh-CN" sz="1800" dirty="0">
                 <a:solidFill>
                   <a:srgbClr val="4A4A4A"/>
                 </a:solidFill>
                 <a:latin typeface="ITC Officina Sans Std Book" panose="020B0506040203020204" pitchFamily="34" charset="0"/>
               </a:rPr>
-              <a:t>SAT math advanced / SAT takers CHI</a:t>
+              <a:t>AP CS scoring 5 CHI / Total AP CS students CHI</a:t>
             </a:r>
           </a:p>
           <a:p>
             <a:r>
-              <a:rPr lang="en-US" altLang="zh-CN" sz="1200" dirty="0">
+              <a:rPr lang="en-US" altLang="zh-CN" sz="1800" dirty="0">
                 <a:solidFill>
                   <a:srgbClr val="4A4A4A"/>
                 </a:solidFill>
                 <a:latin typeface="ITC Officina Sans Std Book" panose="020B0506040203020204" pitchFamily="34" charset="0"/>
               </a:rPr>
-              <a:t>Vs. </a:t>
-            </a:r>
-          </a:p>
-          <a:p>
-            <a:r>
-              <a:rPr lang="en-US" altLang="zh-CN" sz="1200" dirty="0">
-                <a:solidFill>
-                  <a:srgbClr val="4A4A4A"/>
-                </a:solidFill>
-                <a:latin typeface="ITC Officina Sans Std Book" panose="020B0506040203020204" pitchFamily="34" charset="0"/>
-              </a:rPr>
-              <a:t>SAT math advanced / SAT takers US</a:t>
+              <a:t>Vs. AP CS scoring 5 US / Total AP CS students US</a:t>
             </a:r>
           </a:p>
         </p:txBody>
       </p:sp>
       <p:graphicFrame>
         <p:nvGraphicFramePr>
-          <p:cNvPr id="4" name="Chart 3">
+          <p:cNvPr id="6" name="Chart 5">
             <a:extLst>
               <a:ext uri="{FF2B5EF4-FFF2-40B4-BE49-F238E27FC236}">
-                <a16:creationId xmlns:a16="http://schemas.microsoft.com/office/drawing/2014/main" id="{C55CAE41-081A-694A-2953-EC9C1581E223}"/>
+                <a16:creationId xmlns:a16="http://schemas.microsoft.com/office/drawing/2014/main" id="{38EDF5C0-C8F4-8A63-1723-55284CAC557A}"/>
               </a:ext>
             </a:extLst>
           </p:cNvPr>
@@ -37192,14 +37775,14 @@
           <p:nvPr>
             <p:extLst>
               <p:ext uri="{D42A27DB-BD31-4B8C-83A1-F6EECF244321}">
-                <p14:modId xmlns:p14="http://schemas.microsoft.com/office/powerpoint/2010/main" val="3532150470"/>
+                <p14:modId xmlns:p14="http://schemas.microsoft.com/office/powerpoint/2010/main" val="3065801865"/>
               </p:ext>
             </p:extLst>
           </p:nvPr>
         </p:nvGraphicFramePr>
         <p:xfrm>
-          <a:off x="3308350" y="1348317"/>
-          <a:ext cx="7264400" cy="4842934"/>
+          <a:off x="5122862" y="2196041"/>
+          <a:ext cx="6107113" cy="4204759"/>
         </p:xfrm>
         <a:graphic>
           <a:graphicData uri="http://schemas.openxmlformats.org/drawingml/2006/chart">
@@ -37210,7 +37793,7 @@
     </p:spTree>
     <p:extLst>
       <p:ext uri="{BB962C8B-B14F-4D97-AF65-F5344CB8AC3E}">
-        <p14:creationId xmlns:p14="http://schemas.microsoft.com/office/powerpoint/2010/main" val="3221337434"/>
+        <p14:creationId xmlns:p14="http://schemas.microsoft.com/office/powerpoint/2010/main" val="2822855916"/>
       </p:ext>
     </p:extLst>
   </p:cSld>
@@ -37299,7 +37882,7 @@
         <p:spPr>
           <a:xfrm>
             <a:off x="510556" y="386396"/>
-            <a:ext cx="11170886" cy="677108"/>
+            <a:ext cx="11170886" cy="1785104"/>
           </a:xfrm>
           <a:prstGeom prst="rect">
             <a:avLst/>
@@ -37321,7 +37904,7 @@
                 <a:ea typeface="Tahoma" panose="020B0604030504040204" pitchFamily="34" charset="0"/>
                 <a:cs typeface="Tahoma" panose="020B0604030504040204" pitchFamily="34" charset="0"/>
               </a:rPr>
-              <a:t>Excellence</a:t>
+              <a:t>ACCESS</a:t>
             </a:r>
             <a:r>
               <a:rPr lang="en-US" altLang="zh-CN" sz="2000" dirty="0">
@@ -37332,7 +37915,7 @@
                 <a:ea typeface="Tahoma" panose="020B0604030504040204" pitchFamily="34" charset="0"/>
                 <a:cs typeface="Tahoma" panose="020B0604030504040204" pitchFamily="34" charset="0"/>
               </a:rPr>
-              <a:t>: CPS AP CS scored 5</a:t>
+              <a:t>: AP CS Enrollment</a:t>
             </a:r>
           </a:p>
           <a:p>
@@ -37343,8 +37926,40 @@
                 </a:solidFill>
                 <a:latin typeface="ITC Officina Sans Std Book" panose="020B0506040203020204" pitchFamily="34" charset="0"/>
               </a:rPr>
-              <a:t>The proportion of CPS AP CS students scoring a 5 by race/ethnicity</a:t>
+              <a:t>The proportion of CPS HS students enrolled in AP CS</a:t>
             </a:r>
+          </a:p>
+          <a:p>
+            <a:endParaRPr lang="en-US" altLang="zh-CN" dirty="0">
+              <a:solidFill>
+                <a:srgbClr val="4A4A4A"/>
+              </a:solidFill>
+              <a:latin typeface="ITC Officina Sans Std Book" panose="020B0506040203020204" pitchFamily="34" charset="0"/>
+            </a:endParaRPr>
+          </a:p>
+          <a:p>
+            <a:r>
+              <a:rPr lang="en-US" altLang="zh-CN" sz="1800" dirty="0">
+                <a:solidFill>
+                  <a:srgbClr val="4A4A4A"/>
+                </a:solidFill>
+                <a:latin typeface="ITC Officina Sans Std Book" panose="020B0506040203020204" pitchFamily="34" charset="0"/>
+              </a:rPr>
+              <a:t>AP CS enrollment CHI / Total HS students CHI</a:t>
+            </a:r>
+          </a:p>
+          <a:p>
+            <a:r>
+              <a:rPr lang="en-US" altLang="zh-CN" sz="1800" dirty="0">
+                <a:solidFill>
+                  <a:srgbClr val="4A4A4A"/>
+                </a:solidFill>
+                <a:latin typeface="ITC Officina Sans Std Book" panose="020B0506040203020204" pitchFamily="34" charset="0"/>
+              </a:rPr>
+              <a:t>Vs. AP CS enrollment US / Total HS students US</a:t>
+            </a:r>
+          </a:p>
+          <a:p>
             <a:endParaRPr lang="zh-CN" altLang="en-US" dirty="0">
               <a:solidFill>
                 <a:srgbClr val="4A4A4A"/>
@@ -37354,74 +37969,12 @@
           </a:p>
         </p:txBody>
       </p:sp>
-      <p:sp>
-        <p:nvSpPr>
-          <p:cNvPr id="5" name="TextBox 4">
+      <p:graphicFrame>
+        <p:nvGraphicFramePr>
+          <p:cNvPr id="4" name="Chart 3">
             <a:extLst>
               <a:ext uri="{FF2B5EF4-FFF2-40B4-BE49-F238E27FC236}">
-                <a16:creationId xmlns:a16="http://schemas.microsoft.com/office/drawing/2014/main" id="{97D6ADD5-E6D8-56CE-7906-212000EC963D}"/>
-              </a:ext>
-            </a:extLst>
-          </p:cNvPr>
-          <p:cNvSpPr txBox="1"/>
-          <p:nvPr/>
-        </p:nvSpPr>
-        <p:spPr>
-          <a:xfrm>
-            <a:off x="510556" y="2967335"/>
-            <a:ext cx="4785344" cy="646331"/>
-          </a:xfrm>
-          <a:prstGeom prst="rect">
-            <a:avLst/>
-          </a:prstGeom>
-          <a:noFill/>
-        </p:spPr>
-        <p:txBody>
-          <a:bodyPr wrap="square" rtlCol="0">
-            <a:spAutoFit/>
-          </a:bodyPr>
-          <a:lstStyle/>
-          <a:p>
-            <a:r>
-              <a:rPr lang="en-US" altLang="zh-CN" sz="1200" dirty="0">
-                <a:solidFill>
-                  <a:srgbClr val="4A4A4A"/>
-                </a:solidFill>
-                <a:latin typeface="ITC Officina Sans Std Book" panose="020B0506040203020204" pitchFamily="34" charset="0"/>
-              </a:rPr>
-              <a:t>AP CS scoring 5 CHI / Total AP CS students CHI</a:t>
-            </a:r>
-          </a:p>
-          <a:p>
-            <a:r>
-              <a:rPr lang="en-US" altLang="zh-CN" sz="1200" dirty="0">
-                <a:solidFill>
-                  <a:srgbClr val="4A4A4A"/>
-                </a:solidFill>
-                <a:latin typeface="ITC Officina Sans Std Book" panose="020B0506040203020204" pitchFamily="34" charset="0"/>
-              </a:rPr>
-              <a:t>Vs. </a:t>
-            </a:r>
-          </a:p>
-          <a:p>
-            <a:r>
-              <a:rPr lang="en-US" altLang="zh-CN" sz="1200" dirty="0">
-                <a:solidFill>
-                  <a:srgbClr val="4A4A4A"/>
-                </a:solidFill>
-                <a:latin typeface="ITC Officina Sans Std Book" panose="020B0506040203020204" pitchFamily="34" charset="0"/>
-              </a:rPr>
-              <a:t>AP CS scoring 5 US / Total AP CS students US</a:t>
-            </a:r>
-          </a:p>
-        </p:txBody>
-      </p:sp>
-      <p:graphicFrame>
-        <p:nvGraphicFramePr>
-          <p:cNvPr id="6" name="Chart 5">
-            <a:extLst>
-              <a:ext uri="{FF2B5EF4-FFF2-40B4-BE49-F238E27FC236}">
-                <a16:creationId xmlns:a16="http://schemas.microsoft.com/office/drawing/2014/main" id="{38EDF5C0-C8F4-8A63-1723-55284CAC557A}"/>
+                <a16:creationId xmlns:a16="http://schemas.microsoft.com/office/drawing/2014/main" id="{6E48EFC0-73CE-D26C-9903-3329A0AE7325}"/>
               </a:ext>
             </a:extLst>
           </p:cNvPr>
@@ -37429,14 +37982,14 @@
           <p:nvPr>
             <p:extLst>
               <p:ext uri="{D42A27DB-BD31-4B8C-83A1-F6EECF244321}">
-                <p14:modId xmlns:p14="http://schemas.microsoft.com/office/powerpoint/2010/main" val="837043802"/>
+                <p14:modId xmlns:p14="http://schemas.microsoft.com/office/powerpoint/2010/main" val="1427296620"/>
               </p:ext>
             </p:extLst>
           </p:nvPr>
         </p:nvGraphicFramePr>
         <p:xfrm>
-          <a:off x="4032250" y="1311213"/>
-          <a:ext cx="6992938" cy="4661959"/>
+          <a:off x="5114925" y="2188470"/>
+          <a:ext cx="6134100" cy="4193280"/>
         </p:xfrm>
         <a:graphic>
           <a:graphicData uri="http://schemas.openxmlformats.org/drawingml/2006/chart">
@@ -37444,10 +37997,49 @@
           </a:graphicData>
         </a:graphic>
       </p:graphicFrame>
+      <p:pic>
+        <p:nvPicPr>
+          <p:cNvPr id="9" name="Graphic 8" descr="Question Mark with solid fill">
+            <a:extLst>
+              <a:ext uri="{FF2B5EF4-FFF2-40B4-BE49-F238E27FC236}">
+                <a16:creationId xmlns:a16="http://schemas.microsoft.com/office/drawing/2014/main" id="{409679B3-4F01-EEDE-A1C5-66E5FAF059C4}"/>
+              </a:ext>
+            </a:extLst>
+          </p:cNvPr>
+          <p:cNvPicPr>
+            <a:picLocks noChangeAspect="1"/>
+          </p:cNvPicPr>
+          <p:nvPr/>
+        </p:nvPicPr>
+        <p:blipFill>
+          <a:blip r:embed="rId3">
+            <a:extLst>
+              <a:ext uri="{28A0092B-C50C-407E-A947-70E740481C1C}">
+                <a14:useLocalDpi xmlns:a14="http://schemas.microsoft.com/office/drawing/2010/main" val="0"/>
+              </a:ext>
+              <a:ext uri="{96DAC541-7B7A-43D3-8B79-37D633B846F1}">
+                <asvg:svgBlip xmlns:asvg="http://schemas.microsoft.com/office/drawing/2016/SVG/main" r:embed="rId4"/>
+              </a:ext>
+            </a:extLst>
+          </a:blip>
+          <a:stretch>
+            <a:fillRect/>
+          </a:stretch>
+        </p:blipFill>
+        <p:spPr>
+          <a:xfrm>
+            <a:off x="7869630" y="3248512"/>
+            <a:ext cx="932801" cy="932801"/>
+          </a:xfrm>
+          <a:prstGeom prst="rect">
+            <a:avLst/>
+          </a:prstGeom>
+        </p:spPr>
+      </p:pic>
     </p:spTree>
     <p:extLst>
       <p:ext uri="{BB962C8B-B14F-4D97-AF65-F5344CB8AC3E}">
-        <p14:creationId xmlns:p14="http://schemas.microsoft.com/office/powerpoint/2010/main" val="2822855916"/>
+        <p14:creationId xmlns:p14="http://schemas.microsoft.com/office/powerpoint/2010/main" val="1659686111"/>
       </p:ext>
     </p:extLst>
   </p:cSld>
@@ -37536,7 +38128,7 @@
         <p:spPr>
           <a:xfrm>
             <a:off x="510556" y="386396"/>
-            <a:ext cx="11170886" cy="677108"/>
+            <a:ext cx="11170886" cy="1231106"/>
           </a:xfrm>
           <a:prstGeom prst="rect">
             <a:avLst/>
@@ -37569,7 +38161,7 @@
                 <a:ea typeface="Tahoma" panose="020B0604030504040204" pitchFamily="34" charset="0"/>
                 <a:cs typeface="Tahoma" panose="020B0604030504040204" pitchFamily="34" charset="0"/>
               </a:rPr>
-              <a:t>: AP CS Enrollment</a:t>
+              <a:t>: CPS HS STEM Magnet School Enrollment</a:t>
             </a:r>
           </a:p>
           <a:p>
@@ -37580,75 +38172,26 @@
                 </a:solidFill>
                 <a:latin typeface="ITC Officina Sans Std Book" panose="020B0506040203020204" pitchFamily="34" charset="0"/>
               </a:rPr>
-              <a:t>The proportion of CPS HS students enrolled in AP CS</a:t>
+              <a:t>The proportion of CPS HS students enrolled in a STEM magnet school by race/ethnicity</a:t>
             </a:r>
-            <a:endParaRPr lang="zh-CN" altLang="en-US" dirty="0">
+          </a:p>
+          <a:p>
+            <a:endParaRPr lang="en-US" altLang="zh-CN" dirty="0">
               <a:solidFill>
                 <a:srgbClr val="4A4A4A"/>
               </a:solidFill>
               <a:latin typeface="ITC Officina Sans Std Book" panose="020B0506040203020204" pitchFamily="34" charset="0"/>
             </a:endParaRPr>
           </a:p>
-        </p:txBody>
-      </p:sp>
-      <p:sp>
-        <p:nvSpPr>
-          <p:cNvPr id="5" name="TextBox 4">
-            <a:extLst>
-              <a:ext uri="{FF2B5EF4-FFF2-40B4-BE49-F238E27FC236}">
-                <a16:creationId xmlns:a16="http://schemas.microsoft.com/office/drawing/2014/main" id="{A2D8537D-9B15-123F-67BF-4B2EC15C8C3F}"/>
-              </a:ext>
-            </a:extLst>
-          </p:cNvPr>
-          <p:cNvSpPr txBox="1"/>
-          <p:nvPr/>
-        </p:nvSpPr>
-        <p:spPr>
-          <a:xfrm>
-            <a:off x="510556" y="2967335"/>
-            <a:ext cx="4785344" cy="646331"/>
-          </a:xfrm>
-          <a:prstGeom prst="rect">
-            <a:avLst/>
-          </a:prstGeom>
-          <a:noFill/>
-        </p:spPr>
-        <p:txBody>
-          <a:bodyPr wrap="square" rtlCol="0">
-            <a:spAutoFit/>
-          </a:bodyPr>
-          <a:lstStyle/>
           <a:p>
             <a:r>
-              <a:rPr lang="en-US" altLang="zh-CN" sz="1200" dirty="0">
+              <a:rPr lang="en-US" altLang="zh-CN" sz="1800" dirty="0">
                 <a:solidFill>
                   <a:srgbClr val="4A4A4A"/>
                 </a:solidFill>
                 <a:latin typeface="ITC Officina Sans Std Book" panose="020B0506040203020204" pitchFamily="34" charset="0"/>
               </a:rPr>
-              <a:t>AP CS enrollment CHI / Total HS students CHI</a:t>
-            </a:r>
-          </a:p>
-          <a:p>
-            <a:r>
-              <a:rPr lang="en-US" altLang="zh-CN" sz="1200" dirty="0">
-                <a:solidFill>
-                  <a:srgbClr val="4A4A4A"/>
-                </a:solidFill>
-                <a:latin typeface="ITC Officina Sans Std Book" panose="020B0506040203020204" pitchFamily="34" charset="0"/>
-              </a:rPr>
-              <a:t>Vs. </a:t>
-            </a:r>
-          </a:p>
-          <a:p>
-            <a:r>
-              <a:rPr lang="en-US" altLang="zh-CN" sz="1200" dirty="0">
-                <a:solidFill>
-                  <a:srgbClr val="4A4A4A"/>
-                </a:solidFill>
-                <a:latin typeface="ITC Officina Sans Std Book" panose="020B0506040203020204" pitchFamily="34" charset="0"/>
-              </a:rPr>
-              <a:t>AP CS enrollment US / Total HS students US</a:t>
+              <a:t>STEM Magnet school IL / Total CPS HS Student IL</a:t>
             </a:r>
           </a:p>
         </p:txBody>
@@ -37658,7 +38201,7 @@
           <p:cNvPr id="4" name="Chart 3">
             <a:extLst>
               <a:ext uri="{FF2B5EF4-FFF2-40B4-BE49-F238E27FC236}">
-                <a16:creationId xmlns:a16="http://schemas.microsoft.com/office/drawing/2014/main" id="{6E48EFC0-73CE-D26C-9903-3329A0AE7325}"/>
+                <a16:creationId xmlns:a16="http://schemas.microsoft.com/office/drawing/2014/main" id="{B9EFCECE-0858-EF93-EAEA-BAABDB147B9D}"/>
               </a:ext>
             </a:extLst>
           </p:cNvPr>
@@ -37666,14 +38209,14 @@
           <p:nvPr>
             <p:extLst>
               <p:ext uri="{D42A27DB-BD31-4B8C-83A1-F6EECF244321}">
-                <p14:modId xmlns:p14="http://schemas.microsoft.com/office/powerpoint/2010/main" val="4163291657"/>
+                <p14:modId xmlns:p14="http://schemas.microsoft.com/office/powerpoint/2010/main" val="2634363812"/>
               </p:ext>
             </p:extLst>
           </p:nvPr>
         </p:nvGraphicFramePr>
         <p:xfrm>
-          <a:off x="5295900" y="2316101"/>
-          <a:ext cx="5864225" cy="3909484"/>
+          <a:off x="5125450" y="2197854"/>
+          <a:ext cx="6104525" cy="4202946"/>
         </p:xfrm>
         <a:graphic>
           <a:graphicData uri="http://schemas.openxmlformats.org/drawingml/2006/chart">
@@ -37681,49 +38224,10 @@
           </a:graphicData>
         </a:graphic>
       </p:graphicFrame>
-      <p:pic>
-        <p:nvPicPr>
-          <p:cNvPr id="9" name="Graphic 8" descr="Question Mark with solid fill">
-            <a:extLst>
-              <a:ext uri="{FF2B5EF4-FFF2-40B4-BE49-F238E27FC236}">
-                <a16:creationId xmlns:a16="http://schemas.microsoft.com/office/drawing/2014/main" id="{409679B3-4F01-EEDE-A1C5-66E5FAF059C4}"/>
-              </a:ext>
-            </a:extLst>
-          </p:cNvPr>
-          <p:cNvPicPr>
-            <a:picLocks noChangeAspect="1"/>
-          </p:cNvPicPr>
-          <p:nvPr/>
-        </p:nvPicPr>
-        <p:blipFill>
-          <a:blip r:embed="rId3">
-            <a:extLst>
-              <a:ext uri="{28A0092B-C50C-407E-A947-70E740481C1C}">
-                <a14:useLocalDpi xmlns:a14="http://schemas.microsoft.com/office/drawing/2010/main" val="0"/>
-              </a:ext>
-              <a:ext uri="{96DAC541-7B7A-43D3-8B79-37D633B846F1}">
-                <asvg:svgBlip xmlns:asvg="http://schemas.microsoft.com/office/drawing/2016/SVG/main" r:embed="rId4"/>
-              </a:ext>
-            </a:extLst>
-          </a:blip>
-          <a:stretch>
-            <a:fillRect/>
-          </a:stretch>
-        </p:blipFill>
-        <p:spPr>
-          <a:xfrm>
-            <a:off x="7869630" y="3248512"/>
-            <a:ext cx="932801" cy="932801"/>
-          </a:xfrm>
-          <a:prstGeom prst="rect">
-            <a:avLst/>
-          </a:prstGeom>
-        </p:spPr>
-      </p:pic>
     </p:spTree>
     <p:extLst>
       <p:ext uri="{BB962C8B-B14F-4D97-AF65-F5344CB8AC3E}">
-        <p14:creationId xmlns:p14="http://schemas.microsoft.com/office/powerpoint/2010/main" val="1659686111"/>
+        <p14:creationId xmlns:p14="http://schemas.microsoft.com/office/powerpoint/2010/main" val="2631363379"/>
       </p:ext>
     </p:extLst>
   </p:cSld>
@@ -37812,7 +38316,7 @@
         <p:spPr>
           <a:xfrm>
             <a:off x="510556" y="386396"/>
-            <a:ext cx="11170886" cy="677108"/>
+            <a:ext cx="11170886" cy="1231106"/>
           </a:xfrm>
           <a:prstGeom prst="rect">
             <a:avLst/>
@@ -37834,7 +38338,7 @@
                 <a:ea typeface="Tahoma" panose="020B0604030504040204" pitchFamily="34" charset="0"/>
                 <a:cs typeface="Tahoma" panose="020B0604030504040204" pitchFamily="34" charset="0"/>
               </a:rPr>
-              <a:t>ACCESS</a:t>
+              <a:t>ACCESS </a:t>
             </a:r>
             <a:r>
               <a:rPr lang="en-US" altLang="zh-CN" sz="2000" dirty="0">
@@ -37845,7 +38349,7 @@
                 <a:ea typeface="Tahoma" panose="020B0604030504040204" pitchFamily="34" charset="0"/>
                 <a:cs typeface="Tahoma" panose="020B0604030504040204" pitchFamily="34" charset="0"/>
               </a:rPr>
-              <a:t>: CPS HS STEM Magnet School Enrollment</a:t>
+              <a:t>: CS Interest</a:t>
             </a:r>
           </a:p>
           <a:p>
@@ -37856,53 +38360,26 @@
                 </a:solidFill>
                 <a:latin typeface="ITC Officina Sans Std Book" panose="020B0506040203020204" pitchFamily="34" charset="0"/>
               </a:rPr>
-              <a:t>The proportion of CPS HS students enrolled in a STEM magnet school by race/ethnicity</a:t>
+              <a:t>The proportion of CPS HS students indicating interest in an CS/IT career</a:t>
             </a:r>
-            <a:endParaRPr lang="zh-CN" altLang="en-US" dirty="0">
+          </a:p>
+          <a:p>
+            <a:endParaRPr lang="en-US" altLang="zh-CN" dirty="0">
               <a:solidFill>
                 <a:srgbClr val="4A4A4A"/>
               </a:solidFill>
               <a:latin typeface="ITC Officina Sans Std Book" panose="020B0506040203020204" pitchFamily="34" charset="0"/>
             </a:endParaRPr>
           </a:p>
-        </p:txBody>
-      </p:sp>
-      <p:sp>
-        <p:nvSpPr>
-          <p:cNvPr id="12" name="TextBox 11">
-            <a:extLst>
-              <a:ext uri="{FF2B5EF4-FFF2-40B4-BE49-F238E27FC236}">
-                <a16:creationId xmlns:a16="http://schemas.microsoft.com/office/drawing/2014/main" id="{9C6672FC-7502-04F6-E4D2-9B68357344AE}"/>
-              </a:ext>
-            </a:extLst>
-          </p:cNvPr>
-          <p:cNvSpPr txBox="1"/>
-          <p:nvPr/>
-        </p:nvSpPr>
-        <p:spPr>
-          <a:xfrm>
-            <a:off x="510556" y="2967335"/>
-            <a:ext cx="3401044" cy="276999"/>
-          </a:xfrm>
-          <a:prstGeom prst="rect">
-            <a:avLst/>
-          </a:prstGeom>
-          <a:noFill/>
-        </p:spPr>
-        <p:txBody>
-          <a:bodyPr wrap="square" rtlCol="0">
-            <a:spAutoFit/>
-          </a:bodyPr>
-          <a:lstStyle/>
           <a:p>
             <a:r>
-              <a:rPr lang="en-US" altLang="zh-CN" sz="1200" dirty="0">
+              <a:rPr lang="en-US" altLang="zh-CN" sz="1800" dirty="0">
                 <a:solidFill>
                   <a:srgbClr val="4A4A4A"/>
                 </a:solidFill>
                 <a:latin typeface="ITC Officina Sans Std Book" panose="020B0506040203020204" pitchFamily="34" charset="0"/>
               </a:rPr>
-              <a:t>STEM Magnet school IL / Total CPS HS Student IL</a:t>
+              <a:t>CS interested HS students CHI / Total HS Student CHI</a:t>
             </a:r>
           </a:p>
         </p:txBody>
@@ -37912,7 +38389,7 @@
           <p:cNvPr id="4" name="Chart 3">
             <a:extLst>
               <a:ext uri="{FF2B5EF4-FFF2-40B4-BE49-F238E27FC236}">
-                <a16:creationId xmlns:a16="http://schemas.microsoft.com/office/drawing/2014/main" id="{B9EFCECE-0858-EF93-EAEA-BAABDB147B9D}"/>
+                <a16:creationId xmlns:a16="http://schemas.microsoft.com/office/drawing/2014/main" id="{682CE78E-64D2-9240-4615-CBE2240C8F52}"/>
               </a:ext>
             </a:extLst>
           </p:cNvPr>
@@ -37920,14 +38397,14 @@
           <p:nvPr>
             <p:extLst>
               <p:ext uri="{D42A27DB-BD31-4B8C-83A1-F6EECF244321}">
-                <p14:modId xmlns:p14="http://schemas.microsoft.com/office/powerpoint/2010/main" val="1539669875"/>
+                <p14:modId xmlns:p14="http://schemas.microsoft.com/office/powerpoint/2010/main" val="1240280060"/>
               </p:ext>
             </p:extLst>
           </p:nvPr>
         </p:nvGraphicFramePr>
         <p:xfrm>
-          <a:off x="4115800" y="1826379"/>
-          <a:ext cx="6127496" cy="3574573"/>
+          <a:off x="5114925" y="2184823"/>
+          <a:ext cx="6143625" cy="4286781"/>
         </p:xfrm>
         <a:graphic>
           <a:graphicData uri="http://schemas.openxmlformats.org/drawingml/2006/chart">
@@ -37938,7 +38415,7 @@
     </p:spTree>
     <p:extLst>
       <p:ext uri="{BB962C8B-B14F-4D97-AF65-F5344CB8AC3E}">
-        <p14:creationId xmlns:p14="http://schemas.microsoft.com/office/powerpoint/2010/main" val="2631363379"/>
+        <p14:creationId xmlns:p14="http://schemas.microsoft.com/office/powerpoint/2010/main" val="2498115387"/>
       </p:ext>
     </p:extLst>
   </p:cSld>
@@ -38150,222 +38627,7 @@
         <p:spPr>
           <a:xfrm>
             <a:off x="510556" y="386396"/>
-            <a:ext cx="11170886" cy="677108"/>
-          </a:xfrm>
-          <a:prstGeom prst="rect">
-            <a:avLst/>
-          </a:prstGeom>
-          <a:noFill/>
-        </p:spPr>
-        <p:txBody>
-          <a:bodyPr wrap="square" rtlCol="0">
-            <a:spAutoFit/>
-          </a:bodyPr>
-          <a:lstStyle/>
-          <a:p>
-            <a:r>
-              <a:rPr lang="en-US" altLang="zh-CN" sz="2000" dirty="0">
-                <a:solidFill>
-                  <a:srgbClr val="FF0000"/>
-                </a:solidFill>
-                <a:latin typeface="Antique Olive Std Compact" panose="020B0904030504040204" pitchFamily="34" charset="0"/>
-                <a:ea typeface="Tahoma" panose="020B0604030504040204" pitchFamily="34" charset="0"/>
-                <a:cs typeface="Tahoma" panose="020B0604030504040204" pitchFamily="34" charset="0"/>
-              </a:rPr>
-              <a:t>ACCESS </a:t>
-            </a:r>
-            <a:r>
-              <a:rPr lang="en-US" altLang="zh-CN" sz="2000" dirty="0">
-                <a:solidFill>
-                  <a:schemeClr val="tx2"/>
-                </a:solidFill>
-                <a:latin typeface="Antique Olive Std Compact" panose="020B0904030504040204" pitchFamily="34" charset="0"/>
-                <a:ea typeface="Tahoma" panose="020B0604030504040204" pitchFamily="34" charset="0"/>
-                <a:cs typeface="Tahoma" panose="020B0604030504040204" pitchFamily="34" charset="0"/>
-              </a:rPr>
-              <a:t>: CS Interest</a:t>
-            </a:r>
-          </a:p>
-          <a:p>
-            <a:r>
-              <a:rPr lang="en-US" altLang="zh-CN" dirty="0">
-                <a:solidFill>
-                  <a:srgbClr val="4A4A4A"/>
-                </a:solidFill>
-                <a:latin typeface="ITC Officina Sans Std Book" panose="020B0506040203020204" pitchFamily="34" charset="0"/>
-              </a:rPr>
-              <a:t>The proportion of CPS HS students indicating interest in an CS/IT career</a:t>
-            </a:r>
-            <a:endParaRPr lang="zh-CN" altLang="en-US" dirty="0">
-              <a:solidFill>
-                <a:srgbClr val="4A4A4A"/>
-              </a:solidFill>
-              <a:latin typeface="ITC Officina Sans Std Book" panose="020B0506040203020204" pitchFamily="34" charset="0"/>
-            </a:endParaRPr>
-          </a:p>
-        </p:txBody>
-      </p:sp>
-      <p:graphicFrame>
-        <p:nvGraphicFramePr>
-          <p:cNvPr id="4" name="Chart 3">
-            <a:extLst>
-              <a:ext uri="{FF2B5EF4-FFF2-40B4-BE49-F238E27FC236}">
-                <a16:creationId xmlns:a16="http://schemas.microsoft.com/office/drawing/2014/main" id="{682CE78E-64D2-9240-4615-CBE2240C8F52}"/>
-              </a:ext>
-            </a:extLst>
-          </p:cNvPr>
-          <p:cNvGraphicFramePr/>
-          <p:nvPr>
-            <p:extLst>
-              <p:ext uri="{D42A27DB-BD31-4B8C-83A1-F6EECF244321}">
-                <p14:modId xmlns:p14="http://schemas.microsoft.com/office/powerpoint/2010/main" val="264495776"/>
-              </p:ext>
-            </p:extLst>
-          </p:nvPr>
-        </p:nvGraphicFramePr>
-        <p:xfrm>
-          <a:off x="4267200" y="1369906"/>
-          <a:ext cx="7152640" cy="4768427"/>
-        </p:xfrm>
-        <a:graphic>
-          <a:graphicData uri="http://schemas.openxmlformats.org/drawingml/2006/chart">
-            <c:chart xmlns:c="http://schemas.openxmlformats.org/drawingml/2006/chart" xmlns:r="http://schemas.openxmlformats.org/officeDocument/2006/relationships" r:id="rId2"/>
-          </a:graphicData>
-        </a:graphic>
-      </p:graphicFrame>
-      <p:sp>
-        <p:nvSpPr>
-          <p:cNvPr id="8" name="TextBox 7">
-            <a:extLst>
-              <a:ext uri="{FF2B5EF4-FFF2-40B4-BE49-F238E27FC236}">
-                <a16:creationId xmlns:a16="http://schemas.microsoft.com/office/drawing/2014/main" id="{E7264BBD-BB40-4BFF-87A3-55C481BBAC51}"/>
-              </a:ext>
-            </a:extLst>
-          </p:cNvPr>
-          <p:cNvSpPr txBox="1"/>
-          <p:nvPr/>
-        </p:nvSpPr>
-        <p:spPr>
-          <a:xfrm>
-            <a:off x="510556" y="2967335"/>
-            <a:ext cx="3641566" cy="276999"/>
-          </a:xfrm>
-          <a:prstGeom prst="rect">
-            <a:avLst/>
-          </a:prstGeom>
-          <a:noFill/>
-        </p:spPr>
-        <p:txBody>
-          <a:bodyPr wrap="square" rtlCol="0">
-            <a:spAutoFit/>
-          </a:bodyPr>
-          <a:lstStyle/>
-          <a:p>
-            <a:r>
-              <a:rPr lang="en-US" altLang="zh-CN" sz="1200" dirty="0">
-                <a:solidFill>
-                  <a:srgbClr val="4A4A4A"/>
-                </a:solidFill>
-                <a:latin typeface="ITC Officina Sans Std Book" panose="020B0506040203020204" pitchFamily="34" charset="0"/>
-              </a:rPr>
-              <a:t>CS interested HS students CHI / Total HS Student CHI</a:t>
-            </a:r>
-          </a:p>
-        </p:txBody>
-      </p:sp>
-    </p:spTree>
-    <p:extLst>
-      <p:ext uri="{BB962C8B-B14F-4D97-AF65-F5344CB8AC3E}">
-        <p14:creationId xmlns:p14="http://schemas.microsoft.com/office/powerpoint/2010/main" val="2498115387"/>
-      </p:ext>
-    </p:extLst>
-  </p:cSld>
-  <p:clrMapOvr>
-    <a:masterClrMapping/>
-  </p:clrMapOvr>
-</p:sld>
-</file>
-
-<file path=ppt/slides/slide21.xml><?xml version="1.0" encoding="utf-8"?>
-<p:sld xmlns:a="http://schemas.openxmlformats.org/drawingml/2006/main" xmlns:r="http://schemas.openxmlformats.org/officeDocument/2006/relationships" xmlns:p="http://schemas.openxmlformats.org/presentationml/2006/main">
-  <p:cSld>
-    <p:spTree>
-      <p:nvGrpSpPr>
-        <p:cNvPr id="1" name=""/>
-        <p:cNvGrpSpPr/>
-        <p:nvPr/>
-      </p:nvGrpSpPr>
-      <p:grpSpPr>
-        <a:xfrm>
-          <a:off x="0" y="0"/>
-          <a:ext cx="0" cy="0"/>
-          <a:chOff x="0" y="0"/>
-          <a:chExt cx="0" cy="0"/>
-        </a:xfrm>
-      </p:grpSpPr>
-      <p:sp>
-        <p:nvSpPr>
-          <p:cNvPr id="21" name="Rectangle 20">
-            <a:extLst>
-              <a:ext uri="{FF2B5EF4-FFF2-40B4-BE49-F238E27FC236}">
-                <a16:creationId xmlns:a16="http://schemas.microsoft.com/office/drawing/2014/main" id="{A0E89330-BF24-10DF-6DD2-AFCB879D19CF}"/>
-              </a:ext>
-            </a:extLst>
-          </p:cNvPr>
-          <p:cNvSpPr/>
-          <p:nvPr/>
-        </p:nvSpPr>
-        <p:spPr>
-          <a:xfrm>
-            <a:off x="-10972800" y="-6607277"/>
-            <a:ext cx="34275252" cy="22152077"/>
-          </a:xfrm>
-          <a:prstGeom prst="rect">
-            <a:avLst/>
-          </a:prstGeom>
-          <a:noFill/>
-        </p:spPr>
-        <p:style>
-          <a:lnRef idx="2">
-            <a:schemeClr val="accent1">
-              <a:shade val="50000"/>
-            </a:schemeClr>
-          </a:lnRef>
-          <a:fillRef idx="1">
-            <a:schemeClr val="accent1"/>
-          </a:fillRef>
-          <a:effectRef idx="0">
-            <a:schemeClr val="accent1"/>
-          </a:effectRef>
-          <a:fontRef idx="minor">
-            <a:schemeClr val="lt1"/>
-          </a:fontRef>
-        </p:style>
-        <p:txBody>
-          <a:bodyPr rtlCol="0" anchor="ctr"/>
-          <a:lstStyle/>
-          <a:p>
-            <a:pPr algn="ctr"/>
-            <a:endParaRPr lang="zh-CN" altLang="en-US"/>
-          </a:p>
-        </p:txBody>
-      </p:sp>
-      <p:sp>
-        <p:nvSpPr>
-          <p:cNvPr id="123" name="TextBox 122">
-            <a:extLst>
-              <a:ext uri="{FF2B5EF4-FFF2-40B4-BE49-F238E27FC236}">
-                <a16:creationId xmlns:a16="http://schemas.microsoft.com/office/drawing/2014/main" id="{B25ED610-FF94-E2C3-7DD6-3B6727C66CCC}"/>
-              </a:ext>
-            </a:extLst>
-          </p:cNvPr>
-          <p:cNvSpPr txBox="1"/>
-          <p:nvPr/>
-        </p:nvSpPr>
-        <p:spPr>
-          <a:xfrm>
-            <a:off x="510556" y="386396"/>
-            <a:ext cx="11170886" cy="677108"/>
+            <a:ext cx="11170886" cy="1785104"/>
           </a:xfrm>
           <a:prstGeom prst="rect">
             <a:avLst/>
@@ -38411,6 +38673,38 @@
               </a:rPr>
               <a:t>The proportion of CPS SAT takers exceeding standards by race/ethnicity</a:t>
             </a:r>
+          </a:p>
+          <a:p>
+            <a:endParaRPr lang="en-US" altLang="zh-CN" dirty="0">
+              <a:solidFill>
+                <a:srgbClr val="4A4A4A"/>
+              </a:solidFill>
+              <a:latin typeface="ITC Officina Sans Std Book" panose="020B0506040203020204" pitchFamily="34" charset="0"/>
+            </a:endParaRPr>
+          </a:p>
+          <a:p>
+            <a:r>
+              <a:rPr lang="en-US" altLang="zh-CN" sz="1800" dirty="0">
+                <a:solidFill>
+                  <a:srgbClr val="4A4A4A"/>
+                </a:solidFill>
+                <a:latin typeface="ITC Officina Sans Std Book" panose="020B0506040203020204" pitchFamily="34" charset="0"/>
+              </a:rPr>
+              <a:t>Adv. Math enrollment CHI / Total HS students CHI</a:t>
+            </a:r>
+          </a:p>
+          <a:p>
+            <a:r>
+              <a:rPr lang="en-US" altLang="zh-CN" sz="1800" dirty="0">
+                <a:solidFill>
+                  <a:srgbClr val="4A4A4A"/>
+                </a:solidFill>
+                <a:latin typeface="ITC Officina Sans Std Book" panose="020B0506040203020204" pitchFamily="34" charset="0"/>
+              </a:rPr>
+              <a:t>Vs. Adv. Math enrollment US / Total HS students US</a:t>
+            </a:r>
+          </a:p>
+          <a:p>
             <a:endParaRPr lang="zh-CN" altLang="en-US" dirty="0">
               <a:solidFill>
                 <a:srgbClr val="4A4A4A"/>
@@ -38433,14 +38727,14 @@
           <p:nvPr>
             <p:extLst>
               <p:ext uri="{D42A27DB-BD31-4B8C-83A1-F6EECF244321}">
-                <p14:modId xmlns:p14="http://schemas.microsoft.com/office/powerpoint/2010/main" val="2855197880"/>
+                <p14:modId xmlns:p14="http://schemas.microsoft.com/office/powerpoint/2010/main" val="697330640"/>
               </p:ext>
             </p:extLst>
           </p:nvPr>
         </p:nvGraphicFramePr>
         <p:xfrm>
-          <a:off x="4000759" y="1222310"/>
-          <a:ext cx="6940161" cy="4626774"/>
+          <a:off x="5115184" y="2190550"/>
+          <a:ext cx="6124316" cy="4210250"/>
         </p:xfrm>
         <a:graphic>
           <a:graphicData uri="http://schemas.openxmlformats.org/drawingml/2006/chart">
@@ -38448,68 +38742,6 @@
           </a:graphicData>
         </a:graphic>
       </p:graphicFrame>
-      <p:sp>
-        <p:nvSpPr>
-          <p:cNvPr id="8" name="TextBox 7">
-            <a:extLst>
-              <a:ext uri="{FF2B5EF4-FFF2-40B4-BE49-F238E27FC236}">
-                <a16:creationId xmlns:a16="http://schemas.microsoft.com/office/drawing/2014/main" id="{542E3F4B-E55D-0C2C-4F17-20883BF6353F}"/>
-              </a:ext>
-            </a:extLst>
-          </p:cNvPr>
-          <p:cNvSpPr txBox="1"/>
-          <p:nvPr/>
-        </p:nvSpPr>
-        <p:spPr>
-          <a:xfrm>
-            <a:off x="510556" y="2967335"/>
-            <a:ext cx="4785344" cy="646331"/>
-          </a:xfrm>
-          <a:prstGeom prst="rect">
-            <a:avLst/>
-          </a:prstGeom>
-          <a:noFill/>
-        </p:spPr>
-        <p:txBody>
-          <a:bodyPr wrap="square" rtlCol="0">
-            <a:spAutoFit/>
-          </a:bodyPr>
-          <a:lstStyle/>
-          <a:p>
-            <a:r>
-              <a:rPr lang="en-US" altLang="zh-CN" sz="1200" dirty="0">
-                <a:solidFill>
-                  <a:srgbClr val="4A4A4A"/>
-                </a:solidFill>
-                <a:latin typeface="ITC Officina Sans Std Book" panose="020B0506040203020204" pitchFamily="34" charset="0"/>
-              </a:rPr>
-              <a:t>Adv. Math enrollment CHI / Total HS students CHI</a:t>
-            </a:r>
-          </a:p>
-          <a:p>
-            <a:r>
-              <a:rPr lang="en-US" altLang="zh-CN" sz="1200" dirty="0">
-                <a:solidFill>
-                  <a:srgbClr val="4A4A4A"/>
-                </a:solidFill>
-                <a:latin typeface="ITC Officina Sans Std Book" panose="020B0506040203020204" pitchFamily="34" charset="0"/>
-              </a:rPr>
-              <a:t>Vs. </a:t>
-            </a:r>
-          </a:p>
-          <a:p>
-            <a:r>
-              <a:rPr lang="en-US" altLang="zh-CN" sz="1200" dirty="0">
-                <a:solidFill>
-                  <a:srgbClr val="4A4A4A"/>
-                </a:solidFill>
-                <a:latin typeface="ITC Officina Sans Std Book" panose="020B0506040203020204" pitchFamily="34" charset="0"/>
-              </a:rPr>
-              <a:t>Adv. Math enrollment US / Total HS students US</a:t>
-            </a:r>
-          </a:p>
-        </p:txBody>
-      </p:sp>
     </p:spTree>
     <p:extLst>
       <p:ext uri="{BB962C8B-B14F-4D97-AF65-F5344CB8AC3E}">
@@ -38523,7 +38755,7 @@
 </p:sld>
 </file>
 
-<file path=ppt/slides/slide22.xml><?xml version="1.0" encoding="utf-8"?>
+<file path=ppt/slides/slide21.xml><?xml version="1.0" encoding="utf-8"?>
 <p:sld xmlns:a="http://schemas.openxmlformats.org/drawingml/2006/main" xmlns:r="http://schemas.openxmlformats.org/officeDocument/2006/relationships" xmlns:p="http://schemas.openxmlformats.org/presentationml/2006/main">
   <p:cSld>
     <p:spTree>
@@ -38653,6 +38885,211 @@
     <p:extLst>
       <p:ext uri="{BB962C8B-B14F-4D97-AF65-F5344CB8AC3E}">
         <p14:creationId xmlns:p14="http://schemas.microsoft.com/office/powerpoint/2010/main" val="4156882359"/>
+      </p:ext>
+    </p:extLst>
+  </p:cSld>
+  <p:clrMapOvr>
+    <a:masterClrMapping/>
+  </p:clrMapOvr>
+</p:sld>
+</file>
+
+<file path=ppt/slides/slide22.xml><?xml version="1.0" encoding="utf-8"?>
+<p:sld xmlns:a="http://schemas.openxmlformats.org/drawingml/2006/main" xmlns:r="http://schemas.openxmlformats.org/officeDocument/2006/relationships" xmlns:p="http://schemas.openxmlformats.org/presentationml/2006/main">
+  <p:cSld>
+    <p:spTree>
+      <p:nvGrpSpPr>
+        <p:cNvPr id="1" name=""/>
+        <p:cNvGrpSpPr/>
+        <p:nvPr/>
+      </p:nvGrpSpPr>
+      <p:grpSpPr>
+        <a:xfrm>
+          <a:off x="0" y="0"/>
+          <a:ext cx="0" cy="0"/>
+          <a:chOff x="0" y="0"/>
+          <a:chExt cx="0" cy="0"/>
+        </a:xfrm>
+      </p:grpSpPr>
+      <p:sp>
+        <p:nvSpPr>
+          <p:cNvPr id="21" name="Rectangle 20">
+            <a:extLst>
+              <a:ext uri="{FF2B5EF4-FFF2-40B4-BE49-F238E27FC236}">
+                <a16:creationId xmlns:a16="http://schemas.microsoft.com/office/drawing/2014/main" id="{A0E89330-BF24-10DF-6DD2-AFCB879D19CF}"/>
+              </a:ext>
+            </a:extLst>
+          </p:cNvPr>
+          <p:cNvSpPr/>
+          <p:nvPr/>
+        </p:nvSpPr>
+        <p:spPr>
+          <a:xfrm>
+            <a:off x="-10972800" y="-6607277"/>
+            <a:ext cx="34275252" cy="22152077"/>
+          </a:xfrm>
+          <a:prstGeom prst="rect">
+            <a:avLst/>
+          </a:prstGeom>
+          <a:noFill/>
+        </p:spPr>
+        <p:style>
+          <a:lnRef idx="2">
+            <a:schemeClr val="accent1">
+              <a:shade val="50000"/>
+            </a:schemeClr>
+          </a:lnRef>
+          <a:fillRef idx="1">
+            <a:schemeClr val="accent1"/>
+          </a:fillRef>
+          <a:effectRef idx="0">
+            <a:schemeClr val="accent1"/>
+          </a:effectRef>
+          <a:fontRef idx="minor">
+            <a:schemeClr val="lt1"/>
+          </a:fontRef>
+        </p:style>
+        <p:txBody>
+          <a:bodyPr rtlCol="0" anchor="ctr"/>
+          <a:lstStyle/>
+          <a:p>
+            <a:pPr algn="ctr"/>
+            <a:endParaRPr lang="zh-CN" altLang="en-US"/>
+          </a:p>
+        </p:txBody>
+      </p:sp>
+      <p:sp>
+        <p:nvSpPr>
+          <p:cNvPr id="123" name="TextBox 122">
+            <a:extLst>
+              <a:ext uri="{FF2B5EF4-FFF2-40B4-BE49-F238E27FC236}">
+                <a16:creationId xmlns:a16="http://schemas.microsoft.com/office/drawing/2014/main" id="{B25ED610-FF94-E2C3-7DD6-3B6727C66CCC}"/>
+              </a:ext>
+            </a:extLst>
+          </p:cNvPr>
+          <p:cNvSpPr txBox="1"/>
+          <p:nvPr/>
+        </p:nvSpPr>
+        <p:spPr>
+          <a:xfrm>
+            <a:off x="510556" y="386396"/>
+            <a:ext cx="11170886" cy="1508105"/>
+          </a:xfrm>
+          <a:prstGeom prst="rect">
+            <a:avLst/>
+          </a:prstGeom>
+          <a:noFill/>
+        </p:spPr>
+        <p:txBody>
+          <a:bodyPr wrap="square" rtlCol="0">
+            <a:spAutoFit/>
+          </a:bodyPr>
+          <a:lstStyle/>
+          <a:p>
+            <a:r>
+              <a:rPr lang="en-US" altLang="zh-CN" sz="2000" dirty="0">
+                <a:solidFill>
+                  <a:srgbClr val="FF0000"/>
+                </a:solidFill>
+                <a:latin typeface="Antique Olive Std Compact" panose="020B0904030504040204" pitchFamily="34" charset="0"/>
+                <a:ea typeface="Tahoma" panose="020B0604030504040204" pitchFamily="34" charset="0"/>
+                <a:cs typeface="Tahoma" panose="020B0604030504040204" pitchFamily="34" charset="0"/>
+              </a:rPr>
+              <a:t>Proficiency</a:t>
+            </a:r>
+            <a:r>
+              <a:rPr lang="en-US" altLang="zh-CN" sz="2000" dirty="0">
+                <a:solidFill>
+                  <a:schemeClr val="tx2"/>
+                </a:solidFill>
+                <a:latin typeface="Antique Olive Std Compact" panose="020B0904030504040204" pitchFamily="34" charset="0"/>
+                <a:ea typeface="Tahoma" panose="020B0604030504040204" pitchFamily="34" charset="0"/>
+                <a:cs typeface="Tahoma" panose="020B0604030504040204" pitchFamily="34" charset="0"/>
+              </a:rPr>
+              <a:t>: Illinois CS/Computing Degree Persistence</a:t>
+            </a:r>
+          </a:p>
+          <a:p>
+            <a:r>
+              <a:rPr lang="en-US" altLang="zh-CN" dirty="0">
+                <a:solidFill>
+                  <a:srgbClr val="4A4A4A"/>
+                </a:solidFill>
+                <a:latin typeface="ITC Officina Sans Std Book" panose="020B0506040203020204" pitchFamily="34" charset="0"/>
+              </a:rPr>
+              <a:t>The proportion of Illinois college students that enrolled and obtained a CS/Computing degree by race/ethnicity</a:t>
+            </a:r>
+          </a:p>
+          <a:p>
+            <a:endParaRPr lang="en-US" altLang="zh-CN" dirty="0">
+              <a:solidFill>
+                <a:srgbClr val="4A4A4A"/>
+              </a:solidFill>
+              <a:latin typeface="ITC Officina Sans Std Book" panose="020B0506040203020204" pitchFamily="34" charset="0"/>
+            </a:endParaRPr>
+          </a:p>
+          <a:p>
+            <a:r>
+              <a:rPr lang="en-US" altLang="zh-CN" sz="1800" dirty="0">
+                <a:solidFill>
+                  <a:srgbClr val="4A4A4A"/>
+                </a:solidFill>
+                <a:latin typeface="ITC Officina Sans Std Book" panose="020B0506040203020204" pitchFamily="34" charset="0"/>
+              </a:rPr>
+              <a:t>CS Conferral IL / Total CS Enrollment IL</a:t>
+            </a:r>
+          </a:p>
+          <a:p>
+            <a:r>
+              <a:rPr lang="en-US" altLang="zh-CN" sz="1800" dirty="0">
+                <a:solidFill>
+                  <a:srgbClr val="4A4A4A"/>
+                </a:solidFill>
+                <a:latin typeface="ITC Officina Sans Std Book" panose="020B0506040203020204" pitchFamily="34" charset="0"/>
+              </a:rPr>
+              <a:t>Vs. CS Conferral US / Total CS Enrollment US</a:t>
+            </a:r>
+            <a:endParaRPr lang="zh-CN" altLang="en-US" dirty="0">
+              <a:solidFill>
+                <a:srgbClr val="4A4A4A"/>
+              </a:solidFill>
+              <a:latin typeface="ITC Officina Sans Std Book" panose="020B0506040203020204" pitchFamily="34" charset="0"/>
+            </a:endParaRPr>
+          </a:p>
+        </p:txBody>
+      </p:sp>
+      <p:graphicFrame>
+        <p:nvGraphicFramePr>
+          <p:cNvPr id="7" name="Chart 6">
+            <a:extLst>
+              <a:ext uri="{FF2B5EF4-FFF2-40B4-BE49-F238E27FC236}">
+                <a16:creationId xmlns:a16="http://schemas.microsoft.com/office/drawing/2014/main" id="{67DE69A8-DEAD-4D7D-F765-D69BAADC5792}"/>
+              </a:ext>
+            </a:extLst>
+          </p:cNvPr>
+          <p:cNvGraphicFramePr/>
+          <p:nvPr>
+            <p:extLst>
+              <p:ext uri="{D42A27DB-BD31-4B8C-83A1-F6EECF244321}">
+                <p14:modId xmlns:p14="http://schemas.microsoft.com/office/powerpoint/2010/main" val="955919650"/>
+              </p:ext>
+            </p:extLst>
+          </p:nvPr>
+        </p:nvGraphicFramePr>
+        <p:xfrm>
+          <a:off x="5120116" y="2176020"/>
+          <a:ext cx="6137656" cy="4224780"/>
+        </p:xfrm>
+        <a:graphic>
+          <a:graphicData uri="http://schemas.openxmlformats.org/drawingml/2006/chart">
+            <c:chart xmlns:c="http://schemas.openxmlformats.org/drawingml/2006/chart" xmlns:r="http://schemas.openxmlformats.org/officeDocument/2006/relationships" r:id="rId2"/>
+          </a:graphicData>
+        </a:graphic>
+      </p:graphicFrame>
+    </p:spTree>
+    <p:extLst>
+      <p:ext uri="{BB962C8B-B14F-4D97-AF65-F5344CB8AC3E}">
+        <p14:creationId xmlns:p14="http://schemas.microsoft.com/office/powerpoint/2010/main" val="1050237411"/>
       </p:ext>
     </p:extLst>
   </p:cSld>
@@ -38741,7 +39178,7 @@
         <p:spPr>
           <a:xfrm>
             <a:off x="510556" y="386396"/>
-            <a:ext cx="11170886" cy="677108"/>
+            <a:ext cx="11170886" cy="1508105"/>
           </a:xfrm>
           <a:prstGeom prst="rect">
             <a:avLst/>
@@ -38774,7 +39211,7 @@
                 <a:ea typeface="Tahoma" panose="020B0604030504040204" pitchFamily="34" charset="0"/>
                 <a:cs typeface="Tahoma" panose="020B0604030504040204" pitchFamily="34" charset="0"/>
               </a:rPr>
-              <a:t>: Illinois CS/Computing Degree Persistence</a:t>
+              <a:t>: Illinois CS/Computing Degree Conferral </a:t>
             </a:r>
           </a:p>
           <a:p>
@@ -38785,85 +39222,47 @@
                 </a:solidFill>
                 <a:latin typeface="ITC Officina Sans Std Book" panose="020B0506040203020204" pitchFamily="34" charset="0"/>
               </a:rPr>
-              <a:t>The proportion of Illinois college students that enrolled and obtained a CS/Computing degree by race/ethnicity</a:t>
+              <a:t>The proportion of Illinois degrees conferred that are CS/Computing degrees by race/ethnicity</a:t>
             </a:r>
-            <a:endParaRPr lang="zh-CN" altLang="en-US" dirty="0">
+          </a:p>
+          <a:p>
+            <a:endParaRPr lang="en-US" altLang="zh-CN" dirty="0">
               <a:solidFill>
                 <a:srgbClr val="4A4A4A"/>
               </a:solidFill>
               <a:latin typeface="ITC Officina Sans Std Book" panose="020B0506040203020204" pitchFamily="34" charset="0"/>
             </a:endParaRPr>
           </a:p>
-        </p:txBody>
-      </p:sp>
-      <p:sp>
-        <p:nvSpPr>
-          <p:cNvPr id="12" name="TextBox 11">
-            <a:extLst>
-              <a:ext uri="{FF2B5EF4-FFF2-40B4-BE49-F238E27FC236}">
-                <a16:creationId xmlns:a16="http://schemas.microsoft.com/office/drawing/2014/main" id="{9C6672FC-7502-04F6-E4D2-9B68357344AE}"/>
-              </a:ext>
-            </a:extLst>
-          </p:cNvPr>
-          <p:cNvSpPr txBox="1"/>
-          <p:nvPr/>
-        </p:nvSpPr>
-        <p:spPr>
-          <a:xfrm>
-            <a:off x="510556" y="2967335"/>
-            <a:ext cx="3401044" cy="646331"/>
-          </a:xfrm>
-          <a:prstGeom prst="rect">
-            <a:avLst/>
-          </a:prstGeom>
-          <a:noFill/>
-        </p:spPr>
-        <p:txBody>
-          <a:bodyPr wrap="square" rtlCol="0">
-            <a:spAutoFit/>
-          </a:bodyPr>
-          <a:lstStyle/>
           <a:p>
             <a:r>
-              <a:rPr lang="en-US" altLang="zh-CN" sz="1200" dirty="0">
+              <a:rPr lang="en-US" altLang="zh-CN" sz="1800" dirty="0">
                 <a:solidFill>
                   <a:srgbClr val="4A4A4A"/>
                 </a:solidFill>
                 <a:latin typeface="ITC Officina Sans Std Book" panose="020B0506040203020204" pitchFamily="34" charset="0"/>
               </a:rPr>
-              <a:t>CS Conferral IL / Total CS Enrollment IL</a:t>
+              <a:t>CS Conferral IL / Total Degree Conferral IL</a:t>
             </a:r>
           </a:p>
           <a:p>
             <a:r>
-              <a:rPr lang="en-US" altLang="zh-CN" sz="1200" dirty="0">
+              <a:rPr lang="en-US" altLang="zh-CN" sz="1800" dirty="0">
                 <a:solidFill>
                   <a:srgbClr val="4A4A4A"/>
                 </a:solidFill>
                 <a:latin typeface="ITC Officina Sans Std Book" panose="020B0506040203020204" pitchFamily="34" charset="0"/>
               </a:rPr>
-              <a:t>Vs. </a:t>
-            </a:r>
-          </a:p>
-          <a:p>
-            <a:r>
-              <a:rPr lang="en-US" altLang="zh-CN" sz="1200" dirty="0">
-                <a:solidFill>
-                  <a:srgbClr val="4A4A4A"/>
-                </a:solidFill>
-                <a:latin typeface="ITC Officina Sans Std Book" panose="020B0506040203020204" pitchFamily="34" charset="0"/>
-              </a:rPr>
-              <a:t>CS Conferral US / Total CS Enrollment US</a:t>
+              <a:t>Vs. CS Conferral US / Total Degree Conferral US</a:t>
             </a:r>
           </a:p>
         </p:txBody>
       </p:sp>
       <p:graphicFrame>
         <p:nvGraphicFramePr>
-          <p:cNvPr id="7" name="Chart 6">
+          <p:cNvPr id="4" name="Chart 3">
             <a:extLst>
               <a:ext uri="{FF2B5EF4-FFF2-40B4-BE49-F238E27FC236}">
-                <a16:creationId xmlns:a16="http://schemas.microsoft.com/office/drawing/2014/main" id="{67DE69A8-DEAD-4D7D-F765-D69BAADC5792}"/>
+                <a16:creationId xmlns:a16="http://schemas.microsoft.com/office/drawing/2014/main" id="{CF10A85A-6352-74E3-A66F-36E7B908A41A}"/>
               </a:ext>
             </a:extLst>
           </p:cNvPr>
@@ -38871,14 +39270,14 @@
           <p:nvPr>
             <p:extLst>
               <p:ext uri="{D42A27DB-BD31-4B8C-83A1-F6EECF244321}">
-                <p14:modId xmlns:p14="http://schemas.microsoft.com/office/powerpoint/2010/main" val="2295510625"/>
+                <p14:modId xmlns:p14="http://schemas.microsoft.com/office/powerpoint/2010/main" val="1747211405"/>
               </p:ext>
             </p:extLst>
           </p:nvPr>
         </p:nvGraphicFramePr>
         <p:xfrm>
-          <a:off x="4243816" y="1567780"/>
-          <a:ext cx="6137656" cy="4091771"/>
+          <a:off x="5120895" y="2186180"/>
+          <a:ext cx="6109079" cy="4214620"/>
         </p:xfrm>
         <a:graphic>
           <a:graphicData uri="http://schemas.openxmlformats.org/drawingml/2006/chart">
@@ -38889,7 +39288,7 @@
     </p:spTree>
     <p:extLst>
       <p:ext uri="{BB962C8B-B14F-4D97-AF65-F5344CB8AC3E}">
-        <p14:creationId xmlns:p14="http://schemas.microsoft.com/office/powerpoint/2010/main" val="1050237411"/>
+        <p14:creationId xmlns:p14="http://schemas.microsoft.com/office/powerpoint/2010/main" val="4089553648"/>
       </p:ext>
     </p:extLst>
   </p:cSld>
@@ -38978,7 +39377,7 @@
         <p:spPr>
           <a:xfrm>
             <a:off x="510556" y="386396"/>
-            <a:ext cx="11170886" cy="677108"/>
+            <a:ext cx="11532092" cy="1508105"/>
           </a:xfrm>
           <a:prstGeom prst="rect">
             <a:avLst/>
@@ -39000,7 +39399,7 @@
                 <a:ea typeface="Tahoma" panose="020B0604030504040204" pitchFamily="34" charset="0"/>
                 <a:cs typeface="Tahoma" panose="020B0604030504040204" pitchFamily="34" charset="0"/>
               </a:rPr>
-              <a:t>Proficiency</a:t>
+              <a:t>Excellence</a:t>
             </a:r>
             <a:r>
               <a:rPr lang="en-US" altLang="zh-CN" sz="2000" dirty="0">
@@ -39011,7 +39410,7 @@
                 <a:ea typeface="Tahoma" panose="020B0604030504040204" pitchFamily="34" charset="0"/>
                 <a:cs typeface="Tahoma" panose="020B0604030504040204" pitchFamily="34" charset="0"/>
               </a:rPr>
-              <a:t>: Illinois CS/Computing Degree Conferral </a:t>
+              <a:t>: Illinois CS/Computing Degree Enrollment for Top 3 </a:t>
             </a:r>
           </a:p>
           <a:p>
@@ -39022,75 +39421,37 @@
                 </a:solidFill>
                 <a:latin typeface="ITC Officina Sans Std Book" panose="020B0506040203020204" pitchFamily="34" charset="0"/>
               </a:rPr>
-              <a:t>The proportion of Illinois degrees conferred that are CS/Computing degrees by race/ethnicity</a:t>
+              <a:t>The proportion of college students enrolled into a CS/Computing degree at a top 3 Illinois university by race/ethnicity</a:t>
             </a:r>
-            <a:endParaRPr lang="zh-CN" altLang="en-US" dirty="0">
+          </a:p>
+          <a:p>
+            <a:endParaRPr lang="en-US" altLang="zh-CN" dirty="0">
               <a:solidFill>
                 <a:srgbClr val="4A4A4A"/>
               </a:solidFill>
               <a:latin typeface="ITC Officina Sans Std Book" panose="020B0506040203020204" pitchFamily="34" charset="0"/>
             </a:endParaRPr>
           </a:p>
-        </p:txBody>
-      </p:sp>
-      <p:sp>
-        <p:nvSpPr>
-          <p:cNvPr id="12" name="TextBox 11">
-            <a:extLst>
-              <a:ext uri="{FF2B5EF4-FFF2-40B4-BE49-F238E27FC236}">
-                <a16:creationId xmlns:a16="http://schemas.microsoft.com/office/drawing/2014/main" id="{9C6672FC-7502-04F6-E4D2-9B68357344AE}"/>
-              </a:ext>
-            </a:extLst>
-          </p:cNvPr>
-          <p:cNvSpPr txBox="1"/>
-          <p:nvPr/>
-        </p:nvSpPr>
-        <p:spPr>
-          <a:xfrm>
-            <a:off x="510556" y="2967335"/>
-            <a:ext cx="3401044" cy="646331"/>
-          </a:xfrm>
-          <a:prstGeom prst="rect">
-            <a:avLst/>
-          </a:prstGeom>
-          <a:noFill/>
-        </p:spPr>
-        <p:txBody>
-          <a:bodyPr wrap="square" rtlCol="0">
-            <a:spAutoFit/>
-          </a:bodyPr>
-          <a:lstStyle/>
           <a:p>
             <a:r>
-              <a:rPr lang="en-US" altLang="zh-CN" sz="1200" dirty="0">
+              <a:rPr lang="en-US" altLang="zh-CN" sz="1800" dirty="0">
                 <a:solidFill>
                   <a:srgbClr val="4A4A4A"/>
                 </a:solidFill>
                 <a:latin typeface="ITC Officina Sans Std Book" panose="020B0506040203020204" pitchFamily="34" charset="0"/>
               </a:rPr>
-              <a:t>CS Conferral IL / Total Degree Conferral IL</a:t>
+              <a:t>CS Enroll IL / Total Enroll IL</a:t>
             </a:r>
           </a:p>
           <a:p>
             <a:r>
-              <a:rPr lang="en-US" altLang="zh-CN" sz="1200" dirty="0">
+              <a:rPr lang="en-US" altLang="zh-CN" sz="1800" dirty="0">
                 <a:solidFill>
                   <a:srgbClr val="4A4A4A"/>
                 </a:solidFill>
                 <a:latin typeface="ITC Officina Sans Std Book" panose="020B0506040203020204" pitchFamily="34" charset="0"/>
               </a:rPr>
-              <a:t>Vs. </a:t>
-            </a:r>
-          </a:p>
-          <a:p>
-            <a:r>
-              <a:rPr lang="en-US" altLang="zh-CN" sz="1200" dirty="0">
-                <a:solidFill>
-                  <a:srgbClr val="4A4A4A"/>
-                </a:solidFill>
-                <a:latin typeface="ITC Officina Sans Std Book" panose="020B0506040203020204" pitchFamily="34" charset="0"/>
-              </a:rPr>
-              <a:t>CS Conferral US / Total Degree Conferral US</a:t>
+              <a:t>Vs. CS Enroll US / Total Enroll US</a:t>
             </a:r>
           </a:p>
         </p:txBody>
@@ -39100,7 +39461,7 @@
           <p:cNvPr id="4" name="Chart 3">
             <a:extLst>
               <a:ext uri="{FF2B5EF4-FFF2-40B4-BE49-F238E27FC236}">
-                <a16:creationId xmlns:a16="http://schemas.microsoft.com/office/drawing/2014/main" id="{CF10A85A-6352-74E3-A66F-36E7B908A41A}"/>
+                <a16:creationId xmlns:a16="http://schemas.microsoft.com/office/drawing/2014/main" id="{2F0D4F58-6A3C-FA7F-1B76-A342D6DA4FA4}"/>
               </a:ext>
             </a:extLst>
           </p:cNvPr>
@@ -39108,14 +39469,14 @@
           <p:nvPr>
             <p:extLst>
               <p:ext uri="{D42A27DB-BD31-4B8C-83A1-F6EECF244321}">
-                <p14:modId xmlns:p14="http://schemas.microsoft.com/office/powerpoint/2010/main" val="2825622479"/>
+                <p14:modId xmlns:p14="http://schemas.microsoft.com/office/powerpoint/2010/main" val="991916957"/>
               </p:ext>
             </p:extLst>
           </p:nvPr>
         </p:nvGraphicFramePr>
         <p:xfrm>
-          <a:off x="4225546" y="1652355"/>
-          <a:ext cx="6024878" cy="4135798"/>
+          <a:off x="5108575" y="2196979"/>
+          <a:ext cx="6111875" cy="4194296"/>
         </p:xfrm>
         <a:graphic>
           <a:graphicData uri="http://schemas.openxmlformats.org/drawingml/2006/chart">
@@ -39126,7 +39487,7 @@
     </p:spTree>
     <p:extLst>
       <p:ext uri="{BB962C8B-B14F-4D97-AF65-F5344CB8AC3E}">
-        <p14:creationId xmlns:p14="http://schemas.microsoft.com/office/powerpoint/2010/main" val="4089553648"/>
+        <p14:creationId xmlns:p14="http://schemas.microsoft.com/office/powerpoint/2010/main" val="3406159454"/>
       </p:ext>
     </p:extLst>
   </p:cSld>
@@ -39214,8 +39575,8 @@
         </p:nvSpPr>
         <p:spPr>
           <a:xfrm>
-            <a:off x="510556" y="386396"/>
-            <a:ext cx="11532092" cy="677108"/>
+            <a:off x="510557" y="395921"/>
+            <a:ext cx="11170886" cy="2062103"/>
           </a:xfrm>
           <a:prstGeom prst="rect">
             <a:avLst/>
@@ -39248,7 +39609,7 @@
                 <a:ea typeface="Tahoma" panose="020B0604030504040204" pitchFamily="34" charset="0"/>
                 <a:cs typeface="Tahoma" panose="020B0604030504040204" pitchFamily="34" charset="0"/>
               </a:rPr>
-              <a:t>: Illinois CS/Computing Degree Enrollment for Top 3 </a:t>
+              <a:t>: Illinois CS/Computing Degree Persistence for Top 3 </a:t>
             </a:r>
           </a:p>
           <a:p>
@@ -39259,76 +39620,46 @@
                 </a:solidFill>
                 <a:latin typeface="ITC Officina Sans Std Book" panose="020B0506040203020204" pitchFamily="34" charset="0"/>
               </a:rPr>
-              <a:t>The proportion of college students enrolled into a CS/Computing degree at a top 3 Illinois university by race/ethnicity</a:t>
+              <a:t>The proportion of college students that enrolled in a top 3 Illinois university and obtained a CS/Computing degree by race/ethnicity</a:t>
             </a:r>
+          </a:p>
+          <a:p>
+            <a:endParaRPr lang="en-US" altLang="zh-CN" dirty="0">
+              <a:solidFill>
+                <a:srgbClr val="4A4A4A"/>
+              </a:solidFill>
+              <a:latin typeface="ITC Officina Sans Std Book" panose="020B0506040203020204" pitchFamily="34" charset="0"/>
+            </a:endParaRPr>
+          </a:p>
+          <a:p>
+            <a:r>
+              <a:rPr lang="en-US" altLang="zh-CN" sz="1800" dirty="0">
+                <a:solidFill>
+                  <a:srgbClr val="4A4A4A"/>
+                </a:solidFill>
+                <a:latin typeface="ITC Officina Sans Std Book" panose="020B0506040203020204" pitchFamily="34" charset="0"/>
+              </a:rPr>
+              <a:t>Top 3 CS Conferral IL / Top 3 Total CS Enrollment IL </a:t>
+            </a:r>
+          </a:p>
+          <a:p>
+            <a:r>
+              <a:rPr lang="en-US" altLang="zh-CN" sz="1800" dirty="0">
+                <a:solidFill>
+                  <a:srgbClr val="4A4A4A"/>
+                </a:solidFill>
+                <a:latin typeface="ITC Officina Sans Std Book" panose="020B0506040203020204" pitchFamily="34" charset="0"/>
+              </a:rPr>
+              <a:t>Vs. Top 3 CS Conferral US / Top 3 Total CS Enrollment US</a:t>
+            </a:r>
+          </a:p>
+          <a:p>
             <a:endParaRPr lang="zh-CN" altLang="en-US" dirty="0">
               <a:solidFill>
                 <a:srgbClr val="4A4A4A"/>
               </a:solidFill>
               <a:latin typeface="ITC Officina Sans Std Book" panose="020B0506040203020204" pitchFamily="34" charset="0"/>
             </a:endParaRPr>
-          </a:p>
-        </p:txBody>
-      </p:sp>
-      <p:sp>
-        <p:nvSpPr>
-          <p:cNvPr id="12" name="TextBox 11">
-            <a:extLst>
-              <a:ext uri="{FF2B5EF4-FFF2-40B4-BE49-F238E27FC236}">
-                <a16:creationId xmlns:a16="http://schemas.microsoft.com/office/drawing/2014/main" id="{9C6672FC-7502-04F6-E4D2-9B68357344AE}"/>
-              </a:ext>
-            </a:extLst>
-          </p:cNvPr>
-          <p:cNvSpPr txBox="1"/>
-          <p:nvPr/>
-        </p:nvSpPr>
-        <p:spPr>
-          <a:xfrm>
-            <a:off x="510556" y="2967335"/>
-            <a:ext cx="2137394" cy="646331"/>
-          </a:xfrm>
-          <a:prstGeom prst="rect">
-            <a:avLst/>
-          </a:prstGeom>
-          <a:noFill/>
-        </p:spPr>
-        <p:txBody>
-          <a:bodyPr wrap="square" rtlCol="0">
-            <a:spAutoFit/>
-          </a:bodyPr>
-          <a:lstStyle/>
-          <a:p>
-            <a:r>
-              <a:rPr lang="en-US" altLang="zh-CN" sz="1200" dirty="0">
-                <a:solidFill>
-                  <a:srgbClr val="4A4A4A"/>
-                </a:solidFill>
-                <a:latin typeface="ITC Officina Sans Std Book" panose="020B0506040203020204" pitchFamily="34" charset="0"/>
-              </a:rPr>
-              <a:t>CS Enroll IL / Total Enroll IL</a:t>
-            </a:r>
-          </a:p>
-          <a:p>
-            <a:r>
-              <a:rPr lang="en-US" altLang="zh-CN" sz="1200" dirty="0">
-                <a:solidFill>
-                  <a:srgbClr val="4A4A4A"/>
-                </a:solidFill>
-                <a:latin typeface="ITC Officina Sans Std Book" panose="020B0506040203020204" pitchFamily="34" charset="0"/>
-              </a:rPr>
-              <a:t>Vs. </a:t>
-            </a:r>
-          </a:p>
-          <a:p>
-            <a:r>
-              <a:rPr lang="en-US" altLang="zh-CN" sz="1200" dirty="0">
-                <a:solidFill>
-                  <a:srgbClr val="4A4A4A"/>
-                </a:solidFill>
-                <a:latin typeface="ITC Officina Sans Std Book" panose="020B0506040203020204" pitchFamily="34" charset="0"/>
-              </a:rPr>
-              <a:t>CS Enroll US / Total Enroll US</a:t>
-            </a:r>
           </a:p>
         </p:txBody>
       </p:sp>
@@ -39337,7 +39668,7 @@
           <p:cNvPr id="4" name="Chart 3">
             <a:extLst>
               <a:ext uri="{FF2B5EF4-FFF2-40B4-BE49-F238E27FC236}">
-                <a16:creationId xmlns:a16="http://schemas.microsoft.com/office/drawing/2014/main" id="{2F0D4F58-6A3C-FA7F-1B76-A342D6DA4FA4}"/>
+                <a16:creationId xmlns:a16="http://schemas.microsoft.com/office/drawing/2014/main" id="{87B8D90C-4A7F-179D-5275-72AC17EDCE38}"/>
               </a:ext>
             </a:extLst>
           </p:cNvPr>
@@ -39345,14 +39676,14 @@
           <p:nvPr>
             <p:extLst>
               <p:ext uri="{D42A27DB-BD31-4B8C-83A1-F6EECF244321}">
-                <p14:modId xmlns:p14="http://schemas.microsoft.com/office/powerpoint/2010/main" val="2823605332"/>
+                <p14:modId xmlns:p14="http://schemas.microsoft.com/office/powerpoint/2010/main" val="630067732"/>
               </p:ext>
             </p:extLst>
           </p:nvPr>
         </p:nvGraphicFramePr>
         <p:xfrm>
-          <a:off x="3775075" y="1711204"/>
-          <a:ext cx="6397625" cy="4060946"/>
+          <a:off x="5127625" y="2197577"/>
+          <a:ext cx="6111875" cy="4264502"/>
         </p:xfrm>
         <a:graphic>
           <a:graphicData uri="http://schemas.openxmlformats.org/drawingml/2006/chart">
@@ -39363,7 +39694,7 @@
     </p:spTree>
     <p:extLst>
       <p:ext uri="{BB962C8B-B14F-4D97-AF65-F5344CB8AC3E}">
-        <p14:creationId xmlns:p14="http://schemas.microsoft.com/office/powerpoint/2010/main" val="3406159454"/>
+        <p14:creationId xmlns:p14="http://schemas.microsoft.com/office/powerpoint/2010/main" val="4206913457"/>
       </p:ext>
     </p:extLst>
   </p:cSld>
@@ -39452,7 +39783,7 @@
         <p:spPr>
           <a:xfrm>
             <a:off x="510556" y="386396"/>
-            <a:ext cx="11170886" cy="954107"/>
+            <a:ext cx="11170886" cy="1508105"/>
           </a:xfrm>
           <a:prstGeom prst="rect">
             <a:avLst/>
@@ -39485,7 +39816,7 @@
                 <a:ea typeface="Tahoma" panose="020B0604030504040204" pitchFamily="34" charset="0"/>
                 <a:cs typeface="Tahoma" panose="020B0604030504040204" pitchFamily="34" charset="0"/>
               </a:rPr>
-              <a:t>: Illinois CS/Computing Degree Persistence for Top 3 </a:t>
+              <a:t>: Illinois CS/Computing Degree Conferral for Top 3 </a:t>
             </a:r>
           </a:p>
           <a:p>
@@ -39496,75 +39827,37 @@
                 </a:solidFill>
                 <a:latin typeface="ITC Officina Sans Std Book" panose="020B0506040203020204" pitchFamily="34" charset="0"/>
               </a:rPr>
-              <a:t>The proportion of college students that enrolled into a top 3 Illinois university and obtained a CS/Computing degree by race/ethnicity</a:t>
+              <a:t>The proportion of degrees conferred by top 3 Illinois institutions that are CS/Computing degrees by race/ethnicity</a:t>
             </a:r>
-            <a:endParaRPr lang="zh-CN" altLang="en-US" dirty="0">
+          </a:p>
+          <a:p>
+            <a:endParaRPr lang="en-US" altLang="zh-CN" dirty="0">
               <a:solidFill>
                 <a:srgbClr val="4A4A4A"/>
               </a:solidFill>
               <a:latin typeface="ITC Officina Sans Std Book" panose="020B0506040203020204" pitchFamily="34" charset="0"/>
             </a:endParaRPr>
           </a:p>
-        </p:txBody>
-      </p:sp>
-      <p:sp>
-        <p:nvSpPr>
-          <p:cNvPr id="12" name="TextBox 11">
-            <a:extLst>
-              <a:ext uri="{FF2B5EF4-FFF2-40B4-BE49-F238E27FC236}">
-                <a16:creationId xmlns:a16="http://schemas.microsoft.com/office/drawing/2014/main" id="{9C6672FC-7502-04F6-E4D2-9B68357344AE}"/>
-              </a:ext>
-            </a:extLst>
-          </p:cNvPr>
-          <p:cNvSpPr txBox="1"/>
-          <p:nvPr/>
-        </p:nvSpPr>
-        <p:spPr>
-          <a:xfrm>
-            <a:off x="510555" y="2967335"/>
-            <a:ext cx="3651869" cy="646331"/>
-          </a:xfrm>
-          <a:prstGeom prst="rect">
-            <a:avLst/>
-          </a:prstGeom>
-          <a:noFill/>
-        </p:spPr>
-        <p:txBody>
-          <a:bodyPr wrap="square" rtlCol="0">
-            <a:spAutoFit/>
-          </a:bodyPr>
-          <a:lstStyle/>
           <a:p>
             <a:r>
-              <a:rPr lang="en-US" altLang="zh-CN" sz="1200" dirty="0">
+              <a:rPr lang="en-US" altLang="zh-CN" sz="1800" dirty="0">
                 <a:solidFill>
                   <a:srgbClr val="4A4A4A"/>
                 </a:solidFill>
                 <a:latin typeface="ITC Officina Sans Std Book" panose="020B0506040203020204" pitchFamily="34" charset="0"/>
               </a:rPr>
-              <a:t>Top 3 CS Conferral IL / Top 3 Total CS Enrollment IL </a:t>
+              <a:t>Top 3 CS Conferral IL / Top 3 Total Degree Conferral IL</a:t>
             </a:r>
           </a:p>
           <a:p>
             <a:r>
-              <a:rPr lang="en-US" altLang="zh-CN" sz="1200" dirty="0">
+              <a:rPr lang="en-US" altLang="zh-CN" sz="1800" dirty="0">
                 <a:solidFill>
                   <a:srgbClr val="4A4A4A"/>
                 </a:solidFill>
                 <a:latin typeface="ITC Officina Sans Std Book" panose="020B0506040203020204" pitchFamily="34" charset="0"/>
               </a:rPr>
-              <a:t>Vs. </a:t>
-            </a:r>
-          </a:p>
-          <a:p>
-            <a:r>
-              <a:rPr lang="en-US" altLang="zh-CN" sz="1200" dirty="0">
-                <a:solidFill>
-                  <a:srgbClr val="4A4A4A"/>
-                </a:solidFill>
-                <a:latin typeface="ITC Officina Sans Std Book" panose="020B0506040203020204" pitchFamily="34" charset="0"/>
-              </a:rPr>
-              <a:t>Top 3 CS Conferral US / Top 3 Total CS Enrollment US</a:t>
+              <a:t>Vs. Top 3 CS Conferral US / Top 3 Total Degree Conferral US</a:t>
             </a:r>
           </a:p>
         </p:txBody>
@@ -39574,7 +39867,7 @@
           <p:cNvPr id="4" name="Chart 3">
             <a:extLst>
               <a:ext uri="{FF2B5EF4-FFF2-40B4-BE49-F238E27FC236}">
-                <a16:creationId xmlns:a16="http://schemas.microsoft.com/office/drawing/2014/main" id="{87B8D90C-4A7F-179D-5275-72AC17EDCE38}"/>
+                <a16:creationId xmlns:a16="http://schemas.microsoft.com/office/drawing/2014/main" id="{53844D48-F5F4-0005-0553-1DC246C199C1}"/>
               </a:ext>
             </a:extLst>
           </p:cNvPr>
@@ -39582,14 +39875,14 @@
           <p:nvPr>
             <p:extLst>
               <p:ext uri="{D42A27DB-BD31-4B8C-83A1-F6EECF244321}">
-                <p14:modId xmlns:p14="http://schemas.microsoft.com/office/powerpoint/2010/main" val="2202533839"/>
+                <p14:modId xmlns:p14="http://schemas.microsoft.com/office/powerpoint/2010/main" val="736527744"/>
               </p:ext>
             </p:extLst>
           </p:nvPr>
         </p:nvGraphicFramePr>
         <p:xfrm>
-          <a:off x="4432300" y="1768953"/>
-          <a:ext cx="6073775" cy="3831748"/>
+          <a:off x="5118988" y="2190326"/>
+          <a:ext cx="6101461" cy="4191423"/>
         </p:xfrm>
         <a:graphic>
           <a:graphicData uri="http://schemas.openxmlformats.org/drawingml/2006/chart">
@@ -39600,7 +39893,7 @@
     </p:spTree>
     <p:extLst>
       <p:ext uri="{BB962C8B-B14F-4D97-AF65-F5344CB8AC3E}">
-        <p14:creationId xmlns:p14="http://schemas.microsoft.com/office/powerpoint/2010/main" val="4206913457"/>
+        <p14:creationId xmlns:p14="http://schemas.microsoft.com/office/powerpoint/2010/main" val="293532292"/>
       </p:ext>
     </p:extLst>
   </p:cSld>
@@ -39689,7 +39982,7 @@
         <p:spPr>
           <a:xfrm>
             <a:off x="510556" y="386396"/>
-            <a:ext cx="11170886" cy="677108"/>
+            <a:ext cx="11170886" cy="1508105"/>
           </a:xfrm>
           <a:prstGeom prst="rect">
             <a:avLst/>
@@ -39711,7 +40004,7 @@
                 <a:ea typeface="Tahoma" panose="020B0604030504040204" pitchFamily="34" charset="0"/>
                 <a:cs typeface="Tahoma" panose="020B0604030504040204" pitchFamily="34" charset="0"/>
               </a:rPr>
-              <a:t>Excellence</a:t>
+              <a:t>Access</a:t>
             </a:r>
             <a:r>
               <a:rPr lang="en-US" altLang="zh-CN" sz="2000" dirty="0">
@@ -39722,7 +40015,7 @@
                 <a:ea typeface="Tahoma" panose="020B0604030504040204" pitchFamily="34" charset="0"/>
                 <a:cs typeface="Tahoma" panose="020B0604030504040204" pitchFamily="34" charset="0"/>
               </a:rPr>
-              <a:t>: Illinois CS/Computing Degree Conferral for Top 3 </a:t>
+              <a:t>: Illinois CS/Computing Degree Enrollment </a:t>
             </a:r>
           </a:p>
           <a:p>
@@ -39733,7 +40026,37 @@
                 </a:solidFill>
                 <a:latin typeface="ITC Officina Sans Std Book" panose="020B0506040203020204" pitchFamily="34" charset="0"/>
               </a:rPr>
-              <a:t>The proportion of degrees conferred by top 3 Illinois institutions that are CS/Computing degrees by race/ethnicity</a:t>
+              <a:t>The proportion of Illinois college students enrolled into a CS/Computing degree by race/ethnicity</a:t>
+            </a:r>
+          </a:p>
+          <a:p>
+            <a:endParaRPr lang="en-US" altLang="zh-CN" dirty="0">
+              <a:solidFill>
+                <a:srgbClr val="4A4A4A"/>
+              </a:solidFill>
+              <a:latin typeface="ITC Officina Sans Std Book" panose="020B0506040203020204" pitchFamily="34" charset="0"/>
+            </a:endParaRPr>
+          </a:p>
+          <a:p>
+            <a:r>
+              <a:rPr lang="en-US" altLang="zh-CN" sz="1800" dirty="0">
+                <a:solidFill>
+                  <a:srgbClr val="4A4A4A"/>
+                </a:solidFill>
+                <a:latin typeface="ITC Officina Sans Std Book" panose="020B0506040203020204" pitchFamily="34" charset="0"/>
+              </a:rPr>
+              <a:t>CS Enrollment IL / Total Enrollment IL</a:t>
+            </a:r>
+          </a:p>
+          <a:p>
+            <a:r>
+              <a:rPr lang="en-US" altLang="zh-CN" sz="1800" dirty="0">
+                <a:solidFill>
+                  <a:srgbClr val="4A4A4A"/>
+                </a:solidFill>
+                <a:latin typeface="ITC Officina Sans Std Book" panose="020B0506040203020204" pitchFamily="34" charset="0"/>
+              </a:rPr>
+              <a:t>Vs. CS Enrollment US / Total Enrollment US</a:t>
             </a:r>
             <a:endParaRPr lang="zh-CN" altLang="en-US" dirty="0">
               <a:solidFill>
@@ -39744,74 +40067,12 @@
           </a:p>
         </p:txBody>
       </p:sp>
-      <p:sp>
-        <p:nvSpPr>
-          <p:cNvPr id="12" name="TextBox 11">
-            <a:extLst>
-              <a:ext uri="{FF2B5EF4-FFF2-40B4-BE49-F238E27FC236}">
-                <a16:creationId xmlns:a16="http://schemas.microsoft.com/office/drawing/2014/main" id="{9C6672FC-7502-04F6-E4D2-9B68357344AE}"/>
-              </a:ext>
-            </a:extLst>
-          </p:cNvPr>
-          <p:cNvSpPr txBox="1"/>
-          <p:nvPr/>
-        </p:nvSpPr>
-        <p:spPr>
-          <a:xfrm>
-            <a:off x="510556" y="2967335"/>
-            <a:ext cx="3704828" cy="646331"/>
-          </a:xfrm>
-          <a:prstGeom prst="rect">
-            <a:avLst/>
-          </a:prstGeom>
-          <a:noFill/>
-        </p:spPr>
-        <p:txBody>
-          <a:bodyPr wrap="square" rtlCol="0">
-            <a:spAutoFit/>
-          </a:bodyPr>
-          <a:lstStyle/>
-          <a:p>
-            <a:r>
-              <a:rPr lang="en-US" altLang="zh-CN" sz="1200" dirty="0">
-                <a:solidFill>
-                  <a:srgbClr val="4A4A4A"/>
-                </a:solidFill>
-                <a:latin typeface="ITC Officina Sans Std Book" panose="020B0506040203020204" pitchFamily="34" charset="0"/>
-              </a:rPr>
-              <a:t>Top 3 CS Conferral IL / Top 3 Total Degree Conferral IL</a:t>
-            </a:r>
-          </a:p>
-          <a:p>
-            <a:r>
-              <a:rPr lang="en-US" altLang="zh-CN" sz="1200" dirty="0">
-                <a:solidFill>
-                  <a:srgbClr val="4A4A4A"/>
-                </a:solidFill>
-                <a:latin typeface="ITC Officina Sans Std Book" panose="020B0506040203020204" pitchFamily="34" charset="0"/>
-              </a:rPr>
-              <a:t>Vs. </a:t>
-            </a:r>
-          </a:p>
-          <a:p>
-            <a:r>
-              <a:rPr lang="en-US" altLang="zh-CN" sz="1200" dirty="0">
-                <a:solidFill>
-                  <a:srgbClr val="4A4A4A"/>
-                </a:solidFill>
-                <a:latin typeface="ITC Officina Sans Std Book" panose="020B0506040203020204" pitchFamily="34" charset="0"/>
-              </a:rPr>
-              <a:t>Top 3 CS Conferral US / Top 3 Total Degree Conferral US</a:t>
-            </a:r>
-          </a:p>
-        </p:txBody>
-      </p:sp>
       <p:graphicFrame>
         <p:nvGraphicFramePr>
           <p:cNvPr id="4" name="Chart 3">
             <a:extLst>
               <a:ext uri="{FF2B5EF4-FFF2-40B4-BE49-F238E27FC236}">
-                <a16:creationId xmlns:a16="http://schemas.microsoft.com/office/drawing/2014/main" id="{53844D48-F5F4-0005-0553-1DC246C199C1}"/>
+                <a16:creationId xmlns:a16="http://schemas.microsoft.com/office/drawing/2014/main" id="{43C57B84-5B43-F24E-5A70-A2CD973C66B7}"/>
               </a:ext>
             </a:extLst>
           </p:cNvPr>
@@ -39819,14 +40080,14 @@
           <p:nvPr>
             <p:extLst>
               <p:ext uri="{D42A27DB-BD31-4B8C-83A1-F6EECF244321}">
-                <p14:modId xmlns:p14="http://schemas.microsoft.com/office/powerpoint/2010/main" val="3564790624"/>
+                <p14:modId xmlns:p14="http://schemas.microsoft.com/office/powerpoint/2010/main" val="2132755632"/>
               </p:ext>
             </p:extLst>
           </p:nvPr>
         </p:nvGraphicFramePr>
         <p:xfrm>
-          <a:off x="4576064" y="1999827"/>
-          <a:ext cx="5939536" cy="3632878"/>
+          <a:off x="5118100" y="2183819"/>
+          <a:ext cx="6111875" cy="4197931"/>
         </p:xfrm>
         <a:graphic>
           <a:graphicData uri="http://schemas.openxmlformats.org/drawingml/2006/chart">
@@ -39837,7 +40098,7 @@
     </p:spTree>
     <p:extLst>
       <p:ext uri="{BB962C8B-B14F-4D97-AF65-F5344CB8AC3E}">
-        <p14:creationId xmlns:p14="http://schemas.microsoft.com/office/powerpoint/2010/main" val="293532292"/>
+        <p14:creationId xmlns:p14="http://schemas.microsoft.com/office/powerpoint/2010/main" val="804852797"/>
       </p:ext>
     </p:extLst>
   </p:cSld>
@@ -39926,244 +40187,7 @@
         <p:spPr>
           <a:xfrm>
             <a:off x="510556" y="386396"/>
-            <a:ext cx="11170886" cy="677108"/>
-          </a:xfrm>
-          <a:prstGeom prst="rect">
-            <a:avLst/>
-          </a:prstGeom>
-          <a:noFill/>
-        </p:spPr>
-        <p:txBody>
-          <a:bodyPr wrap="square" rtlCol="0">
-            <a:spAutoFit/>
-          </a:bodyPr>
-          <a:lstStyle/>
-          <a:p>
-            <a:r>
-              <a:rPr lang="en-US" altLang="zh-CN" sz="2000" dirty="0">
-                <a:solidFill>
-                  <a:srgbClr val="FF0000"/>
-                </a:solidFill>
-                <a:latin typeface="Antique Olive Std Compact" panose="020B0904030504040204" pitchFamily="34" charset="0"/>
-                <a:ea typeface="Tahoma" panose="020B0604030504040204" pitchFamily="34" charset="0"/>
-                <a:cs typeface="Tahoma" panose="020B0604030504040204" pitchFamily="34" charset="0"/>
-              </a:rPr>
-              <a:t>Access</a:t>
-            </a:r>
-            <a:r>
-              <a:rPr lang="en-US" altLang="zh-CN" sz="2000" dirty="0">
-                <a:solidFill>
-                  <a:schemeClr val="tx2"/>
-                </a:solidFill>
-                <a:latin typeface="Antique Olive Std Compact" panose="020B0904030504040204" pitchFamily="34" charset="0"/>
-                <a:ea typeface="Tahoma" panose="020B0604030504040204" pitchFamily="34" charset="0"/>
-                <a:cs typeface="Tahoma" panose="020B0604030504040204" pitchFamily="34" charset="0"/>
-              </a:rPr>
-              <a:t>: Illinois CS/Computing Degree Enrollment </a:t>
-            </a:r>
-          </a:p>
-          <a:p>
-            <a:r>
-              <a:rPr lang="en-US" altLang="zh-CN" dirty="0">
-                <a:solidFill>
-                  <a:srgbClr val="4A4A4A"/>
-                </a:solidFill>
-                <a:latin typeface="ITC Officina Sans Std Book" panose="020B0506040203020204" pitchFamily="34" charset="0"/>
-              </a:rPr>
-              <a:t>The proportion of Illinois college students enrolled into a CS/Computing degree by race/ethnicity</a:t>
-            </a:r>
-            <a:endParaRPr lang="zh-CN" altLang="en-US" dirty="0">
-              <a:solidFill>
-                <a:srgbClr val="4A4A4A"/>
-              </a:solidFill>
-              <a:latin typeface="ITC Officina Sans Std Book" panose="020B0506040203020204" pitchFamily="34" charset="0"/>
-            </a:endParaRPr>
-          </a:p>
-        </p:txBody>
-      </p:sp>
-      <p:sp>
-        <p:nvSpPr>
-          <p:cNvPr id="12" name="TextBox 11">
-            <a:extLst>
-              <a:ext uri="{FF2B5EF4-FFF2-40B4-BE49-F238E27FC236}">
-                <a16:creationId xmlns:a16="http://schemas.microsoft.com/office/drawing/2014/main" id="{9C6672FC-7502-04F6-E4D2-9B68357344AE}"/>
-              </a:ext>
-            </a:extLst>
-          </p:cNvPr>
-          <p:cNvSpPr txBox="1"/>
-          <p:nvPr/>
-        </p:nvSpPr>
-        <p:spPr>
-          <a:xfrm>
-            <a:off x="510556" y="2967335"/>
-            <a:ext cx="3401044" cy="646331"/>
-          </a:xfrm>
-          <a:prstGeom prst="rect">
-            <a:avLst/>
-          </a:prstGeom>
-          <a:noFill/>
-        </p:spPr>
-        <p:txBody>
-          <a:bodyPr wrap="square" rtlCol="0">
-            <a:spAutoFit/>
-          </a:bodyPr>
-          <a:lstStyle/>
-          <a:p>
-            <a:r>
-              <a:rPr lang="en-US" altLang="zh-CN" sz="1200" dirty="0">
-                <a:solidFill>
-                  <a:srgbClr val="4A4A4A"/>
-                </a:solidFill>
-                <a:latin typeface="ITC Officina Sans Std Book" panose="020B0506040203020204" pitchFamily="34" charset="0"/>
-              </a:rPr>
-              <a:t>CS Enrollment IL / Total Enrollment IL</a:t>
-            </a:r>
-          </a:p>
-          <a:p>
-            <a:r>
-              <a:rPr lang="en-US" altLang="zh-CN" sz="1200" dirty="0">
-                <a:solidFill>
-                  <a:srgbClr val="4A4A4A"/>
-                </a:solidFill>
-                <a:latin typeface="ITC Officina Sans Std Book" panose="020B0506040203020204" pitchFamily="34" charset="0"/>
-              </a:rPr>
-              <a:t>Vs. </a:t>
-            </a:r>
-          </a:p>
-          <a:p>
-            <a:r>
-              <a:rPr lang="en-US" altLang="zh-CN" sz="1200" dirty="0">
-                <a:solidFill>
-                  <a:srgbClr val="4A4A4A"/>
-                </a:solidFill>
-                <a:latin typeface="ITC Officina Sans Std Book" panose="020B0506040203020204" pitchFamily="34" charset="0"/>
-              </a:rPr>
-              <a:t>CS Enrollment US / Total Enrollment US</a:t>
-            </a:r>
-          </a:p>
-        </p:txBody>
-      </p:sp>
-      <p:graphicFrame>
-        <p:nvGraphicFramePr>
-          <p:cNvPr id="4" name="Chart 3">
-            <a:extLst>
-              <a:ext uri="{FF2B5EF4-FFF2-40B4-BE49-F238E27FC236}">
-                <a16:creationId xmlns:a16="http://schemas.microsoft.com/office/drawing/2014/main" id="{43C57B84-5B43-F24E-5A70-A2CD973C66B7}"/>
-              </a:ext>
-            </a:extLst>
-          </p:cNvPr>
-          <p:cNvGraphicFramePr/>
-          <p:nvPr>
-            <p:extLst>
-              <p:ext uri="{D42A27DB-BD31-4B8C-83A1-F6EECF244321}">
-                <p14:modId xmlns:p14="http://schemas.microsoft.com/office/powerpoint/2010/main" val="3656074958"/>
-              </p:ext>
-            </p:extLst>
-          </p:nvPr>
-        </p:nvGraphicFramePr>
-        <p:xfrm>
-          <a:off x="3317875" y="1366824"/>
-          <a:ext cx="6740525" cy="4493684"/>
-        </p:xfrm>
-        <a:graphic>
-          <a:graphicData uri="http://schemas.openxmlformats.org/drawingml/2006/chart">
-            <c:chart xmlns:c="http://schemas.openxmlformats.org/drawingml/2006/chart" xmlns:r="http://schemas.openxmlformats.org/officeDocument/2006/relationships" r:id="rId2"/>
-          </a:graphicData>
-        </a:graphic>
-      </p:graphicFrame>
-    </p:spTree>
-    <p:extLst>
-      <p:ext uri="{BB962C8B-B14F-4D97-AF65-F5344CB8AC3E}">
-        <p14:creationId xmlns:p14="http://schemas.microsoft.com/office/powerpoint/2010/main" val="804852797"/>
-      </p:ext>
-    </p:extLst>
-  </p:cSld>
-  <p:clrMapOvr>
-    <a:masterClrMapping/>
-  </p:clrMapOvr>
-</p:sld>
-</file>
-
-<file path=ppt/slides/slide29.xml><?xml version="1.0" encoding="utf-8"?>
-<p:sld xmlns:a="http://schemas.openxmlformats.org/drawingml/2006/main" xmlns:r="http://schemas.openxmlformats.org/officeDocument/2006/relationships" xmlns:p="http://schemas.openxmlformats.org/presentationml/2006/main">
-  <p:cSld>
-    <p:spTree>
-      <p:nvGrpSpPr>
-        <p:cNvPr id="1" name=""/>
-        <p:cNvGrpSpPr/>
-        <p:nvPr/>
-      </p:nvGrpSpPr>
-      <p:grpSpPr>
-        <a:xfrm>
-          <a:off x="0" y="0"/>
-          <a:ext cx="0" cy="0"/>
-          <a:chOff x="0" y="0"/>
-          <a:chExt cx="0" cy="0"/>
-        </a:xfrm>
-      </p:grpSpPr>
-      <p:sp>
-        <p:nvSpPr>
-          <p:cNvPr id="21" name="Rectangle 20">
-            <a:extLst>
-              <a:ext uri="{FF2B5EF4-FFF2-40B4-BE49-F238E27FC236}">
-                <a16:creationId xmlns:a16="http://schemas.microsoft.com/office/drawing/2014/main" id="{A0E89330-BF24-10DF-6DD2-AFCB879D19CF}"/>
-              </a:ext>
-            </a:extLst>
-          </p:cNvPr>
-          <p:cNvSpPr/>
-          <p:nvPr/>
-        </p:nvSpPr>
-        <p:spPr>
-          <a:xfrm>
-            <a:off x="-10972800" y="-6607277"/>
-            <a:ext cx="34275252" cy="22152077"/>
-          </a:xfrm>
-          <a:prstGeom prst="rect">
-            <a:avLst/>
-          </a:prstGeom>
-          <a:noFill/>
-        </p:spPr>
-        <p:style>
-          <a:lnRef idx="2">
-            <a:schemeClr val="accent1">
-              <a:shade val="50000"/>
-            </a:schemeClr>
-          </a:lnRef>
-          <a:fillRef idx="1">
-            <a:schemeClr val="accent1"/>
-          </a:fillRef>
-          <a:effectRef idx="0">
-            <a:schemeClr val="accent1"/>
-          </a:effectRef>
-          <a:fontRef idx="minor">
-            <a:schemeClr val="lt1"/>
-          </a:fontRef>
-        </p:style>
-        <p:txBody>
-          <a:bodyPr rtlCol="0" anchor="ctr"/>
-          <a:lstStyle/>
-          <a:p>
-            <a:pPr algn="ctr"/>
-            <a:endParaRPr lang="zh-CN" altLang="en-US"/>
-          </a:p>
-        </p:txBody>
-      </p:sp>
-      <p:sp>
-        <p:nvSpPr>
-          <p:cNvPr id="123" name="TextBox 122">
-            <a:extLst>
-              <a:ext uri="{FF2B5EF4-FFF2-40B4-BE49-F238E27FC236}">
-                <a16:creationId xmlns:a16="http://schemas.microsoft.com/office/drawing/2014/main" id="{B25ED610-FF94-E2C3-7DD6-3B6727C66CCC}"/>
-              </a:ext>
-            </a:extLst>
-          </p:cNvPr>
-          <p:cNvSpPr txBox="1"/>
-          <p:nvPr/>
-        </p:nvSpPr>
-        <p:spPr>
-          <a:xfrm>
-            <a:off x="510556" y="386396"/>
-            <a:ext cx="11170886" cy="677108"/>
+            <a:ext cx="11170886" cy="1508105"/>
           </a:xfrm>
           <a:prstGeom prst="rect">
             <a:avLst/>
@@ -40209,45 +40233,18 @@
               </a:rPr>
               <a:t>The proportion of Illinois High School graduates that immediately enroll into college by race/ethnicity</a:t>
             </a:r>
-            <a:endParaRPr lang="zh-CN" altLang="en-US" dirty="0">
+          </a:p>
+          <a:p>
+            <a:endParaRPr lang="en-US" altLang="zh-CN" dirty="0">
               <a:solidFill>
                 <a:srgbClr val="4A4A4A"/>
               </a:solidFill>
               <a:latin typeface="ITC Officina Sans Std Book" panose="020B0506040203020204" pitchFamily="34" charset="0"/>
             </a:endParaRPr>
           </a:p>
-        </p:txBody>
-      </p:sp>
-      <p:sp>
-        <p:nvSpPr>
-          <p:cNvPr id="12" name="TextBox 11">
-            <a:extLst>
-              <a:ext uri="{FF2B5EF4-FFF2-40B4-BE49-F238E27FC236}">
-                <a16:creationId xmlns:a16="http://schemas.microsoft.com/office/drawing/2014/main" id="{9C6672FC-7502-04F6-E4D2-9B68357344AE}"/>
-              </a:ext>
-            </a:extLst>
-          </p:cNvPr>
-          <p:cNvSpPr txBox="1"/>
-          <p:nvPr/>
-        </p:nvSpPr>
-        <p:spPr>
-          <a:xfrm>
-            <a:off x="510556" y="2967335"/>
-            <a:ext cx="3401044" cy="646331"/>
-          </a:xfrm>
-          <a:prstGeom prst="rect">
-            <a:avLst/>
-          </a:prstGeom>
-          <a:noFill/>
-        </p:spPr>
-        <p:txBody>
-          <a:bodyPr wrap="square" rtlCol="0">
-            <a:spAutoFit/>
-          </a:bodyPr>
-          <a:lstStyle/>
           <a:p>
             <a:r>
-              <a:rPr lang="en-US" altLang="zh-CN" sz="1200" dirty="0">
+              <a:rPr lang="en-US" altLang="zh-CN" sz="1800" dirty="0">
                 <a:solidFill>
                   <a:srgbClr val="4A4A4A"/>
                 </a:solidFill>
@@ -40258,24 +40255,13 @@
           </a:p>
           <a:p>
             <a:r>
-              <a:rPr lang="en-US" altLang="zh-CN" sz="1200" dirty="0">
+              <a:rPr lang="en-US" altLang="zh-CN" sz="1800" dirty="0">
                 <a:solidFill>
                   <a:srgbClr val="4A4A4A"/>
                 </a:solidFill>
                 <a:latin typeface="ITC Officina Sans Std Book" panose="020B0506040203020204" pitchFamily="34" charset="0"/>
               </a:rPr>
-              <a:t>Vs. </a:t>
-            </a:r>
-          </a:p>
-          <a:p>
-            <a:r>
-              <a:rPr lang="en-US" altLang="zh-CN" sz="1200" dirty="0">
-                <a:solidFill>
-                  <a:srgbClr val="4A4A4A"/>
-                </a:solidFill>
-                <a:latin typeface="ITC Officina Sans Std Book" panose="020B0506040203020204" pitchFamily="34" charset="0"/>
-              </a:rPr>
-              <a:t>Total Enrollment us / High School Graduates US</a:t>
+              <a:t>Vs. Total Enrollment us / High School Graduates US</a:t>
             </a:r>
           </a:p>
         </p:txBody>
@@ -40293,14 +40279,14 @@
           <p:nvPr>
             <p:extLst>
               <p:ext uri="{D42A27DB-BD31-4B8C-83A1-F6EECF244321}">
-                <p14:modId xmlns:p14="http://schemas.microsoft.com/office/powerpoint/2010/main" val="3589331067"/>
+                <p14:modId xmlns:p14="http://schemas.microsoft.com/office/powerpoint/2010/main" val="2723568344"/>
               </p:ext>
             </p:extLst>
           </p:nvPr>
         </p:nvGraphicFramePr>
         <p:xfrm>
-          <a:off x="4195706" y="1714500"/>
-          <a:ext cx="6367519" cy="3933825"/>
+          <a:off x="5106167" y="2190749"/>
+          <a:ext cx="6114283" cy="4200526"/>
         </p:xfrm>
         <a:graphic>
           <a:graphicData uri="http://schemas.openxmlformats.org/drawingml/2006/chart">
@@ -40351,6 +40337,92 @@
     <p:extLst>
       <p:ext uri="{BB962C8B-B14F-4D97-AF65-F5344CB8AC3E}">
         <p14:creationId xmlns:p14="http://schemas.microsoft.com/office/powerpoint/2010/main" val="2962094009"/>
+      </p:ext>
+    </p:extLst>
+  </p:cSld>
+  <p:clrMapOvr>
+    <a:masterClrMapping/>
+  </p:clrMapOvr>
+</p:sld>
+</file>
+
+<file path=ppt/slides/slide29.xml><?xml version="1.0" encoding="utf-8"?>
+<p:sld xmlns:a="http://schemas.openxmlformats.org/drawingml/2006/main" xmlns:r="http://schemas.openxmlformats.org/officeDocument/2006/relationships" xmlns:p="http://schemas.openxmlformats.org/presentationml/2006/main">
+  <p:cSld>
+    <p:spTree>
+      <p:nvGrpSpPr>
+        <p:cNvPr id="1" name=""/>
+        <p:cNvGrpSpPr/>
+        <p:nvPr/>
+      </p:nvGrpSpPr>
+      <p:grpSpPr>
+        <a:xfrm>
+          <a:off x="0" y="0"/>
+          <a:ext cx="0" cy="0"/>
+          <a:chOff x="0" y="0"/>
+          <a:chExt cx="0" cy="0"/>
+        </a:xfrm>
+      </p:grpSpPr>
+      <p:sp>
+        <p:nvSpPr>
+          <p:cNvPr id="9" name="Title 1">
+            <a:extLst>
+              <a:ext uri="{FF2B5EF4-FFF2-40B4-BE49-F238E27FC236}">
+                <a16:creationId xmlns:a16="http://schemas.microsoft.com/office/drawing/2014/main" id="{2A483933-4E09-DED7-0E02-9291BCFD0569}"/>
+              </a:ext>
+            </a:extLst>
+          </p:cNvPr>
+          <p:cNvSpPr txBox="1">
+            <a:spLocks/>
+          </p:cNvSpPr>
+          <p:nvPr/>
+        </p:nvSpPr>
+        <p:spPr>
+          <a:xfrm>
+            <a:off x="1524000" y="3429000"/>
+            <a:ext cx="9144000" cy="652314"/>
+          </a:xfrm>
+          <a:prstGeom prst="rect">
+            <a:avLst/>
+          </a:prstGeom>
+        </p:spPr>
+        <p:txBody>
+          <a:bodyPr vert="horz" lIns="91440" tIns="45720" rIns="91440" bIns="45720" rtlCol="0" anchor="b">
+            <a:noAutofit/>
+          </a:bodyPr>
+          <a:lstStyle>
+            <a:lvl1pPr algn="ctr">
+              <a:lnSpc>
+                <a:spcPct val="90000"/>
+              </a:lnSpc>
+              <a:spcBef>
+                <a:spcPct val="0"/>
+              </a:spcBef>
+              <a:buNone/>
+              <a:defRPr sz="3200">
+                <a:latin typeface="Adobe Gothic Std B" panose="020B0800000000000000" pitchFamily="34" charset="-128"/>
+                <a:ea typeface="Adobe Gothic Std B" panose="020B0800000000000000" pitchFamily="34" charset="-128"/>
+                <a:cs typeface="+mj-cs"/>
+              </a:defRPr>
+            </a:lvl1pPr>
+          </a:lstStyle>
+          <a:p>
+            <a:r>
+              <a:rPr lang="en-US" altLang="zh-CN" sz="4000" dirty="0">
+                <a:solidFill>
+                  <a:schemeClr val="tx2"/>
+                </a:solidFill>
+                <a:latin typeface="Times LT Std" panose="02020603050405020304" pitchFamily="18" charset="0"/>
+              </a:rPr>
+              <a:t>Employment</a:t>
+            </a:r>
+          </a:p>
+        </p:txBody>
+      </p:sp>
+    </p:spTree>
+    <p:extLst>
+      <p:ext uri="{BB962C8B-B14F-4D97-AF65-F5344CB8AC3E}">
+        <p14:creationId xmlns:p14="http://schemas.microsoft.com/office/powerpoint/2010/main" val="3051527844"/>
       </p:ext>
     </p:extLst>
   </p:cSld>
@@ -40465,64 +40537,177 @@
       </p:grpSpPr>
       <p:sp>
         <p:nvSpPr>
-          <p:cNvPr id="9" name="Title 1">
+          <p:cNvPr id="21" name="Rectangle 20">
             <a:extLst>
               <a:ext uri="{FF2B5EF4-FFF2-40B4-BE49-F238E27FC236}">
-                <a16:creationId xmlns:a16="http://schemas.microsoft.com/office/drawing/2014/main" id="{2A483933-4E09-DED7-0E02-9291BCFD0569}"/>
+                <a16:creationId xmlns:a16="http://schemas.microsoft.com/office/drawing/2014/main" id="{A0E89330-BF24-10DF-6DD2-AFCB879D19CF}"/>
               </a:ext>
             </a:extLst>
           </p:cNvPr>
-          <p:cNvSpPr txBox="1">
-            <a:spLocks/>
-          </p:cNvSpPr>
+          <p:cNvSpPr/>
           <p:nvPr/>
         </p:nvSpPr>
         <p:spPr>
           <a:xfrm>
-            <a:off x="1524000" y="3429000"/>
-            <a:ext cx="9144000" cy="652314"/>
+            <a:off x="-10972800" y="-6607277"/>
+            <a:ext cx="34275252" cy="22152077"/>
           </a:xfrm>
           <a:prstGeom prst="rect">
             <a:avLst/>
           </a:prstGeom>
+          <a:noFill/>
+        </p:spPr>
+        <p:style>
+          <a:lnRef idx="2">
+            <a:schemeClr val="accent1">
+              <a:shade val="50000"/>
+            </a:schemeClr>
+          </a:lnRef>
+          <a:fillRef idx="1">
+            <a:schemeClr val="accent1"/>
+          </a:fillRef>
+          <a:effectRef idx="0">
+            <a:schemeClr val="accent1"/>
+          </a:effectRef>
+          <a:fontRef idx="minor">
+            <a:schemeClr val="lt1"/>
+          </a:fontRef>
+        </p:style>
+        <p:txBody>
+          <a:bodyPr rtlCol="0" anchor="ctr"/>
+          <a:lstStyle/>
+          <a:p>
+            <a:pPr algn="ctr"/>
+            <a:endParaRPr lang="zh-CN" altLang="en-US"/>
+          </a:p>
+        </p:txBody>
+      </p:sp>
+      <p:sp>
+        <p:nvSpPr>
+          <p:cNvPr id="123" name="TextBox 122">
+            <a:extLst>
+              <a:ext uri="{FF2B5EF4-FFF2-40B4-BE49-F238E27FC236}">
+                <a16:creationId xmlns:a16="http://schemas.microsoft.com/office/drawing/2014/main" id="{B25ED610-FF94-E2C3-7DD6-3B6727C66CCC}"/>
+              </a:ext>
+            </a:extLst>
+          </p:cNvPr>
+          <p:cNvSpPr txBox="1"/>
+          <p:nvPr/>
+        </p:nvSpPr>
+        <p:spPr>
+          <a:xfrm>
+            <a:off x="445241" y="479702"/>
+            <a:ext cx="11170886" cy="1508105"/>
+          </a:xfrm>
+          <a:prstGeom prst="rect">
+            <a:avLst/>
+          </a:prstGeom>
+          <a:noFill/>
         </p:spPr>
         <p:txBody>
-          <a:bodyPr vert="horz" lIns="91440" tIns="45720" rIns="91440" bIns="45720" rtlCol="0" anchor="b">
-            <a:noAutofit/>
+          <a:bodyPr wrap="square" rtlCol="0">
+            <a:spAutoFit/>
           </a:bodyPr>
-          <a:lstStyle>
-            <a:lvl1pPr algn="ctr">
-              <a:lnSpc>
-                <a:spcPct val="90000"/>
-              </a:lnSpc>
-              <a:spcBef>
-                <a:spcPct val="0"/>
-              </a:spcBef>
-              <a:buNone/>
-              <a:defRPr sz="3200">
-                <a:latin typeface="Adobe Gothic Std B" panose="020B0800000000000000" pitchFamily="34" charset="-128"/>
-                <a:ea typeface="Adobe Gothic Std B" panose="020B0800000000000000" pitchFamily="34" charset="-128"/>
-                <a:cs typeface="+mj-cs"/>
-              </a:defRPr>
-            </a:lvl1pPr>
-          </a:lstStyle>
+          <a:lstStyle/>
           <a:p>
             <a:r>
-              <a:rPr lang="en-US" altLang="zh-CN" sz="4000" dirty="0">
+              <a:rPr lang="en-US" altLang="zh-CN" sz="2000" dirty="0">
+                <a:solidFill>
+                  <a:srgbClr val="FF0000"/>
+                </a:solidFill>
+                <a:latin typeface="Antique Olive Std Compact" panose="020B0904030504040204" pitchFamily="34" charset="0"/>
+                <a:ea typeface="Tahoma" panose="020B0604030504040204" pitchFamily="34" charset="0"/>
+                <a:cs typeface="Tahoma" panose="020B0604030504040204" pitchFamily="34" charset="0"/>
+              </a:rPr>
+              <a:t>Proficiency</a:t>
+            </a:r>
+            <a:r>
+              <a:rPr lang="en-US" altLang="zh-CN" sz="2000" dirty="0">
                 <a:solidFill>
                   <a:schemeClr val="tx2"/>
                 </a:solidFill>
-                <a:latin typeface="Times LT Std" panose="02020603050405020304" pitchFamily="18" charset="0"/>
+                <a:latin typeface="Antique Olive Std Compact" panose="020B0904030504040204" pitchFamily="34" charset="0"/>
+                <a:ea typeface="Tahoma" panose="020B0604030504040204" pitchFamily="34" charset="0"/>
+                <a:cs typeface="Tahoma" panose="020B0604030504040204" pitchFamily="34" charset="0"/>
               </a:rPr>
-              <a:t>Employment</a:t>
+              <a:t>: Chicago MSA tech employee demographics</a:t>
+            </a:r>
+          </a:p>
+          <a:p>
+            <a:r>
+              <a:rPr lang="en-US" altLang="zh-CN" dirty="0">
+                <a:solidFill>
+                  <a:srgbClr val="4A4A4A"/>
+                </a:solidFill>
+                <a:latin typeface="ITC Officina Sans Std Book" panose="020B0506040203020204" pitchFamily="34" charset="0"/>
+              </a:rPr>
+              <a:t>Proportion of Chicago MSA degree holders working in a top 11 tech occupation</a:t>
+            </a:r>
+          </a:p>
+          <a:p>
+            <a:endParaRPr lang="en-US" altLang="zh-CN" dirty="0">
+              <a:solidFill>
+                <a:srgbClr val="4A4A4A"/>
+              </a:solidFill>
+              <a:latin typeface="ITC Officina Sans Std Book" panose="020B0506040203020204" pitchFamily="34" charset="0"/>
+            </a:endParaRPr>
+          </a:p>
+          <a:p>
+            <a:r>
+              <a:rPr lang="en-US" altLang="zh-CN" sz="1800" dirty="0">
+                <a:solidFill>
+                  <a:srgbClr val="4A4A4A"/>
+                </a:solidFill>
+                <a:latin typeface="ITC Officina Sans Std Book" panose="020B0506040203020204" pitchFamily="34" charset="0"/>
+              </a:rPr>
+              <a:t>Tech job MSA/ Total degree holders MSA</a:t>
+            </a:r>
+          </a:p>
+          <a:p>
+            <a:r>
+              <a:rPr lang="en-US" altLang="zh-CN" sz="1800" dirty="0">
+                <a:solidFill>
+                  <a:srgbClr val="4A4A4A"/>
+                </a:solidFill>
+                <a:latin typeface="ITC Officina Sans Std Book" panose="020B0506040203020204" pitchFamily="34" charset="0"/>
+              </a:rPr>
+              <a:t>Vs. Tech job US/ Total degree holders US</a:t>
             </a:r>
           </a:p>
         </p:txBody>
       </p:sp>
+      <p:graphicFrame>
+        <p:nvGraphicFramePr>
+          <p:cNvPr id="6" name="Chart 5">
+            <a:extLst>
+              <a:ext uri="{FF2B5EF4-FFF2-40B4-BE49-F238E27FC236}">
+                <a16:creationId xmlns:a16="http://schemas.microsoft.com/office/drawing/2014/main" id="{DDE90F54-CC01-BCC3-7312-E3A0D7560A19}"/>
+              </a:ext>
+            </a:extLst>
+          </p:cNvPr>
+          <p:cNvGraphicFramePr/>
+          <p:nvPr>
+            <p:extLst>
+              <p:ext uri="{D42A27DB-BD31-4B8C-83A1-F6EECF244321}">
+                <p14:modId xmlns:p14="http://schemas.microsoft.com/office/powerpoint/2010/main" val="3497279290"/>
+              </p:ext>
+            </p:extLst>
+          </p:nvPr>
+        </p:nvGraphicFramePr>
+        <p:xfrm>
+          <a:off x="5117693" y="2189215"/>
+          <a:ext cx="6121807" cy="4189083"/>
+        </p:xfrm>
+        <a:graphic>
+          <a:graphicData uri="http://schemas.openxmlformats.org/drawingml/2006/chart">
+            <c:chart xmlns:c="http://schemas.openxmlformats.org/drawingml/2006/chart" xmlns:r="http://schemas.openxmlformats.org/officeDocument/2006/relationships" r:id="rId2"/>
+          </a:graphicData>
+        </a:graphic>
+      </p:graphicFrame>
     </p:spTree>
     <p:extLst>
       <p:ext uri="{BB962C8B-B14F-4D97-AF65-F5344CB8AC3E}">
-        <p14:creationId xmlns:p14="http://schemas.microsoft.com/office/powerpoint/2010/main" val="3051527844"/>
+        <p14:creationId xmlns:p14="http://schemas.microsoft.com/office/powerpoint/2010/main" val="2739855306"/>
       </p:ext>
     </p:extLst>
   </p:cSld>
@@ -40610,245 +40795,8 @@
         </p:nvSpPr>
         <p:spPr>
           <a:xfrm>
-            <a:off x="445241" y="479702"/>
-            <a:ext cx="11170886" cy="677108"/>
-          </a:xfrm>
-          <a:prstGeom prst="rect">
-            <a:avLst/>
-          </a:prstGeom>
-          <a:noFill/>
-        </p:spPr>
-        <p:txBody>
-          <a:bodyPr wrap="square" rtlCol="0">
-            <a:spAutoFit/>
-          </a:bodyPr>
-          <a:lstStyle/>
-          <a:p>
-            <a:r>
-              <a:rPr lang="en-US" altLang="zh-CN" sz="2000" dirty="0">
-                <a:solidFill>
-                  <a:srgbClr val="FF0000"/>
-                </a:solidFill>
-                <a:latin typeface="Antique Olive Std Compact" panose="020B0904030504040204" pitchFamily="34" charset="0"/>
-                <a:ea typeface="Tahoma" panose="020B0604030504040204" pitchFamily="34" charset="0"/>
-                <a:cs typeface="Tahoma" panose="020B0604030504040204" pitchFamily="34" charset="0"/>
-              </a:rPr>
-              <a:t>Proficiency</a:t>
-            </a:r>
-            <a:r>
-              <a:rPr lang="en-US" altLang="zh-CN" sz="2000" dirty="0">
-                <a:solidFill>
-                  <a:schemeClr val="tx2"/>
-                </a:solidFill>
-                <a:latin typeface="Antique Olive Std Compact" panose="020B0904030504040204" pitchFamily="34" charset="0"/>
-                <a:ea typeface="Tahoma" panose="020B0604030504040204" pitchFamily="34" charset="0"/>
-                <a:cs typeface="Tahoma" panose="020B0604030504040204" pitchFamily="34" charset="0"/>
-              </a:rPr>
-              <a:t>: Chicago MSA tech employee demographics</a:t>
-            </a:r>
-          </a:p>
-          <a:p>
-            <a:r>
-              <a:rPr lang="en-US" altLang="zh-CN" dirty="0">
-                <a:solidFill>
-                  <a:srgbClr val="4A4A4A"/>
-                </a:solidFill>
-                <a:latin typeface="ITC Officina Sans Std Book" panose="020B0506040203020204" pitchFamily="34" charset="0"/>
-              </a:rPr>
-              <a:t>Proportion of Chicago MSA degree holders working in a top 11 tech occupation</a:t>
-            </a:r>
-            <a:endParaRPr lang="zh-CN" altLang="en-US" dirty="0">
-              <a:solidFill>
-                <a:srgbClr val="4A4A4A"/>
-              </a:solidFill>
-              <a:latin typeface="ITC Officina Sans Std Book" panose="020B0506040203020204" pitchFamily="34" charset="0"/>
-            </a:endParaRPr>
-          </a:p>
-        </p:txBody>
-      </p:sp>
-      <p:sp>
-        <p:nvSpPr>
-          <p:cNvPr id="12" name="TextBox 11">
-            <a:extLst>
-              <a:ext uri="{FF2B5EF4-FFF2-40B4-BE49-F238E27FC236}">
-                <a16:creationId xmlns:a16="http://schemas.microsoft.com/office/drawing/2014/main" id="{9C6672FC-7502-04F6-E4D2-9B68357344AE}"/>
-              </a:ext>
-            </a:extLst>
-          </p:cNvPr>
-          <p:cNvSpPr txBox="1"/>
-          <p:nvPr/>
-        </p:nvSpPr>
-        <p:spPr>
-          <a:xfrm>
-            <a:off x="510556" y="2967335"/>
-            <a:ext cx="2718419" cy="646331"/>
-          </a:xfrm>
-          <a:prstGeom prst="rect">
-            <a:avLst/>
-          </a:prstGeom>
-          <a:noFill/>
-        </p:spPr>
-        <p:txBody>
-          <a:bodyPr wrap="square" rtlCol="0">
-            <a:spAutoFit/>
-          </a:bodyPr>
-          <a:lstStyle/>
-          <a:p>
-            <a:r>
-              <a:rPr lang="en-US" altLang="zh-CN" sz="1200" dirty="0">
-                <a:solidFill>
-                  <a:srgbClr val="4A4A4A"/>
-                </a:solidFill>
-                <a:latin typeface="ITC Officina Sans Std Book" panose="020B0506040203020204" pitchFamily="34" charset="0"/>
-              </a:rPr>
-              <a:t>Tech job MSA/ Total degree holders MSA</a:t>
-            </a:r>
-          </a:p>
-          <a:p>
-            <a:r>
-              <a:rPr lang="en-US" altLang="zh-CN" sz="1200" dirty="0">
-                <a:solidFill>
-                  <a:srgbClr val="4A4A4A"/>
-                </a:solidFill>
-                <a:latin typeface="ITC Officina Sans Std Book" panose="020B0506040203020204" pitchFamily="34" charset="0"/>
-              </a:rPr>
-              <a:t>Vs. </a:t>
-            </a:r>
-          </a:p>
-          <a:p>
-            <a:r>
-              <a:rPr lang="en-US" altLang="zh-CN" sz="1200" dirty="0">
-                <a:solidFill>
-                  <a:srgbClr val="4A4A4A"/>
-                </a:solidFill>
-                <a:latin typeface="ITC Officina Sans Std Book" panose="020B0506040203020204" pitchFamily="34" charset="0"/>
-              </a:rPr>
-              <a:t>Tech job US/ Total degree holders US</a:t>
-            </a:r>
-          </a:p>
-        </p:txBody>
-      </p:sp>
-      <p:graphicFrame>
-        <p:nvGraphicFramePr>
-          <p:cNvPr id="6" name="Chart 5">
-            <a:extLst>
-              <a:ext uri="{FF2B5EF4-FFF2-40B4-BE49-F238E27FC236}">
-                <a16:creationId xmlns:a16="http://schemas.microsoft.com/office/drawing/2014/main" id="{DDE90F54-CC01-BCC3-7312-E3A0D7560A19}"/>
-              </a:ext>
-            </a:extLst>
-          </p:cNvPr>
-          <p:cNvGraphicFramePr/>
-          <p:nvPr>
-            <p:extLst>
-              <p:ext uri="{D42A27DB-BD31-4B8C-83A1-F6EECF244321}">
-                <p14:modId xmlns:p14="http://schemas.microsoft.com/office/powerpoint/2010/main" val="2609101772"/>
-              </p:ext>
-            </p:extLst>
-          </p:nvPr>
-        </p:nvGraphicFramePr>
-        <p:xfrm>
-          <a:off x="4088993" y="1798690"/>
-          <a:ext cx="6556670" cy="4398910"/>
-        </p:xfrm>
-        <a:graphic>
-          <a:graphicData uri="http://schemas.openxmlformats.org/drawingml/2006/chart">
-            <c:chart xmlns:c="http://schemas.openxmlformats.org/drawingml/2006/chart" xmlns:r="http://schemas.openxmlformats.org/officeDocument/2006/relationships" r:id="rId2"/>
-          </a:graphicData>
-        </a:graphic>
-      </p:graphicFrame>
-    </p:spTree>
-    <p:extLst>
-      <p:ext uri="{BB962C8B-B14F-4D97-AF65-F5344CB8AC3E}">
-        <p14:creationId xmlns:p14="http://schemas.microsoft.com/office/powerpoint/2010/main" val="2739855306"/>
-      </p:ext>
-    </p:extLst>
-  </p:cSld>
-  <p:clrMapOvr>
-    <a:masterClrMapping/>
-  </p:clrMapOvr>
-</p:sld>
-</file>
-
-<file path=ppt/slides/slide32.xml><?xml version="1.0" encoding="utf-8"?>
-<p:sld xmlns:a="http://schemas.openxmlformats.org/drawingml/2006/main" xmlns:r="http://schemas.openxmlformats.org/officeDocument/2006/relationships" xmlns:p="http://schemas.openxmlformats.org/presentationml/2006/main">
-  <p:cSld>
-    <p:spTree>
-      <p:nvGrpSpPr>
-        <p:cNvPr id="1" name=""/>
-        <p:cNvGrpSpPr/>
-        <p:nvPr/>
-      </p:nvGrpSpPr>
-      <p:grpSpPr>
-        <a:xfrm>
-          <a:off x="0" y="0"/>
-          <a:ext cx="0" cy="0"/>
-          <a:chOff x="0" y="0"/>
-          <a:chExt cx="0" cy="0"/>
-        </a:xfrm>
-      </p:grpSpPr>
-      <p:sp>
-        <p:nvSpPr>
-          <p:cNvPr id="21" name="Rectangle 20">
-            <a:extLst>
-              <a:ext uri="{FF2B5EF4-FFF2-40B4-BE49-F238E27FC236}">
-                <a16:creationId xmlns:a16="http://schemas.microsoft.com/office/drawing/2014/main" id="{A0E89330-BF24-10DF-6DD2-AFCB879D19CF}"/>
-              </a:ext>
-            </a:extLst>
-          </p:cNvPr>
-          <p:cNvSpPr/>
-          <p:nvPr/>
-        </p:nvSpPr>
-        <p:spPr>
-          <a:xfrm>
-            <a:off x="-10972800" y="-6607277"/>
-            <a:ext cx="34275252" cy="22152077"/>
-          </a:xfrm>
-          <a:prstGeom prst="rect">
-            <a:avLst/>
-          </a:prstGeom>
-          <a:noFill/>
-        </p:spPr>
-        <p:style>
-          <a:lnRef idx="2">
-            <a:schemeClr val="accent1">
-              <a:shade val="50000"/>
-            </a:schemeClr>
-          </a:lnRef>
-          <a:fillRef idx="1">
-            <a:schemeClr val="accent1"/>
-          </a:fillRef>
-          <a:effectRef idx="0">
-            <a:schemeClr val="accent1"/>
-          </a:effectRef>
-          <a:fontRef idx="minor">
-            <a:schemeClr val="lt1"/>
-          </a:fontRef>
-        </p:style>
-        <p:txBody>
-          <a:bodyPr rtlCol="0" anchor="ctr"/>
-          <a:lstStyle/>
-          <a:p>
-            <a:pPr algn="ctr"/>
-            <a:endParaRPr lang="zh-CN" altLang="en-US"/>
-          </a:p>
-        </p:txBody>
-      </p:sp>
-      <p:sp>
-        <p:nvSpPr>
-          <p:cNvPr id="123" name="TextBox 122">
-            <a:extLst>
-              <a:ext uri="{FF2B5EF4-FFF2-40B4-BE49-F238E27FC236}">
-                <a16:creationId xmlns:a16="http://schemas.microsoft.com/office/drawing/2014/main" id="{B25ED610-FF94-E2C3-7DD6-3B6727C66CCC}"/>
-              </a:ext>
-            </a:extLst>
-          </p:cNvPr>
-          <p:cNvSpPr txBox="1"/>
-          <p:nvPr/>
-        </p:nvSpPr>
-        <p:spPr>
-          <a:xfrm>
             <a:off x="510556" y="386396"/>
-            <a:ext cx="11170886" cy="677108"/>
+            <a:ext cx="11170886" cy="1508105"/>
           </a:xfrm>
           <a:prstGeom prst="rect">
             <a:avLst/>
@@ -40894,45 +40842,18 @@
               </a:rPr>
               <a:t>Chicago MSA Employee Demographics for high paying tech jobs</a:t>
             </a:r>
-            <a:endParaRPr lang="zh-CN" altLang="en-US" dirty="0">
+          </a:p>
+          <a:p>
+            <a:endParaRPr lang="en-US" altLang="zh-CN" dirty="0">
               <a:solidFill>
                 <a:srgbClr val="4A4A4A"/>
               </a:solidFill>
               <a:latin typeface="ITC Officina Sans Std Book" panose="020B0506040203020204" pitchFamily="34" charset="0"/>
             </a:endParaRPr>
           </a:p>
-        </p:txBody>
-      </p:sp>
-      <p:sp>
-        <p:nvSpPr>
-          <p:cNvPr id="7" name="TextBox 6">
-            <a:extLst>
-              <a:ext uri="{FF2B5EF4-FFF2-40B4-BE49-F238E27FC236}">
-                <a16:creationId xmlns:a16="http://schemas.microsoft.com/office/drawing/2014/main" id="{DFA7738A-96E3-4C7A-8DEA-C15AEF6D4D4C}"/>
-              </a:ext>
-            </a:extLst>
-          </p:cNvPr>
-          <p:cNvSpPr txBox="1"/>
-          <p:nvPr/>
-        </p:nvSpPr>
-        <p:spPr>
-          <a:xfrm>
-            <a:off x="510556" y="2967335"/>
-            <a:ext cx="3677396" cy="646331"/>
-          </a:xfrm>
-          <a:prstGeom prst="rect">
-            <a:avLst/>
-          </a:prstGeom>
-          <a:noFill/>
-        </p:spPr>
-        <p:txBody>
-          <a:bodyPr wrap="square" rtlCol="0">
-            <a:spAutoFit/>
-          </a:bodyPr>
-          <a:lstStyle/>
           <a:p>
             <a:r>
-              <a:rPr lang="en-US" altLang="zh-CN" sz="1200" dirty="0">
+              <a:rPr lang="en-US" altLang="zh-CN" sz="1800" dirty="0">
                 <a:solidFill>
                   <a:srgbClr val="4A4A4A"/>
                 </a:solidFill>
@@ -40943,25 +40864,20 @@
           </a:p>
           <a:p>
             <a:r>
-              <a:rPr lang="en-US" altLang="zh-CN" sz="1200" dirty="0">
+              <a:rPr lang="en-US" altLang="zh-CN" sz="1800" dirty="0">
                 <a:solidFill>
                   <a:srgbClr val="4A4A4A"/>
                 </a:solidFill>
                 <a:latin typeface="ITC Officina Sans Std Book" panose="020B0506040203020204" pitchFamily="34" charset="0"/>
               </a:rPr>
-              <a:t>Vs. </a:t>
+              <a:t>Vs. Top3 Tech job US/ Total Tech job US</a:t>
             </a:r>
-          </a:p>
-          <a:p>
-            <a:r>
-              <a:rPr lang="en-US" altLang="zh-CN" sz="1200" dirty="0">
-                <a:solidFill>
-                  <a:srgbClr val="4A4A4A"/>
-                </a:solidFill>
-                <a:latin typeface="ITC Officina Sans Std Book" panose="020B0506040203020204" pitchFamily="34" charset="0"/>
-              </a:rPr>
-              <a:t>Top3 Tech job US/ Total Tech job US</a:t>
-            </a:r>
+            <a:endParaRPr lang="zh-CN" altLang="en-US" dirty="0">
+              <a:solidFill>
+                <a:srgbClr val="4A4A4A"/>
+              </a:solidFill>
+              <a:latin typeface="ITC Officina Sans Std Book" panose="020B0506040203020204" pitchFamily="34" charset="0"/>
+            </a:endParaRPr>
           </a:p>
         </p:txBody>
       </p:sp>
@@ -40978,14 +40894,14 @@
           <p:nvPr>
             <p:extLst>
               <p:ext uri="{D42A27DB-BD31-4B8C-83A1-F6EECF244321}">
-                <p14:modId xmlns:p14="http://schemas.microsoft.com/office/powerpoint/2010/main" val="3299149926"/>
+                <p14:modId xmlns:p14="http://schemas.microsoft.com/office/powerpoint/2010/main" val="3429414727"/>
               </p:ext>
             </p:extLst>
           </p:nvPr>
         </p:nvGraphicFramePr>
         <p:xfrm>
-          <a:off x="4187952" y="1930621"/>
-          <a:ext cx="6276848" cy="4281374"/>
+          <a:off x="5121402" y="2190230"/>
+          <a:ext cx="6137148" cy="4210570"/>
         </p:xfrm>
         <a:graphic>
           <a:graphicData uri="http://schemas.openxmlformats.org/drawingml/2006/chart">

--- a/docs/Deep diving plots.pptx
+++ b/docs/Deep diving plots.pptx
@@ -5,40 +5,39 @@
     <p:sldMasterId id="2147483660" r:id="rId1"/>
   </p:sldMasterIdLst>
   <p:notesMasterIdLst>
-    <p:notesMasterId r:id="rId33"/>
+    <p:notesMasterId r:id="rId32"/>
   </p:notesMasterIdLst>
   <p:sldIdLst>
     <p:sldId id="311" r:id="rId2"/>
-    <p:sldId id="338" r:id="rId3"/>
-    <p:sldId id="316" r:id="rId4"/>
-    <p:sldId id="371" r:id="rId5"/>
-    <p:sldId id="373" r:id="rId6"/>
-    <p:sldId id="376" r:id="rId7"/>
-    <p:sldId id="374" r:id="rId8"/>
-    <p:sldId id="372" r:id="rId9"/>
-    <p:sldId id="377" r:id="rId10"/>
-    <p:sldId id="375" r:id="rId11"/>
-    <p:sldId id="378" r:id="rId12"/>
-    <p:sldId id="341" r:id="rId13"/>
-    <p:sldId id="362" r:id="rId14"/>
-    <p:sldId id="369" r:id="rId15"/>
-    <p:sldId id="363" r:id="rId16"/>
-    <p:sldId id="368" r:id="rId17"/>
-    <p:sldId id="367" r:id="rId18"/>
-    <p:sldId id="364" r:id="rId19"/>
-    <p:sldId id="365" r:id="rId20"/>
-    <p:sldId id="366" r:id="rId21"/>
-    <p:sldId id="342" r:id="rId22"/>
-    <p:sldId id="350" r:id="rId23"/>
-    <p:sldId id="351" r:id="rId24"/>
-    <p:sldId id="353" r:id="rId25"/>
-    <p:sldId id="354" r:id="rId26"/>
-    <p:sldId id="352" r:id="rId27"/>
-    <p:sldId id="355" r:id="rId28"/>
-    <p:sldId id="356" r:id="rId29"/>
-    <p:sldId id="343" r:id="rId30"/>
-    <p:sldId id="360" r:id="rId31"/>
-    <p:sldId id="361" r:id="rId32"/>
+    <p:sldId id="316" r:id="rId3"/>
+    <p:sldId id="371" r:id="rId4"/>
+    <p:sldId id="373" r:id="rId5"/>
+    <p:sldId id="376" r:id="rId6"/>
+    <p:sldId id="374" r:id="rId7"/>
+    <p:sldId id="372" r:id="rId8"/>
+    <p:sldId id="377" r:id="rId9"/>
+    <p:sldId id="375" r:id="rId10"/>
+    <p:sldId id="378" r:id="rId11"/>
+    <p:sldId id="341" r:id="rId12"/>
+    <p:sldId id="362" r:id="rId13"/>
+    <p:sldId id="369" r:id="rId14"/>
+    <p:sldId id="363" r:id="rId15"/>
+    <p:sldId id="368" r:id="rId16"/>
+    <p:sldId id="367" r:id="rId17"/>
+    <p:sldId id="364" r:id="rId18"/>
+    <p:sldId id="365" r:id="rId19"/>
+    <p:sldId id="366" r:id="rId20"/>
+    <p:sldId id="342" r:id="rId21"/>
+    <p:sldId id="350" r:id="rId22"/>
+    <p:sldId id="351" r:id="rId23"/>
+    <p:sldId id="353" r:id="rId24"/>
+    <p:sldId id="354" r:id="rId25"/>
+    <p:sldId id="352" r:id="rId26"/>
+    <p:sldId id="355" r:id="rId27"/>
+    <p:sldId id="356" r:id="rId28"/>
+    <p:sldId id="343" r:id="rId29"/>
+    <p:sldId id="360" r:id="rId30"/>
+    <p:sldId id="361" r:id="rId31"/>
   </p:sldIdLst>
   <p:sldSz cx="12192000" cy="6858000"/>
   <p:notesSz cx="6858000" cy="9144000"/>
@@ -3232,7 +3231,7 @@
                 <c:formatCode>0.00%</c:formatCode>
                 <c:ptCount val="2"/>
                 <c:pt idx="0">
-                  <c:v>9.9185549552455454E-3</c:v>
+                  <c:v>1.107437572238798E-2</c:v>
                 </c:pt>
                 <c:pt idx="1">
                   <c:v>4.5350290049085227E-3</c:v>
@@ -3346,7 +3345,7 @@
                 <c:formatCode>0.00%</c:formatCode>
                 <c:ptCount val="2"/>
                 <c:pt idx="0">
-                  <c:v>2.8558600765206527E-2</c:v>
+                  <c:v>1.9598656984461622E-2</c:v>
                 </c:pt>
                 <c:pt idx="1">
                   <c:v>6.6796116504854366E-3</c:v>
@@ -3460,7 +3459,7 @@
                 <c:formatCode>0.00%</c:formatCode>
                 <c:ptCount val="2"/>
                 <c:pt idx="0">
-                  <c:v>0.37782805429864252</c:v>
+                  <c:v>6.4479638009049781E-2</c:v>
                 </c:pt>
                 <c:pt idx="1">
                   <c:v>1.0582019363762102E-2</c:v>
@@ -3574,7 +3573,7 @@
                 <c:formatCode>0.00%</c:formatCode>
                 <c:ptCount val="2"/>
                 <c:pt idx="0">
-                  <c:v>0.50703894885030498</c:v>
+                  <c:v>7.9305490380103233E-2</c:v>
                 </c:pt>
                 <c:pt idx="1">
                   <c:v>5.5476190476190478E-2</c:v>
@@ -32220,7 +32219,7 @@
           <a:p>
             <a:fld id="{1FA2085A-098C-444D-9DD8-A4BAF8271D63}" type="slidenum">
               <a:rPr lang="zh-CN" altLang="en-US" smtClean="0"/>
-              <a:t>11</a:t>
+              <a:t>10</a:t>
             </a:fld>
             <a:endParaRPr lang="zh-CN" altLang="en-US"/>
           </a:p>
@@ -35705,458 +35704,6 @@
           </a:p>
         </p:txBody>
       </p:sp>
-      <p:graphicFrame>
-        <p:nvGraphicFramePr>
-          <p:cNvPr id="4" name="Chart 3">
-            <a:extLst>
-              <a:ext uri="{FF2B5EF4-FFF2-40B4-BE49-F238E27FC236}">
-                <a16:creationId xmlns:a16="http://schemas.microsoft.com/office/drawing/2014/main" id="{E7795A0D-755D-BA7D-0845-A51D1B6D7167}"/>
-              </a:ext>
-            </a:extLst>
-          </p:cNvPr>
-          <p:cNvGraphicFramePr/>
-          <p:nvPr>
-            <p:extLst>
-              <p:ext uri="{D42A27DB-BD31-4B8C-83A1-F6EECF244321}">
-                <p14:modId xmlns:p14="http://schemas.microsoft.com/office/powerpoint/2010/main" val="180275019"/>
-              </p:ext>
-            </p:extLst>
-          </p:nvPr>
-        </p:nvGraphicFramePr>
-        <p:xfrm>
-          <a:off x="5125728" y="2190749"/>
-          <a:ext cx="6123297" cy="4200526"/>
-        </p:xfrm>
-        <a:graphic>
-          <a:graphicData uri="http://schemas.openxmlformats.org/drawingml/2006/chart">
-            <c:chart xmlns:c="http://schemas.openxmlformats.org/drawingml/2006/chart" xmlns:r="http://schemas.openxmlformats.org/officeDocument/2006/relationships" r:id="rId2"/>
-          </a:graphicData>
-        </a:graphic>
-      </p:graphicFrame>
-      <p:sp>
-        <p:nvSpPr>
-          <p:cNvPr id="123" name="TextBox 122">
-            <a:extLst>
-              <a:ext uri="{FF2B5EF4-FFF2-40B4-BE49-F238E27FC236}">
-                <a16:creationId xmlns:a16="http://schemas.microsoft.com/office/drawing/2014/main" id="{B25ED610-FF94-E2C3-7DD6-3B6727C66CCC}"/>
-              </a:ext>
-            </a:extLst>
-          </p:cNvPr>
-          <p:cNvSpPr txBox="1"/>
-          <p:nvPr/>
-        </p:nvSpPr>
-        <p:spPr>
-          <a:xfrm>
-            <a:off x="510556" y="386396"/>
-            <a:ext cx="11170886" cy="1785104"/>
-          </a:xfrm>
-          <a:prstGeom prst="rect">
-            <a:avLst/>
-          </a:prstGeom>
-          <a:noFill/>
-        </p:spPr>
-        <p:txBody>
-          <a:bodyPr wrap="square" rtlCol="0">
-            <a:spAutoFit/>
-          </a:bodyPr>
-          <a:lstStyle/>
-          <a:p>
-            <a:r>
-              <a:rPr lang="en-US" altLang="zh-CN" sz="2000" dirty="0">
-                <a:solidFill>
-                  <a:srgbClr val="FF0000"/>
-                </a:solidFill>
-                <a:latin typeface="Antique Olive Std Compact" panose="020B0904030504040204" pitchFamily="34" charset="0"/>
-                <a:ea typeface="Tahoma" panose="020B0604030504040204" pitchFamily="34" charset="0"/>
-                <a:cs typeface="Tahoma" panose="020B0604030504040204" pitchFamily="34" charset="0"/>
-              </a:rPr>
-              <a:t>Access</a:t>
-            </a:r>
-            <a:r>
-              <a:rPr lang="en-US" altLang="zh-CN" sz="2000" dirty="0">
-                <a:solidFill>
-                  <a:schemeClr val="tx2"/>
-                </a:solidFill>
-                <a:latin typeface="Antique Olive Std Compact" panose="020B0904030504040204" pitchFamily="34" charset="0"/>
-                <a:ea typeface="Tahoma" panose="020B0604030504040204" pitchFamily="34" charset="0"/>
-                <a:cs typeface="Tahoma" panose="020B0604030504040204" pitchFamily="34" charset="0"/>
-              </a:rPr>
-              <a:t>: </a:t>
-            </a:r>
-            <a:r>
-              <a:rPr lang="sv-SE" altLang="zh-CN" sz="2000" dirty="0">
-                <a:solidFill>
-                  <a:schemeClr val="tx2"/>
-                </a:solidFill>
-                <a:latin typeface="Antique Olive Std Compact" panose="020B0904030504040204" pitchFamily="34" charset="0"/>
-                <a:ea typeface="Tahoma" panose="020B0604030504040204" pitchFamily="34" charset="0"/>
-                <a:cs typeface="Tahoma" panose="020B0604030504040204" pitchFamily="34" charset="0"/>
-              </a:rPr>
-              <a:t>8</a:t>
-            </a:r>
-            <a:r>
-              <a:rPr lang="sv-SE" altLang="zh-CN" sz="2000" baseline="30000" dirty="0">
-                <a:solidFill>
-                  <a:schemeClr val="tx2"/>
-                </a:solidFill>
-                <a:latin typeface="Antique Olive Std Compact" panose="020B0904030504040204" pitchFamily="34" charset="0"/>
-                <a:ea typeface="Tahoma" panose="020B0604030504040204" pitchFamily="34" charset="0"/>
-                <a:cs typeface="Tahoma" panose="020B0604030504040204" pitchFamily="34" charset="0"/>
-              </a:rPr>
-              <a:t>th</a:t>
-            </a:r>
-            <a:r>
-              <a:rPr lang="sv-SE" altLang="zh-CN" sz="2000" dirty="0">
-                <a:solidFill>
-                  <a:schemeClr val="tx2"/>
-                </a:solidFill>
-                <a:latin typeface="Antique Olive Std Compact" panose="020B0904030504040204" pitchFamily="34" charset="0"/>
-                <a:ea typeface="Tahoma" panose="020B0604030504040204" pitchFamily="34" charset="0"/>
-                <a:cs typeface="Tahoma" panose="020B0604030504040204" pitchFamily="34" charset="0"/>
-              </a:rPr>
-              <a:t> grade algebra 1 enrollment</a:t>
-            </a:r>
-            <a:endParaRPr lang="en-US" altLang="zh-CN" sz="2000" dirty="0">
-              <a:solidFill>
-                <a:schemeClr val="tx2"/>
-              </a:solidFill>
-              <a:latin typeface="Antique Olive Std Compact" panose="020B0904030504040204" pitchFamily="34" charset="0"/>
-              <a:ea typeface="Tahoma" panose="020B0604030504040204" pitchFamily="34" charset="0"/>
-              <a:cs typeface="Tahoma" panose="020B0604030504040204" pitchFamily="34" charset="0"/>
-            </a:endParaRPr>
-          </a:p>
-          <a:p>
-            <a:r>
-              <a:rPr lang="en-US" altLang="zh-CN" dirty="0">
-                <a:solidFill>
-                  <a:srgbClr val="4A4A4A"/>
-                </a:solidFill>
-                <a:latin typeface="ITC Officina Sans Std Book" panose="020B0506040203020204" pitchFamily="34" charset="0"/>
-              </a:rPr>
-              <a:t>The proportion of CPS 8th graders enrolled into algebra 1 by race/ethnicity</a:t>
-            </a:r>
-          </a:p>
-          <a:p>
-            <a:endParaRPr lang="en-US" altLang="zh-CN" sz="1800" dirty="0">
-              <a:solidFill>
-                <a:srgbClr val="4A4A4A"/>
-              </a:solidFill>
-              <a:latin typeface="ITC Officina Sans Std Book" panose="020B0506040203020204" pitchFamily="34" charset="0"/>
-            </a:endParaRPr>
-          </a:p>
-          <a:p>
-            <a:r>
-              <a:rPr lang="en-US" altLang="zh-CN" sz="1800" dirty="0">
-                <a:solidFill>
-                  <a:srgbClr val="4A4A4A"/>
-                </a:solidFill>
-                <a:latin typeface="ITC Officina Sans Std Book" panose="020B0506040203020204" pitchFamily="34" charset="0"/>
-              </a:rPr>
-              <a:t>8</a:t>
-            </a:r>
-            <a:r>
-              <a:rPr lang="en-US" altLang="zh-CN" sz="1800" baseline="30000" dirty="0">
-                <a:solidFill>
-                  <a:srgbClr val="4A4A4A"/>
-                </a:solidFill>
-                <a:latin typeface="ITC Officina Sans Std Book" panose="020B0506040203020204" pitchFamily="34" charset="0"/>
-              </a:rPr>
-              <a:t>th </a:t>
-            </a:r>
-            <a:r>
-              <a:rPr lang="en-US" altLang="zh-CN" sz="1800" dirty="0">
-                <a:solidFill>
-                  <a:srgbClr val="4A4A4A"/>
-                </a:solidFill>
-                <a:latin typeface="ITC Officina Sans Std Book" panose="020B0506040203020204" pitchFamily="34" charset="0"/>
-              </a:rPr>
-              <a:t>grader enroll algebra CHI / Total 8</a:t>
-            </a:r>
-            <a:r>
-              <a:rPr lang="en-US" altLang="zh-CN" sz="1800" baseline="30000" dirty="0">
-                <a:solidFill>
-                  <a:srgbClr val="4A4A4A"/>
-                </a:solidFill>
-                <a:latin typeface="ITC Officina Sans Std Book" panose="020B0506040203020204" pitchFamily="34" charset="0"/>
-              </a:rPr>
-              <a:t>th </a:t>
-            </a:r>
-            <a:r>
-              <a:rPr lang="en-US" altLang="zh-CN" sz="1800" dirty="0">
-                <a:solidFill>
-                  <a:srgbClr val="4A4A4A"/>
-                </a:solidFill>
-                <a:latin typeface="ITC Officina Sans Std Book" panose="020B0506040203020204" pitchFamily="34" charset="0"/>
-              </a:rPr>
-              <a:t>grader CHI</a:t>
-            </a:r>
-          </a:p>
-          <a:p>
-            <a:r>
-              <a:rPr lang="en-US" altLang="zh-CN" sz="1800" dirty="0">
-                <a:solidFill>
-                  <a:srgbClr val="4A4A4A"/>
-                </a:solidFill>
-                <a:latin typeface="ITC Officina Sans Std Book" panose="020B0506040203020204" pitchFamily="34" charset="0"/>
-              </a:rPr>
-              <a:t>Vs. 8</a:t>
-            </a:r>
-            <a:r>
-              <a:rPr lang="en-US" altLang="zh-CN" sz="1800" baseline="30000" dirty="0">
-                <a:solidFill>
-                  <a:srgbClr val="4A4A4A"/>
-                </a:solidFill>
-                <a:latin typeface="ITC Officina Sans Std Book" panose="020B0506040203020204" pitchFamily="34" charset="0"/>
-              </a:rPr>
-              <a:t>th </a:t>
-            </a:r>
-            <a:r>
-              <a:rPr lang="en-US" altLang="zh-CN" sz="1800" dirty="0">
-                <a:solidFill>
-                  <a:srgbClr val="4A4A4A"/>
-                </a:solidFill>
-                <a:latin typeface="ITC Officina Sans Std Book" panose="020B0506040203020204" pitchFamily="34" charset="0"/>
-              </a:rPr>
-              <a:t>grader enroll algebra US / Total 8</a:t>
-            </a:r>
-            <a:r>
-              <a:rPr lang="en-US" altLang="zh-CN" sz="1800" baseline="30000" dirty="0">
-                <a:solidFill>
-                  <a:srgbClr val="4A4A4A"/>
-                </a:solidFill>
-                <a:latin typeface="ITC Officina Sans Std Book" panose="020B0506040203020204" pitchFamily="34" charset="0"/>
-              </a:rPr>
-              <a:t>th </a:t>
-            </a:r>
-            <a:r>
-              <a:rPr lang="en-US" altLang="zh-CN" sz="1800" dirty="0">
-                <a:solidFill>
-                  <a:srgbClr val="4A4A4A"/>
-                </a:solidFill>
-                <a:latin typeface="ITC Officina Sans Std Book" panose="020B0506040203020204" pitchFamily="34" charset="0"/>
-              </a:rPr>
-              <a:t>grader US</a:t>
-            </a:r>
-          </a:p>
-          <a:p>
-            <a:endParaRPr lang="zh-CN" altLang="en-US" dirty="0">
-              <a:solidFill>
-                <a:srgbClr val="4A4A4A"/>
-              </a:solidFill>
-              <a:latin typeface="ITC Officina Sans Std Book" panose="020B0506040203020204" pitchFamily="34" charset="0"/>
-            </a:endParaRPr>
-          </a:p>
-        </p:txBody>
-      </p:sp>
-      <p:sp>
-        <p:nvSpPr>
-          <p:cNvPr id="6" name="TextBox 5">
-            <a:extLst>
-              <a:ext uri="{FF2B5EF4-FFF2-40B4-BE49-F238E27FC236}">
-                <a16:creationId xmlns:a16="http://schemas.microsoft.com/office/drawing/2014/main" id="{1F33623B-1500-CB7E-F3A6-B2E4C74F68B1}"/>
-              </a:ext>
-            </a:extLst>
-          </p:cNvPr>
-          <p:cNvSpPr txBox="1"/>
-          <p:nvPr/>
-        </p:nvSpPr>
-        <p:spPr>
-          <a:xfrm>
-            <a:off x="581025" y="2190749"/>
-            <a:ext cx="3714750" cy="3416320"/>
-          </a:xfrm>
-          <a:prstGeom prst="rect">
-            <a:avLst/>
-          </a:prstGeom>
-          <a:noFill/>
-        </p:spPr>
-        <p:txBody>
-          <a:bodyPr wrap="square" rtlCol="0">
-            <a:spAutoFit/>
-          </a:bodyPr>
-          <a:lstStyle/>
-          <a:p>
-            <a:r>
-              <a:rPr lang="en-US" altLang="zh-CN" sz="1200" b="1" u="sng" dirty="0">
-                <a:solidFill>
-                  <a:srgbClr val="4A4A4A"/>
-                </a:solidFill>
-                <a:latin typeface="ITC Officina Sans Std Book" panose="020B0506040203020204" pitchFamily="34" charset="0"/>
-              </a:rPr>
-              <a:t>What does the data tell?</a:t>
-            </a:r>
-          </a:p>
-          <a:p>
-            <a:endParaRPr lang="en-US" altLang="zh-CN" sz="1200" b="1" u="sng" dirty="0">
-              <a:solidFill>
-                <a:srgbClr val="4A4A4A"/>
-              </a:solidFill>
-              <a:latin typeface="ITC Officina Sans Std Book" panose="020B0506040203020204" pitchFamily="34" charset="0"/>
-            </a:endParaRPr>
-          </a:p>
-          <a:p>
-            <a:pPr marL="171450" indent="-171450">
-              <a:buFont typeface="Arial" panose="020B0604020202020204" pitchFamily="34" charset="0"/>
-              <a:buChar char="•"/>
-            </a:pPr>
-            <a:r>
-              <a:rPr lang="en-US" altLang="zh-CN" sz="1200" dirty="0">
-                <a:solidFill>
-                  <a:srgbClr val="4A4A4A"/>
-                </a:solidFill>
-                <a:latin typeface="ITC Officina Sans Std Book" panose="020B0506040203020204" pitchFamily="34" charset="0"/>
-              </a:rPr>
-              <a:t>The algebra enrollment rate of Asians and white students is significantly higher than that of Hispanic and Black students. 2.4 times higher than Hispanics, and 4.4 times higher than black.</a:t>
-            </a:r>
-          </a:p>
-          <a:p>
-            <a:pPr marL="171450" indent="-171450">
-              <a:buFont typeface="Arial" panose="020B0604020202020204" pitchFamily="34" charset="0"/>
-              <a:buChar char="•"/>
-            </a:pPr>
-            <a:endParaRPr lang="en-US" altLang="zh-CN" sz="1200" dirty="0">
-              <a:solidFill>
-                <a:srgbClr val="4A4A4A"/>
-              </a:solidFill>
-              <a:latin typeface="ITC Officina Sans Std Book" panose="020B0506040203020204" pitchFamily="34" charset="0"/>
-            </a:endParaRPr>
-          </a:p>
-          <a:p>
-            <a:pPr marL="171450" indent="-171450">
-              <a:buFont typeface="Arial" panose="020B0604020202020204" pitchFamily="34" charset="0"/>
-              <a:buChar char="•"/>
-            </a:pPr>
-            <a:r>
-              <a:rPr lang="en-US" altLang="zh-CN" sz="1200" dirty="0">
-                <a:solidFill>
-                  <a:srgbClr val="4A4A4A"/>
-                </a:solidFill>
-                <a:latin typeface="ITC Officina Sans Std Book" panose="020B0506040203020204" pitchFamily="34" charset="0"/>
-              </a:rPr>
-              <a:t>Significant gap between H/B and W/A. The algebra 1 class enrollment rates for White and Asian in CPS are 14-20% higher than the national average, however, that of Hispanics and Black students is 2% higher and 3% lower than the national average.</a:t>
-            </a:r>
-          </a:p>
-          <a:p>
-            <a:endParaRPr lang="en-US" altLang="zh-CN" sz="1200" dirty="0">
-              <a:solidFill>
-                <a:srgbClr val="4A4A4A"/>
-              </a:solidFill>
-              <a:latin typeface="ITC Officina Sans Std Book" panose="020B0506040203020204" pitchFamily="34" charset="0"/>
-            </a:endParaRPr>
-          </a:p>
-          <a:p>
-            <a:r>
-              <a:rPr lang="en-US" altLang="zh-CN" sz="1200" b="1" u="sng" dirty="0">
-                <a:solidFill>
-                  <a:srgbClr val="4A4A4A"/>
-                </a:solidFill>
-                <a:latin typeface="ITC Officina Sans Std Book" panose="020B0506040203020204" pitchFamily="34" charset="0"/>
-              </a:rPr>
-              <a:t>Takeaways</a:t>
-            </a:r>
-          </a:p>
-          <a:p>
-            <a:endParaRPr lang="en-US" altLang="zh-CN" sz="1200" b="1" u="sng" dirty="0">
-              <a:solidFill>
-                <a:srgbClr val="4A4A4A"/>
-              </a:solidFill>
-              <a:latin typeface="ITC Officina Sans Std Book" panose="020B0506040203020204" pitchFamily="34" charset="0"/>
-            </a:endParaRPr>
-          </a:p>
-          <a:p>
-            <a:pPr marL="171450" indent="-171450">
-              <a:buFont typeface="Arial" panose="020B0604020202020204" pitchFamily="34" charset="0"/>
-              <a:buChar char="•"/>
-            </a:pPr>
-            <a:r>
-              <a:rPr lang="en-US" altLang="zh-CN" sz="1200" dirty="0">
-                <a:solidFill>
-                  <a:srgbClr val="4A4A4A"/>
-                </a:solidFill>
-                <a:latin typeface="ITC Officina Sans Std Book" panose="020B0506040203020204" pitchFamily="34" charset="0"/>
-              </a:rPr>
-              <a:t>In relation to the national average algebra enrollment rate, White and Asian students are outperforming, while black students are outperformed.</a:t>
-            </a:r>
-          </a:p>
-        </p:txBody>
-      </p:sp>
-    </p:spTree>
-    <p:extLst>
-      <p:ext uri="{BB962C8B-B14F-4D97-AF65-F5344CB8AC3E}">
-        <p14:creationId xmlns:p14="http://schemas.microsoft.com/office/powerpoint/2010/main" val="1337442639"/>
-      </p:ext>
-    </p:extLst>
-  </p:cSld>
-  <p:clrMapOvr>
-    <a:masterClrMapping/>
-  </p:clrMapOvr>
-</p:sld>
-</file>
-
-<file path=ppt/slides/slide11.xml><?xml version="1.0" encoding="utf-8"?>
-<p:sld xmlns:a="http://schemas.openxmlformats.org/drawingml/2006/main" xmlns:r="http://schemas.openxmlformats.org/officeDocument/2006/relationships" xmlns:p="http://schemas.openxmlformats.org/presentationml/2006/main">
-  <p:cSld>
-    <p:spTree>
-      <p:nvGrpSpPr>
-        <p:cNvPr id="1" name=""/>
-        <p:cNvGrpSpPr/>
-        <p:nvPr/>
-      </p:nvGrpSpPr>
-      <p:grpSpPr>
-        <a:xfrm>
-          <a:off x="0" y="0"/>
-          <a:ext cx="0" cy="0"/>
-          <a:chOff x="0" y="0"/>
-          <a:chExt cx="0" cy="0"/>
-        </a:xfrm>
-      </p:grpSpPr>
-      <p:sp>
-        <p:nvSpPr>
-          <p:cNvPr id="21" name="Rectangle 20">
-            <a:extLst>
-              <a:ext uri="{FF2B5EF4-FFF2-40B4-BE49-F238E27FC236}">
-                <a16:creationId xmlns:a16="http://schemas.microsoft.com/office/drawing/2014/main" id="{A0E89330-BF24-10DF-6DD2-AFCB879D19CF}"/>
-              </a:ext>
-            </a:extLst>
-          </p:cNvPr>
-          <p:cNvSpPr/>
-          <p:nvPr/>
-        </p:nvSpPr>
-        <p:spPr>
-          <a:xfrm>
-            <a:off x="-10972800" y="-6607277"/>
-            <a:ext cx="34275252" cy="22152077"/>
-          </a:xfrm>
-          <a:prstGeom prst="rect">
-            <a:avLst/>
-          </a:prstGeom>
-          <a:noFill/>
-        </p:spPr>
-        <p:style>
-          <a:lnRef idx="2">
-            <a:schemeClr val="accent1">
-              <a:shade val="50000"/>
-            </a:schemeClr>
-          </a:lnRef>
-          <a:fillRef idx="1">
-            <a:schemeClr val="accent1"/>
-          </a:fillRef>
-          <a:effectRef idx="0">
-            <a:schemeClr val="accent1"/>
-          </a:effectRef>
-          <a:fontRef idx="minor">
-            <a:schemeClr val="lt1"/>
-          </a:fontRef>
-        </p:style>
-        <p:txBody>
-          <a:bodyPr rtlCol="0" anchor="ctr"/>
-          <a:lstStyle/>
-          <a:p>
-            <a:pPr algn="ctr"/>
-            <a:endParaRPr lang="zh-CN" altLang="en-US"/>
-          </a:p>
-        </p:txBody>
-      </p:sp>
       <p:sp>
         <p:nvSpPr>
           <p:cNvPr id="123" name="TextBox 122">
@@ -36451,7 +35998,7 @@
 </p:sld>
 </file>
 
-<file path=ppt/slides/slide12.xml><?xml version="1.0" encoding="utf-8"?>
+<file path=ppt/slides/slide11.xml><?xml version="1.0" encoding="utf-8"?>
 <p:sld xmlns:a="http://schemas.openxmlformats.org/drawingml/2006/main" xmlns:r="http://schemas.openxmlformats.org/officeDocument/2006/relationships" xmlns:p="http://schemas.openxmlformats.org/presentationml/2006/main">
   <p:cSld>
     <p:spTree>
@@ -36528,6 +36075,363 @@
     <p:extLst>
       <p:ext uri="{BB962C8B-B14F-4D97-AF65-F5344CB8AC3E}">
         <p14:creationId xmlns:p14="http://schemas.microsoft.com/office/powerpoint/2010/main" val="2280998024"/>
+      </p:ext>
+    </p:extLst>
+  </p:cSld>
+  <p:clrMapOvr>
+    <a:masterClrMapping/>
+  </p:clrMapOvr>
+</p:sld>
+</file>
+
+<file path=ppt/slides/slide12.xml><?xml version="1.0" encoding="utf-8"?>
+<p:sld xmlns:a="http://schemas.openxmlformats.org/drawingml/2006/main" xmlns:r="http://schemas.openxmlformats.org/officeDocument/2006/relationships" xmlns:p="http://schemas.openxmlformats.org/presentationml/2006/main">
+  <p:cSld>
+    <p:spTree>
+      <p:nvGrpSpPr>
+        <p:cNvPr id="1" name=""/>
+        <p:cNvGrpSpPr/>
+        <p:nvPr/>
+      </p:nvGrpSpPr>
+      <p:grpSpPr>
+        <a:xfrm>
+          <a:off x="0" y="0"/>
+          <a:ext cx="0" cy="0"/>
+          <a:chOff x="0" y="0"/>
+          <a:chExt cx="0" cy="0"/>
+        </a:xfrm>
+      </p:grpSpPr>
+      <p:sp>
+        <p:nvSpPr>
+          <p:cNvPr id="21" name="Rectangle 20">
+            <a:extLst>
+              <a:ext uri="{FF2B5EF4-FFF2-40B4-BE49-F238E27FC236}">
+                <a16:creationId xmlns:a16="http://schemas.microsoft.com/office/drawing/2014/main" id="{A0E89330-BF24-10DF-6DD2-AFCB879D19CF}"/>
+              </a:ext>
+            </a:extLst>
+          </p:cNvPr>
+          <p:cNvSpPr/>
+          <p:nvPr/>
+        </p:nvSpPr>
+        <p:spPr>
+          <a:xfrm>
+            <a:off x="-10972800" y="-6607277"/>
+            <a:ext cx="34275252" cy="22152077"/>
+          </a:xfrm>
+          <a:prstGeom prst="rect">
+            <a:avLst/>
+          </a:prstGeom>
+          <a:noFill/>
+        </p:spPr>
+        <p:style>
+          <a:lnRef idx="2">
+            <a:schemeClr val="accent1">
+              <a:shade val="50000"/>
+            </a:schemeClr>
+          </a:lnRef>
+          <a:fillRef idx="1">
+            <a:schemeClr val="accent1"/>
+          </a:fillRef>
+          <a:effectRef idx="0">
+            <a:schemeClr val="accent1"/>
+          </a:effectRef>
+          <a:fontRef idx="minor">
+            <a:schemeClr val="lt1"/>
+          </a:fontRef>
+        </p:style>
+        <p:txBody>
+          <a:bodyPr rtlCol="0" anchor="ctr"/>
+          <a:lstStyle/>
+          <a:p>
+            <a:pPr algn="ctr"/>
+            <a:endParaRPr lang="zh-CN" altLang="en-US"/>
+          </a:p>
+        </p:txBody>
+      </p:sp>
+      <p:sp>
+        <p:nvSpPr>
+          <p:cNvPr id="123" name="TextBox 122">
+            <a:extLst>
+              <a:ext uri="{FF2B5EF4-FFF2-40B4-BE49-F238E27FC236}">
+                <a16:creationId xmlns:a16="http://schemas.microsoft.com/office/drawing/2014/main" id="{B25ED610-FF94-E2C3-7DD6-3B6727C66CCC}"/>
+              </a:ext>
+            </a:extLst>
+          </p:cNvPr>
+          <p:cNvSpPr txBox="1"/>
+          <p:nvPr/>
+        </p:nvSpPr>
+        <p:spPr>
+          <a:xfrm>
+            <a:off x="510556" y="386396"/>
+            <a:ext cx="11170886" cy="1508105"/>
+          </a:xfrm>
+          <a:prstGeom prst="rect">
+            <a:avLst/>
+          </a:prstGeom>
+          <a:noFill/>
+        </p:spPr>
+        <p:txBody>
+          <a:bodyPr wrap="square" rtlCol="0">
+            <a:spAutoFit/>
+          </a:bodyPr>
+          <a:lstStyle/>
+          <a:p>
+            <a:r>
+              <a:rPr lang="en-US" altLang="zh-CN" sz="2000" dirty="0">
+                <a:solidFill>
+                  <a:srgbClr val="FF0000"/>
+                </a:solidFill>
+                <a:latin typeface="Antique Olive Std Compact" panose="020B0904030504040204" pitchFamily="34" charset="0"/>
+                <a:ea typeface="Tahoma" panose="020B0604030504040204" pitchFamily="34" charset="0"/>
+                <a:cs typeface="Tahoma" panose="020B0604030504040204" pitchFamily="34" charset="0"/>
+              </a:rPr>
+              <a:t>Proficiency</a:t>
+            </a:r>
+            <a:r>
+              <a:rPr lang="en-US" altLang="zh-CN" sz="2000" dirty="0">
+                <a:solidFill>
+                  <a:schemeClr val="tx2"/>
+                </a:solidFill>
+                <a:latin typeface="Antique Olive Std Compact" panose="020B0904030504040204" pitchFamily="34" charset="0"/>
+                <a:ea typeface="Tahoma" panose="020B0604030504040204" pitchFamily="34" charset="0"/>
+                <a:cs typeface="Tahoma" panose="020B0604030504040204" pitchFamily="34" charset="0"/>
+              </a:rPr>
+              <a:t>: HS SAT Math Proficiency and Above </a:t>
+            </a:r>
+          </a:p>
+          <a:p>
+            <a:r>
+              <a:rPr lang="en-US" altLang="zh-CN" dirty="0">
+                <a:solidFill>
+                  <a:srgbClr val="4A4A4A"/>
+                </a:solidFill>
+                <a:latin typeface="ITC Officina Sans Std Book" panose="020B0506040203020204" pitchFamily="34" charset="0"/>
+              </a:rPr>
+              <a:t>The proportion of CPS SAT takers at or above math standards by race/ethnicity</a:t>
+            </a:r>
+          </a:p>
+          <a:p>
+            <a:endParaRPr lang="en-US" altLang="zh-CN" sz="1800" dirty="0">
+              <a:solidFill>
+                <a:srgbClr val="4A4A4A"/>
+              </a:solidFill>
+              <a:latin typeface="ITC Officina Sans Std Book" panose="020B0506040203020204" pitchFamily="34" charset="0"/>
+            </a:endParaRPr>
+          </a:p>
+          <a:p>
+            <a:r>
+              <a:rPr lang="en-US" altLang="zh-CN" sz="1800" dirty="0">
+                <a:solidFill>
+                  <a:srgbClr val="4A4A4A"/>
+                </a:solidFill>
+                <a:latin typeface="ITC Officina Sans Std Book" panose="020B0506040203020204" pitchFamily="34" charset="0"/>
+              </a:rPr>
+              <a:t>SAT math meet and above/ SAT takers CHI</a:t>
+            </a:r>
+          </a:p>
+          <a:p>
+            <a:r>
+              <a:rPr lang="en-US" altLang="zh-CN" sz="1800" dirty="0">
+                <a:solidFill>
+                  <a:srgbClr val="4A4A4A"/>
+                </a:solidFill>
+                <a:latin typeface="ITC Officina Sans Std Book" panose="020B0506040203020204" pitchFamily="34" charset="0"/>
+              </a:rPr>
+              <a:t>Vs. SAT math meet and above/ SAT takers US</a:t>
+            </a:r>
+            <a:endParaRPr lang="zh-CN" altLang="en-US" dirty="0">
+              <a:solidFill>
+                <a:srgbClr val="4A4A4A"/>
+              </a:solidFill>
+              <a:latin typeface="ITC Officina Sans Std Book" panose="020B0506040203020204" pitchFamily="34" charset="0"/>
+            </a:endParaRPr>
+          </a:p>
+        </p:txBody>
+      </p:sp>
+      <p:graphicFrame>
+        <p:nvGraphicFramePr>
+          <p:cNvPr id="4" name="Chart 3">
+            <a:extLst>
+              <a:ext uri="{FF2B5EF4-FFF2-40B4-BE49-F238E27FC236}">
+                <a16:creationId xmlns:a16="http://schemas.microsoft.com/office/drawing/2014/main" id="{CD6BB894-869A-0227-6A65-8B1C0A550553}"/>
+              </a:ext>
+            </a:extLst>
+          </p:cNvPr>
+          <p:cNvGraphicFramePr/>
+          <p:nvPr>
+            <p:extLst>
+              <p:ext uri="{D42A27DB-BD31-4B8C-83A1-F6EECF244321}">
+                <p14:modId xmlns:p14="http://schemas.microsoft.com/office/powerpoint/2010/main" val="1638618681"/>
+              </p:ext>
+            </p:extLst>
+          </p:nvPr>
+        </p:nvGraphicFramePr>
+        <p:xfrm>
+          <a:off x="5140592" y="2197245"/>
+          <a:ext cx="6089383" cy="4203555"/>
+        </p:xfrm>
+        <a:graphic>
+          <a:graphicData uri="http://schemas.openxmlformats.org/drawingml/2006/chart">
+            <c:chart xmlns:c="http://schemas.openxmlformats.org/drawingml/2006/chart" xmlns:r="http://schemas.openxmlformats.org/officeDocument/2006/relationships" r:id="rId2"/>
+          </a:graphicData>
+        </a:graphic>
+      </p:graphicFrame>
+      <p:sp>
+        <p:nvSpPr>
+          <p:cNvPr id="7" name="TextBox 6">
+            <a:extLst>
+              <a:ext uri="{FF2B5EF4-FFF2-40B4-BE49-F238E27FC236}">
+                <a16:creationId xmlns:a16="http://schemas.microsoft.com/office/drawing/2014/main" id="{5F80CCD0-ED5E-CFA8-9CA4-9DB7FD443017}"/>
+              </a:ext>
+            </a:extLst>
+          </p:cNvPr>
+          <p:cNvSpPr txBox="1"/>
+          <p:nvPr/>
+        </p:nvSpPr>
+        <p:spPr>
+          <a:xfrm>
+            <a:off x="581025" y="2190749"/>
+            <a:ext cx="3714750" cy="3600986"/>
+          </a:xfrm>
+          <a:prstGeom prst="rect">
+            <a:avLst/>
+          </a:prstGeom>
+          <a:noFill/>
+        </p:spPr>
+        <p:txBody>
+          <a:bodyPr wrap="square" rtlCol="0">
+            <a:spAutoFit/>
+          </a:bodyPr>
+          <a:lstStyle/>
+          <a:p>
+            <a:r>
+              <a:rPr lang="en-US" altLang="zh-CN" sz="1200" b="1" u="sng" dirty="0">
+                <a:solidFill>
+                  <a:srgbClr val="4A4A4A"/>
+                </a:solidFill>
+                <a:latin typeface="ITC Officina Sans Std Book" panose="020B0506040203020204" pitchFamily="34" charset="0"/>
+              </a:rPr>
+              <a:t>What does the data tell?</a:t>
+            </a:r>
+          </a:p>
+          <a:p>
+            <a:endParaRPr lang="en-US" altLang="zh-CN" sz="1200" b="1" u="sng" dirty="0">
+              <a:solidFill>
+                <a:srgbClr val="4A4A4A"/>
+              </a:solidFill>
+              <a:latin typeface="ITC Officina Sans Std Book" panose="020B0506040203020204" pitchFamily="34" charset="0"/>
+            </a:endParaRPr>
+          </a:p>
+          <a:p>
+            <a:pPr marL="171450" indent="-171450">
+              <a:buFont typeface="Arial" panose="020B0604020202020204" pitchFamily="34" charset="0"/>
+              <a:buChar char="•"/>
+            </a:pPr>
+            <a:r>
+              <a:rPr lang="en-US" altLang="zh-CN" sz="1200" dirty="0">
+                <a:solidFill>
+                  <a:srgbClr val="4A4A4A"/>
+                </a:solidFill>
+                <a:latin typeface="ITC Officina Sans Std Book" panose="020B0506040203020204" pitchFamily="34" charset="0"/>
+              </a:rPr>
+              <a:t>Over 50% of White and Asian students meet SAT Math benchmark while no more than 20% of Black and Hispanic students meet SAT Math benchmark.  </a:t>
+            </a:r>
+          </a:p>
+          <a:p>
+            <a:pPr marL="171450" indent="-171450">
+              <a:buFont typeface="Arial" panose="020B0604020202020204" pitchFamily="34" charset="0"/>
+              <a:buChar char="•"/>
+            </a:pPr>
+            <a:endParaRPr lang="en-US" altLang="zh-CN" sz="1200" dirty="0">
+              <a:solidFill>
+                <a:srgbClr val="4A4A4A"/>
+              </a:solidFill>
+              <a:latin typeface="ITC Officina Sans Std Book" panose="020B0506040203020204" pitchFamily="34" charset="0"/>
+            </a:endParaRPr>
+          </a:p>
+          <a:p>
+            <a:pPr marL="171450" indent="-171450">
+              <a:buFont typeface="Arial" panose="020B0604020202020204" pitchFamily="34" charset="0"/>
+              <a:buChar char="•"/>
+            </a:pPr>
+            <a:r>
+              <a:rPr lang="en-US" altLang="zh-CN" sz="1200" dirty="0">
+                <a:solidFill>
+                  <a:srgbClr val="4A4A4A"/>
+                </a:solidFill>
+                <a:latin typeface="ITC Officina Sans Std Book" panose="020B0506040203020204" pitchFamily="34" charset="0"/>
+              </a:rPr>
+              <a:t>Only the White population in CPS high school perform slightly above the national average. Asian, Hispanic, and black students have the SAT math benchmark meeting rate 11% - 30% lower than the national average. </a:t>
+            </a:r>
+          </a:p>
+          <a:p>
+            <a:pPr marL="171450" indent="-171450">
+              <a:buFont typeface="Arial" panose="020B0604020202020204" pitchFamily="34" charset="0"/>
+              <a:buChar char="•"/>
+            </a:pPr>
+            <a:endParaRPr lang="en-US" altLang="zh-CN" sz="1200" dirty="0">
+              <a:solidFill>
+                <a:srgbClr val="4A4A4A"/>
+              </a:solidFill>
+              <a:latin typeface="ITC Officina Sans Std Book" panose="020B0506040203020204" pitchFamily="34" charset="0"/>
+            </a:endParaRPr>
+          </a:p>
+          <a:p>
+            <a:r>
+              <a:rPr lang="en-US" altLang="zh-CN" sz="1200" b="1" u="sng" dirty="0">
+                <a:solidFill>
+                  <a:srgbClr val="4A4A4A"/>
+                </a:solidFill>
+                <a:latin typeface="ITC Officina Sans Std Book" panose="020B0506040203020204" pitchFamily="34" charset="0"/>
+              </a:rPr>
+              <a:t>Takeaways</a:t>
+            </a:r>
+          </a:p>
+          <a:p>
+            <a:pPr marL="171450" indent="-171450">
+              <a:buFont typeface="Arial" panose="020B0604020202020204" pitchFamily="34" charset="0"/>
+              <a:buChar char="•"/>
+            </a:pPr>
+            <a:endParaRPr lang="en-US" altLang="zh-CN" sz="1200" dirty="0">
+              <a:solidFill>
+                <a:srgbClr val="4A4A4A"/>
+              </a:solidFill>
+              <a:latin typeface="ITC Officina Sans Std Book" panose="020B0506040203020204" pitchFamily="34" charset="0"/>
+            </a:endParaRPr>
+          </a:p>
+          <a:p>
+            <a:pPr marL="171450" indent="-171450">
+              <a:buFont typeface="Arial" panose="020B0604020202020204" pitchFamily="34" charset="0"/>
+              <a:buChar char="•"/>
+            </a:pPr>
+            <a:r>
+              <a:rPr lang="en-US" altLang="zh-CN" sz="1200" dirty="0">
+                <a:solidFill>
+                  <a:srgbClr val="4A4A4A"/>
+                </a:solidFill>
+                <a:latin typeface="ITC Officina Sans Std Book" panose="020B0506040203020204" pitchFamily="34" charset="0"/>
+              </a:rPr>
+              <a:t>Deep disparity in math proficiency rate. The proportion of White and Asian students who meet sat math benchmark is 2.7 - 5.6 times higher than that of Hispanic and Black students.</a:t>
+            </a:r>
+          </a:p>
+          <a:p>
+            <a:pPr marL="171450" indent="-171450">
+              <a:buFont typeface="Arial" panose="020B0604020202020204" pitchFamily="34" charset="0"/>
+              <a:buChar char="•"/>
+            </a:pPr>
+            <a:endParaRPr lang="en-US" altLang="zh-CN" sz="1200" dirty="0">
+              <a:solidFill>
+                <a:srgbClr val="4A4A4A"/>
+              </a:solidFill>
+              <a:latin typeface="ITC Officina Sans Std Book" panose="020B0506040203020204" pitchFamily="34" charset="0"/>
+            </a:endParaRPr>
+          </a:p>
+        </p:txBody>
+      </p:sp>
+    </p:spTree>
+    <p:extLst>
+      <p:ext uri="{BB962C8B-B14F-4D97-AF65-F5344CB8AC3E}">
+        <p14:creationId xmlns:p14="http://schemas.microsoft.com/office/powerpoint/2010/main" val="3636650480"/>
       </p:ext>
     </p:extLst>
   </p:cSld>
@@ -36616,7 +36520,7 @@
         <p:spPr>
           <a:xfrm>
             <a:off x="510556" y="386396"/>
-            <a:ext cx="11170886" cy="1508105"/>
+            <a:ext cx="11170886" cy="1785104"/>
           </a:xfrm>
           <a:prstGeom prst="rect">
             <a:avLst/>
@@ -36638,7 +36542,7 @@
                 <a:ea typeface="Tahoma" panose="020B0604030504040204" pitchFamily="34" charset="0"/>
                 <a:cs typeface="Tahoma" panose="020B0604030504040204" pitchFamily="34" charset="0"/>
               </a:rPr>
-              <a:t>Proficiency</a:t>
+              <a:t>Proficiency </a:t>
             </a:r>
             <a:r>
               <a:rPr lang="en-US" altLang="zh-CN" sz="2000" dirty="0">
@@ -36649,7 +36553,7 @@
                 <a:ea typeface="Tahoma" panose="020B0604030504040204" pitchFamily="34" charset="0"/>
                 <a:cs typeface="Tahoma" panose="020B0604030504040204" pitchFamily="34" charset="0"/>
               </a:rPr>
-              <a:t>: HS SAT Math Proficiency and Above </a:t>
+              <a:t>: AP CS scoring 3 or higher</a:t>
             </a:r>
           </a:p>
           <a:p>
@@ -36660,11 +36564,11 @@
                 </a:solidFill>
                 <a:latin typeface="ITC Officina Sans Std Book" panose="020B0506040203020204" pitchFamily="34" charset="0"/>
               </a:rPr>
-              <a:t>The proportion of CPS SAT takers at or above math standards by race/ethnicity</a:t>
+              <a:t>The proportion of CPS AP CS students scoring a 3 or higher by race/ethnicity</a:t>
             </a:r>
           </a:p>
           <a:p>
-            <a:endParaRPr lang="en-US" altLang="zh-CN" sz="1800" dirty="0">
+            <a:endParaRPr lang="en-US" altLang="zh-CN" dirty="0">
               <a:solidFill>
                 <a:srgbClr val="4A4A4A"/>
               </a:solidFill>
@@ -36679,7 +36583,7 @@
                 </a:solidFill>
                 <a:latin typeface="ITC Officina Sans Std Book" panose="020B0506040203020204" pitchFamily="34" charset="0"/>
               </a:rPr>
-              <a:t>SAT math meet and above/ SAT takers CHI</a:t>
+              <a:t>AP CS scoring 3 or higher CHI / Total AP CS students CHI</a:t>
             </a:r>
           </a:p>
           <a:p>
@@ -36690,8 +36594,10 @@
                 </a:solidFill>
                 <a:latin typeface="ITC Officina Sans Std Book" panose="020B0506040203020204" pitchFamily="34" charset="0"/>
               </a:rPr>
-              <a:t>Vs. SAT math meet and above/ SAT takers US</a:t>
+              <a:t>Vs. AP CS scoring 3 or higher US / Total AP CS students US</a:t>
             </a:r>
+          </a:p>
+          <a:p>
             <a:endParaRPr lang="zh-CN" altLang="en-US" dirty="0">
               <a:solidFill>
                 <a:srgbClr val="4A4A4A"/>
@@ -36703,10 +36609,10 @@
       </p:sp>
       <p:graphicFrame>
         <p:nvGraphicFramePr>
-          <p:cNvPr id="4" name="Chart 3">
+          <p:cNvPr id="7" name="Chart 6">
             <a:extLst>
               <a:ext uri="{FF2B5EF4-FFF2-40B4-BE49-F238E27FC236}">
-                <a16:creationId xmlns:a16="http://schemas.microsoft.com/office/drawing/2014/main" id="{CD6BB894-869A-0227-6A65-8B1C0A550553}"/>
+                <a16:creationId xmlns:a16="http://schemas.microsoft.com/office/drawing/2014/main" id="{27A58207-6E7F-9311-CCA6-46BAD837DFEA}"/>
               </a:ext>
             </a:extLst>
           </p:cNvPr>
@@ -36714,14 +36620,14 @@
           <p:nvPr>
             <p:extLst>
               <p:ext uri="{D42A27DB-BD31-4B8C-83A1-F6EECF244321}">
-                <p14:modId xmlns:p14="http://schemas.microsoft.com/office/powerpoint/2010/main" val="1638618681"/>
+                <p14:modId xmlns:p14="http://schemas.microsoft.com/office/powerpoint/2010/main" val="3709899377"/>
               </p:ext>
             </p:extLst>
           </p:nvPr>
         </p:nvGraphicFramePr>
         <p:xfrm>
-          <a:off x="5140592" y="2197245"/>
-          <a:ext cx="6089383" cy="4203555"/>
+          <a:off x="5113529" y="2189788"/>
+          <a:ext cx="6115304" cy="4281816"/>
         </p:xfrm>
         <a:graphic>
           <a:graphicData uri="http://schemas.openxmlformats.org/drawingml/2006/chart">
@@ -36731,10 +36637,10 @@
       </p:graphicFrame>
       <p:sp>
         <p:nvSpPr>
-          <p:cNvPr id="7" name="TextBox 6">
+          <p:cNvPr id="6" name="TextBox 5">
             <a:extLst>
               <a:ext uri="{FF2B5EF4-FFF2-40B4-BE49-F238E27FC236}">
-                <a16:creationId xmlns:a16="http://schemas.microsoft.com/office/drawing/2014/main" id="{5F80CCD0-ED5E-CFA8-9CA4-9DB7FD443017}"/>
+                <a16:creationId xmlns:a16="http://schemas.microsoft.com/office/drawing/2014/main" id="{DC6D9235-1644-3806-4286-5FCA33C47ADF}"/>
               </a:ext>
             </a:extLst>
           </p:cNvPr>
@@ -36744,7 +36650,7 @@
         <p:spPr>
           <a:xfrm>
             <a:off x="581025" y="2190749"/>
-            <a:ext cx="3714750" cy="3600986"/>
+            <a:ext cx="3714750" cy="3231654"/>
           </a:xfrm>
           <a:prstGeom prst="rect">
             <a:avLst/>
@@ -36787,14 +36693,10 @@
                 </a:solidFill>
                 <a:latin typeface="ITC Officina Sans Std Book" panose="020B0506040203020204" pitchFamily="34" charset="0"/>
               </a:rPr>
-              <a:t>Over 50% of White and Asian students meet SAT Math benchmark while no more than 20% of Black and Hispanic students meet SAT Math benchmark.  </a:t>
+              <a:t>The proportion of White students in CPS high school score 3 or higher is nearly 70%, 1.1 times higher than Asians, and 2.1 times higher than Hispanic, and 4 times higher than Black.</a:t>
             </a:r>
           </a:p>
           <a:p>
-            <a:pPr marL="171450" indent="-171450">
-              <a:buFont typeface="Arial" panose="020B0604020202020204" pitchFamily="34" charset="0"/>
-              <a:buChar char="•"/>
-            </a:pPr>
             <a:endParaRPr lang="en-US" altLang="zh-CN" sz="1200" dirty="0">
               <a:solidFill>
                 <a:srgbClr val="4A4A4A"/>
@@ -36814,7 +36716,7 @@
                 </a:solidFill>
                 <a:latin typeface="ITC Officina Sans Std Book" panose="020B0506040203020204" pitchFamily="34" charset="0"/>
               </a:rPr>
-              <a:t>Only the White population in CPS high school perform slightly above the national average. Asian, Hispanic, and black students have the SAT math benchmark meeting rate 11% - 30% lower than the national average. </a:t>
+              <a:t>CPS High school students have their proportion of scoring 3 on AP CS lower than the national average. </a:t>
             </a:r>
           </a:p>
           <a:p>
@@ -36864,7 +36766,7 @@
                 </a:solidFill>
                 <a:latin typeface="ITC Officina Sans Std Book" panose="020B0506040203020204" pitchFamily="34" charset="0"/>
               </a:rPr>
-              <a:t>Deep disparity in math proficiency rate. The proportion of White and Asian students who meet sat math benchmark is 2.7 - 5.6 times higher than that of Hispanic and Black students.</a:t>
+              <a:t>Deep disparity in AP CS scoring. The proportion of White and Asian students who scores 3 or higher in AP CS is 1.9 - 4 times higher than that of Hispanic and Black students.</a:t>
             </a:r>
           </a:p>
           <a:p>
@@ -36884,7 +36786,7 @@
     </p:spTree>
     <p:extLst>
       <p:ext uri="{BB962C8B-B14F-4D97-AF65-F5344CB8AC3E}">
-        <p14:creationId xmlns:p14="http://schemas.microsoft.com/office/powerpoint/2010/main" val="3636650480"/>
+        <p14:creationId xmlns:p14="http://schemas.microsoft.com/office/powerpoint/2010/main" val="1051509195"/>
       </p:ext>
     </p:extLst>
   </p:cSld>
@@ -36995,7 +36897,7 @@
                 <a:ea typeface="Tahoma" panose="020B0604030504040204" pitchFamily="34" charset="0"/>
                 <a:cs typeface="Tahoma" panose="020B0604030504040204" pitchFamily="34" charset="0"/>
               </a:rPr>
-              <a:t>Proficiency </a:t>
+              <a:t>Excellence</a:t>
             </a:r>
             <a:r>
               <a:rPr lang="en-US" altLang="zh-CN" sz="2000" dirty="0">
@@ -37006,7 +36908,7 @@
                 <a:ea typeface="Tahoma" panose="020B0604030504040204" pitchFamily="34" charset="0"/>
                 <a:cs typeface="Tahoma" panose="020B0604030504040204" pitchFamily="34" charset="0"/>
               </a:rPr>
-              <a:t>: AP CS scoring 3 or higher</a:t>
+              <a:t>: HS SAT Math Advanced</a:t>
             </a:r>
           </a:p>
           <a:p>
@@ -37017,7 +36919,7 @@
                 </a:solidFill>
                 <a:latin typeface="ITC Officina Sans Std Book" panose="020B0506040203020204" pitchFamily="34" charset="0"/>
               </a:rPr>
-              <a:t>The proportion of CPS AP CS students scoring a 3 or higher by race/ethnicity</a:t>
+              <a:t>The proportion of CPS SAT takers advancing math standards by race/ethnicity</a:t>
             </a:r>
           </a:p>
           <a:p>
@@ -37036,7 +36938,7 @@
                 </a:solidFill>
                 <a:latin typeface="ITC Officina Sans Std Book" panose="020B0506040203020204" pitchFamily="34" charset="0"/>
               </a:rPr>
-              <a:t>AP CS scoring 3 or higher CHI / Total AP CS students CHI</a:t>
+              <a:t>SAT math advanced / SAT takers CHI</a:t>
             </a:r>
           </a:p>
           <a:p>
@@ -37047,7 +36949,7 @@
                 </a:solidFill>
                 <a:latin typeface="ITC Officina Sans Std Book" panose="020B0506040203020204" pitchFamily="34" charset="0"/>
               </a:rPr>
-              <a:t>Vs. AP CS scoring 3 or higher US / Total AP CS students US</a:t>
+              <a:t>Vs. SAT math advanced / SAT takers US</a:t>
             </a:r>
           </a:p>
           <a:p>
@@ -37062,10 +36964,10 @@
       </p:sp>
       <p:graphicFrame>
         <p:nvGraphicFramePr>
-          <p:cNvPr id="7" name="Chart 6">
+          <p:cNvPr id="4" name="Chart 3">
             <a:extLst>
               <a:ext uri="{FF2B5EF4-FFF2-40B4-BE49-F238E27FC236}">
-                <a16:creationId xmlns:a16="http://schemas.microsoft.com/office/drawing/2014/main" id="{27A58207-6E7F-9311-CCA6-46BAD837DFEA}"/>
+                <a16:creationId xmlns:a16="http://schemas.microsoft.com/office/drawing/2014/main" id="{C55CAE41-081A-694A-2953-EC9C1581E223}"/>
               </a:ext>
             </a:extLst>
           </p:cNvPr>
@@ -37073,14 +36975,14 @@
           <p:nvPr>
             <p:extLst>
               <p:ext uri="{D42A27DB-BD31-4B8C-83A1-F6EECF244321}">
-                <p14:modId xmlns:p14="http://schemas.microsoft.com/office/powerpoint/2010/main" val="3709899377"/>
+                <p14:modId xmlns:p14="http://schemas.microsoft.com/office/powerpoint/2010/main" val="2916166455"/>
               </p:ext>
             </p:extLst>
           </p:nvPr>
         </p:nvGraphicFramePr>
         <p:xfrm>
-          <a:off x="5113529" y="2189788"/>
-          <a:ext cx="6115304" cy="4281816"/>
+          <a:off x="5101336" y="2189565"/>
+          <a:ext cx="6118207" cy="4282039"/>
         </p:xfrm>
         <a:graphic>
           <a:graphicData uri="http://schemas.openxmlformats.org/drawingml/2006/chart">
@@ -37093,7 +36995,7 @@
           <p:cNvPr id="6" name="TextBox 5">
             <a:extLst>
               <a:ext uri="{FF2B5EF4-FFF2-40B4-BE49-F238E27FC236}">
-                <a16:creationId xmlns:a16="http://schemas.microsoft.com/office/drawing/2014/main" id="{DC6D9235-1644-3806-4286-5FCA33C47ADF}"/>
+                <a16:creationId xmlns:a16="http://schemas.microsoft.com/office/drawing/2014/main" id="{406A553A-2B5B-92B1-6D0F-A4D5921C8941}"/>
               </a:ext>
             </a:extLst>
           </p:cNvPr>
@@ -37103,7 +37005,7 @@
         <p:spPr>
           <a:xfrm>
             <a:off x="581025" y="2190749"/>
-            <a:ext cx="3714750" cy="3231654"/>
+            <a:ext cx="3714750" cy="3046988"/>
           </a:xfrm>
           <a:prstGeom prst="rect">
             <a:avLst/>
@@ -37146,7 +37048,7 @@
                 </a:solidFill>
                 <a:latin typeface="ITC Officina Sans Std Book" panose="020B0506040203020204" pitchFamily="34" charset="0"/>
               </a:rPr>
-              <a:t>The proportion of White students in CPS high school score 3 or higher is nearly 70%, 1.1 times higher than Asians, and 2.1 times higher than Hispanic, and 4 times higher than Black.</a:t>
+              <a:t>No more than 2% of Hispanic students and 1% of Black students advance in SAT math tests. </a:t>
             </a:r>
           </a:p>
           <a:p>
@@ -37169,7 +37071,7 @@
                 </a:solidFill>
                 <a:latin typeface="ITC Officina Sans Std Book" panose="020B0506040203020204" pitchFamily="34" charset="0"/>
               </a:rPr>
-              <a:t>CPS High school students have their proportion of scoring 3 on AP CS lower than the national average. </a:t>
+              <a:t>CPS High school students have a proportion of SAT math advanced students significantly lower than the national average across all ethnic groups.</a:t>
             </a:r>
           </a:p>
           <a:p>
@@ -37219,7 +37121,7 @@
                 </a:solidFill>
                 <a:latin typeface="ITC Officina Sans Std Book" panose="020B0506040203020204" pitchFamily="34" charset="0"/>
               </a:rPr>
-              <a:t>Deep disparity in AP CS scoring. The proportion of White and Asian students who scores 3 or higher in AP CS is 1.9 - 4 times higher than that of Hispanic and Black students.</a:t>
+              <a:t>Extreme disparity in sat math advance rate. The proportion of White and Asian students who advance SAT math is 12.3 - 34 times higher than that of Hispanic and Black students in CPS.</a:t>
             </a:r>
           </a:p>
           <a:p>
@@ -37239,7 +37141,7 @@
     </p:spTree>
     <p:extLst>
       <p:ext uri="{BB962C8B-B14F-4D97-AF65-F5344CB8AC3E}">
-        <p14:creationId xmlns:p14="http://schemas.microsoft.com/office/powerpoint/2010/main" val="1051509195"/>
+        <p14:creationId xmlns:p14="http://schemas.microsoft.com/office/powerpoint/2010/main" val="3221337434"/>
       </p:ext>
     </p:extLst>
   </p:cSld>
@@ -37328,7 +37230,7 @@
         <p:spPr>
           <a:xfrm>
             <a:off x="510556" y="386396"/>
-            <a:ext cx="11170886" cy="1785104"/>
+            <a:ext cx="11170886" cy="1508105"/>
           </a:xfrm>
           <a:prstGeom prst="rect">
             <a:avLst/>
@@ -37361,7 +37263,7 @@
                 <a:ea typeface="Tahoma" panose="020B0604030504040204" pitchFamily="34" charset="0"/>
                 <a:cs typeface="Tahoma" panose="020B0604030504040204" pitchFamily="34" charset="0"/>
               </a:rPr>
-              <a:t>: HS SAT Math Advanced</a:t>
+              <a:t>: CPS AP CS scored 5</a:t>
             </a:r>
           </a:p>
           <a:p>
@@ -37372,7 +37274,7 @@
                 </a:solidFill>
                 <a:latin typeface="ITC Officina Sans Std Book" panose="020B0506040203020204" pitchFamily="34" charset="0"/>
               </a:rPr>
-              <a:t>The proportion of CPS SAT takers advancing math standards by race/ethnicity</a:t>
+              <a:t>The proportion of CPS AP CS students scoring a 5 by race/ethnicity</a:t>
             </a:r>
           </a:p>
           <a:p>
@@ -37391,7 +37293,7 @@
                 </a:solidFill>
                 <a:latin typeface="ITC Officina Sans Std Book" panose="020B0506040203020204" pitchFamily="34" charset="0"/>
               </a:rPr>
-              <a:t>SAT math advanced / SAT takers CHI</a:t>
+              <a:t>AP CS scoring 5 CHI / Total AP CS students CHI</a:t>
             </a:r>
           </a:p>
           <a:p>
@@ -37402,25 +37304,17 @@
                 </a:solidFill>
                 <a:latin typeface="ITC Officina Sans Std Book" panose="020B0506040203020204" pitchFamily="34" charset="0"/>
               </a:rPr>
-              <a:t>Vs. SAT math advanced / SAT takers US</a:t>
+              <a:t>Vs. AP CS scoring 5 US / Total AP CS students US</a:t>
             </a:r>
-          </a:p>
-          <a:p>
-            <a:endParaRPr lang="zh-CN" altLang="en-US" dirty="0">
-              <a:solidFill>
-                <a:srgbClr val="4A4A4A"/>
-              </a:solidFill>
-              <a:latin typeface="ITC Officina Sans Std Book" panose="020B0506040203020204" pitchFamily="34" charset="0"/>
-            </a:endParaRPr>
           </a:p>
         </p:txBody>
       </p:sp>
       <p:graphicFrame>
         <p:nvGraphicFramePr>
-          <p:cNvPr id="4" name="Chart 3">
+          <p:cNvPr id="6" name="Chart 5">
             <a:extLst>
               <a:ext uri="{FF2B5EF4-FFF2-40B4-BE49-F238E27FC236}">
-                <a16:creationId xmlns:a16="http://schemas.microsoft.com/office/drawing/2014/main" id="{C55CAE41-081A-694A-2953-EC9C1581E223}"/>
+                <a16:creationId xmlns:a16="http://schemas.microsoft.com/office/drawing/2014/main" id="{38EDF5C0-C8F4-8A63-1723-55284CAC557A}"/>
               </a:ext>
             </a:extLst>
           </p:cNvPr>
@@ -37428,14 +37322,14 @@
           <p:nvPr>
             <p:extLst>
               <p:ext uri="{D42A27DB-BD31-4B8C-83A1-F6EECF244321}">
-                <p14:modId xmlns:p14="http://schemas.microsoft.com/office/powerpoint/2010/main" val="2916166455"/>
+                <p14:modId xmlns:p14="http://schemas.microsoft.com/office/powerpoint/2010/main" val="3065801865"/>
               </p:ext>
             </p:extLst>
           </p:nvPr>
         </p:nvGraphicFramePr>
         <p:xfrm>
-          <a:off x="5101336" y="2189565"/>
-          <a:ext cx="6118207" cy="4282039"/>
+          <a:off x="5122862" y="2196041"/>
+          <a:ext cx="6107113" cy="4204759"/>
         </p:xfrm>
         <a:graphic>
           <a:graphicData uri="http://schemas.openxmlformats.org/drawingml/2006/chart">
@@ -37445,10 +37339,10 @@
       </p:graphicFrame>
       <p:sp>
         <p:nvSpPr>
-          <p:cNvPr id="6" name="TextBox 5">
+          <p:cNvPr id="5" name="TextBox 4">
             <a:extLst>
               <a:ext uri="{FF2B5EF4-FFF2-40B4-BE49-F238E27FC236}">
-                <a16:creationId xmlns:a16="http://schemas.microsoft.com/office/drawing/2014/main" id="{406A553A-2B5B-92B1-6D0F-A4D5921C8941}"/>
+                <a16:creationId xmlns:a16="http://schemas.microsoft.com/office/drawing/2014/main" id="{5EDA74BE-BC2B-BCAA-A27B-D5267A2CF4E4}"/>
               </a:ext>
             </a:extLst>
           </p:cNvPr>
@@ -37458,7 +37352,7 @@
         <p:spPr>
           <a:xfrm>
             <a:off x="581025" y="2190749"/>
-            <a:ext cx="3714750" cy="3046988"/>
+            <a:ext cx="3714750" cy="3231654"/>
           </a:xfrm>
           <a:prstGeom prst="rect">
             <a:avLst/>
@@ -37501,7 +37395,7 @@
                 </a:solidFill>
                 <a:latin typeface="ITC Officina Sans Std Book" panose="020B0506040203020204" pitchFamily="34" charset="0"/>
               </a:rPr>
-              <a:t>No more than 2% of Hispanic students and 1% of Black students advance in SAT math tests. </a:t>
+              <a:t>No more than 3% of Hispanic students and 2% of Black students scored 5 on AP CS. </a:t>
             </a:r>
           </a:p>
           <a:p>
@@ -37524,7 +37418,7 @@
                 </a:solidFill>
                 <a:latin typeface="ITC Officina Sans Std Book" panose="020B0506040203020204" pitchFamily="34" charset="0"/>
               </a:rPr>
-              <a:t>CPS High school students have a proportion of SAT math advanced students significantly lower than the national average across all ethnic groups.</a:t>
+              <a:t>White students in CPS high school perform noticeably better than the national average. However, Asian, Hispanic, and black students all have a high AP CS scoring rate below the national average. </a:t>
             </a:r>
           </a:p>
           <a:p>
@@ -37574,7 +37468,7 @@
                 </a:solidFill>
                 <a:latin typeface="ITC Officina Sans Std Book" panose="020B0506040203020204" pitchFamily="34" charset="0"/>
               </a:rPr>
-              <a:t>Extreme disparity in sat math advance rate. The proportion of White and Asian students who advance SAT math is 12.3 - 34 times higher than that of Hispanic and Black students in CPS.</a:t>
+              <a:t>Extreme disparity in AP CS high scoring rate. The proportion of White and Asian students who score 5 on AP CS is 6 - 17 times higher than that of Hispanic and Black students in CPS.</a:t>
             </a:r>
           </a:p>
           <a:p>
@@ -37594,7 +37488,7 @@
     </p:spTree>
     <p:extLst>
       <p:ext uri="{BB962C8B-B14F-4D97-AF65-F5344CB8AC3E}">
-        <p14:creationId xmlns:p14="http://schemas.microsoft.com/office/powerpoint/2010/main" val="3221337434"/>
+        <p14:creationId xmlns:p14="http://schemas.microsoft.com/office/powerpoint/2010/main" val="2822855916"/>
       </p:ext>
     </p:extLst>
   </p:cSld>
@@ -37683,7 +37577,7 @@
         <p:spPr>
           <a:xfrm>
             <a:off x="510556" y="386396"/>
-            <a:ext cx="11170886" cy="1508105"/>
+            <a:ext cx="11170886" cy="1785104"/>
           </a:xfrm>
           <a:prstGeom prst="rect">
             <a:avLst/>
@@ -37705,7 +37599,7 @@
                 <a:ea typeface="Tahoma" panose="020B0604030504040204" pitchFamily="34" charset="0"/>
                 <a:cs typeface="Tahoma" panose="020B0604030504040204" pitchFamily="34" charset="0"/>
               </a:rPr>
-              <a:t>Excellence</a:t>
+              <a:t>ACCESS</a:t>
             </a:r>
             <a:r>
               <a:rPr lang="en-US" altLang="zh-CN" sz="2000" dirty="0">
@@ -37716,7 +37610,7 @@
                 <a:ea typeface="Tahoma" panose="020B0604030504040204" pitchFamily="34" charset="0"/>
                 <a:cs typeface="Tahoma" panose="020B0604030504040204" pitchFamily="34" charset="0"/>
               </a:rPr>
-              <a:t>: CPS AP CS scored 5</a:t>
+              <a:t>: AP CS Enrollment</a:t>
             </a:r>
           </a:p>
           <a:p>
@@ -37727,7 +37621,7 @@
                 </a:solidFill>
                 <a:latin typeface="ITC Officina Sans Std Book" panose="020B0506040203020204" pitchFamily="34" charset="0"/>
               </a:rPr>
-              <a:t>The proportion of CPS AP CS students scoring a 5 by race/ethnicity</a:t>
+              <a:t>The proportion of CPS HS students enrolled in AP CS</a:t>
             </a:r>
           </a:p>
           <a:p>
@@ -37746,7 +37640,7 @@
                 </a:solidFill>
                 <a:latin typeface="ITC Officina Sans Std Book" panose="020B0506040203020204" pitchFamily="34" charset="0"/>
               </a:rPr>
-              <a:t>AP CS scoring 5 CHI / Total AP CS students CHI</a:t>
+              <a:t>AP CS enrollment CHI / Total HS students CHI</a:t>
             </a:r>
           </a:p>
           <a:p>
@@ -37757,17 +37651,25 @@
                 </a:solidFill>
                 <a:latin typeface="ITC Officina Sans Std Book" panose="020B0506040203020204" pitchFamily="34" charset="0"/>
               </a:rPr>
-              <a:t>Vs. AP CS scoring 5 US / Total AP CS students US</a:t>
+              <a:t>Vs. AP CS enrollment US / Total HS students US</a:t>
             </a:r>
+          </a:p>
+          <a:p>
+            <a:endParaRPr lang="zh-CN" altLang="en-US" dirty="0">
+              <a:solidFill>
+                <a:srgbClr val="4A4A4A"/>
+              </a:solidFill>
+              <a:latin typeface="ITC Officina Sans Std Book" panose="020B0506040203020204" pitchFamily="34" charset="0"/>
+            </a:endParaRPr>
           </a:p>
         </p:txBody>
       </p:sp>
       <p:graphicFrame>
         <p:nvGraphicFramePr>
-          <p:cNvPr id="6" name="Chart 5">
+          <p:cNvPr id="4" name="Chart 3">
             <a:extLst>
               <a:ext uri="{FF2B5EF4-FFF2-40B4-BE49-F238E27FC236}">
-                <a16:creationId xmlns:a16="http://schemas.microsoft.com/office/drawing/2014/main" id="{38EDF5C0-C8F4-8A63-1723-55284CAC557A}"/>
+                <a16:creationId xmlns:a16="http://schemas.microsoft.com/office/drawing/2014/main" id="{6E48EFC0-73CE-D26C-9903-3329A0AE7325}"/>
               </a:ext>
             </a:extLst>
           </p:cNvPr>
@@ -37775,14 +37677,14 @@
           <p:nvPr>
             <p:extLst>
               <p:ext uri="{D42A27DB-BD31-4B8C-83A1-F6EECF244321}">
-                <p14:modId xmlns:p14="http://schemas.microsoft.com/office/powerpoint/2010/main" val="3065801865"/>
+                <p14:modId xmlns:p14="http://schemas.microsoft.com/office/powerpoint/2010/main" val="1819517061"/>
               </p:ext>
             </p:extLst>
           </p:nvPr>
         </p:nvGraphicFramePr>
         <p:xfrm>
-          <a:off x="5122862" y="2196041"/>
-          <a:ext cx="6107113" cy="4204759"/>
+          <a:off x="5114925" y="2188470"/>
+          <a:ext cx="6134100" cy="4193280"/>
         </p:xfrm>
         <a:graphic>
           <a:graphicData uri="http://schemas.openxmlformats.org/drawingml/2006/chart">
@@ -37790,10 +37692,158 @@
           </a:graphicData>
         </a:graphic>
       </p:graphicFrame>
+      <p:sp>
+        <p:nvSpPr>
+          <p:cNvPr id="6" name="TextBox 5">
+            <a:extLst>
+              <a:ext uri="{FF2B5EF4-FFF2-40B4-BE49-F238E27FC236}">
+                <a16:creationId xmlns:a16="http://schemas.microsoft.com/office/drawing/2014/main" id="{BEA130BA-2917-063D-31C5-7AFA117A9B72}"/>
+              </a:ext>
+            </a:extLst>
+          </p:cNvPr>
+          <p:cNvSpPr txBox="1"/>
+          <p:nvPr/>
+        </p:nvSpPr>
+        <p:spPr>
+          <a:xfrm>
+            <a:off x="581025" y="2190749"/>
+            <a:ext cx="3714750" cy="3600986"/>
+          </a:xfrm>
+          <a:prstGeom prst="rect">
+            <a:avLst/>
+          </a:prstGeom>
+          <a:noFill/>
+        </p:spPr>
+        <p:txBody>
+          <a:bodyPr wrap="square" rtlCol="0">
+            <a:spAutoFit/>
+          </a:bodyPr>
+          <a:lstStyle/>
+          <a:p>
+            <a:r>
+              <a:rPr lang="en-US" altLang="zh-CN" sz="1200" b="1" u="sng" dirty="0">
+                <a:solidFill>
+                  <a:srgbClr val="4A4A4A"/>
+                </a:solidFill>
+                <a:latin typeface="ITC Officina Sans Std Book" panose="020B0506040203020204" pitchFamily="34" charset="0"/>
+              </a:rPr>
+              <a:t>What does the data tell?</a:t>
+            </a:r>
+          </a:p>
+          <a:p>
+            <a:endParaRPr lang="en-US" altLang="zh-CN" sz="1200" b="1" u="sng" dirty="0">
+              <a:solidFill>
+                <a:srgbClr val="4A4A4A"/>
+              </a:solidFill>
+              <a:latin typeface="ITC Officina Sans Std Book" panose="020B0506040203020204" pitchFamily="34" charset="0"/>
+            </a:endParaRPr>
+          </a:p>
+          <a:p>
+            <a:pPr marL="171450" indent="-171450">
+              <a:buFont typeface="Arial" panose="020B0604020202020204" pitchFamily="34" charset="0"/>
+              <a:buChar char="•"/>
+            </a:pPr>
+            <a:r>
+              <a:rPr lang="en-US" altLang="zh-CN" sz="1200" dirty="0">
+                <a:solidFill>
+                  <a:srgbClr val="4A4A4A"/>
+                </a:solidFill>
+                <a:latin typeface="ITC Officina Sans Std Book" panose="020B0506040203020204" pitchFamily="34" charset="0"/>
+              </a:rPr>
+              <a:t>Asian students have the highest AP CS enrollment rate of 8%. 1.2 times higher than White, 4 times higher than Hispanics, and 7 times higher than black.</a:t>
+            </a:r>
+          </a:p>
+          <a:p>
+            <a:endParaRPr lang="en-US" altLang="zh-CN" sz="1200" dirty="0">
+              <a:solidFill>
+                <a:srgbClr val="4A4A4A"/>
+              </a:solidFill>
+              <a:latin typeface="ITC Officina Sans Std Book" panose="020B0506040203020204" pitchFamily="34" charset="0"/>
+            </a:endParaRPr>
+          </a:p>
+          <a:p>
+            <a:pPr marL="171450" indent="-171450">
+              <a:buFont typeface="Arial" panose="020B0604020202020204" pitchFamily="34" charset="0"/>
+              <a:buChar char="•"/>
+            </a:pPr>
+            <a:r>
+              <a:rPr lang="en-US" altLang="zh-CN" sz="1200" dirty="0">
+                <a:solidFill>
+                  <a:srgbClr val="4A4A4A"/>
+                </a:solidFill>
+                <a:latin typeface="ITC Officina Sans Std Book" panose="020B0506040203020204" pitchFamily="34" charset="0"/>
+              </a:rPr>
+              <a:t>AP CS enrollment rate of students in CPS is significantly higher than the national average. The proportion of White students enroll to AP CS is 6 times higher than the national average. </a:t>
+            </a:r>
+          </a:p>
+          <a:p>
+            <a:pPr marL="171450" indent="-171450">
+              <a:buFont typeface="Arial" panose="020B0604020202020204" pitchFamily="34" charset="0"/>
+              <a:buChar char="•"/>
+            </a:pPr>
+            <a:endParaRPr lang="en-US" altLang="zh-CN" sz="1200" dirty="0">
+              <a:solidFill>
+                <a:srgbClr val="4A4A4A"/>
+              </a:solidFill>
+              <a:latin typeface="ITC Officina Sans Std Book" panose="020B0506040203020204" pitchFamily="34" charset="0"/>
+            </a:endParaRPr>
+          </a:p>
+          <a:p>
+            <a:r>
+              <a:rPr lang="en-US" altLang="zh-CN" sz="1200" b="1" u="sng" dirty="0">
+                <a:solidFill>
+                  <a:srgbClr val="4A4A4A"/>
+                </a:solidFill>
+                <a:latin typeface="ITC Officina Sans Std Book" panose="020B0506040203020204" pitchFamily="34" charset="0"/>
+              </a:rPr>
+              <a:t>Takeaways</a:t>
+            </a:r>
+          </a:p>
+          <a:p>
+            <a:pPr marL="171450" indent="-171450">
+              <a:buFont typeface="Arial" panose="020B0604020202020204" pitchFamily="34" charset="0"/>
+              <a:buChar char="•"/>
+            </a:pPr>
+            <a:endParaRPr lang="en-US" altLang="zh-CN" sz="1200" dirty="0">
+              <a:solidFill>
+                <a:srgbClr val="4A4A4A"/>
+              </a:solidFill>
+              <a:latin typeface="ITC Officina Sans Std Book" panose="020B0506040203020204" pitchFamily="34" charset="0"/>
+            </a:endParaRPr>
+          </a:p>
+          <a:p>
+            <a:pPr marL="171450" indent="-171450">
+              <a:buFont typeface="Arial" panose="020B0604020202020204" pitchFamily="34" charset="0"/>
+              <a:buChar char="•"/>
+            </a:pPr>
+            <a:r>
+              <a:rPr lang="en-US" altLang="zh-CN" sz="1200" dirty="0">
+                <a:solidFill>
+                  <a:srgbClr val="4A4A4A"/>
+                </a:solidFill>
+                <a:latin typeface="ITC Officina Sans Std Book" panose="020B0506040203020204" pitchFamily="34" charset="0"/>
+              </a:rPr>
+              <a:t>CPS has an overall much higher AP CS enrolment rate in comparison with the national average across all ethnic groups. However, the disparity is enormous, White and Asian students have an enrollment rate 3-7 times higher than Black and Hispanic students.</a:t>
+            </a:r>
+          </a:p>
+          <a:p>
+            <a:pPr marL="171450" indent="-171450">
+              <a:buFont typeface="Arial" panose="020B0604020202020204" pitchFamily="34" charset="0"/>
+              <a:buChar char="•"/>
+            </a:pPr>
+            <a:endParaRPr lang="en-US" altLang="zh-CN" sz="1200" dirty="0">
+              <a:solidFill>
+                <a:srgbClr val="4A4A4A"/>
+              </a:solidFill>
+              <a:latin typeface="ITC Officina Sans Std Book" panose="020B0506040203020204" pitchFamily="34" charset="0"/>
+            </a:endParaRPr>
+          </a:p>
+        </p:txBody>
+      </p:sp>
     </p:spTree>
     <p:extLst>
       <p:ext uri="{BB962C8B-B14F-4D97-AF65-F5344CB8AC3E}">
-        <p14:creationId xmlns:p14="http://schemas.microsoft.com/office/powerpoint/2010/main" val="2822855916"/>
+        <p14:creationId xmlns:p14="http://schemas.microsoft.com/office/powerpoint/2010/main" val="1659686111"/>
       </p:ext>
     </p:extLst>
   </p:cSld>
@@ -37882,7 +37932,7 @@
         <p:spPr>
           <a:xfrm>
             <a:off x="510556" y="386396"/>
-            <a:ext cx="11170886" cy="1785104"/>
+            <a:ext cx="11170886" cy="1231106"/>
           </a:xfrm>
           <a:prstGeom prst="rect">
             <a:avLst/>
@@ -37915,7 +37965,7 @@
                 <a:ea typeface="Tahoma" panose="020B0604030504040204" pitchFamily="34" charset="0"/>
                 <a:cs typeface="Tahoma" panose="020B0604030504040204" pitchFamily="34" charset="0"/>
               </a:rPr>
-              <a:t>: AP CS Enrollment</a:t>
+              <a:t>: CPS HS STEM Magnet School Enrollment</a:t>
             </a:r>
           </a:p>
           <a:p>
@@ -37926,7 +37976,7 @@
                 </a:solidFill>
                 <a:latin typeface="ITC Officina Sans Std Book" panose="020B0506040203020204" pitchFamily="34" charset="0"/>
               </a:rPr>
-              <a:t>The proportion of CPS HS students enrolled in AP CS</a:t>
+              <a:t>The proportion of CPS HS students enrolled in a STEM magnet school by race/ethnicity</a:t>
             </a:r>
           </a:p>
           <a:p>
@@ -37945,27 +37995,8 @@
                 </a:solidFill>
                 <a:latin typeface="ITC Officina Sans Std Book" panose="020B0506040203020204" pitchFamily="34" charset="0"/>
               </a:rPr>
-              <a:t>AP CS enrollment CHI / Total HS students CHI</a:t>
+              <a:t>STEM Magnet school IL / Total CPS HS Student IL</a:t>
             </a:r>
-          </a:p>
-          <a:p>
-            <a:r>
-              <a:rPr lang="en-US" altLang="zh-CN" sz="1800" dirty="0">
-                <a:solidFill>
-                  <a:srgbClr val="4A4A4A"/>
-                </a:solidFill>
-                <a:latin typeface="ITC Officina Sans Std Book" panose="020B0506040203020204" pitchFamily="34" charset="0"/>
-              </a:rPr>
-              <a:t>Vs. AP CS enrollment US / Total HS students US</a:t>
-            </a:r>
-          </a:p>
-          <a:p>
-            <a:endParaRPr lang="zh-CN" altLang="en-US" dirty="0">
-              <a:solidFill>
-                <a:srgbClr val="4A4A4A"/>
-              </a:solidFill>
-              <a:latin typeface="ITC Officina Sans Std Book" panose="020B0506040203020204" pitchFamily="34" charset="0"/>
-            </a:endParaRPr>
           </a:p>
         </p:txBody>
       </p:sp>
@@ -37974,7 +38005,7 @@
           <p:cNvPr id="4" name="Chart 3">
             <a:extLst>
               <a:ext uri="{FF2B5EF4-FFF2-40B4-BE49-F238E27FC236}">
-                <a16:creationId xmlns:a16="http://schemas.microsoft.com/office/drawing/2014/main" id="{6E48EFC0-73CE-D26C-9903-3329A0AE7325}"/>
+                <a16:creationId xmlns:a16="http://schemas.microsoft.com/office/drawing/2014/main" id="{B9EFCECE-0858-EF93-EAEA-BAABDB147B9D}"/>
               </a:ext>
             </a:extLst>
           </p:cNvPr>
@@ -37982,14 +38013,14 @@
           <p:nvPr>
             <p:extLst>
               <p:ext uri="{D42A27DB-BD31-4B8C-83A1-F6EECF244321}">
-                <p14:modId xmlns:p14="http://schemas.microsoft.com/office/powerpoint/2010/main" val="1427296620"/>
+                <p14:modId xmlns:p14="http://schemas.microsoft.com/office/powerpoint/2010/main" val="2634363812"/>
               </p:ext>
             </p:extLst>
           </p:nvPr>
         </p:nvGraphicFramePr>
         <p:xfrm>
-          <a:off x="5114925" y="2188470"/>
-          <a:ext cx="6134100" cy="4193280"/>
+          <a:off x="5125450" y="2197854"/>
+          <a:ext cx="6104525" cy="4202946"/>
         </p:xfrm>
         <a:graphic>
           <a:graphicData uri="http://schemas.openxmlformats.org/drawingml/2006/chart">
@@ -37997,49 +38028,142 @@
           </a:graphicData>
         </a:graphic>
       </p:graphicFrame>
-      <p:pic>
-        <p:nvPicPr>
-          <p:cNvPr id="9" name="Graphic 8" descr="Question Mark with solid fill">
+      <p:sp>
+        <p:nvSpPr>
+          <p:cNvPr id="6" name="TextBox 5">
             <a:extLst>
               <a:ext uri="{FF2B5EF4-FFF2-40B4-BE49-F238E27FC236}">
-                <a16:creationId xmlns:a16="http://schemas.microsoft.com/office/drawing/2014/main" id="{409679B3-4F01-EEDE-A1C5-66E5FAF059C4}"/>
+                <a16:creationId xmlns:a16="http://schemas.microsoft.com/office/drawing/2014/main" id="{5548B34D-D107-F7EE-8A74-39A96E0CA2A4}"/>
               </a:ext>
             </a:extLst>
           </p:cNvPr>
-          <p:cNvPicPr>
-            <a:picLocks noChangeAspect="1"/>
-          </p:cNvPicPr>
+          <p:cNvSpPr txBox="1"/>
           <p:nvPr/>
-        </p:nvPicPr>
-        <p:blipFill>
-          <a:blip r:embed="rId3">
-            <a:extLst>
-              <a:ext uri="{28A0092B-C50C-407E-A947-70E740481C1C}">
-                <a14:useLocalDpi xmlns:a14="http://schemas.microsoft.com/office/drawing/2010/main" val="0"/>
-              </a:ext>
-              <a:ext uri="{96DAC541-7B7A-43D3-8B79-37D633B846F1}">
-                <asvg:svgBlip xmlns:asvg="http://schemas.microsoft.com/office/drawing/2016/SVG/main" r:embed="rId4"/>
-              </a:ext>
-            </a:extLst>
-          </a:blip>
-          <a:stretch>
-            <a:fillRect/>
-          </a:stretch>
-        </p:blipFill>
+        </p:nvSpPr>
         <p:spPr>
           <a:xfrm>
-            <a:off x="7869630" y="3248512"/>
-            <a:ext cx="932801" cy="932801"/>
+            <a:off x="581025" y="2190749"/>
+            <a:ext cx="3714750" cy="2862322"/>
           </a:xfrm>
           <a:prstGeom prst="rect">
             <a:avLst/>
           </a:prstGeom>
+          <a:noFill/>
         </p:spPr>
-      </p:pic>
+        <p:txBody>
+          <a:bodyPr wrap="square" rtlCol="0">
+            <a:spAutoFit/>
+          </a:bodyPr>
+          <a:lstStyle/>
+          <a:p>
+            <a:r>
+              <a:rPr lang="en-US" altLang="zh-CN" sz="1200" b="1" u="sng" dirty="0">
+                <a:solidFill>
+                  <a:srgbClr val="4A4A4A"/>
+                </a:solidFill>
+                <a:latin typeface="ITC Officina Sans Std Book" panose="020B0506040203020204" pitchFamily="34" charset="0"/>
+              </a:rPr>
+              <a:t>What does the data tell?</a:t>
+            </a:r>
+          </a:p>
+          <a:p>
+            <a:endParaRPr lang="en-US" altLang="zh-CN" sz="1200" b="1" u="sng" dirty="0">
+              <a:solidFill>
+                <a:srgbClr val="4A4A4A"/>
+              </a:solidFill>
+              <a:latin typeface="ITC Officina Sans Std Book" panose="020B0506040203020204" pitchFamily="34" charset="0"/>
+            </a:endParaRPr>
+          </a:p>
+          <a:p>
+            <a:pPr marL="171450" indent="-171450">
+              <a:buFont typeface="Arial" panose="020B0604020202020204" pitchFamily="34" charset="0"/>
+              <a:buChar char="•"/>
+            </a:pPr>
+            <a:r>
+              <a:rPr lang="en-US" altLang="zh-CN" sz="1200" dirty="0">
+                <a:solidFill>
+                  <a:srgbClr val="4A4A4A"/>
+                </a:solidFill>
+                <a:latin typeface="ITC Officina Sans Std Book" panose="020B0506040203020204" pitchFamily="34" charset="0"/>
+              </a:rPr>
+              <a:t>Asians and Hispanic students have the highest STEM Magnet school enrollment rate. 1.4 times higher than white, and 2.2 times higher than Hispanic students.</a:t>
+            </a:r>
+          </a:p>
+          <a:p>
+            <a:endParaRPr lang="en-US" altLang="zh-CN" sz="1200" dirty="0">
+              <a:solidFill>
+                <a:srgbClr val="4A4A4A"/>
+              </a:solidFill>
+              <a:latin typeface="ITC Officina Sans Std Book" panose="020B0506040203020204" pitchFamily="34" charset="0"/>
+            </a:endParaRPr>
+          </a:p>
+          <a:p>
+            <a:r>
+              <a:rPr lang="en-US" altLang="zh-CN" sz="1200" b="1" u="sng" dirty="0">
+                <a:solidFill>
+                  <a:srgbClr val="4A4A4A"/>
+                </a:solidFill>
+                <a:latin typeface="ITC Officina Sans Std Book" panose="020B0506040203020204" pitchFamily="34" charset="0"/>
+              </a:rPr>
+              <a:t>Takeaways</a:t>
+            </a:r>
+          </a:p>
+          <a:p>
+            <a:endParaRPr lang="en-US" altLang="zh-CN" sz="1200" b="1" u="sng" dirty="0">
+              <a:solidFill>
+                <a:srgbClr val="4A4A4A"/>
+              </a:solidFill>
+              <a:latin typeface="ITC Officina Sans Std Book" panose="020B0506040203020204" pitchFamily="34" charset="0"/>
+            </a:endParaRPr>
+          </a:p>
+          <a:p>
+            <a:pPr marL="171450" indent="-171450">
+              <a:buFont typeface="Arial" panose="020B0604020202020204" pitchFamily="34" charset="0"/>
+              <a:buChar char="•"/>
+            </a:pPr>
+            <a:r>
+              <a:rPr lang="en-US" altLang="zh-CN" sz="1200" dirty="0">
+                <a:solidFill>
+                  <a:srgbClr val="4A4A4A"/>
+                </a:solidFill>
+                <a:latin typeface="ITC Officina Sans Std Book" panose="020B0506040203020204" pitchFamily="34" charset="0"/>
+              </a:rPr>
+              <a:t>13.25% of Black students enrolled in STEM Magnet elementary schools while only 8.82% enrolled in STEM Magnet high school. </a:t>
+            </a:r>
+          </a:p>
+          <a:p>
+            <a:pPr marL="171450" indent="-171450">
+              <a:buFont typeface="Arial" panose="020B0604020202020204" pitchFamily="34" charset="0"/>
+              <a:buChar char="•"/>
+            </a:pPr>
+            <a:endParaRPr lang="en-US" altLang="zh-CN" sz="1200" dirty="0">
+              <a:solidFill>
+                <a:srgbClr val="4A4A4A"/>
+              </a:solidFill>
+              <a:latin typeface="ITC Officina Sans Std Book" panose="020B0506040203020204" pitchFamily="34" charset="0"/>
+            </a:endParaRPr>
+          </a:p>
+          <a:p>
+            <a:pPr marL="171450" indent="-171450">
+              <a:buFont typeface="Arial" panose="020B0604020202020204" pitchFamily="34" charset="0"/>
+              <a:buChar char="•"/>
+            </a:pPr>
+            <a:r>
+              <a:rPr lang="en-US" altLang="zh-CN" sz="1200" dirty="0">
+                <a:solidFill>
+                  <a:srgbClr val="4A4A4A"/>
+                </a:solidFill>
+                <a:latin typeface="ITC Officina Sans Std Book" panose="020B0506040203020204" pitchFamily="34" charset="0"/>
+              </a:rPr>
+              <a:t>7.87% of Hispanic students enrolled in STEM Magnet elementary schools while 19.66% enrolled in STEM Magnet high school. </a:t>
+            </a:r>
+          </a:p>
+        </p:txBody>
+      </p:sp>
     </p:spTree>
     <p:extLst>
       <p:ext uri="{BB962C8B-B14F-4D97-AF65-F5344CB8AC3E}">
-        <p14:creationId xmlns:p14="http://schemas.microsoft.com/office/powerpoint/2010/main" val="1659686111"/>
+        <p14:creationId xmlns:p14="http://schemas.microsoft.com/office/powerpoint/2010/main" val="2631363379"/>
       </p:ext>
     </p:extLst>
   </p:cSld>
@@ -38150,7 +38274,7 @@
                 <a:ea typeface="Tahoma" panose="020B0604030504040204" pitchFamily="34" charset="0"/>
                 <a:cs typeface="Tahoma" panose="020B0604030504040204" pitchFamily="34" charset="0"/>
               </a:rPr>
-              <a:t>ACCESS</a:t>
+              <a:t>ACCESS </a:t>
             </a:r>
             <a:r>
               <a:rPr lang="en-US" altLang="zh-CN" sz="2000" dirty="0">
@@ -38161,7 +38285,7 @@
                 <a:ea typeface="Tahoma" panose="020B0604030504040204" pitchFamily="34" charset="0"/>
                 <a:cs typeface="Tahoma" panose="020B0604030504040204" pitchFamily="34" charset="0"/>
               </a:rPr>
-              <a:t>: CPS HS STEM Magnet School Enrollment</a:t>
+              <a:t>: CS Interest</a:t>
             </a:r>
           </a:p>
           <a:p>
@@ -38172,7 +38296,7 @@
                 </a:solidFill>
                 <a:latin typeface="ITC Officina Sans Std Book" panose="020B0506040203020204" pitchFamily="34" charset="0"/>
               </a:rPr>
-              <a:t>The proportion of CPS HS students enrolled in a STEM magnet school by race/ethnicity</a:t>
+              <a:t>The proportion of CPS HS students indicating interest in an CS/IT career</a:t>
             </a:r>
           </a:p>
           <a:p>
@@ -38191,7 +38315,7 @@
                 </a:solidFill>
                 <a:latin typeface="ITC Officina Sans Std Book" panose="020B0506040203020204" pitchFamily="34" charset="0"/>
               </a:rPr>
-              <a:t>STEM Magnet school IL / Total CPS HS Student IL</a:t>
+              <a:t>CS interested HS students CHI / Total HS Student CHI</a:t>
             </a:r>
           </a:p>
         </p:txBody>
@@ -38201,7 +38325,7 @@
           <p:cNvPr id="4" name="Chart 3">
             <a:extLst>
               <a:ext uri="{FF2B5EF4-FFF2-40B4-BE49-F238E27FC236}">
-                <a16:creationId xmlns:a16="http://schemas.microsoft.com/office/drawing/2014/main" id="{B9EFCECE-0858-EF93-EAEA-BAABDB147B9D}"/>
+                <a16:creationId xmlns:a16="http://schemas.microsoft.com/office/drawing/2014/main" id="{682CE78E-64D2-9240-4615-CBE2240C8F52}"/>
               </a:ext>
             </a:extLst>
           </p:cNvPr>
@@ -38209,14 +38333,14 @@
           <p:nvPr>
             <p:extLst>
               <p:ext uri="{D42A27DB-BD31-4B8C-83A1-F6EECF244321}">
-                <p14:modId xmlns:p14="http://schemas.microsoft.com/office/powerpoint/2010/main" val="2634363812"/>
+                <p14:modId xmlns:p14="http://schemas.microsoft.com/office/powerpoint/2010/main" val="1240280060"/>
               </p:ext>
             </p:extLst>
           </p:nvPr>
         </p:nvGraphicFramePr>
         <p:xfrm>
-          <a:off x="5125450" y="2197854"/>
-          <a:ext cx="6104525" cy="4202946"/>
+          <a:off x="5114925" y="2184823"/>
+          <a:ext cx="6143625" cy="4286781"/>
         </p:xfrm>
         <a:graphic>
           <a:graphicData uri="http://schemas.openxmlformats.org/drawingml/2006/chart">
@@ -38224,10 +38348,73 @@
           </a:graphicData>
         </a:graphic>
       </p:graphicFrame>
+      <p:sp>
+        <p:nvSpPr>
+          <p:cNvPr id="5" name="TextBox 4">
+            <a:extLst>
+              <a:ext uri="{FF2B5EF4-FFF2-40B4-BE49-F238E27FC236}">
+                <a16:creationId xmlns:a16="http://schemas.microsoft.com/office/drawing/2014/main" id="{340FBA8C-3396-2C1A-660E-DFD4C02A20CE}"/>
+              </a:ext>
+            </a:extLst>
+          </p:cNvPr>
+          <p:cNvSpPr txBox="1"/>
+          <p:nvPr/>
+        </p:nvSpPr>
+        <p:spPr>
+          <a:xfrm>
+            <a:off x="581025" y="2190749"/>
+            <a:ext cx="3714750" cy="1200329"/>
+          </a:xfrm>
+          <a:prstGeom prst="rect">
+            <a:avLst/>
+          </a:prstGeom>
+          <a:noFill/>
+        </p:spPr>
+        <p:txBody>
+          <a:bodyPr wrap="square" rtlCol="0">
+            <a:spAutoFit/>
+          </a:bodyPr>
+          <a:lstStyle/>
+          <a:p>
+            <a:r>
+              <a:rPr lang="en-US" altLang="zh-CN" sz="1200" b="1" u="sng" dirty="0">
+                <a:solidFill>
+                  <a:srgbClr val="4A4A4A"/>
+                </a:solidFill>
+                <a:latin typeface="ITC Officina Sans Std Book" panose="020B0506040203020204" pitchFamily="34" charset="0"/>
+              </a:rPr>
+              <a:t>Takeaways</a:t>
+            </a:r>
+          </a:p>
+          <a:p>
+            <a:endParaRPr lang="en-US" altLang="zh-CN" sz="1200" b="1" u="sng" dirty="0">
+              <a:solidFill>
+                <a:srgbClr val="4A4A4A"/>
+              </a:solidFill>
+              <a:latin typeface="ITC Officina Sans Std Book" panose="020B0506040203020204" pitchFamily="34" charset="0"/>
+            </a:endParaRPr>
+          </a:p>
+          <a:p>
+            <a:pPr marL="171450" indent="-171450">
+              <a:buFont typeface="Arial" panose="020B0604020202020204" pitchFamily="34" charset="0"/>
+              <a:buChar char="•"/>
+            </a:pPr>
+            <a:r>
+              <a:rPr lang="en-US" altLang="zh-CN" sz="1200" dirty="0">
+                <a:solidFill>
+                  <a:srgbClr val="4A4A4A"/>
+                </a:solidFill>
+                <a:latin typeface="ITC Officina Sans Std Book" panose="020B0506040203020204" pitchFamily="34" charset="0"/>
+              </a:rPr>
+              <a:t>1 out of 4 Asian students express an interest in Computer Science, in comparison with 1 out of 5 white students, 1 out of 10 Hispanic students, and 1 out of 20 black students expressing the same interest. </a:t>
+            </a:r>
+          </a:p>
+        </p:txBody>
+      </p:sp>
     </p:spTree>
     <p:extLst>
       <p:ext uri="{BB962C8B-B14F-4D97-AF65-F5344CB8AC3E}">
-        <p14:creationId xmlns:p14="http://schemas.microsoft.com/office/powerpoint/2010/main" val="2631363379"/>
+        <p14:creationId xmlns:p14="http://schemas.microsoft.com/office/powerpoint/2010/main" val="2498115387"/>
       </p:ext>
     </p:extLst>
   </p:cSld>
@@ -38316,7 +38503,7 @@
         <p:spPr>
           <a:xfrm>
             <a:off x="510556" y="386396"/>
-            <a:ext cx="11170886" cy="1231106"/>
+            <a:ext cx="11170886" cy="1785104"/>
           </a:xfrm>
           <a:prstGeom prst="rect">
             <a:avLst/>
@@ -38349,7 +38536,7 @@
                 <a:ea typeface="Tahoma" panose="020B0604030504040204" pitchFamily="34" charset="0"/>
                 <a:cs typeface="Tahoma" panose="020B0604030504040204" pitchFamily="34" charset="0"/>
               </a:rPr>
-              <a:t>: CS Interest</a:t>
+              <a:t>: Advanced Math Enrollment</a:t>
             </a:r>
           </a:p>
           <a:p>
@@ -38360,7 +38547,7 @@
                 </a:solidFill>
                 <a:latin typeface="ITC Officina Sans Std Book" panose="020B0506040203020204" pitchFamily="34" charset="0"/>
               </a:rPr>
-              <a:t>The proportion of CPS HS students indicating interest in an CS/IT career</a:t>
+              <a:t>The proportion of CPS SAT takers exceeding standards by race/ethnicity</a:t>
             </a:r>
           </a:p>
           <a:p>
@@ -38379,8 +38566,27 @@
                 </a:solidFill>
                 <a:latin typeface="ITC Officina Sans Std Book" panose="020B0506040203020204" pitchFamily="34" charset="0"/>
               </a:rPr>
-              <a:t>CS interested HS students CHI / Total HS Student CHI</a:t>
+              <a:t>Adv. Math enrollment CHI / Total HS students CHI</a:t>
             </a:r>
+          </a:p>
+          <a:p>
+            <a:r>
+              <a:rPr lang="en-US" altLang="zh-CN" sz="1800" dirty="0">
+                <a:solidFill>
+                  <a:srgbClr val="4A4A4A"/>
+                </a:solidFill>
+                <a:latin typeface="ITC Officina Sans Std Book" panose="020B0506040203020204" pitchFamily="34" charset="0"/>
+              </a:rPr>
+              <a:t>Vs. Adv. Math enrollment US / Total HS students US</a:t>
+            </a:r>
+          </a:p>
+          <a:p>
+            <a:endParaRPr lang="zh-CN" altLang="en-US" dirty="0">
+              <a:solidFill>
+                <a:srgbClr val="4A4A4A"/>
+              </a:solidFill>
+              <a:latin typeface="ITC Officina Sans Std Book" panose="020B0506040203020204" pitchFamily="34" charset="0"/>
+            </a:endParaRPr>
           </a:p>
         </p:txBody>
       </p:sp>
@@ -38389,7 +38595,7 @@
           <p:cNvPr id="4" name="Chart 3">
             <a:extLst>
               <a:ext uri="{FF2B5EF4-FFF2-40B4-BE49-F238E27FC236}">
-                <a16:creationId xmlns:a16="http://schemas.microsoft.com/office/drawing/2014/main" id="{682CE78E-64D2-9240-4615-CBE2240C8F52}"/>
+                <a16:creationId xmlns:a16="http://schemas.microsoft.com/office/drawing/2014/main" id="{7A1C0F42-6E32-6728-D13D-4BD30BBD2914}"/>
               </a:ext>
             </a:extLst>
           </p:cNvPr>
@@ -38397,14 +38603,14 @@
           <p:nvPr>
             <p:extLst>
               <p:ext uri="{D42A27DB-BD31-4B8C-83A1-F6EECF244321}">
-                <p14:modId xmlns:p14="http://schemas.microsoft.com/office/powerpoint/2010/main" val="1240280060"/>
+                <p14:modId xmlns:p14="http://schemas.microsoft.com/office/powerpoint/2010/main" val="697330640"/>
               </p:ext>
             </p:extLst>
           </p:nvPr>
         </p:nvGraphicFramePr>
         <p:xfrm>
-          <a:off x="5114925" y="2184823"/>
-          <a:ext cx="6143625" cy="4286781"/>
+          <a:off x="5115184" y="2190550"/>
+          <a:ext cx="6124316" cy="4210250"/>
         </p:xfrm>
         <a:graphic>
           <a:graphicData uri="http://schemas.openxmlformats.org/drawingml/2006/chart">
@@ -38412,10 +38618,154 @@
           </a:graphicData>
         </a:graphic>
       </p:graphicFrame>
+      <p:sp>
+        <p:nvSpPr>
+          <p:cNvPr id="5" name="TextBox 4">
+            <a:extLst>
+              <a:ext uri="{FF2B5EF4-FFF2-40B4-BE49-F238E27FC236}">
+                <a16:creationId xmlns:a16="http://schemas.microsoft.com/office/drawing/2014/main" id="{01E53610-219D-F6A0-90BE-3BADD1BA7335}"/>
+              </a:ext>
+            </a:extLst>
+          </p:cNvPr>
+          <p:cNvSpPr txBox="1"/>
+          <p:nvPr/>
+        </p:nvSpPr>
+        <p:spPr>
+          <a:xfrm>
+            <a:off x="581025" y="2190749"/>
+            <a:ext cx="3714750" cy="3231654"/>
+          </a:xfrm>
+          <a:prstGeom prst="rect">
+            <a:avLst/>
+          </a:prstGeom>
+          <a:noFill/>
+        </p:spPr>
+        <p:txBody>
+          <a:bodyPr wrap="square" rtlCol="0">
+            <a:spAutoFit/>
+          </a:bodyPr>
+          <a:lstStyle/>
+          <a:p>
+            <a:r>
+              <a:rPr lang="en-US" altLang="zh-CN" sz="1200" b="1" u="sng" dirty="0">
+                <a:solidFill>
+                  <a:srgbClr val="4A4A4A"/>
+                </a:solidFill>
+                <a:latin typeface="ITC Officina Sans Std Book" panose="020B0506040203020204" pitchFamily="34" charset="0"/>
+              </a:rPr>
+              <a:t>What does the data tell?</a:t>
+            </a:r>
+          </a:p>
+          <a:p>
+            <a:endParaRPr lang="en-US" altLang="zh-CN" sz="1200" b="1" u="sng" dirty="0">
+              <a:solidFill>
+                <a:srgbClr val="4A4A4A"/>
+              </a:solidFill>
+              <a:latin typeface="ITC Officina Sans Std Book" panose="020B0506040203020204" pitchFamily="34" charset="0"/>
+            </a:endParaRPr>
+          </a:p>
+          <a:p>
+            <a:pPr marL="171450" indent="-171450">
+              <a:buFont typeface="Arial" panose="020B0604020202020204" pitchFamily="34" charset="0"/>
+              <a:buChar char="•"/>
+            </a:pPr>
+            <a:r>
+              <a:rPr lang="en-US" altLang="zh-CN" sz="1200" dirty="0">
+                <a:solidFill>
+                  <a:srgbClr val="4A4A4A"/>
+                </a:solidFill>
+                <a:latin typeface="ITC Officina Sans Std Book" panose="020B0506040203020204" pitchFamily="34" charset="0"/>
+              </a:rPr>
+              <a:t>In Chicago, almost 4 out of 10 White and Asian students in CPS enrolled in advanced math class, 3 out of 10 Black and Hispanic students enrolled in advanced math class. </a:t>
+            </a:r>
+          </a:p>
+          <a:p>
+            <a:pPr marL="171450" indent="-171450">
+              <a:buFont typeface="Arial" panose="020B0604020202020204" pitchFamily="34" charset="0"/>
+              <a:buChar char="•"/>
+            </a:pPr>
+            <a:endParaRPr lang="en-US" altLang="zh-CN" sz="1200" dirty="0">
+              <a:solidFill>
+                <a:srgbClr val="4A4A4A"/>
+              </a:solidFill>
+              <a:latin typeface="ITC Officina Sans Std Book" panose="020B0506040203020204" pitchFamily="34" charset="0"/>
+            </a:endParaRPr>
+          </a:p>
+          <a:p>
+            <a:pPr marL="171450" indent="-171450">
+              <a:buFont typeface="Arial" panose="020B0604020202020204" pitchFamily="34" charset="0"/>
+              <a:buChar char="•"/>
+            </a:pPr>
+            <a:r>
+              <a:rPr lang="en-US" altLang="zh-CN" sz="1200" dirty="0">
+                <a:solidFill>
+                  <a:srgbClr val="4A4A4A"/>
+                </a:solidFill>
+                <a:latin typeface="ITC Officina Sans Std Book" panose="020B0506040203020204" pitchFamily="34" charset="0"/>
+              </a:rPr>
+              <a:t>Overall, the proportion of students who enrolled in advanced math classes in CPS is twice the proportion in the national average. </a:t>
+            </a:r>
+          </a:p>
+          <a:p>
+            <a:endParaRPr lang="en-US" altLang="zh-CN" sz="1200" dirty="0">
+              <a:solidFill>
+                <a:srgbClr val="4A4A4A"/>
+              </a:solidFill>
+              <a:latin typeface="ITC Officina Sans Std Book" panose="020B0506040203020204" pitchFamily="34" charset="0"/>
+            </a:endParaRPr>
+          </a:p>
+          <a:p>
+            <a:r>
+              <a:rPr lang="en-US" altLang="zh-CN" sz="1200" b="1" u="sng" dirty="0">
+                <a:solidFill>
+                  <a:srgbClr val="4A4A4A"/>
+                </a:solidFill>
+                <a:latin typeface="ITC Officina Sans Std Book" panose="020B0506040203020204" pitchFamily="34" charset="0"/>
+              </a:rPr>
+              <a:t>Takeaways</a:t>
+            </a:r>
+          </a:p>
+          <a:p>
+            <a:endParaRPr lang="en-US" altLang="zh-CN" sz="1200" b="1" u="sng" dirty="0">
+              <a:solidFill>
+                <a:srgbClr val="4A4A4A"/>
+              </a:solidFill>
+              <a:latin typeface="ITC Officina Sans Std Book" panose="020B0506040203020204" pitchFamily="34" charset="0"/>
+            </a:endParaRPr>
+          </a:p>
+          <a:p>
+            <a:pPr marL="171450" indent="-171450">
+              <a:buFont typeface="Arial" panose="020B0604020202020204" pitchFamily="34" charset="0"/>
+              <a:buChar char="•"/>
+            </a:pPr>
+            <a:r>
+              <a:rPr lang="en-US" altLang="zh-CN" sz="1200" dirty="0">
+                <a:solidFill>
+                  <a:srgbClr val="4A4A4A"/>
+                </a:solidFill>
+                <a:latin typeface="ITC Officina Sans Std Book" panose="020B0506040203020204" pitchFamily="34" charset="0"/>
+              </a:rPr>
+              <a:t>Minor racial disparity detected in advanced math enrollment rate. Superior performances of CPS in related to the national average.  </a:t>
+            </a:r>
+          </a:p>
+          <a:p>
+            <a:pPr marL="171450" indent="-171450">
+              <a:buFont typeface="Arial" panose="020B0604020202020204" pitchFamily="34" charset="0"/>
+              <a:buChar char="•"/>
+            </a:pPr>
+            <a:endParaRPr lang="en-US" altLang="zh-CN" sz="1200" dirty="0">
+              <a:solidFill>
+                <a:srgbClr val="4A4A4A"/>
+              </a:solidFill>
+              <a:latin typeface="ITC Officina Sans Std Book" panose="020B0506040203020204" pitchFamily="34" charset="0"/>
+            </a:endParaRPr>
+          </a:p>
+        </p:txBody>
+      </p:sp>
     </p:spTree>
     <p:extLst>
       <p:ext uri="{BB962C8B-B14F-4D97-AF65-F5344CB8AC3E}">
-        <p14:creationId xmlns:p14="http://schemas.microsoft.com/office/powerpoint/2010/main" val="2498115387"/>
+        <p14:creationId xmlns:p14="http://schemas.microsoft.com/office/powerpoint/2010/main" val="3227477034"/>
       </p:ext>
     </p:extLst>
   </p:cSld>
@@ -38493,44 +38843,7 @@
                 </a:solidFill>
                 <a:latin typeface="Times LT Std" panose="02020603050405020304" pitchFamily="18" charset="0"/>
               </a:rPr>
-              <a:t>Contents</a:t>
-            </a:r>
-          </a:p>
-          <a:p>
-            <a:endParaRPr lang="en-US" altLang="zh-CN" sz="4000" dirty="0">
-              <a:solidFill>
-                <a:schemeClr val="tx2"/>
-              </a:solidFill>
-              <a:latin typeface="Times LT Std" panose="02020603050405020304" pitchFamily="18" charset="0"/>
-            </a:endParaRPr>
-          </a:p>
-          <a:p>
-            <a:r>
-              <a:rPr lang="en-US" altLang="zh-CN" sz="2800" dirty="0">
-                <a:solidFill>
-                  <a:schemeClr val="tx2"/>
-                </a:solidFill>
-                <a:latin typeface="Times LT Std" panose="02020603050405020304" pitchFamily="18" charset="0"/>
-              </a:rPr>
-              <a:t>2</a:t>
-            </a:r>
-            <a:r>
-              <a:rPr lang="en-US" altLang="zh-CN" sz="2800" baseline="30000" dirty="0">
-                <a:solidFill>
-                  <a:schemeClr val="tx2"/>
-                </a:solidFill>
-                <a:latin typeface="Times LT Std" panose="02020603050405020304" pitchFamily="18" charset="0"/>
-              </a:rPr>
-              <a:t>nd</a:t>
-            </a:r>
-            <a:r>
-              <a:rPr lang="en-US" altLang="zh-CN" sz="2800" dirty="0">
-                <a:solidFill>
-                  <a:schemeClr val="tx2"/>
-                </a:solidFill>
-                <a:latin typeface="Times LT Std" panose="02020603050405020304" pitchFamily="18" charset="0"/>
-              </a:rPr>
-              <a:t> Layer Deep Diving Plots</a:t>
+              <a:t>K8</a:t>
             </a:r>
           </a:p>
         </p:txBody>
@@ -38538,7 +38851,7 @@
     </p:spTree>
     <p:extLst>
       <p:ext uri="{BB962C8B-B14F-4D97-AF65-F5344CB8AC3E}">
-        <p14:creationId xmlns:p14="http://schemas.microsoft.com/office/powerpoint/2010/main" val="3613679126"/>
+        <p14:creationId xmlns:p14="http://schemas.microsoft.com/office/powerpoint/2010/main" val="4012270082"/>
       </p:ext>
     </p:extLst>
   </p:cSld>
@@ -38549,213 +38862,6 @@
 </file>
 
 <file path=ppt/slides/slide20.xml><?xml version="1.0" encoding="utf-8"?>
-<p:sld xmlns:a="http://schemas.openxmlformats.org/drawingml/2006/main" xmlns:r="http://schemas.openxmlformats.org/officeDocument/2006/relationships" xmlns:p="http://schemas.openxmlformats.org/presentationml/2006/main">
-  <p:cSld>
-    <p:spTree>
-      <p:nvGrpSpPr>
-        <p:cNvPr id="1" name=""/>
-        <p:cNvGrpSpPr/>
-        <p:nvPr/>
-      </p:nvGrpSpPr>
-      <p:grpSpPr>
-        <a:xfrm>
-          <a:off x="0" y="0"/>
-          <a:ext cx="0" cy="0"/>
-          <a:chOff x="0" y="0"/>
-          <a:chExt cx="0" cy="0"/>
-        </a:xfrm>
-      </p:grpSpPr>
-      <p:sp>
-        <p:nvSpPr>
-          <p:cNvPr id="21" name="Rectangle 20">
-            <a:extLst>
-              <a:ext uri="{FF2B5EF4-FFF2-40B4-BE49-F238E27FC236}">
-                <a16:creationId xmlns:a16="http://schemas.microsoft.com/office/drawing/2014/main" id="{A0E89330-BF24-10DF-6DD2-AFCB879D19CF}"/>
-              </a:ext>
-            </a:extLst>
-          </p:cNvPr>
-          <p:cNvSpPr/>
-          <p:nvPr/>
-        </p:nvSpPr>
-        <p:spPr>
-          <a:xfrm>
-            <a:off x="-10972800" y="-6607277"/>
-            <a:ext cx="34275252" cy="22152077"/>
-          </a:xfrm>
-          <a:prstGeom prst="rect">
-            <a:avLst/>
-          </a:prstGeom>
-          <a:noFill/>
-        </p:spPr>
-        <p:style>
-          <a:lnRef idx="2">
-            <a:schemeClr val="accent1">
-              <a:shade val="50000"/>
-            </a:schemeClr>
-          </a:lnRef>
-          <a:fillRef idx="1">
-            <a:schemeClr val="accent1"/>
-          </a:fillRef>
-          <a:effectRef idx="0">
-            <a:schemeClr val="accent1"/>
-          </a:effectRef>
-          <a:fontRef idx="minor">
-            <a:schemeClr val="lt1"/>
-          </a:fontRef>
-        </p:style>
-        <p:txBody>
-          <a:bodyPr rtlCol="0" anchor="ctr"/>
-          <a:lstStyle/>
-          <a:p>
-            <a:pPr algn="ctr"/>
-            <a:endParaRPr lang="zh-CN" altLang="en-US"/>
-          </a:p>
-        </p:txBody>
-      </p:sp>
-      <p:sp>
-        <p:nvSpPr>
-          <p:cNvPr id="123" name="TextBox 122">
-            <a:extLst>
-              <a:ext uri="{FF2B5EF4-FFF2-40B4-BE49-F238E27FC236}">
-                <a16:creationId xmlns:a16="http://schemas.microsoft.com/office/drawing/2014/main" id="{B25ED610-FF94-E2C3-7DD6-3B6727C66CCC}"/>
-              </a:ext>
-            </a:extLst>
-          </p:cNvPr>
-          <p:cNvSpPr txBox="1"/>
-          <p:nvPr/>
-        </p:nvSpPr>
-        <p:spPr>
-          <a:xfrm>
-            <a:off x="510556" y="386396"/>
-            <a:ext cx="11170886" cy="1785104"/>
-          </a:xfrm>
-          <a:prstGeom prst="rect">
-            <a:avLst/>
-          </a:prstGeom>
-          <a:noFill/>
-        </p:spPr>
-        <p:txBody>
-          <a:bodyPr wrap="square" rtlCol="0">
-            <a:spAutoFit/>
-          </a:bodyPr>
-          <a:lstStyle/>
-          <a:p>
-            <a:r>
-              <a:rPr lang="en-US" altLang="zh-CN" sz="2000" dirty="0">
-                <a:solidFill>
-                  <a:srgbClr val="FF0000"/>
-                </a:solidFill>
-                <a:latin typeface="Antique Olive Std Compact" panose="020B0904030504040204" pitchFamily="34" charset="0"/>
-                <a:ea typeface="Tahoma" panose="020B0604030504040204" pitchFamily="34" charset="0"/>
-                <a:cs typeface="Tahoma" panose="020B0604030504040204" pitchFamily="34" charset="0"/>
-              </a:rPr>
-              <a:t>ACCESS </a:t>
-            </a:r>
-            <a:r>
-              <a:rPr lang="en-US" altLang="zh-CN" sz="2000" dirty="0">
-                <a:solidFill>
-                  <a:schemeClr val="tx2"/>
-                </a:solidFill>
-                <a:latin typeface="Antique Olive Std Compact" panose="020B0904030504040204" pitchFamily="34" charset="0"/>
-                <a:ea typeface="Tahoma" panose="020B0604030504040204" pitchFamily="34" charset="0"/>
-                <a:cs typeface="Tahoma" panose="020B0604030504040204" pitchFamily="34" charset="0"/>
-              </a:rPr>
-              <a:t>: Advanced Math Enrollment</a:t>
-            </a:r>
-          </a:p>
-          <a:p>
-            <a:r>
-              <a:rPr lang="en-US" altLang="zh-CN" dirty="0">
-                <a:solidFill>
-                  <a:srgbClr val="4A4A4A"/>
-                </a:solidFill>
-                <a:latin typeface="ITC Officina Sans Std Book" panose="020B0506040203020204" pitchFamily="34" charset="0"/>
-              </a:rPr>
-              <a:t>The proportion of CPS SAT takers exceeding standards by race/ethnicity</a:t>
-            </a:r>
-          </a:p>
-          <a:p>
-            <a:endParaRPr lang="en-US" altLang="zh-CN" dirty="0">
-              <a:solidFill>
-                <a:srgbClr val="4A4A4A"/>
-              </a:solidFill>
-              <a:latin typeface="ITC Officina Sans Std Book" panose="020B0506040203020204" pitchFamily="34" charset="0"/>
-            </a:endParaRPr>
-          </a:p>
-          <a:p>
-            <a:r>
-              <a:rPr lang="en-US" altLang="zh-CN" sz="1800" dirty="0">
-                <a:solidFill>
-                  <a:srgbClr val="4A4A4A"/>
-                </a:solidFill>
-                <a:latin typeface="ITC Officina Sans Std Book" panose="020B0506040203020204" pitchFamily="34" charset="0"/>
-              </a:rPr>
-              <a:t>Adv. Math enrollment CHI / Total HS students CHI</a:t>
-            </a:r>
-          </a:p>
-          <a:p>
-            <a:r>
-              <a:rPr lang="en-US" altLang="zh-CN" sz="1800" dirty="0">
-                <a:solidFill>
-                  <a:srgbClr val="4A4A4A"/>
-                </a:solidFill>
-                <a:latin typeface="ITC Officina Sans Std Book" panose="020B0506040203020204" pitchFamily="34" charset="0"/>
-              </a:rPr>
-              <a:t>Vs. Adv. Math enrollment US / Total HS students US</a:t>
-            </a:r>
-          </a:p>
-          <a:p>
-            <a:endParaRPr lang="zh-CN" altLang="en-US" dirty="0">
-              <a:solidFill>
-                <a:srgbClr val="4A4A4A"/>
-              </a:solidFill>
-              <a:latin typeface="ITC Officina Sans Std Book" panose="020B0506040203020204" pitchFamily="34" charset="0"/>
-            </a:endParaRPr>
-          </a:p>
-        </p:txBody>
-      </p:sp>
-      <p:graphicFrame>
-        <p:nvGraphicFramePr>
-          <p:cNvPr id="4" name="Chart 3">
-            <a:extLst>
-              <a:ext uri="{FF2B5EF4-FFF2-40B4-BE49-F238E27FC236}">
-                <a16:creationId xmlns:a16="http://schemas.microsoft.com/office/drawing/2014/main" id="{7A1C0F42-6E32-6728-D13D-4BD30BBD2914}"/>
-              </a:ext>
-            </a:extLst>
-          </p:cNvPr>
-          <p:cNvGraphicFramePr/>
-          <p:nvPr>
-            <p:extLst>
-              <p:ext uri="{D42A27DB-BD31-4B8C-83A1-F6EECF244321}">
-                <p14:modId xmlns:p14="http://schemas.microsoft.com/office/powerpoint/2010/main" val="697330640"/>
-              </p:ext>
-            </p:extLst>
-          </p:nvPr>
-        </p:nvGraphicFramePr>
-        <p:xfrm>
-          <a:off x="5115184" y="2190550"/>
-          <a:ext cx="6124316" cy="4210250"/>
-        </p:xfrm>
-        <a:graphic>
-          <a:graphicData uri="http://schemas.openxmlformats.org/drawingml/2006/chart">
-            <c:chart xmlns:c="http://schemas.openxmlformats.org/drawingml/2006/chart" xmlns:r="http://schemas.openxmlformats.org/officeDocument/2006/relationships" r:id="rId2"/>
-          </a:graphicData>
-        </a:graphic>
-      </p:graphicFrame>
-    </p:spTree>
-    <p:extLst>
-      <p:ext uri="{BB962C8B-B14F-4D97-AF65-F5344CB8AC3E}">
-        <p14:creationId xmlns:p14="http://schemas.microsoft.com/office/powerpoint/2010/main" val="3227477034"/>
-      </p:ext>
-    </p:extLst>
-  </p:cSld>
-  <p:clrMapOvr>
-    <a:masterClrMapping/>
-  </p:clrMapOvr>
-</p:sld>
-</file>
-
-<file path=ppt/slides/slide21.xml><?xml version="1.0" encoding="utf-8"?>
 <p:sld xmlns:a="http://schemas.openxmlformats.org/drawingml/2006/main" xmlns:r="http://schemas.openxmlformats.org/officeDocument/2006/relationships" xmlns:p="http://schemas.openxmlformats.org/presentationml/2006/main">
   <p:cSld>
     <p:spTree>
@@ -38885,6 +38991,211 @@
     <p:extLst>
       <p:ext uri="{BB962C8B-B14F-4D97-AF65-F5344CB8AC3E}">
         <p14:creationId xmlns:p14="http://schemas.microsoft.com/office/powerpoint/2010/main" val="4156882359"/>
+      </p:ext>
+    </p:extLst>
+  </p:cSld>
+  <p:clrMapOvr>
+    <a:masterClrMapping/>
+  </p:clrMapOvr>
+</p:sld>
+</file>
+
+<file path=ppt/slides/slide21.xml><?xml version="1.0" encoding="utf-8"?>
+<p:sld xmlns:a="http://schemas.openxmlformats.org/drawingml/2006/main" xmlns:r="http://schemas.openxmlformats.org/officeDocument/2006/relationships" xmlns:p="http://schemas.openxmlformats.org/presentationml/2006/main">
+  <p:cSld>
+    <p:spTree>
+      <p:nvGrpSpPr>
+        <p:cNvPr id="1" name=""/>
+        <p:cNvGrpSpPr/>
+        <p:nvPr/>
+      </p:nvGrpSpPr>
+      <p:grpSpPr>
+        <a:xfrm>
+          <a:off x="0" y="0"/>
+          <a:ext cx="0" cy="0"/>
+          <a:chOff x="0" y="0"/>
+          <a:chExt cx="0" cy="0"/>
+        </a:xfrm>
+      </p:grpSpPr>
+      <p:sp>
+        <p:nvSpPr>
+          <p:cNvPr id="21" name="Rectangle 20">
+            <a:extLst>
+              <a:ext uri="{FF2B5EF4-FFF2-40B4-BE49-F238E27FC236}">
+                <a16:creationId xmlns:a16="http://schemas.microsoft.com/office/drawing/2014/main" id="{A0E89330-BF24-10DF-6DD2-AFCB879D19CF}"/>
+              </a:ext>
+            </a:extLst>
+          </p:cNvPr>
+          <p:cNvSpPr/>
+          <p:nvPr/>
+        </p:nvSpPr>
+        <p:spPr>
+          <a:xfrm>
+            <a:off x="-10972800" y="-6607277"/>
+            <a:ext cx="34275252" cy="22152077"/>
+          </a:xfrm>
+          <a:prstGeom prst="rect">
+            <a:avLst/>
+          </a:prstGeom>
+          <a:noFill/>
+        </p:spPr>
+        <p:style>
+          <a:lnRef idx="2">
+            <a:schemeClr val="accent1">
+              <a:shade val="50000"/>
+            </a:schemeClr>
+          </a:lnRef>
+          <a:fillRef idx="1">
+            <a:schemeClr val="accent1"/>
+          </a:fillRef>
+          <a:effectRef idx="0">
+            <a:schemeClr val="accent1"/>
+          </a:effectRef>
+          <a:fontRef idx="minor">
+            <a:schemeClr val="lt1"/>
+          </a:fontRef>
+        </p:style>
+        <p:txBody>
+          <a:bodyPr rtlCol="0" anchor="ctr"/>
+          <a:lstStyle/>
+          <a:p>
+            <a:pPr algn="ctr"/>
+            <a:endParaRPr lang="zh-CN" altLang="en-US"/>
+          </a:p>
+        </p:txBody>
+      </p:sp>
+      <p:sp>
+        <p:nvSpPr>
+          <p:cNvPr id="123" name="TextBox 122">
+            <a:extLst>
+              <a:ext uri="{FF2B5EF4-FFF2-40B4-BE49-F238E27FC236}">
+                <a16:creationId xmlns:a16="http://schemas.microsoft.com/office/drawing/2014/main" id="{B25ED610-FF94-E2C3-7DD6-3B6727C66CCC}"/>
+              </a:ext>
+            </a:extLst>
+          </p:cNvPr>
+          <p:cNvSpPr txBox="1"/>
+          <p:nvPr/>
+        </p:nvSpPr>
+        <p:spPr>
+          <a:xfrm>
+            <a:off x="510556" y="386396"/>
+            <a:ext cx="11170886" cy="1508105"/>
+          </a:xfrm>
+          <a:prstGeom prst="rect">
+            <a:avLst/>
+          </a:prstGeom>
+          <a:noFill/>
+        </p:spPr>
+        <p:txBody>
+          <a:bodyPr wrap="square" rtlCol="0">
+            <a:spAutoFit/>
+          </a:bodyPr>
+          <a:lstStyle/>
+          <a:p>
+            <a:r>
+              <a:rPr lang="en-US" altLang="zh-CN" sz="2000" dirty="0">
+                <a:solidFill>
+                  <a:srgbClr val="FF0000"/>
+                </a:solidFill>
+                <a:latin typeface="Antique Olive Std Compact" panose="020B0904030504040204" pitchFamily="34" charset="0"/>
+                <a:ea typeface="Tahoma" panose="020B0604030504040204" pitchFamily="34" charset="0"/>
+                <a:cs typeface="Tahoma" panose="020B0604030504040204" pitchFamily="34" charset="0"/>
+              </a:rPr>
+              <a:t>Proficiency</a:t>
+            </a:r>
+            <a:r>
+              <a:rPr lang="en-US" altLang="zh-CN" sz="2000" dirty="0">
+                <a:solidFill>
+                  <a:schemeClr val="tx2"/>
+                </a:solidFill>
+                <a:latin typeface="Antique Olive Std Compact" panose="020B0904030504040204" pitchFamily="34" charset="0"/>
+                <a:ea typeface="Tahoma" panose="020B0604030504040204" pitchFamily="34" charset="0"/>
+                <a:cs typeface="Tahoma" panose="020B0604030504040204" pitchFamily="34" charset="0"/>
+              </a:rPr>
+              <a:t>: Illinois CS/Computing Degree Persistence</a:t>
+            </a:r>
+          </a:p>
+          <a:p>
+            <a:r>
+              <a:rPr lang="en-US" altLang="zh-CN" dirty="0">
+                <a:solidFill>
+                  <a:srgbClr val="4A4A4A"/>
+                </a:solidFill>
+                <a:latin typeface="ITC Officina Sans Std Book" panose="020B0506040203020204" pitchFamily="34" charset="0"/>
+              </a:rPr>
+              <a:t>The proportion of Illinois college students that enrolled and obtained a CS/Computing degree by race/ethnicity</a:t>
+            </a:r>
+          </a:p>
+          <a:p>
+            <a:endParaRPr lang="en-US" altLang="zh-CN" dirty="0">
+              <a:solidFill>
+                <a:srgbClr val="4A4A4A"/>
+              </a:solidFill>
+              <a:latin typeface="ITC Officina Sans Std Book" panose="020B0506040203020204" pitchFamily="34" charset="0"/>
+            </a:endParaRPr>
+          </a:p>
+          <a:p>
+            <a:r>
+              <a:rPr lang="en-US" altLang="zh-CN" sz="1800" dirty="0">
+                <a:solidFill>
+                  <a:srgbClr val="4A4A4A"/>
+                </a:solidFill>
+                <a:latin typeface="ITC Officina Sans Std Book" panose="020B0506040203020204" pitchFamily="34" charset="0"/>
+              </a:rPr>
+              <a:t>CS Conferral IL / Total CS Enrollment IL</a:t>
+            </a:r>
+          </a:p>
+          <a:p>
+            <a:r>
+              <a:rPr lang="en-US" altLang="zh-CN" sz="1800" dirty="0">
+                <a:solidFill>
+                  <a:srgbClr val="4A4A4A"/>
+                </a:solidFill>
+                <a:latin typeface="ITC Officina Sans Std Book" panose="020B0506040203020204" pitchFamily="34" charset="0"/>
+              </a:rPr>
+              <a:t>Vs. CS Conferral US / Total CS Enrollment US</a:t>
+            </a:r>
+            <a:endParaRPr lang="zh-CN" altLang="en-US" dirty="0">
+              <a:solidFill>
+                <a:srgbClr val="4A4A4A"/>
+              </a:solidFill>
+              <a:latin typeface="ITC Officina Sans Std Book" panose="020B0506040203020204" pitchFamily="34" charset="0"/>
+            </a:endParaRPr>
+          </a:p>
+        </p:txBody>
+      </p:sp>
+      <p:graphicFrame>
+        <p:nvGraphicFramePr>
+          <p:cNvPr id="7" name="Chart 6">
+            <a:extLst>
+              <a:ext uri="{FF2B5EF4-FFF2-40B4-BE49-F238E27FC236}">
+                <a16:creationId xmlns:a16="http://schemas.microsoft.com/office/drawing/2014/main" id="{67DE69A8-DEAD-4D7D-F765-D69BAADC5792}"/>
+              </a:ext>
+            </a:extLst>
+          </p:cNvPr>
+          <p:cNvGraphicFramePr/>
+          <p:nvPr>
+            <p:extLst>
+              <p:ext uri="{D42A27DB-BD31-4B8C-83A1-F6EECF244321}">
+                <p14:modId xmlns:p14="http://schemas.microsoft.com/office/powerpoint/2010/main" val="955919650"/>
+              </p:ext>
+            </p:extLst>
+          </p:nvPr>
+        </p:nvGraphicFramePr>
+        <p:xfrm>
+          <a:off x="5120116" y="2176020"/>
+          <a:ext cx="6137656" cy="4224780"/>
+        </p:xfrm>
+        <a:graphic>
+          <a:graphicData uri="http://schemas.openxmlformats.org/drawingml/2006/chart">
+            <c:chart xmlns:c="http://schemas.openxmlformats.org/drawingml/2006/chart" xmlns:r="http://schemas.openxmlformats.org/officeDocument/2006/relationships" r:id="rId2"/>
+          </a:graphicData>
+        </a:graphic>
+      </p:graphicFrame>
+    </p:spTree>
+    <p:extLst>
+      <p:ext uri="{BB962C8B-B14F-4D97-AF65-F5344CB8AC3E}">
+        <p14:creationId xmlns:p14="http://schemas.microsoft.com/office/powerpoint/2010/main" val="1050237411"/>
       </p:ext>
     </p:extLst>
   </p:cSld>
@@ -39006,7 +39317,7 @@
                 <a:ea typeface="Tahoma" panose="020B0604030504040204" pitchFamily="34" charset="0"/>
                 <a:cs typeface="Tahoma" panose="020B0604030504040204" pitchFamily="34" charset="0"/>
               </a:rPr>
-              <a:t>: Illinois CS/Computing Degree Persistence</a:t>
+              <a:t>: Illinois CS/Computing Degree Conferral </a:t>
             </a:r>
           </a:p>
           <a:p>
@@ -39017,7 +39328,7 @@
                 </a:solidFill>
                 <a:latin typeface="ITC Officina Sans Std Book" panose="020B0506040203020204" pitchFamily="34" charset="0"/>
               </a:rPr>
-              <a:t>The proportion of Illinois college students that enrolled and obtained a CS/Computing degree by race/ethnicity</a:t>
+              <a:t>The proportion of Illinois degrees conferred that are CS/Computing degrees by race/ethnicity</a:t>
             </a:r>
           </a:p>
           <a:p>
@@ -39036,7 +39347,7 @@
                 </a:solidFill>
                 <a:latin typeface="ITC Officina Sans Std Book" panose="020B0506040203020204" pitchFamily="34" charset="0"/>
               </a:rPr>
-              <a:t>CS Conferral IL / Total CS Enrollment IL</a:t>
+              <a:t>CS Conferral IL / Total Degree Conferral IL</a:t>
             </a:r>
           </a:p>
           <a:p>
@@ -39047,23 +39358,17 @@
                 </a:solidFill>
                 <a:latin typeface="ITC Officina Sans Std Book" panose="020B0506040203020204" pitchFamily="34" charset="0"/>
               </a:rPr>
-              <a:t>Vs. CS Conferral US / Total CS Enrollment US</a:t>
+              <a:t>Vs. CS Conferral US / Total Degree Conferral US</a:t>
             </a:r>
-            <a:endParaRPr lang="zh-CN" altLang="en-US" dirty="0">
-              <a:solidFill>
-                <a:srgbClr val="4A4A4A"/>
-              </a:solidFill>
-              <a:latin typeface="ITC Officina Sans Std Book" panose="020B0506040203020204" pitchFamily="34" charset="0"/>
-            </a:endParaRPr>
           </a:p>
         </p:txBody>
       </p:sp>
       <p:graphicFrame>
         <p:nvGraphicFramePr>
-          <p:cNvPr id="7" name="Chart 6">
+          <p:cNvPr id="4" name="Chart 3">
             <a:extLst>
               <a:ext uri="{FF2B5EF4-FFF2-40B4-BE49-F238E27FC236}">
-                <a16:creationId xmlns:a16="http://schemas.microsoft.com/office/drawing/2014/main" id="{67DE69A8-DEAD-4D7D-F765-D69BAADC5792}"/>
+                <a16:creationId xmlns:a16="http://schemas.microsoft.com/office/drawing/2014/main" id="{CF10A85A-6352-74E3-A66F-36E7B908A41A}"/>
               </a:ext>
             </a:extLst>
           </p:cNvPr>
@@ -39071,14 +39376,14 @@
           <p:nvPr>
             <p:extLst>
               <p:ext uri="{D42A27DB-BD31-4B8C-83A1-F6EECF244321}">
-                <p14:modId xmlns:p14="http://schemas.microsoft.com/office/powerpoint/2010/main" val="955919650"/>
+                <p14:modId xmlns:p14="http://schemas.microsoft.com/office/powerpoint/2010/main" val="1747211405"/>
               </p:ext>
             </p:extLst>
           </p:nvPr>
         </p:nvGraphicFramePr>
         <p:xfrm>
-          <a:off x="5120116" y="2176020"/>
-          <a:ext cx="6137656" cy="4224780"/>
+          <a:off x="5120895" y="2186180"/>
+          <a:ext cx="6109079" cy="4214620"/>
         </p:xfrm>
         <a:graphic>
           <a:graphicData uri="http://schemas.openxmlformats.org/drawingml/2006/chart">
@@ -39089,7 +39394,7 @@
     </p:spTree>
     <p:extLst>
       <p:ext uri="{BB962C8B-B14F-4D97-AF65-F5344CB8AC3E}">
-        <p14:creationId xmlns:p14="http://schemas.microsoft.com/office/powerpoint/2010/main" val="1050237411"/>
+        <p14:creationId xmlns:p14="http://schemas.microsoft.com/office/powerpoint/2010/main" val="4089553648"/>
       </p:ext>
     </p:extLst>
   </p:cSld>
@@ -39178,7 +39483,7 @@
         <p:spPr>
           <a:xfrm>
             <a:off x="510556" y="386396"/>
-            <a:ext cx="11170886" cy="1508105"/>
+            <a:ext cx="11532092" cy="1508105"/>
           </a:xfrm>
           <a:prstGeom prst="rect">
             <a:avLst/>
@@ -39200,7 +39505,7 @@
                 <a:ea typeface="Tahoma" panose="020B0604030504040204" pitchFamily="34" charset="0"/>
                 <a:cs typeface="Tahoma" panose="020B0604030504040204" pitchFamily="34" charset="0"/>
               </a:rPr>
-              <a:t>Proficiency</a:t>
+              <a:t>Excellence</a:t>
             </a:r>
             <a:r>
               <a:rPr lang="en-US" altLang="zh-CN" sz="2000" dirty="0">
@@ -39211,7 +39516,7 @@
                 <a:ea typeface="Tahoma" panose="020B0604030504040204" pitchFamily="34" charset="0"/>
                 <a:cs typeface="Tahoma" panose="020B0604030504040204" pitchFamily="34" charset="0"/>
               </a:rPr>
-              <a:t>: Illinois CS/Computing Degree Conferral </a:t>
+              <a:t>: Illinois CS/Computing Degree Enrollment for Top 3 </a:t>
             </a:r>
           </a:p>
           <a:p>
@@ -39222,7 +39527,7 @@
                 </a:solidFill>
                 <a:latin typeface="ITC Officina Sans Std Book" panose="020B0506040203020204" pitchFamily="34" charset="0"/>
               </a:rPr>
-              <a:t>The proportion of Illinois degrees conferred that are CS/Computing degrees by race/ethnicity</a:t>
+              <a:t>The proportion of college students enrolled into a CS/Computing degree at a top 3 Illinois university by race/ethnicity</a:t>
             </a:r>
           </a:p>
           <a:p>
@@ -39241,7 +39546,7 @@
                 </a:solidFill>
                 <a:latin typeface="ITC Officina Sans Std Book" panose="020B0506040203020204" pitchFamily="34" charset="0"/>
               </a:rPr>
-              <a:t>CS Conferral IL / Total Degree Conferral IL</a:t>
+              <a:t>CS Enroll IL / Total Enroll IL</a:t>
             </a:r>
           </a:p>
           <a:p>
@@ -39252,7 +39557,7 @@
                 </a:solidFill>
                 <a:latin typeface="ITC Officina Sans Std Book" panose="020B0506040203020204" pitchFamily="34" charset="0"/>
               </a:rPr>
-              <a:t>Vs. CS Conferral US / Total Degree Conferral US</a:t>
+              <a:t>Vs. CS Enroll US / Total Enroll US</a:t>
             </a:r>
           </a:p>
         </p:txBody>
@@ -39262,7 +39567,7 @@
           <p:cNvPr id="4" name="Chart 3">
             <a:extLst>
               <a:ext uri="{FF2B5EF4-FFF2-40B4-BE49-F238E27FC236}">
-                <a16:creationId xmlns:a16="http://schemas.microsoft.com/office/drawing/2014/main" id="{CF10A85A-6352-74E3-A66F-36E7B908A41A}"/>
+                <a16:creationId xmlns:a16="http://schemas.microsoft.com/office/drawing/2014/main" id="{2F0D4F58-6A3C-FA7F-1B76-A342D6DA4FA4}"/>
               </a:ext>
             </a:extLst>
           </p:cNvPr>
@@ -39270,14 +39575,14 @@
           <p:nvPr>
             <p:extLst>
               <p:ext uri="{D42A27DB-BD31-4B8C-83A1-F6EECF244321}">
-                <p14:modId xmlns:p14="http://schemas.microsoft.com/office/powerpoint/2010/main" val="1747211405"/>
+                <p14:modId xmlns:p14="http://schemas.microsoft.com/office/powerpoint/2010/main" val="991916957"/>
               </p:ext>
             </p:extLst>
           </p:nvPr>
         </p:nvGraphicFramePr>
         <p:xfrm>
-          <a:off x="5120895" y="2186180"/>
-          <a:ext cx="6109079" cy="4214620"/>
+          <a:off x="5108575" y="2196979"/>
+          <a:ext cx="6111875" cy="4194296"/>
         </p:xfrm>
         <a:graphic>
           <a:graphicData uri="http://schemas.openxmlformats.org/drawingml/2006/chart">
@@ -39288,7 +39593,7 @@
     </p:spTree>
     <p:extLst>
       <p:ext uri="{BB962C8B-B14F-4D97-AF65-F5344CB8AC3E}">
-        <p14:creationId xmlns:p14="http://schemas.microsoft.com/office/powerpoint/2010/main" val="4089553648"/>
+        <p14:creationId xmlns:p14="http://schemas.microsoft.com/office/powerpoint/2010/main" val="3406159454"/>
       </p:ext>
     </p:extLst>
   </p:cSld>
@@ -39376,8 +39681,8 @@
         </p:nvSpPr>
         <p:spPr>
           <a:xfrm>
-            <a:off x="510556" y="386396"/>
-            <a:ext cx="11532092" cy="1508105"/>
+            <a:off x="510557" y="395921"/>
+            <a:ext cx="11170886" cy="2062103"/>
           </a:xfrm>
           <a:prstGeom prst="rect">
             <a:avLst/>
@@ -39410,7 +39715,7 @@
                 <a:ea typeface="Tahoma" panose="020B0604030504040204" pitchFamily="34" charset="0"/>
                 <a:cs typeface="Tahoma" panose="020B0604030504040204" pitchFamily="34" charset="0"/>
               </a:rPr>
-              <a:t>: Illinois CS/Computing Degree Enrollment for Top 3 </a:t>
+              <a:t>: Illinois CS/Computing Degree Persistence for Top 3 </a:t>
             </a:r>
           </a:p>
           <a:p>
@@ -39421,7 +39726,7 @@
                 </a:solidFill>
                 <a:latin typeface="ITC Officina Sans Std Book" panose="020B0506040203020204" pitchFamily="34" charset="0"/>
               </a:rPr>
-              <a:t>The proportion of college students enrolled into a CS/Computing degree at a top 3 Illinois university by race/ethnicity</a:t>
+              <a:t>The proportion of college students that enrolled in a top 3 Illinois university and obtained a CS/Computing degree by race/ethnicity</a:t>
             </a:r>
           </a:p>
           <a:p>
@@ -39440,7 +39745,7 @@
                 </a:solidFill>
                 <a:latin typeface="ITC Officina Sans Std Book" panose="020B0506040203020204" pitchFamily="34" charset="0"/>
               </a:rPr>
-              <a:t>CS Enroll IL / Total Enroll IL</a:t>
+              <a:t>Top 3 CS Conferral IL / Top 3 Total CS Enrollment IL </a:t>
             </a:r>
           </a:p>
           <a:p>
@@ -39451,8 +39756,16 @@
                 </a:solidFill>
                 <a:latin typeface="ITC Officina Sans Std Book" panose="020B0506040203020204" pitchFamily="34" charset="0"/>
               </a:rPr>
-              <a:t>Vs. CS Enroll US / Total Enroll US</a:t>
+              <a:t>Vs. Top 3 CS Conferral US / Top 3 Total CS Enrollment US</a:t>
             </a:r>
+          </a:p>
+          <a:p>
+            <a:endParaRPr lang="zh-CN" altLang="en-US" dirty="0">
+              <a:solidFill>
+                <a:srgbClr val="4A4A4A"/>
+              </a:solidFill>
+              <a:latin typeface="ITC Officina Sans Std Book" panose="020B0506040203020204" pitchFamily="34" charset="0"/>
+            </a:endParaRPr>
           </a:p>
         </p:txBody>
       </p:sp>
@@ -39461,7 +39774,7 @@
           <p:cNvPr id="4" name="Chart 3">
             <a:extLst>
               <a:ext uri="{FF2B5EF4-FFF2-40B4-BE49-F238E27FC236}">
-                <a16:creationId xmlns:a16="http://schemas.microsoft.com/office/drawing/2014/main" id="{2F0D4F58-6A3C-FA7F-1B76-A342D6DA4FA4}"/>
+                <a16:creationId xmlns:a16="http://schemas.microsoft.com/office/drawing/2014/main" id="{87B8D90C-4A7F-179D-5275-72AC17EDCE38}"/>
               </a:ext>
             </a:extLst>
           </p:cNvPr>
@@ -39469,14 +39782,14 @@
           <p:nvPr>
             <p:extLst>
               <p:ext uri="{D42A27DB-BD31-4B8C-83A1-F6EECF244321}">
-                <p14:modId xmlns:p14="http://schemas.microsoft.com/office/powerpoint/2010/main" val="991916957"/>
+                <p14:modId xmlns:p14="http://schemas.microsoft.com/office/powerpoint/2010/main" val="630067732"/>
               </p:ext>
             </p:extLst>
           </p:nvPr>
         </p:nvGraphicFramePr>
         <p:xfrm>
-          <a:off x="5108575" y="2196979"/>
-          <a:ext cx="6111875" cy="4194296"/>
+          <a:off x="5127625" y="2197577"/>
+          <a:ext cx="6111875" cy="4264502"/>
         </p:xfrm>
         <a:graphic>
           <a:graphicData uri="http://schemas.openxmlformats.org/drawingml/2006/chart">
@@ -39487,7 +39800,7 @@
     </p:spTree>
     <p:extLst>
       <p:ext uri="{BB962C8B-B14F-4D97-AF65-F5344CB8AC3E}">
-        <p14:creationId xmlns:p14="http://schemas.microsoft.com/office/powerpoint/2010/main" val="3406159454"/>
+        <p14:creationId xmlns:p14="http://schemas.microsoft.com/office/powerpoint/2010/main" val="4206913457"/>
       </p:ext>
     </p:extLst>
   </p:cSld>
@@ -39575,8 +39888,8 @@
         </p:nvSpPr>
         <p:spPr>
           <a:xfrm>
-            <a:off x="510557" y="395921"/>
-            <a:ext cx="11170886" cy="2062103"/>
+            <a:off x="510556" y="386396"/>
+            <a:ext cx="11170886" cy="1508105"/>
           </a:xfrm>
           <a:prstGeom prst="rect">
             <a:avLst/>
@@ -39609,7 +39922,7 @@
                 <a:ea typeface="Tahoma" panose="020B0604030504040204" pitchFamily="34" charset="0"/>
                 <a:cs typeface="Tahoma" panose="020B0604030504040204" pitchFamily="34" charset="0"/>
               </a:rPr>
-              <a:t>: Illinois CS/Computing Degree Persistence for Top 3 </a:t>
+              <a:t>: Illinois CS/Computing Degree Conferral for Top 3 </a:t>
             </a:r>
           </a:p>
           <a:p>
@@ -39620,7 +39933,7 @@
                 </a:solidFill>
                 <a:latin typeface="ITC Officina Sans Std Book" panose="020B0506040203020204" pitchFamily="34" charset="0"/>
               </a:rPr>
-              <a:t>The proportion of college students that enrolled in a top 3 Illinois university and obtained a CS/Computing degree by race/ethnicity</a:t>
+              <a:t>The proportion of degrees conferred by top 3 Illinois institutions that are CS/Computing degrees by race/ethnicity</a:t>
             </a:r>
           </a:p>
           <a:p>
@@ -39639,7 +39952,7 @@
                 </a:solidFill>
                 <a:latin typeface="ITC Officina Sans Std Book" panose="020B0506040203020204" pitchFamily="34" charset="0"/>
               </a:rPr>
-              <a:t>Top 3 CS Conferral IL / Top 3 Total CS Enrollment IL </a:t>
+              <a:t>Top 3 CS Conferral IL / Top 3 Total Degree Conferral IL</a:t>
             </a:r>
           </a:p>
           <a:p>
@@ -39650,16 +39963,8 @@
                 </a:solidFill>
                 <a:latin typeface="ITC Officina Sans Std Book" panose="020B0506040203020204" pitchFamily="34" charset="0"/>
               </a:rPr>
-              <a:t>Vs. Top 3 CS Conferral US / Top 3 Total CS Enrollment US</a:t>
+              <a:t>Vs. Top 3 CS Conferral US / Top 3 Total Degree Conferral US</a:t>
             </a:r>
-          </a:p>
-          <a:p>
-            <a:endParaRPr lang="zh-CN" altLang="en-US" dirty="0">
-              <a:solidFill>
-                <a:srgbClr val="4A4A4A"/>
-              </a:solidFill>
-              <a:latin typeface="ITC Officina Sans Std Book" panose="020B0506040203020204" pitchFamily="34" charset="0"/>
-            </a:endParaRPr>
           </a:p>
         </p:txBody>
       </p:sp>
@@ -39668,7 +39973,7 @@
           <p:cNvPr id="4" name="Chart 3">
             <a:extLst>
               <a:ext uri="{FF2B5EF4-FFF2-40B4-BE49-F238E27FC236}">
-                <a16:creationId xmlns:a16="http://schemas.microsoft.com/office/drawing/2014/main" id="{87B8D90C-4A7F-179D-5275-72AC17EDCE38}"/>
+                <a16:creationId xmlns:a16="http://schemas.microsoft.com/office/drawing/2014/main" id="{53844D48-F5F4-0005-0553-1DC246C199C1}"/>
               </a:ext>
             </a:extLst>
           </p:cNvPr>
@@ -39676,14 +39981,14 @@
           <p:nvPr>
             <p:extLst>
               <p:ext uri="{D42A27DB-BD31-4B8C-83A1-F6EECF244321}">
-                <p14:modId xmlns:p14="http://schemas.microsoft.com/office/powerpoint/2010/main" val="630067732"/>
+                <p14:modId xmlns:p14="http://schemas.microsoft.com/office/powerpoint/2010/main" val="736527744"/>
               </p:ext>
             </p:extLst>
           </p:nvPr>
         </p:nvGraphicFramePr>
         <p:xfrm>
-          <a:off x="5127625" y="2197577"/>
-          <a:ext cx="6111875" cy="4264502"/>
+          <a:off x="5118988" y="2190326"/>
+          <a:ext cx="6101461" cy="4191423"/>
         </p:xfrm>
         <a:graphic>
           <a:graphicData uri="http://schemas.openxmlformats.org/drawingml/2006/chart">
@@ -39694,7 +39999,7 @@
     </p:spTree>
     <p:extLst>
       <p:ext uri="{BB962C8B-B14F-4D97-AF65-F5344CB8AC3E}">
-        <p14:creationId xmlns:p14="http://schemas.microsoft.com/office/powerpoint/2010/main" val="4206913457"/>
+        <p14:creationId xmlns:p14="http://schemas.microsoft.com/office/powerpoint/2010/main" val="293532292"/>
       </p:ext>
     </p:extLst>
   </p:cSld>
@@ -39805,205 +40110,6 @@
                 <a:ea typeface="Tahoma" panose="020B0604030504040204" pitchFamily="34" charset="0"/>
                 <a:cs typeface="Tahoma" panose="020B0604030504040204" pitchFamily="34" charset="0"/>
               </a:rPr>
-              <a:t>Excellence</a:t>
-            </a:r>
-            <a:r>
-              <a:rPr lang="en-US" altLang="zh-CN" sz="2000" dirty="0">
-                <a:solidFill>
-                  <a:schemeClr val="tx2"/>
-                </a:solidFill>
-                <a:latin typeface="Antique Olive Std Compact" panose="020B0904030504040204" pitchFamily="34" charset="0"/>
-                <a:ea typeface="Tahoma" panose="020B0604030504040204" pitchFamily="34" charset="0"/>
-                <a:cs typeface="Tahoma" panose="020B0604030504040204" pitchFamily="34" charset="0"/>
-              </a:rPr>
-              <a:t>: Illinois CS/Computing Degree Conferral for Top 3 </a:t>
-            </a:r>
-          </a:p>
-          <a:p>
-            <a:r>
-              <a:rPr lang="en-US" altLang="zh-CN" dirty="0">
-                <a:solidFill>
-                  <a:srgbClr val="4A4A4A"/>
-                </a:solidFill>
-                <a:latin typeface="ITC Officina Sans Std Book" panose="020B0506040203020204" pitchFamily="34" charset="0"/>
-              </a:rPr>
-              <a:t>The proportion of degrees conferred by top 3 Illinois institutions that are CS/Computing degrees by race/ethnicity</a:t>
-            </a:r>
-          </a:p>
-          <a:p>
-            <a:endParaRPr lang="en-US" altLang="zh-CN" dirty="0">
-              <a:solidFill>
-                <a:srgbClr val="4A4A4A"/>
-              </a:solidFill>
-              <a:latin typeface="ITC Officina Sans Std Book" panose="020B0506040203020204" pitchFamily="34" charset="0"/>
-            </a:endParaRPr>
-          </a:p>
-          <a:p>
-            <a:r>
-              <a:rPr lang="en-US" altLang="zh-CN" sz="1800" dirty="0">
-                <a:solidFill>
-                  <a:srgbClr val="4A4A4A"/>
-                </a:solidFill>
-                <a:latin typeface="ITC Officina Sans Std Book" panose="020B0506040203020204" pitchFamily="34" charset="0"/>
-              </a:rPr>
-              <a:t>Top 3 CS Conferral IL / Top 3 Total Degree Conferral IL</a:t>
-            </a:r>
-          </a:p>
-          <a:p>
-            <a:r>
-              <a:rPr lang="en-US" altLang="zh-CN" sz="1800" dirty="0">
-                <a:solidFill>
-                  <a:srgbClr val="4A4A4A"/>
-                </a:solidFill>
-                <a:latin typeface="ITC Officina Sans Std Book" panose="020B0506040203020204" pitchFamily="34" charset="0"/>
-              </a:rPr>
-              <a:t>Vs. Top 3 CS Conferral US / Top 3 Total Degree Conferral US</a:t>
-            </a:r>
-          </a:p>
-        </p:txBody>
-      </p:sp>
-      <p:graphicFrame>
-        <p:nvGraphicFramePr>
-          <p:cNvPr id="4" name="Chart 3">
-            <a:extLst>
-              <a:ext uri="{FF2B5EF4-FFF2-40B4-BE49-F238E27FC236}">
-                <a16:creationId xmlns:a16="http://schemas.microsoft.com/office/drawing/2014/main" id="{53844D48-F5F4-0005-0553-1DC246C199C1}"/>
-              </a:ext>
-            </a:extLst>
-          </p:cNvPr>
-          <p:cNvGraphicFramePr/>
-          <p:nvPr>
-            <p:extLst>
-              <p:ext uri="{D42A27DB-BD31-4B8C-83A1-F6EECF244321}">
-                <p14:modId xmlns:p14="http://schemas.microsoft.com/office/powerpoint/2010/main" val="736527744"/>
-              </p:ext>
-            </p:extLst>
-          </p:nvPr>
-        </p:nvGraphicFramePr>
-        <p:xfrm>
-          <a:off x="5118988" y="2190326"/>
-          <a:ext cx="6101461" cy="4191423"/>
-        </p:xfrm>
-        <a:graphic>
-          <a:graphicData uri="http://schemas.openxmlformats.org/drawingml/2006/chart">
-            <c:chart xmlns:c="http://schemas.openxmlformats.org/drawingml/2006/chart" xmlns:r="http://schemas.openxmlformats.org/officeDocument/2006/relationships" r:id="rId2"/>
-          </a:graphicData>
-        </a:graphic>
-      </p:graphicFrame>
-    </p:spTree>
-    <p:extLst>
-      <p:ext uri="{BB962C8B-B14F-4D97-AF65-F5344CB8AC3E}">
-        <p14:creationId xmlns:p14="http://schemas.microsoft.com/office/powerpoint/2010/main" val="293532292"/>
-      </p:ext>
-    </p:extLst>
-  </p:cSld>
-  <p:clrMapOvr>
-    <a:masterClrMapping/>
-  </p:clrMapOvr>
-</p:sld>
-</file>
-
-<file path=ppt/slides/slide27.xml><?xml version="1.0" encoding="utf-8"?>
-<p:sld xmlns:a="http://schemas.openxmlformats.org/drawingml/2006/main" xmlns:r="http://schemas.openxmlformats.org/officeDocument/2006/relationships" xmlns:p="http://schemas.openxmlformats.org/presentationml/2006/main">
-  <p:cSld>
-    <p:spTree>
-      <p:nvGrpSpPr>
-        <p:cNvPr id="1" name=""/>
-        <p:cNvGrpSpPr/>
-        <p:nvPr/>
-      </p:nvGrpSpPr>
-      <p:grpSpPr>
-        <a:xfrm>
-          <a:off x="0" y="0"/>
-          <a:ext cx="0" cy="0"/>
-          <a:chOff x="0" y="0"/>
-          <a:chExt cx="0" cy="0"/>
-        </a:xfrm>
-      </p:grpSpPr>
-      <p:sp>
-        <p:nvSpPr>
-          <p:cNvPr id="21" name="Rectangle 20">
-            <a:extLst>
-              <a:ext uri="{FF2B5EF4-FFF2-40B4-BE49-F238E27FC236}">
-                <a16:creationId xmlns:a16="http://schemas.microsoft.com/office/drawing/2014/main" id="{A0E89330-BF24-10DF-6DD2-AFCB879D19CF}"/>
-              </a:ext>
-            </a:extLst>
-          </p:cNvPr>
-          <p:cNvSpPr/>
-          <p:nvPr/>
-        </p:nvSpPr>
-        <p:spPr>
-          <a:xfrm>
-            <a:off x="-10972800" y="-6607277"/>
-            <a:ext cx="34275252" cy="22152077"/>
-          </a:xfrm>
-          <a:prstGeom prst="rect">
-            <a:avLst/>
-          </a:prstGeom>
-          <a:noFill/>
-        </p:spPr>
-        <p:style>
-          <a:lnRef idx="2">
-            <a:schemeClr val="accent1">
-              <a:shade val="50000"/>
-            </a:schemeClr>
-          </a:lnRef>
-          <a:fillRef idx="1">
-            <a:schemeClr val="accent1"/>
-          </a:fillRef>
-          <a:effectRef idx="0">
-            <a:schemeClr val="accent1"/>
-          </a:effectRef>
-          <a:fontRef idx="minor">
-            <a:schemeClr val="lt1"/>
-          </a:fontRef>
-        </p:style>
-        <p:txBody>
-          <a:bodyPr rtlCol="0" anchor="ctr"/>
-          <a:lstStyle/>
-          <a:p>
-            <a:pPr algn="ctr"/>
-            <a:endParaRPr lang="zh-CN" altLang="en-US"/>
-          </a:p>
-        </p:txBody>
-      </p:sp>
-      <p:sp>
-        <p:nvSpPr>
-          <p:cNvPr id="123" name="TextBox 122">
-            <a:extLst>
-              <a:ext uri="{FF2B5EF4-FFF2-40B4-BE49-F238E27FC236}">
-                <a16:creationId xmlns:a16="http://schemas.microsoft.com/office/drawing/2014/main" id="{B25ED610-FF94-E2C3-7DD6-3B6727C66CCC}"/>
-              </a:ext>
-            </a:extLst>
-          </p:cNvPr>
-          <p:cNvSpPr txBox="1"/>
-          <p:nvPr/>
-        </p:nvSpPr>
-        <p:spPr>
-          <a:xfrm>
-            <a:off x="510556" y="386396"/>
-            <a:ext cx="11170886" cy="1508105"/>
-          </a:xfrm>
-          <a:prstGeom prst="rect">
-            <a:avLst/>
-          </a:prstGeom>
-          <a:noFill/>
-        </p:spPr>
-        <p:txBody>
-          <a:bodyPr wrap="square" rtlCol="0">
-            <a:spAutoFit/>
-          </a:bodyPr>
-          <a:lstStyle/>
-          <a:p>
-            <a:r>
-              <a:rPr lang="en-US" altLang="zh-CN" sz="2000" dirty="0">
-                <a:solidFill>
-                  <a:srgbClr val="FF0000"/>
-                </a:solidFill>
-                <a:latin typeface="Antique Olive Std Compact" panose="020B0904030504040204" pitchFamily="34" charset="0"/>
-                <a:ea typeface="Tahoma" panose="020B0604030504040204" pitchFamily="34" charset="0"/>
-                <a:cs typeface="Tahoma" panose="020B0604030504040204" pitchFamily="34" charset="0"/>
-              </a:rPr>
               <a:t>Access</a:t>
             </a:r>
             <a:r>
@@ -40108,7 +40214,7 @@
 </p:sld>
 </file>
 
-<file path=ppt/slides/slide28.xml><?xml version="1.0" encoding="utf-8"?>
+<file path=ppt/slides/slide27.xml><?xml version="1.0" encoding="utf-8"?>
 <p:sld xmlns:a="http://schemas.openxmlformats.org/drawingml/2006/main" xmlns:r="http://schemas.openxmlformats.org/officeDocument/2006/relationships" xmlns:p="http://schemas.openxmlformats.org/presentationml/2006/main">
   <p:cSld>
     <p:spTree>
@@ -40346,7 +40452,7 @@
 </p:sld>
 </file>
 
-<file path=ppt/slides/slide29.xml><?xml version="1.0" encoding="utf-8"?>
+<file path=ppt/slides/slide28.xml><?xml version="1.0" encoding="utf-8"?>
 <p:sld xmlns:a="http://schemas.openxmlformats.org/drawingml/2006/main" xmlns:r="http://schemas.openxmlformats.org/officeDocument/2006/relationships" xmlns:p="http://schemas.openxmlformats.org/presentationml/2006/main">
   <p:cSld>
     <p:spTree>
@@ -40432,93 +40538,7 @@
 </p:sld>
 </file>
 
-<file path=ppt/slides/slide3.xml><?xml version="1.0" encoding="utf-8"?>
-<p:sld xmlns:a="http://schemas.openxmlformats.org/drawingml/2006/main" xmlns:r="http://schemas.openxmlformats.org/officeDocument/2006/relationships" xmlns:p="http://schemas.openxmlformats.org/presentationml/2006/main">
-  <p:cSld>
-    <p:spTree>
-      <p:nvGrpSpPr>
-        <p:cNvPr id="1" name=""/>
-        <p:cNvGrpSpPr/>
-        <p:nvPr/>
-      </p:nvGrpSpPr>
-      <p:grpSpPr>
-        <a:xfrm>
-          <a:off x="0" y="0"/>
-          <a:ext cx="0" cy="0"/>
-          <a:chOff x="0" y="0"/>
-          <a:chExt cx="0" cy="0"/>
-        </a:xfrm>
-      </p:grpSpPr>
-      <p:sp>
-        <p:nvSpPr>
-          <p:cNvPr id="9" name="Title 1">
-            <a:extLst>
-              <a:ext uri="{FF2B5EF4-FFF2-40B4-BE49-F238E27FC236}">
-                <a16:creationId xmlns:a16="http://schemas.microsoft.com/office/drawing/2014/main" id="{2A483933-4E09-DED7-0E02-9291BCFD0569}"/>
-              </a:ext>
-            </a:extLst>
-          </p:cNvPr>
-          <p:cNvSpPr txBox="1">
-            <a:spLocks/>
-          </p:cNvSpPr>
-          <p:nvPr/>
-        </p:nvSpPr>
-        <p:spPr>
-          <a:xfrm>
-            <a:off x="1524000" y="3429000"/>
-            <a:ext cx="9144000" cy="652314"/>
-          </a:xfrm>
-          <a:prstGeom prst="rect">
-            <a:avLst/>
-          </a:prstGeom>
-        </p:spPr>
-        <p:txBody>
-          <a:bodyPr vert="horz" lIns="91440" tIns="45720" rIns="91440" bIns="45720" rtlCol="0" anchor="b">
-            <a:noAutofit/>
-          </a:bodyPr>
-          <a:lstStyle>
-            <a:lvl1pPr algn="ctr">
-              <a:lnSpc>
-                <a:spcPct val="90000"/>
-              </a:lnSpc>
-              <a:spcBef>
-                <a:spcPct val="0"/>
-              </a:spcBef>
-              <a:buNone/>
-              <a:defRPr sz="3200">
-                <a:latin typeface="Adobe Gothic Std B" panose="020B0800000000000000" pitchFamily="34" charset="-128"/>
-                <a:ea typeface="Adobe Gothic Std B" panose="020B0800000000000000" pitchFamily="34" charset="-128"/>
-                <a:cs typeface="+mj-cs"/>
-              </a:defRPr>
-            </a:lvl1pPr>
-          </a:lstStyle>
-          <a:p>
-            <a:r>
-              <a:rPr lang="en-US" altLang="zh-CN" sz="4000" dirty="0">
-                <a:solidFill>
-                  <a:schemeClr val="tx2"/>
-                </a:solidFill>
-                <a:latin typeface="Times LT Std" panose="02020603050405020304" pitchFamily="18" charset="0"/>
-              </a:rPr>
-              <a:t>K8</a:t>
-            </a:r>
-          </a:p>
-        </p:txBody>
-      </p:sp>
-    </p:spTree>
-    <p:extLst>
-      <p:ext uri="{BB962C8B-B14F-4D97-AF65-F5344CB8AC3E}">
-        <p14:creationId xmlns:p14="http://schemas.microsoft.com/office/powerpoint/2010/main" val="4012270082"/>
-      </p:ext>
-    </p:extLst>
-  </p:cSld>
-  <p:clrMapOvr>
-    <a:masterClrMapping/>
-  </p:clrMapOvr>
-</p:sld>
-</file>
-
-<file path=ppt/slides/slide30.xml><?xml version="1.0" encoding="utf-8"?>
+<file path=ppt/slides/slide29.xml><?xml version="1.0" encoding="utf-8"?>
 <p:sld xmlns:a="http://schemas.openxmlformats.org/drawingml/2006/main" xmlns:r="http://schemas.openxmlformats.org/officeDocument/2006/relationships" xmlns:p="http://schemas.openxmlformats.org/presentationml/2006/main">
   <p:cSld>
     <p:spTree>
@@ -40717,7 +40737,440 @@
 </p:sld>
 </file>
 
-<file path=ppt/slides/slide31.xml><?xml version="1.0" encoding="utf-8"?>
+<file path=ppt/slides/slide3.xml><?xml version="1.0" encoding="utf-8"?>
+<p:sld xmlns:a="http://schemas.openxmlformats.org/drawingml/2006/main" xmlns:r="http://schemas.openxmlformats.org/officeDocument/2006/relationships" xmlns:p="http://schemas.openxmlformats.org/presentationml/2006/main">
+  <p:cSld>
+    <p:spTree>
+      <p:nvGrpSpPr>
+        <p:cNvPr id="1" name=""/>
+        <p:cNvGrpSpPr/>
+        <p:nvPr/>
+      </p:nvGrpSpPr>
+      <p:grpSpPr>
+        <a:xfrm>
+          <a:off x="0" y="0"/>
+          <a:ext cx="0" cy="0"/>
+          <a:chOff x="0" y="0"/>
+          <a:chExt cx="0" cy="0"/>
+        </a:xfrm>
+      </p:grpSpPr>
+      <p:sp>
+        <p:nvSpPr>
+          <p:cNvPr id="21" name="Rectangle 20">
+            <a:extLst>
+              <a:ext uri="{FF2B5EF4-FFF2-40B4-BE49-F238E27FC236}">
+                <a16:creationId xmlns:a16="http://schemas.microsoft.com/office/drawing/2014/main" id="{A0E89330-BF24-10DF-6DD2-AFCB879D19CF}"/>
+              </a:ext>
+            </a:extLst>
+          </p:cNvPr>
+          <p:cNvSpPr/>
+          <p:nvPr/>
+        </p:nvSpPr>
+        <p:spPr>
+          <a:xfrm>
+            <a:off x="-10972800" y="-6607277"/>
+            <a:ext cx="34275252" cy="22152077"/>
+          </a:xfrm>
+          <a:prstGeom prst="rect">
+            <a:avLst/>
+          </a:prstGeom>
+          <a:noFill/>
+        </p:spPr>
+        <p:style>
+          <a:lnRef idx="2">
+            <a:schemeClr val="accent1">
+              <a:shade val="50000"/>
+            </a:schemeClr>
+          </a:lnRef>
+          <a:fillRef idx="1">
+            <a:schemeClr val="accent1"/>
+          </a:fillRef>
+          <a:effectRef idx="0">
+            <a:schemeClr val="accent1"/>
+          </a:effectRef>
+          <a:fontRef idx="minor">
+            <a:schemeClr val="lt1"/>
+          </a:fontRef>
+        </p:style>
+        <p:txBody>
+          <a:bodyPr rtlCol="0" anchor="ctr"/>
+          <a:lstStyle/>
+          <a:p>
+            <a:pPr algn="ctr"/>
+            <a:endParaRPr lang="zh-CN" altLang="en-US"/>
+          </a:p>
+        </p:txBody>
+      </p:sp>
+      <p:sp>
+        <p:nvSpPr>
+          <p:cNvPr id="123" name="TextBox 122">
+            <a:extLst>
+              <a:ext uri="{FF2B5EF4-FFF2-40B4-BE49-F238E27FC236}">
+                <a16:creationId xmlns:a16="http://schemas.microsoft.com/office/drawing/2014/main" id="{B25ED610-FF94-E2C3-7DD6-3B6727C66CCC}"/>
+              </a:ext>
+            </a:extLst>
+          </p:cNvPr>
+          <p:cNvSpPr txBox="1"/>
+          <p:nvPr/>
+        </p:nvSpPr>
+        <p:spPr>
+          <a:xfrm>
+            <a:off x="510556" y="386396"/>
+            <a:ext cx="11170886" cy="1508105"/>
+          </a:xfrm>
+          <a:prstGeom prst="rect">
+            <a:avLst/>
+          </a:prstGeom>
+          <a:noFill/>
+        </p:spPr>
+        <p:txBody>
+          <a:bodyPr wrap="square" rtlCol="0">
+            <a:spAutoFit/>
+          </a:bodyPr>
+          <a:lstStyle/>
+          <a:p>
+            <a:r>
+              <a:rPr lang="en-US" altLang="zh-CN" sz="2000" dirty="0">
+                <a:solidFill>
+                  <a:srgbClr val="FF0000"/>
+                </a:solidFill>
+                <a:latin typeface="Antique Olive Std Compact" panose="020B0904030504040204" pitchFamily="34" charset="0"/>
+                <a:ea typeface="Tahoma" panose="020B0604030504040204" pitchFamily="34" charset="0"/>
+                <a:cs typeface="Tahoma" panose="020B0604030504040204" pitchFamily="34" charset="0"/>
+              </a:rPr>
+              <a:t>Proficiency</a:t>
+            </a:r>
+            <a:r>
+              <a:rPr lang="en-US" altLang="zh-CN" sz="2000" dirty="0">
+                <a:solidFill>
+                  <a:schemeClr val="tx2"/>
+                </a:solidFill>
+                <a:latin typeface="Antique Olive Std Compact" panose="020B0904030504040204" pitchFamily="34" charset="0"/>
+                <a:ea typeface="Tahoma" panose="020B0604030504040204" pitchFamily="34" charset="0"/>
+                <a:cs typeface="Tahoma" panose="020B0604030504040204" pitchFamily="34" charset="0"/>
+              </a:rPr>
+              <a:t>: 4</a:t>
+            </a:r>
+            <a:r>
+              <a:rPr lang="en-US" altLang="zh-CN" sz="2000" baseline="30000" dirty="0">
+                <a:solidFill>
+                  <a:schemeClr val="tx2"/>
+                </a:solidFill>
+                <a:latin typeface="Antique Olive Std Compact" panose="020B0904030504040204" pitchFamily="34" charset="0"/>
+                <a:ea typeface="Tahoma" panose="020B0604030504040204" pitchFamily="34" charset="0"/>
+                <a:cs typeface="Tahoma" panose="020B0604030504040204" pitchFamily="34" charset="0"/>
+              </a:rPr>
+              <a:t>th</a:t>
+            </a:r>
+            <a:r>
+              <a:rPr lang="en-US" altLang="zh-CN" sz="2000" dirty="0">
+                <a:solidFill>
+                  <a:schemeClr val="tx2"/>
+                </a:solidFill>
+                <a:latin typeface="Antique Olive Std Compact" panose="020B0904030504040204" pitchFamily="34" charset="0"/>
+                <a:ea typeface="Tahoma" panose="020B0604030504040204" pitchFamily="34" charset="0"/>
+                <a:cs typeface="Tahoma" panose="020B0604030504040204" pitchFamily="34" charset="0"/>
+              </a:rPr>
+              <a:t> grade math Proficiency and above</a:t>
+            </a:r>
+          </a:p>
+          <a:p>
+            <a:r>
+              <a:rPr lang="en-US" altLang="zh-CN" dirty="0">
+                <a:solidFill>
+                  <a:srgbClr val="4A4A4A"/>
+                </a:solidFill>
+                <a:latin typeface="ITC Officina Sans Std Book" panose="020B0506040203020204" pitchFamily="34" charset="0"/>
+              </a:rPr>
+              <a:t>The proportion of CPS 4th graders at or above math proficiency by race/ethnicity</a:t>
+            </a:r>
+          </a:p>
+          <a:p>
+            <a:endParaRPr lang="en-US" altLang="zh-CN" sz="1800" dirty="0">
+              <a:solidFill>
+                <a:srgbClr val="4A4A4A"/>
+              </a:solidFill>
+              <a:latin typeface="ITC Officina Sans Std Book" panose="020B0506040203020204" pitchFamily="34" charset="0"/>
+            </a:endParaRPr>
+          </a:p>
+          <a:p>
+            <a:r>
+              <a:rPr lang="en-US" altLang="zh-CN" sz="1800" dirty="0">
+                <a:solidFill>
+                  <a:srgbClr val="4A4A4A"/>
+                </a:solidFill>
+                <a:latin typeface="ITC Officina Sans Std Book" panose="020B0506040203020204" pitchFamily="34" charset="0"/>
+              </a:rPr>
+              <a:t>4</a:t>
+            </a:r>
+            <a:r>
+              <a:rPr lang="en-US" altLang="zh-CN" sz="1800" baseline="30000" dirty="0">
+                <a:solidFill>
+                  <a:srgbClr val="4A4A4A"/>
+                </a:solidFill>
+                <a:latin typeface="ITC Officina Sans Std Book" panose="020B0506040203020204" pitchFamily="34" charset="0"/>
+              </a:rPr>
+              <a:t>th </a:t>
+            </a:r>
+            <a:r>
+              <a:rPr lang="en-US" altLang="zh-CN" sz="1800" dirty="0">
+                <a:solidFill>
+                  <a:srgbClr val="4A4A4A"/>
+                </a:solidFill>
+                <a:latin typeface="ITC Officina Sans Std Book" panose="020B0506040203020204" pitchFamily="34" charset="0"/>
+              </a:rPr>
+              <a:t>grader math proficient CHI / Total 4</a:t>
+            </a:r>
+            <a:r>
+              <a:rPr lang="en-US" altLang="zh-CN" sz="1800" baseline="30000" dirty="0">
+                <a:solidFill>
+                  <a:srgbClr val="4A4A4A"/>
+                </a:solidFill>
+                <a:latin typeface="ITC Officina Sans Std Book" panose="020B0506040203020204" pitchFamily="34" charset="0"/>
+              </a:rPr>
+              <a:t>th </a:t>
+            </a:r>
+            <a:r>
+              <a:rPr lang="en-US" altLang="zh-CN" sz="1800" dirty="0">
+                <a:solidFill>
+                  <a:srgbClr val="4A4A4A"/>
+                </a:solidFill>
+                <a:latin typeface="ITC Officina Sans Std Book" panose="020B0506040203020204" pitchFamily="34" charset="0"/>
+              </a:rPr>
+              <a:t>grader CHI </a:t>
+            </a:r>
+          </a:p>
+          <a:p>
+            <a:r>
+              <a:rPr lang="en-US" altLang="zh-CN" sz="1800" dirty="0">
+                <a:solidFill>
+                  <a:srgbClr val="4A4A4A"/>
+                </a:solidFill>
+                <a:latin typeface="ITC Officina Sans Std Book" panose="020B0506040203020204" pitchFamily="34" charset="0"/>
+              </a:rPr>
+              <a:t>Vs. 4</a:t>
+            </a:r>
+            <a:r>
+              <a:rPr lang="en-US" altLang="zh-CN" sz="1800" baseline="30000" dirty="0">
+                <a:solidFill>
+                  <a:srgbClr val="4A4A4A"/>
+                </a:solidFill>
+                <a:latin typeface="ITC Officina Sans Std Book" panose="020B0506040203020204" pitchFamily="34" charset="0"/>
+              </a:rPr>
+              <a:t>th </a:t>
+            </a:r>
+            <a:r>
+              <a:rPr lang="en-US" altLang="zh-CN" sz="1800" dirty="0">
+                <a:solidFill>
+                  <a:srgbClr val="4A4A4A"/>
+                </a:solidFill>
+                <a:latin typeface="ITC Officina Sans Std Book" panose="020B0506040203020204" pitchFamily="34" charset="0"/>
+              </a:rPr>
+              <a:t>grader math proficient US / Total 4</a:t>
+            </a:r>
+            <a:r>
+              <a:rPr lang="en-US" altLang="zh-CN" sz="1800" baseline="30000" dirty="0">
+                <a:solidFill>
+                  <a:srgbClr val="4A4A4A"/>
+                </a:solidFill>
+                <a:latin typeface="ITC Officina Sans Std Book" panose="020B0506040203020204" pitchFamily="34" charset="0"/>
+              </a:rPr>
+              <a:t>th </a:t>
+            </a:r>
+            <a:r>
+              <a:rPr lang="en-US" altLang="zh-CN" sz="1800" dirty="0">
+                <a:solidFill>
+                  <a:srgbClr val="4A4A4A"/>
+                </a:solidFill>
+                <a:latin typeface="ITC Officina Sans Std Book" panose="020B0506040203020204" pitchFamily="34" charset="0"/>
+              </a:rPr>
+              <a:t>grader US</a:t>
+            </a:r>
+            <a:endParaRPr lang="zh-CN" altLang="en-US" dirty="0">
+              <a:solidFill>
+                <a:srgbClr val="4A4A4A"/>
+              </a:solidFill>
+              <a:latin typeface="ITC Officina Sans Std Book" panose="020B0506040203020204" pitchFamily="34" charset="0"/>
+            </a:endParaRPr>
+          </a:p>
+        </p:txBody>
+      </p:sp>
+      <p:graphicFrame>
+        <p:nvGraphicFramePr>
+          <p:cNvPr id="4" name="Chart 3">
+            <a:extLst>
+              <a:ext uri="{FF2B5EF4-FFF2-40B4-BE49-F238E27FC236}">
+                <a16:creationId xmlns:a16="http://schemas.microsoft.com/office/drawing/2014/main" id="{CEC4242C-B98F-02D5-66F3-A24B2F4A4164}"/>
+              </a:ext>
+            </a:extLst>
+          </p:cNvPr>
+          <p:cNvGraphicFramePr/>
+          <p:nvPr>
+            <p:extLst>
+              <p:ext uri="{D42A27DB-BD31-4B8C-83A1-F6EECF244321}">
+                <p14:modId xmlns:p14="http://schemas.microsoft.com/office/powerpoint/2010/main" val="3149805467"/>
+              </p:ext>
+            </p:extLst>
+          </p:nvPr>
+        </p:nvGraphicFramePr>
+        <p:xfrm>
+          <a:off x="5124449" y="2190749"/>
+          <a:ext cx="6111875" cy="4221833"/>
+        </p:xfrm>
+        <a:graphic>
+          <a:graphicData uri="http://schemas.openxmlformats.org/drawingml/2006/chart">
+            <c:chart xmlns:c="http://schemas.openxmlformats.org/drawingml/2006/chart" xmlns:r="http://schemas.openxmlformats.org/officeDocument/2006/relationships" r:id="rId2"/>
+          </a:graphicData>
+        </a:graphic>
+      </p:graphicFrame>
+      <p:sp>
+        <p:nvSpPr>
+          <p:cNvPr id="2" name="TextBox 1">
+            <a:extLst>
+              <a:ext uri="{FF2B5EF4-FFF2-40B4-BE49-F238E27FC236}">
+                <a16:creationId xmlns:a16="http://schemas.microsoft.com/office/drawing/2014/main" id="{A57BAF6C-0D05-8687-C3B3-D2FB9FF54460}"/>
+              </a:ext>
+            </a:extLst>
+          </p:cNvPr>
+          <p:cNvSpPr txBox="1"/>
+          <p:nvPr/>
+        </p:nvSpPr>
+        <p:spPr>
+          <a:xfrm>
+            <a:off x="581025" y="2190749"/>
+            <a:ext cx="3714750" cy="2123658"/>
+          </a:xfrm>
+          <a:prstGeom prst="rect">
+            <a:avLst/>
+          </a:prstGeom>
+          <a:noFill/>
+        </p:spPr>
+        <p:txBody>
+          <a:bodyPr wrap="square" rtlCol="0">
+            <a:spAutoFit/>
+          </a:bodyPr>
+          <a:lstStyle/>
+          <a:p>
+            <a:r>
+              <a:rPr lang="en-US" altLang="zh-CN" sz="1200" b="1" u="sng" dirty="0">
+                <a:solidFill>
+                  <a:srgbClr val="4A4A4A"/>
+                </a:solidFill>
+                <a:latin typeface="ITC Officina Sans Std Book" panose="020B0506040203020204" pitchFamily="34" charset="0"/>
+              </a:rPr>
+              <a:t>What does the data tell?</a:t>
+            </a:r>
+          </a:p>
+          <a:p>
+            <a:endParaRPr lang="en-US" altLang="zh-CN" sz="1200" b="1" u="sng" dirty="0">
+              <a:solidFill>
+                <a:srgbClr val="4A4A4A"/>
+              </a:solidFill>
+              <a:latin typeface="ITC Officina Sans Std Book" panose="020B0506040203020204" pitchFamily="34" charset="0"/>
+            </a:endParaRPr>
+          </a:p>
+          <a:p>
+            <a:pPr marL="171450" indent="-171450">
+              <a:buFont typeface="Arial" panose="020B0604020202020204" pitchFamily="34" charset="0"/>
+              <a:buChar char="•"/>
+            </a:pPr>
+            <a:r>
+              <a:rPr lang="en-US" altLang="zh-CN" sz="1200" dirty="0">
+                <a:solidFill>
+                  <a:srgbClr val="4A4A4A"/>
+                </a:solidFill>
+                <a:latin typeface="ITC Officina Sans Std Book" panose="020B0506040203020204" pitchFamily="34" charset="0"/>
+              </a:rPr>
+              <a:t>In CPS 4</a:t>
+            </a:r>
+            <a:r>
+              <a:rPr lang="en-US" altLang="zh-CN" sz="1200" baseline="30000" dirty="0">
+                <a:solidFill>
+                  <a:srgbClr val="4A4A4A"/>
+                </a:solidFill>
+                <a:latin typeface="ITC Officina Sans Std Book" panose="020B0506040203020204" pitchFamily="34" charset="0"/>
+              </a:rPr>
+              <a:t>th</a:t>
+            </a:r>
+            <a:r>
+              <a:rPr lang="en-US" altLang="zh-CN" sz="1200" dirty="0">
+                <a:solidFill>
+                  <a:srgbClr val="4A4A4A"/>
+                </a:solidFill>
+                <a:latin typeface="ITC Officina Sans Std Book" panose="020B0506040203020204" pitchFamily="34" charset="0"/>
+              </a:rPr>
+              <a:t> grade, White students have the highest math proficiency rate,1.1 times higher than Asians, 1.8 times higher than Hispanics, and 2.8 times higher than black. </a:t>
+            </a:r>
+          </a:p>
+          <a:p>
+            <a:pPr marL="171450" indent="-171450">
+              <a:buFont typeface="Arial" panose="020B0604020202020204" pitchFamily="34" charset="0"/>
+              <a:buChar char="•"/>
+            </a:pPr>
+            <a:endParaRPr lang="en-US" altLang="zh-CN" sz="1200" dirty="0">
+              <a:solidFill>
+                <a:srgbClr val="4A4A4A"/>
+              </a:solidFill>
+              <a:latin typeface="ITC Officina Sans Std Book" panose="020B0506040203020204" pitchFamily="34" charset="0"/>
+            </a:endParaRPr>
+          </a:p>
+          <a:p>
+            <a:pPr marL="171450" indent="-171450">
+              <a:buFont typeface="Arial" panose="020B0604020202020204" pitchFamily="34" charset="0"/>
+              <a:buChar char="•"/>
+            </a:pPr>
+            <a:r>
+              <a:rPr lang="en-US" altLang="zh-CN" sz="1200" dirty="0">
+                <a:solidFill>
+                  <a:srgbClr val="4A4A4A"/>
+                </a:solidFill>
+                <a:latin typeface="ITC Officina Sans Std Book" panose="020B0506040203020204" pitchFamily="34" charset="0"/>
+              </a:rPr>
+              <a:t>The proportion of math proficient students in 4</a:t>
+            </a:r>
+            <a:r>
+              <a:rPr lang="en-US" altLang="zh-CN" sz="1200" baseline="30000" dirty="0">
+                <a:solidFill>
+                  <a:srgbClr val="4A4A4A"/>
+                </a:solidFill>
+                <a:latin typeface="ITC Officina Sans Std Book" panose="020B0506040203020204" pitchFamily="34" charset="0"/>
+              </a:rPr>
+              <a:t>th</a:t>
+            </a:r>
+            <a:r>
+              <a:rPr lang="en-US" altLang="zh-CN" sz="1200" dirty="0">
+                <a:solidFill>
+                  <a:srgbClr val="4A4A4A"/>
+                </a:solidFill>
+                <a:latin typeface="ITC Officina Sans Std Book" panose="020B0506040203020204" pitchFamily="34" charset="0"/>
+              </a:rPr>
+              <a:t> grade is noticeably lower in CPS than the national average across all ethnic groups. </a:t>
+            </a:r>
+          </a:p>
+          <a:p>
+            <a:endParaRPr lang="en-US" altLang="zh-CN" sz="1200" dirty="0">
+              <a:solidFill>
+                <a:srgbClr val="4A4A4A"/>
+              </a:solidFill>
+              <a:latin typeface="ITC Officina Sans Std Book" panose="020B0506040203020204" pitchFamily="34" charset="0"/>
+            </a:endParaRPr>
+          </a:p>
+        </p:txBody>
+      </p:sp>
+    </p:spTree>
+    <p:extLst>
+      <p:ext uri="{BB962C8B-B14F-4D97-AF65-F5344CB8AC3E}">
+        <p14:creationId xmlns:p14="http://schemas.microsoft.com/office/powerpoint/2010/main" val="61821805"/>
+      </p:ext>
+    </p:extLst>
+  </p:cSld>
+  <p:clrMapOvr>
+    <a:masterClrMapping/>
+  </p:clrMapOvr>
+</p:sld>
+</file>
+
+<file path=ppt/slides/slide30.xml><?xml version="1.0" encoding="utf-8"?>
 <p:sld xmlns:a="http://schemas.openxmlformats.org/drawingml/2006/main" xmlns:r="http://schemas.openxmlformats.org/officeDocument/2006/relationships" xmlns:p="http://schemas.openxmlformats.org/presentationml/2006/main">
   <p:cSld>
     <p:spTree>
@@ -41001,439 +41454,6 @@
         <p:spPr>
           <a:xfrm>
             <a:off x="510556" y="386396"/>
-            <a:ext cx="11170886" cy="1508105"/>
-          </a:xfrm>
-          <a:prstGeom prst="rect">
-            <a:avLst/>
-          </a:prstGeom>
-          <a:noFill/>
-        </p:spPr>
-        <p:txBody>
-          <a:bodyPr wrap="square" rtlCol="0">
-            <a:spAutoFit/>
-          </a:bodyPr>
-          <a:lstStyle/>
-          <a:p>
-            <a:r>
-              <a:rPr lang="en-US" altLang="zh-CN" sz="2000" dirty="0">
-                <a:solidFill>
-                  <a:srgbClr val="FF0000"/>
-                </a:solidFill>
-                <a:latin typeface="Antique Olive Std Compact" panose="020B0904030504040204" pitchFamily="34" charset="0"/>
-                <a:ea typeface="Tahoma" panose="020B0604030504040204" pitchFamily="34" charset="0"/>
-                <a:cs typeface="Tahoma" panose="020B0604030504040204" pitchFamily="34" charset="0"/>
-              </a:rPr>
-              <a:t>Proficiency</a:t>
-            </a:r>
-            <a:r>
-              <a:rPr lang="en-US" altLang="zh-CN" sz="2000" dirty="0">
-                <a:solidFill>
-                  <a:schemeClr val="tx2"/>
-                </a:solidFill>
-                <a:latin typeface="Antique Olive Std Compact" panose="020B0904030504040204" pitchFamily="34" charset="0"/>
-                <a:ea typeface="Tahoma" panose="020B0604030504040204" pitchFamily="34" charset="0"/>
-                <a:cs typeface="Tahoma" panose="020B0604030504040204" pitchFamily="34" charset="0"/>
-              </a:rPr>
-              <a:t>: 4</a:t>
-            </a:r>
-            <a:r>
-              <a:rPr lang="en-US" altLang="zh-CN" sz="2000" baseline="30000" dirty="0">
-                <a:solidFill>
-                  <a:schemeClr val="tx2"/>
-                </a:solidFill>
-                <a:latin typeface="Antique Olive Std Compact" panose="020B0904030504040204" pitchFamily="34" charset="0"/>
-                <a:ea typeface="Tahoma" panose="020B0604030504040204" pitchFamily="34" charset="0"/>
-                <a:cs typeface="Tahoma" panose="020B0604030504040204" pitchFamily="34" charset="0"/>
-              </a:rPr>
-              <a:t>th</a:t>
-            </a:r>
-            <a:r>
-              <a:rPr lang="en-US" altLang="zh-CN" sz="2000" dirty="0">
-                <a:solidFill>
-                  <a:schemeClr val="tx2"/>
-                </a:solidFill>
-                <a:latin typeface="Antique Olive Std Compact" panose="020B0904030504040204" pitchFamily="34" charset="0"/>
-                <a:ea typeface="Tahoma" panose="020B0604030504040204" pitchFamily="34" charset="0"/>
-                <a:cs typeface="Tahoma" panose="020B0604030504040204" pitchFamily="34" charset="0"/>
-              </a:rPr>
-              <a:t> grade math Proficiency and above</a:t>
-            </a:r>
-          </a:p>
-          <a:p>
-            <a:r>
-              <a:rPr lang="en-US" altLang="zh-CN" dirty="0">
-                <a:solidFill>
-                  <a:srgbClr val="4A4A4A"/>
-                </a:solidFill>
-                <a:latin typeface="ITC Officina Sans Std Book" panose="020B0506040203020204" pitchFamily="34" charset="0"/>
-              </a:rPr>
-              <a:t>The proportion of CPS 4th graders at or above math proficiency by race/ethnicity</a:t>
-            </a:r>
-          </a:p>
-          <a:p>
-            <a:endParaRPr lang="en-US" altLang="zh-CN" sz="1800" dirty="0">
-              <a:solidFill>
-                <a:srgbClr val="4A4A4A"/>
-              </a:solidFill>
-              <a:latin typeface="ITC Officina Sans Std Book" panose="020B0506040203020204" pitchFamily="34" charset="0"/>
-            </a:endParaRPr>
-          </a:p>
-          <a:p>
-            <a:r>
-              <a:rPr lang="en-US" altLang="zh-CN" sz="1800" dirty="0">
-                <a:solidFill>
-                  <a:srgbClr val="4A4A4A"/>
-                </a:solidFill>
-                <a:latin typeface="ITC Officina Sans Std Book" panose="020B0506040203020204" pitchFamily="34" charset="0"/>
-              </a:rPr>
-              <a:t>4</a:t>
-            </a:r>
-            <a:r>
-              <a:rPr lang="en-US" altLang="zh-CN" sz="1800" baseline="30000" dirty="0">
-                <a:solidFill>
-                  <a:srgbClr val="4A4A4A"/>
-                </a:solidFill>
-                <a:latin typeface="ITC Officina Sans Std Book" panose="020B0506040203020204" pitchFamily="34" charset="0"/>
-              </a:rPr>
-              <a:t>th </a:t>
-            </a:r>
-            <a:r>
-              <a:rPr lang="en-US" altLang="zh-CN" sz="1800" dirty="0">
-                <a:solidFill>
-                  <a:srgbClr val="4A4A4A"/>
-                </a:solidFill>
-                <a:latin typeface="ITC Officina Sans Std Book" panose="020B0506040203020204" pitchFamily="34" charset="0"/>
-              </a:rPr>
-              <a:t>grader math proficient CHI / Total 4</a:t>
-            </a:r>
-            <a:r>
-              <a:rPr lang="en-US" altLang="zh-CN" sz="1800" baseline="30000" dirty="0">
-                <a:solidFill>
-                  <a:srgbClr val="4A4A4A"/>
-                </a:solidFill>
-                <a:latin typeface="ITC Officina Sans Std Book" panose="020B0506040203020204" pitchFamily="34" charset="0"/>
-              </a:rPr>
-              <a:t>th </a:t>
-            </a:r>
-            <a:r>
-              <a:rPr lang="en-US" altLang="zh-CN" sz="1800" dirty="0">
-                <a:solidFill>
-                  <a:srgbClr val="4A4A4A"/>
-                </a:solidFill>
-                <a:latin typeface="ITC Officina Sans Std Book" panose="020B0506040203020204" pitchFamily="34" charset="0"/>
-              </a:rPr>
-              <a:t>grader CHI </a:t>
-            </a:r>
-          </a:p>
-          <a:p>
-            <a:r>
-              <a:rPr lang="en-US" altLang="zh-CN" sz="1800" dirty="0">
-                <a:solidFill>
-                  <a:srgbClr val="4A4A4A"/>
-                </a:solidFill>
-                <a:latin typeface="ITC Officina Sans Std Book" panose="020B0506040203020204" pitchFamily="34" charset="0"/>
-              </a:rPr>
-              <a:t>Vs. 4</a:t>
-            </a:r>
-            <a:r>
-              <a:rPr lang="en-US" altLang="zh-CN" sz="1800" baseline="30000" dirty="0">
-                <a:solidFill>
-                  <a:srgbClr val="4A4A4A"/>
-                </a:solidFill>
-                <a:latin typeface="ITC Officina Sans Std Book" panose="020B0506040203020204" pitchFamily="34" charset="0"/>
-              </a:rPr>
-              <a:t>th </a:t>
-            </a:r>
-            <a:r>
-              <a:rPr lang="en-US" altLang="zh-CN" sz="1800" dirty="0">
-                <a:solidFill>
-                  <a:srgbClr val="4A4A4A"/>
-                </a:solidFill>
-                <a:latin typeface="ITC Officina Sans Std Book" panose="020B0506040203020204" pitchFamily="34" charset="0"/>
-              </a:rPr>
-              <a:t>grader math proficient US / Total 4</a:t>
-            </a:r>
-            <a:r>
-              <a:rPr lang="en-US" altLang="zh-CN" sz="1800" baseline="30000" dirty="0">
-                <a:solidFill>
-                  <a:srgbClr val="4A4A4A"/>
-                </a:solidFill>
-                <a:latin typeface="ITC Officina Sans Std Book" panose="020B0506040203020204" pitchFamily="34" charset="0"/>
-              </a:rPr>
-              <a:t>th </a:t>
-            </a:r>
-            <a:r>
-              <a:rPr lang="en-US" altLang="zh-CN" sz="1800" dirty="0">
-                <a:solidFill>
-                  <a:srgbClr val="4A4A4A"/>
-                </a:solidFill>
-                <a:latin typeface="ITC Officina Sans Std Book" panose="020B0506040203020204" pitchFamily="34" charset="0"/>
-              </a:rPr>
-              <a:t>grader US</a:t>
-            </a:r>
-            <a:endParaRPr lang="zh-CN" altLang="en-US" dirty="0">
-              <a:solidFill>
-                <a:srgbClr val="4A4A4A"/>
-              </a:solidFill>
-              <a:latin typeface="ITC Officina Sans Std Book" panose="020B0506040203020204" pitchFamily="34" charset="0"/>
-            </a:endParaRPr>
-          </a:p>
-        </p:txBody>
-      </p:sp>
-      <p:graphicFrame>
-        <p:nvGraphicFramePr>
-          <p:cNvPr id="4" name="Chart 3">
-            <a:extLst>
-              <a:ext uri="{FF2B5EF4-FFF2-40B4-BE49-F238E27FC236}">
-                <a16:creationId xmlns:a16="http://schemas.microsoft.com/office/drawing/2014/main" id="{CEC4242C-B98F-02D5-66F3-A24B2F4A4164}"/>
-              </a:ext>
-            </a:extLst>
-          </p:cNvPr>
-          <p:cNvGraphicFramePr/>
-          <p:nvPr>
-            <p:extLst>
-              <p:ext uri="{D42A27DB-BD31-4B8C-83A1-F6EECF244321}">
-                <p14:modId xmlns:p14="http://schemas.microsoft.com/office/powerpoint/2010/main" val="3149805467"/>
-              </p:ext>
-            </p:extLst>
-          </p:nvPr>
-        </p:nvGraphicFramePr>
-        <p:xfrm>
-          <a:off x="5124449" y="2190749"/>
-          <a:ext cx="6111875" cy="4221833"/>
-        </p:xfrm>
-        <a:graphic>
-          <a:graphicData uri="http://schemas.openxmlformats.org/drawingml/2006/chart">
-            <c:chart xmlns:c="http://schemas.openxmlformats.org/drawingml/2006/chart" xmlns:r="http://schemas.openxmlformats.org/officeDocument/2006/relationships" r:id="rId2"/>
-          </a:graphicData>
-        </a:graphic>
-      </p:graphicFrame>
-      <p:sp>
-        <p:nvSpPr>
-          <p:cNvPr id="2" name="TextBox 1">
-            <a:extLst>
-              <a:ext uri="{FF2B5EF4-FFF2-40B4-BE49-F238E27FC236}">
-                <a16:creationId xmlns:a16="http://schemas.microsoft.com/office/drawing/2014/main" id="{A57BAF6C-0D05-8687-C3B3-D2FB9FF54460}"/>
-              </a:ext>
-            </a:extLst>
-          </p:cNvPr>
-          <p:cNvSpPr txBox="1"/>
-          <p:nvPr/>
-        </p:nvSpPr>
-        <p:spPr>
-          <a:xfrm>
-            <a:off x="581025" y="2190749"/>
-            <a:ext cx="3714750" cy="2123658"/>
-          </a:xfrm>
-          <a:prstGeom prst="rect">
-            <a:avLst/>
-          </a:prstGeom>
-          <a:noFill/>
-        </p:spPr>
-        <p:txBody>
-          <a:bodyPr wrap="square" rtlCol="0">
-            <a:spAutoFit/>
-          </a:bodyPr>
-          <a:lstStyle/>
-          <a:p>
-            <a:r>
-              <a:rPr lang="en-US" altLang="zh-CN" sz="1200" b="1" u="sng" dirty="0">
-                <a:solidFill>
-                  <a:srgbClr val="4A4A4A"/>
-                </a:solidFill>
-                <a:latin typeface="ITC Officina Sans Std Book" panose="020B0506040203020204" pitchFamily="34" charset="0"/>
-              </a:rPr>
-              <a:t>What does the data tell?</a:t>
-            </a:r>
-          </a:p>
-          <a:p>
-            <a:endParaRPr lang="en-US" altLang="zh-CN" sz="1200" b="1" u="sng" dirty="0">
-              <a:solidFill>
-                <a:srgbClr val="4A4A4A"/>
-              </a:solidFill>
-              <a:latin typeface="ITC Officina Sans Std Book" panose="020B0506040203020204" pitchFamily="34" charset="0"/>
-            </a:endParaRPr>
-          </a:p>
-          <a:p>
-            <a:pPr marL="171450" indent="-171450">
-              <a:buFont typeface="Arial" panose="020B0604020202020204" pitchFamily="34" charset="0"/>
-              <a:buChar char="•"/>
-            </a:pPr>
-            <a:r>
-              <a:rPr lang="en-US" altLang="zh-CN" sz="1200" dirty="0">
-                <a:solidFill>
-                  <a:srgbClr val="4A4A4A"/>
-                </a:solidFill>
-                <a:latin typeface="ITC Officina Sans Std Book" panose="020B0506040203020204" pitchFamily="34" charset="0"/>
-              </a:rPr>
-              <a:t>In CPS 4</a:t>
-            </a:r>
-            <a:r>
-              <a:rPr lang="en-US" altLang="zh-CN" sz="1200" baseline="30000" dirty="0">
-                <a:solidFill>
-                  <a:srgbClr val="4A4A4A"/>
-                </a:solidFill>
-                <a:latin typeface="ITC Officina Sans Std Book" panose="020B0506040203020204" pitchFamily="34" charset="0"/>
-              </a:rPr>
-              <a:t>th</a:t>
-            </a:r>
-            <a:r>
-              <a:rPr lang="en-US" altLang="zh-CN" sz="1200" dirty="0">
-                <a:solidFill>
-                  <a:srgbClr val="4A4A4A"/>
-                </a:solidFill>
-                <a:latin typeface="ITC Officina Sans Std Book" panose="020B0506040203020204" pitchFamily="34" charset="0"/>
-              </a:rPr>
-              <a:t> grade, White students have the highest math proficiency rate,1.1 times higher than Asians, 1.8 times higher than Hispanics, and 2.8 times higher than black. </a:t>
-            </a:r>
-          </a:p>
-          <a:p>
-            <a:pPr marL="171450" indent="-171450">
-              <a:buFont typeface="Arial" panose="020B0604020202020204" pitchFamily="34" charset="0"/>
-              <a:buChar char="•"/>
-            </a:pPr>
-            <a:endParaRPr lang="en-US" altLang="zh-CN" sz="1200" dirty="0">
-              <a:solidFill>
-                <a:srgbClr val="4A4A4A"/>
-              </a:solidFill>
-              <a:latin typeface="ITC Officina Sans Std Book" panose="020B0506040203020204" pitchFamily="34" charset="0"/>
-            </a:endParaRPr>
-          </a:p>
-          <a:p>
-            <a:pPr marL="171450" indent="-171450">
-              <a:buFont typeface="Arial" panose="020B0604020202020204" pitchFamily="34" charset="0"/>
-              <a:buChar char="•"/>
-            </a:pPr>
-            <a:r>
-              <a:rPr lang="en-US" altLang="zh-CN" sz="1200" dirty="0">
-                <a:solidFill>
-                  <a:srgbClr val="4A4A4A"/>
-                </a:solidFill>
-                <a:latin typeface="ITC Officina Sans Std Book" panose="020B0506040203020204" pitchFamily="34" charset="0"/>
-              </a:rPr>
-              <a:t>The proportion of math proficient students in 4</a:t>
-            </a:r>
-            <a:r>
-              <a:rPr lang="en-US" altLang="zh-CN" sz="1200" baseline="30000" dirty="0">
-                <a:solidFill>
-                  <a:srgbClr val="4A4A4A"/>
-                </a:solidFill>
-                <a:latin typeface="ITC Officina Sans Std Book" panose="020B0506040203020204" pitchFamily="34" charset="0"/>
-              </a:rPr>
-              <a:t>th</a:t>
-            </a:r>
-            <a:r>
-              <a:rPr lang="en-US" altLang="zh-CN" sz="1200" dirty="0">
-                <a:solidFill>
-                  <a:srgbClr val="4A4A4A"/>
-                </a:solidFill>
-                <a:latin typeface="ITC Officina Sans Std Book" panose="020B0506040203020204" pitchFamily="34" charset="0"/>
-              </a:rPr>
-              <a:t> grade is noticeably lower in CPS than the national average across all ethnic groups. </a:t>
-            </a:r>
-          </a:p>
-          <a:p>
-            <a:endParaRPr lang="en-US" altLang="zh-CN" sz="1200" dirty="0">
-              <a:solidFill>
-                <a:srgbClr val="4A4A4A"/>
-              </a:solidFill>
-              <a:latin typeface="ITC Officina Sans Std Book" panose="020B0506040203020204" pitchFamily="34" charset="0"/>
-            </a:endParaRPr>
-          </a:p>
-        </p:txBody>
-      </p:sp>
-    </p:spTree>
-    <p:extLst>
-      <p:ext uri="{BB962C8B-B14F-4D97-AF65-F5344CB8AC3E}">
-        <p14:creationId xmlns:p14="http://schemas.microsoft.com/office/powerpoint/2010/main" val="61821805"/>
-      </p:ext>
-    </p:extLst>
-  </p:cSld>
-  <p:clrMapOvr>
-    <a:masterClrMapping/>
-  </p:clrMapOvr>
-</p:sld>
-</file>
-
-<file path=ppt/slides/slide5.xml><?xml version="1.0" encoding="utf-8"?>
-<p:sld xmlns:a="http://schemas.openxmlformats.org/drawingml/2006/main" xmlns:r="http://schemas.openxmlformats.org/officeDocument/2006/relationships" xmlns:p="http://schemas.openxmlformats.org/presentationml/2006/main">
-  <p:cSld>
-    <p:spTree>
-      <p:nvGrpSpPr>
-        <p:cNvPr id="1" name=""/>
-        <p:cNvGrpSpPr/>
-        <p:nvPr/>
-      </p:nvGrpSpPr>
-      <p:grpSpPr>
-        <a:xfrm>
-          <a:off x="0" y="0"/>
-          <a:ext cx="0" cy="0"/>
-          <a:chOff x="0" y="0"/>
-          <a:chExt cx="0" cy="0"/>
-        </a:xfrm>
-      </p:grpSpPr>
-      <p:sp>
-        <p:nvSpPr>
-          <p:cNvPr id="21" name="Rectangle 20">
-            <a:extLst>
-              <a:ext uri="{FF2B5EF4-FFF2-40B4-BE49-F238E27FC236}">
-                <a16:creationId xmlns:a16="http://schemas.microsoft.com/office/drawing/2014/main" id="{A0E89330-BF24-10DF-6DD2-AFCB879D19CF}"/>
-              </a:ext>
-            </a:extLst>
-          </p:cNvPr>
-          <p:cNvSpPr/>
-          <p:nvPr/>
-        </p:nvSpPr>
-        <p:spPr>
-          <a:xfrm>
-            <a:off x="-10972800" y="-6607277"/>
-            <a:ext cx="34275252" cy="22152077"/>
-          </a:xfrm>
-          <a:prstGeom prst="rect">
-            <a:avLst/>
-          </a:prstGeom>
-          <a:noFill/>
-        </p:spPr>
-        <p:style>
-          <a:lnRef idx="2">
-            <a:schemeClr val="accent1">
-              <a:shade val="50000"/>
-            </a:schemeClr>
-          </a:lnRef>
-          <a:fillRef idx="1">
-            <a:schemeClr val="accent1"/>
-          </a:fillRef>
-          <a:effectRef idx="0">
-            <a:schemeClr val="accent1"/>
-          </a:effectRef>
-          <a:fontRef idx="minor">
-            <a:schemeClr val="lt1"/>
-          </a:fontRef>
-        </p:style>
-        <p:txBody>
-          <a:bodyPr rtlCol="0" anchor="ctr"/>
-          <a:lstStyle/>
-          <a:p>
-            <a:pPr algn="ctr"/>
-            <a:endParaRPr lang="zh-CN" altLang="en-US"/>
-          </a:p>
-        </p:txBody>
-      </p:sp>
-      <p:sp>
-        <p:nvSpPr>
-          <p:cNvPr id="123" name="TextBox 122">
-            <a:extLst>
-              <a:ext uri="{FF2B5EF4-FFF2-40B4-BE49-F238E27FC236}">
-                <a16:creationId xmlns:a16="http://schemas.microsoft.com/office/drawing/2014/main" id="{B25ED610-FF94-E2C3-7DD6-3B6727C66CCC}"/>
-              </a:ext>
-            </a:extLst>
-          </p:cNvPr>
-          <p:cNvSpPr txBox="1"/>
-          <p:nvPr/>
-        </p:nvSpPr>
-        <p:spPr>
-          <a:xfrm>
-            <a:off x="510556" y="386396"/>
             <a:ext cx="11170886" cy="1785104"/>
           </a:xfrm>
           <a:prstGeom prst="rect">
@@ -41896,6 +41916,443 @@
 </p:sld>
 </file>
 
+<file path=ppt/slides/slide5.xml><?xml version="1.0" encoding="utf-8"?>
+<p:sld xmlns:a="http://schemas.openxmlformats.org/drawingml/2006/main" xmlns:r="http://schemas.openxmlformats.org/officeDocument/2006/relationships" xmlns:p="http://schemas.openxmlformats.org/presentationml/2006/main">
+  <p:cSld>
+    <p:spTree>
+      <p:nvGrpSpPr>
+        <p:cNvPr id="1" name=""/>
+        <p:cNvGrpSpPr/>
+        <p:nvPr/>
+      </p:nvGrpSpPr>
+      <p:grpSpPr>
+        <a:xfrm>
+          <a:off x="0" y="0"/>
+          <a:ext cx="0" cy="0"/>
+          <a:chOff x="0" y="0"/>
+          <a:chExt cx="0" cy="0"/>
+        </a:xfrm>
+      </p:grpSpPr>
+      <p:sp>
+        <p:nvSpPr>
+          <p:cNvPr id="21" name="Rectangle 20">
+            <a:extLst>
+              <a:ext uri="{FF2B5EF4-FFF2-40B4-BE49-F238E27FC236}">
+                <a16:creationId xmlns:a16="http://schemas.microsoft.com/office/drawing/2014/main" id="{A0E89330-BF24-10DF-6DD2-AFCB879D19CF}"/>
+              </a:ext>
+            </a:extLst>
+          </p:cNvPr>
+          <p:cNvSpPr/>
+          <p:nvPr/>
+        </p:nvSpPr>
+        <p:spPr>
+          <a:xfrm>
+            <a:off x="-10972800" y="-6607277"/>
+            <a:ext cx="34275252" cy="22152077"/>
+          </a:xfrm>
+          <a:prstGeom prst="rect">
+            <a:avLst/>
+          </a:prstGeom>
+          <a:noFill/>
+        </p:spPr>
+        <p:style>
+          <a:lnRef idx="2">
+            <a:schemeClr val="accent1">
+              <a:shade val="50000"/>
+            </a:schemeClr>
+          </a:lnRef>
+          <a:fillRef idx="1">
+            <a:schemeClr val="accent1"/>
+          </a:fillRef>
+          <a:effectRef idx="0">
+            <a:schemeClr val="accent1"/>
+          </a:effectRef>
+          <a:fontRef idx="minor">
+            <a:schemeClr val="lt1"/>
+          </a:fontRef>
+        </p:style>
+        <p:txBody>
+          <a:bodyPr rtlCol="0" anchor="ctr"/>
+          <a:lstStyle/>
+          <a:p>
+            <a:pPr algn="ctr"/>
+            <a:endParaRPr lang="zh-CN" altLang="en-US"/>
+          </a:p>
+        </p:txBody>
+      </p:sp>
+      <p:sp>
+        <p:nvSpPr>
+          <p:cNvPr id="123" name="TextBox 122">
+            <a:extLst>
+              <a:ext uri="{FF2B5EF4-FFF2-40B4-BE49-F238E27FC236}">
+                <a16:creationId xmlns:a16="http://schemas.microsoft.com/office/drawing/2014/main" id="{B25ED610-FF94-E2C3-7DD6-3B6727C66CCC}"/>
+              </a:ext>
+            </a:extLst>
+          </p:cNvPr>
+          <p:cNvSpPr txBox="1"/>
+          <p:nvPr/>
+        </p:nvSpPr>
+        <p:spPr>
+          <a:xfrm>
+            <a:off x="510556" y="386396"/>
+            <a:ext cx="11170886" cy="1785104"/>
+          </a:xfrm>
+          <a:prstGeom prst="rect">
+            <a:avLst/>
+          </a:prstGeom>
+          <a:noFill/>
+        </p:spPr>
+        <p:txBody>
+          <a:bodyPr wrap="square" rtlCol="0">
+            <a:spAutoFit/>
+          </a:bodyPr>
+          <a:lstStyle/>
+          <a:p>
+            <a:r>
+              <a:rPr lang="en-US" altLang="zh-CN" sz="2000" dirty="0">
+                <a:solidFill>
+                  <a:srgbClr val="FF0000"/>
+                </a:solidFill>
+                <a:latin typeface="Antique Olive Std Compact" panose="020B0904030504040204" pitchFamily="34" charset="0"/>
+                <a:ea typeface="Tahoma" panose="020B0604030504040204" pitchFamily="34" charset="0"/>
+                <a:cs typeface="Tahoma" panose="020B0604030504040204" pitchFamily="34" charset="0"/>
+              </a:rPr>
+              <a:t>Proficiency</a:t>
+            </a:r>
+            <a:r>
+              <a:rPr lang="en-US" altLang="zh-CN" sz="2000" dirty="0">
+                <a:solidFill>
+                  <a:schemeClr val="tx2"/>
+                </a:solidFill>
+                <a:latin typeface="Antique Olive Std Compact" panose="020B0904030504040204" pitchFamily="34" charset="0"/>
+                <a:ea typeface="Tahoma" panose="020B0604030504040204" pitchFamily="34" charset="0"/>
+                <a:cs typeface="Tahoma" panose="020B0604030504040204" pitchFamily="34" charset="0"/>
+              </a:rPr>
+              <a:t>: 8</a:t>
+            </a:r>
+            <a:r>
+              <a:rPr lang="en-US" altLang="zh-CN" sz="2000" baseline="30000" dirty="0">
+                <a:solidFill>
+                  <a:schemeClr val="tx2"/>
+                </a:solidFill>
+                <a:latin typeface="Antique Olive Std Compact" panose="020B0904030504040204" pitchFamily="34" charset="0"/>
+                <a:ea typeface="Tahoma" panose="020B0604030504040204" pitchFamily="34" charset="0"/>
+                <a:cs typeface="Tahoma" panose="020B0604030504040204" pitchFamily="34" charset="0"/>
+              </a:rPr>
+              <a:t>th</a:t>
+            </a:r>
+            <a:r>
+              <a:rPr lang="en-US" altLang="zh-CN" sz="2000" dirty="0">
+                <a:solidFill>
+                  <a:schemeClr val="tx2"/>
+                </a:solidFill>
+                <a:latin typeface="Antique Olive Std Compact" panose="020B0904030504040204" pitchFamily="34" charset="0"/>
+                <a:ea typeface="Tahoma" panose="020B0604030504040204" pitchFamily="34" charset="0"/>
+                <a:cs typeface="Tahoma" panose="020B0604030504040204" pitchFamily="34" charset="0"/>
+              </a:rPr>
+              <a:t> grade passing algebra</a:t>
+            </a:r>
+          </a:p>
+          <a:p>
+            <a:r>
+              <a:rPr lang="en-US" altLang="zh-CN" dirty="0">
+                <a:solidFill>
+                  <a:srgbClr val="4A4A4A"/>
+                </a:solidFill>
+                <a:latin typeface="ITC Officina Sans Std Book" panose="020B0506040203020204" pitchFamily="34" charset="0"/>
+              </a:rPr>
+              <a:t>The proportion of CPS 8th graders enrolled in algebra classes passing algebra by race/ethnicity</a:t>
+            </a:r>
+          </a:p>
+          <a:p>
+            <a:endParaRPr lang="en-US" altLang="zh-CN" dirty="0">
+              <a:solidFill>
+                <a:srgbClr val="4A4A4A"/>
+              </a:solidFill>
+              <a:latin typeface="ITC Officina Sans Std Book" panose="020B0506040203020204" pitchFamily="34" charset="0"/>
+            </a:endParaRPr>
+          </a:p>
+          <a:p>
+            <a:r>
+              <a:rPr lang="en-US" altLang="zh-CN" dirty="0">
+                <a:solidFill>
+                  <a:srgbClr val="4A4A4A"/>
+                </a:solidFill>
+                <a:latin typeface="ITC Officina Sans Std Book" panose="020B0506040203020204" pitchFamily="34" charset="0"/>
+              </a:rPr>
+              <a:t>8</a:t>
+            </a:r>
+            <a:r>
+              <a:rPr lang="en-US" altLang="zh-CN" baseline="30000" dirty="0">
+                <a:solidFill>
+                  <a:srgbClr val="4A4A4A"/>
+                </a:solidFill>
+                <a:latin typeface="ITC Officina Sans Std Book" panose="020B0506040203020204" pitchFamily="34" charset="0"/>
+              </a:rPr>
+              <a:t>th </a:t>
+            </a:r>
+            <a:r>
+              <a:rPr lang="en-US" altLang="zh-CN" dirty="0">
+                <a:solidFill>
+                  <a:srgbClr val="4A4A4A"/>
+                </a:solidFill>
+                <a:latin typeface="ITC Officina Sans Std Book" panose="020B0506040203020204" pitchFamily="34" charset="0"/>
+              </a:rPr>
+              <a:t>grader passing algebra CHI / 8</a:t>
+            </a:r>
+            <a:r>
+              <a:rPr lang="en-US" altLang="zh-CN" baseline="30000" dirty="0">
+                <a:solidFill>
+                  <a:srgbClr val="4A4A4A"/>
+                </a:solidFill>
+                <a:latin typeface="ITC Officina Sans Std Book" panose="020B0506040203020204" pitchFamily="34" charset="0"/>
+              </a:rPr>
+              <a:t>th </a:t>
+            </a:r>
+            <a:r>
+              <a:rPr lang="en-US" altLang="zh-CN" dirty="0">
+                <a:solidFill>
+                  <a:srgbClr val="4A4A4A"/>
+                </a:solidFill>
+                <a:latin typeface="ITC Officina Sans Std Book" panose="020B0506040203020204" pitchFamily="34" charset="0"/>
+              </a:rPr>
+              <a:t>graders enrolled in algebra CHI </a:t>
+            </a:r>
+          </a:p>
+          <a:p>
+            <a:r>
+              <a:rPr lang="en-US" altLang="zh-CN" dirty="0">
+                <a:solidFill>
+                  <a:srgbClr val="4A4A4A"/>
+                </a:solidFill>
+                <a:latin typeface="ITC Officina Sans Std Book" panose="020B0506040203020204" pitchFamily="34" charset="0"/>
+              </a:rPr>
+              <a:t>Vs. 8</a:t>
+            </a:r>
+            <a:r>
+              <a:rPr lang="en-US" altLang="zh-CN" baseline="30000" dirty="0">
+                <a:solidFill>
+                  <a:srgbClr val="4A4A4A"/>
+                </a:solidFill>
+                <a:latin typeface="ITC Officina Sans Std Book" panose="020B0506040203020204" pitchFamily="34" charset="0"/>
+              </a:rPr>
+              <a:t>th </a:t>
+            </a:r>
+            <a:r>
+              <a:rPr lang="en-US" altLang="zh-CN" dirty="0">
+                <a:solidFill>
+                  <a:srgbClr val="4A4A4A"/>
+                </a:solidFill>
+                <a:latin typeface="ITC Officina Sans Std Book" panose="020B0506040203020204" pitchFamily="34" charset="0"/>
+              </a:rPr>
+              <a:t>grader passing algebra US / 8</a:t>
+            </a:r>
+            <a:r>
+              <a:rPr lang="en-US" altLang="zh-CN" baseline="30000" dirty="0">
+                <a:solidFill>
+                  <a:srgbClr val="4A4A4A"/>
+                </a:solidFill>
+                <a:latin typeface="ITC Officina Sans Std Book" panose="020B0506040203020204" pitchFamily="34" charset="0"/>
+              </a:rPr>
+              <a:t>th </a:t>
+            </a:r>
+            <a:r>
+              <a:rPr lang="en-US" altLang="zh-CN" dirty="0">
+                <a:solidFill>
+                  <a:srgbClr val="4A4A4A"/>
+                </a:solidFill>
+                <a:latin typeface="ITC Officina Sans Std Book" panose="020B0506040203020204" pitchFamily="34" charset="0"/>
+              </a:rPr>
+              <a:t>graders enrolled in algebra US</a:t>
+            </a:r>
+          </a:p>
+          <a:p>
+            <a:endParaRPr lang="zh-CN" altLang="en-US" dirty="0">
+              <a:solidFill>
+                <a:srgbClr val="4A4A4A"/>
+              </a:solidFill>
+              <a:latin typeface="ITC Officina Sans Std Book" panose="020B0506040203020204" pitchFamily="34" charset="0"/>
+            </a:endParaRPr>
+          </a:p>
+        </p:txBody>
+      </p:sp>
+      <p:graphicFrame>
+        <p:nvGraphicFramePr>
+          <p:cNvPr id="4" name="Chart 3">
+            <a:extLst>
+              <a:ext uri="{FF2B5EF4-FFF2-40B4-BE49-F238E27FC236}">
+                <a16:creationId xmlns:a16="http://schemas.microsoft.com/office/drawing/2014/main" id="{22D9413D-AA5F-78AB-CDDB-2C31AEE55CBE}"/>
+              </a:ext>
+            </a:extLst>
+          </p:cNvPr>
+          <p:cNvGraphicFramePr/>
+          <p:nvPr>
+            <p:extLst>
+              <p:ext uri="{D42A27DB-BD31-4B8C-83A1-F6EECF244321}">
+                <p14:modId xmlns:p14="http://schemas.microsoft.com/office/powerpoint/2010/main" val="478264951"/>
+              </p:ext>
+            </p:extLst>
+          </p:nvPr>
+        </p:nvGraphicFramePr>
+        <p:xfrm>
+          <a:off x="5102227" y="2191808"/>
+          <a:ext cx="6105035" cy="4279796"/>
+        </p:xfrm>
+        <a:graphic>
+          <a:graphicData uri="http://schemas.openxmlformats.org/drawingml/2006/chart">
+            <c:chart xmlns:c="http://schemas.openxmlformats.org/drawingml/2006/chart" xmlns:r="http://schemas.openxmlformats.org/officeDocument/2006/relationships" r:id="rId2"/>
+          </a:graphicData>
+        </a:graphic>
+      </p:graphicFrame>
+      <p:sp>
+        <p:nvSpPr>
+          <p:cNvPr id="6" name="TextBox 5">
+            <a:extLst>
+              <a:ext uri="{FF2B5EF4-FFF2-40B4-BE49-F238E27FC236}">
+                <a16:creationId xmlns:a16="http://schemas.microsoft.com/office/drawing/2014/main" id="{E7EB357B-DC3F-741B-737F-0734403E4940}"/>
+              </a:ext>
+            </a:extLst>
+          </p:cNvPr>
+          <p:cNvSpPr txBox="1"/>
+          <p:nvPr/>
+        </p:nvSpPr>
+        <p:spPr>
+          <a:xfrm>
+            <a:off x="581025" y="2190749"/>
+            <a:ext cx="3714750" cy="2123658"/>
+          </a:xfrm>
+          <a:prstGeom prst="rect">
+            <a:avLst/>
+          </a:prstGeom>
+          <a:noFill/>
+        </p:spPr>
+        <p:txBody>
+          <a:bodyPr wrap="square" rtlCol="0">
+            <a:spAutoFit/>
+          </a:bodyPr>
+          <a:lstStyle/>
+          <a:p>
+            <a:r>
+              <a:rPr lang="en-US" altLang="zh-CN" sz="1200" b="1" u="sng" dirty="0">
+                <a:solidFill>
+                  <a:srgbClr val="4A4A4A"/>
+                </a:solidFill>
+                <a:latin typeface="ITC Officina Sans Std Book" panose="020B0506040203020204" pitchFamily="34" charset="0"/>
+              </a:rPr>
+              <a:t>What does the data tell?</a:t>
+            </a:r>
+          </a:p>
+          <a:p>
+            <a:endParaRPr lang="en-US" altLang="zh-CN" sz="1200" b="1" u="sng" dirty="0">
+              <a:solidFill>
+                <a:srgbClr val="4A4A4A"/>
+              </a:solidFill>
+              <a:latin typeface="ITC Officina Sans Std Book" panose="020B0506040203020204" pitchFamily="34" charset="0"/>
+            </a:endParaRPr>
+          </a:p>
+          <a:p>
+            <a:pPr marL="171450" indent="-171450">
+              <a:buFont typeface="Arial" panose="020B0604020202020204" pitchFamily="34" charset="0"/>
+              <a:buChar char="•"/>
+            </a:pPr>
+            <a:r>
+              <a:rPr lang="en-US" altLang="zh-CN" sz="1200" dirty="0">
+                <a:solidFill>
+                  <a:srgbClr val="4A4A4A"/>
+                </a:solidFill>
+                <a:latin typeface="ITC Officina Sans Std Book" panose="020B0506040203020204" pitchFamily="34" charset="0"/>
+              </a:rPr>
+              <a:t>The algebra passing rate in CPS is greater than 95% across all ethnic groups, significantly higher than the national average. </a:t>
+            </a:r>
+          </a:p>
+          <a:p>
+            <a:pPr marL="171450" indent="-171450">
+              <a:buFont typeface="Arial" panose="020B0604020202020204" pitchFamily="34" charset="0"/>
+              <a:buChar char="•"/>
+            </a:pPr>
+            <a:endParaRPr lang="en-US" altLang="zh-CN" sz="1200" dirty="0">
+              <a:solidFill>
+                <a:srgbClr val="4A4A4A"/>
+              </a:solidFill>
+              <a:latin typeface="ITC Officina Sans Std Book" panose="020B0506040203020204" pitchFamily="34" charset="0"/>
+            </a:endParaRPr>
+          </a:p>
+          <a:p>
+            <a:pPr marL="171450" indent="-171450">
+              <a:buFont typeface="Arial" panose="020B0604020202020204" pitchFamily="34" charset="0"/>
+              <a:buChar char="•"/>
+            </a:pPr>
+            <a:r>
+              <a:rPr lang="en-US" altLang="zh-CN" sz="1200" dirty="0">
+                <a:solidFill>
+                  <a:srgbClr val="4A4A4A"/>
+                </a:solidFill>
+                <a:latin typeface="ITC Officina Sans Std Book" panose="020B0506040203020204" pitchFamily="34" charset="0"/>
+              </a:rPr>
+              <a:t>Minor inequality detected in this metric </a:t>
+            </a:r>
+          </a:p>
+          <a:p>
+            <a:pPr marL="171450" indent="-171450">
+              <a:buFont typeface="Arial" panose="020B0604020202020204" pitchFamily="34" charset="0"/>
+              <a:buChar char="•"/>
+            </a:pPr>
+            <a:endParaRPr lang="en-US" altLang="zh-CN" sz="1200" dirty="0">
+              <a:solidFill>
+                <a:srgbClr val="4A4A4A"/>
+              </a:solidFill>
+              <a:latin typeface="ITC Officina Sans Std Book" panose="020B0506040203020204" pitchFamily="34" charset="0"/>
+            </a:endParaRPr>
+          </a:p>
+          <a:p>
+            <a:r>
+              <a:rPr lang="en-US" altLang="zh-CN" sz="1200" b="1" u="sng" dirty="0">
+                <a:solidFill>
+                  <a:srgbClr val="4A4A4A"/>
+                </a:solidFill>
+                <a:latin typeface="ITC Officina Sans Std Book" panose="020B0506040203020204" pitchFamily="34" charset="0"/>
+              </a:rPr>
+              <a:t>Takeaways</a:t>
+            </a:r>
+          </a:p>
+          <a:p>
+            <a:endParaRPr lang="en-US" altLang="zh-CN" sz="1200" b="1" u="sng" dirty="0">
+              <a:solidFill>
+                <a:srgbClr val="4A4A4A"/>
+              </a:solidFill>
+              <a:latin typeface="ITC Officina Sans Std Book" panose="020B0506040203020204" pitchFamily="34" charset="0"/>
+            </a:endParaRPr>
+          </a:p>
+          <a:p>
+            <a:pPr marL="171450" indent="-171450">
+              <a:buFont typeface="Arial" panose="020B0604020202020204" pitchFamily="34" charset="0"/>
+              <a:buChar char="•"/>
+            </a:pPr>
+            <a:r>
+              <a:rPr lang="en-US" altLang="zh-CN" sz="1200" dirty="0">
+                <a:solidFill>
+                  <a:srgbClr val="4A4A4A"/>
+                </a:solidFill>
+                <a:latin typeface="ITC Officina Sans Std Book" panose="020B0506040203020204" pitchFamily="34" charset="0"/>
+              </a:rPr>
+              <a:t>Great performance of CPS algebra class</a:t>
+            </a:r>
+          </a:p>
+        </p:txBody>
+      </p:sp>
+    </p:spTree>
+    <p:extLst>
+      <p:ext uri="{BB962C8B-B14F-4D97-AF65-F5344CB8AC3E}">
+        <p14:creationId xmlns:p14="http://schemas.microsoft.com/office/powerpoint/2010/main" val="3325110144"/>
+      </p:ext>
+    </p:extLst>
+  </p:cSld>
+  <p:clrMapOvr>
+    <a:masterClrMapping/>
+  </p:clrMapOvr>
+</p:sld>
+</file>
+
 <file path=ppt/slides/slide6.xml><?xml version="1.0" encoding="utf-8"?>
 <p:sld xmlns:a="http://schemas.openxmlformats.org/drawingml/2006/main" xmlns:r="http://schemas.openxmlformats.org/officeDocument/2006/relationships" xmlns:p="http://schemas.openxmlformats.org/presentationml/2006/main">
   <p:cSld>
@@ -41997,7 +42454,7 @@
                 <a:ea typeface="Tahoma" panose="020B0604030504040204" pitchFamily="34" charset="0"/>
                 <a:cs typeface="Tahoma" panose="020B0604030504040204" pitchFamily="34" charset="0"/>
               </a:rPr>
-              <a:t>Proficiency</a:t>
+              <a:t>Excellence</a:t>
             </a:r>
             <a:r>
               <a:rPr lang="en-US" altLang="zh-CN" sz="2000" dirty="0">
@@ -42008,7 +42465,7 @@
                 <a:ea typeface="Tahoma" panose="020B0604030504040204" pitchFamily="34" charset="0"/>
                 <a:cs typeface="Tahoma" panose="020B0604030504040204" pitchFamily="34" charset="0"/>
               </a:rPr>
-              <a:t>: 8</a:t>
+              <a:t>: 4</a:t>
             </a:r>
             <a:r>
               <a:rPr lang="en-US" altLang="zh-CN" sz="2000" baseline="30000" dirty="0">
@@ -42030,7 +42487,7 @@
                 <a:ea typeface="Tahoma" panose="020B0604030504040204" pitchFamily="34" charset="0"/>
                 <a:cs typeface="Tahoma" panose="020B0604030504040204" pitchFamily="34" charset="0"/>
               </a:rPr>
-              <a:t> grade passing algebra</a:t>
+              <a:t> grade Math Advanced </a:t>
             </a:r>
           </a:p>
           <a:p>
@@ -42041,7 +42498,7 @@
                 </a:solidFill>
                 <a:latin typeface="ITC Officina Sans Std Book" panose="020B0506040203020204" pitchFamily="34" charset="0"/>
               </a:rPr>
-              <a:t>The proportion of CPS 8th graders enrolled in algebra classes passing algebra by race/ethnicity</a:t>
+              <a:t>The proportion of CPS 4th graders advanced in math by race/ethnicity</a:t>
             </a:r>
           </a:p>
           <a:p>
@@ -42054,16 +42511,16 @@
           </a:p>
           <a:p>
             <a:r>
-              <a:rPr lang="en-US" altLang="zh-CN" dirty="0">
+              <a:rPr lang="en-US" altLang="zh-CN" sz="1800" dirty="0">
                 <a:solidFill>
                   <a:srgbClr val="4A4A4A"/>
                 </a:solidFill>
                 <a:latin typeface="ITC Officina Sans Std Book" panose="020B0506040203020204" pitchFamily="34" charset="0"/>
               </a:rPr>
-              <a:t>8</a:t>
+              <a:t>4</a:t>
             </a:r>
             <a:r>
-              <a:rPr lang="en-US" altLang="zh-CN" baseline="30000" dirty="0">
+              <a:rPr lang="en-US" altLang="zh-CN" sz="1800" baseline="30000" dirty="0">
                 <a:solidFill>
                   <a:srgbClr val="4A4A4A"/>
                 </a:solidFill>
@@ -42072,16 +42529,16 @@
               <a:t>th </a:t>
             </a:r>
             <a:r>
-              <a:rPr lang="en-US" altLang="zh-CN" dirty="0">
+              <a:rPr lang="en-US" altLang="zh-CN" sz="1800" dirty="0">
                 <a:solidFill>
                   <a:srgbClr val="4A4A4A"/>
                 </a:solidFill>
                 <a:latin typeface="ITC Officina Sans Std Book" panose="020B0506040203020204" pitchFamily="34" charset="0"/>
               </a:rPr>
-              <a:t>grader passing algebra CHI / 8</a:t>
+              <a:t>grader math advanced CHI / Total 4</a:t>
             </a:r>
             <a:r>
-              <a:rPr lang="en-US" altLang="zh-CN" baseline="30000" dirty="0">
+              <a:rPr lang="en-US" altLang="zh-CN" sz="1800" baseline="30000" dirty="0">
                 <a:solidFill>
                   <a:srgbClr val="4A4A4A"/>
                 </a:solidFill>
@@ -42090,27 +42547,27 @@
               <a:t>th </a:t>
             </a:r>
             <a:r>
-              <a:rPr lang="en-US" altLang="zh-CN" dirty="0">
+              <a:rPr lang="en-US" altLang="zh-CN" sz="1800" dirty="0">
                 <a:solidFill>
                   <a:srgbClr val="4A4A4A"/>
                 </a:solidFill>
                 <a:latin typeface="ITC Officina Sans Std Book" panose="020B0506040203020204" pitchFamily="34" charset="0"/>
               </a:rPr>
-              <a:t>graders enrolled in algebra CHI </a:t>
+              <a:t>grader CHI</a:t>
             </a:r>
           </a:p>
           <a:p>
             <a:r>
-              <a:rPr lang="en-US" altLang="zh-CN" dirty="0">
+              <a:rPr lang="en-US" altLang="zh-CN" sz="1800" dirty="0">
                 <a:solidFill>
                   <a:srgbClr val="4A4A4A"/>
                 </a:solidFill>
                 <a:latin typeface="ITC Officina Sans Std Book" panose="020B0506040203020204" pitchFamily="34" charset="0"/>
               </a:rPr>
-              <a:t>Vs. 8</a:t>
+              <a:t>Vs. 4</a:t>
             </a:r>
             <a:r>
-              <a:rPr lang="en-US" altLang="zh-CN" baseline="30000" dirty="0">
+              <a:rPr lang="en-US" altLang="zh-CN" sz="1800" baseline="30000" dirty="0">
                 <a:solidFill>
                   <a:srgbClr val="4A4A4A"/>
                 </a:solidFill>
@@ -42119,16 +42576,16 @@
               <a:t>th </a:t>
             </a:r>
             <a:r>
-              <a:rPr lang="en-US" altLang="zh-CN" dirty="0">
+              <a:rPr lang="en-US" altLang="zh-CN" sz="1800" dirty="0">
                 <a:solidFill>
                   <a:srgbClr val="4A4A4A"/>
                 </a:solidFill>
                 <a:latin typeface="ITC Officina Sans Std Book" panose="020B0506040203020204" pitchFamily="34" charset="0"/>
               </a:rPr>
-              <a:t>grader passing algebra US / 8</a:t>
+              <a:t>grader math advanced US / Total 4</a:t>
             </a:r>
             <a:r>
-              <a:rPr lang="en-US" altLang="zh-CN" baseline="30000" dirty="0">
+              <a:rPr lang="en-US" altLang="zh-CN" sz="1800" baseline="30000" dirty="0">
                 <a:solidFill>
                   <a:srgbClr val="4A4A4A"/>
                 </a:solidFill>
@@ -42137,14 +42594,20 @@
               <a:t>th </a:t>
             </a:r>
             <a:r>
-              <a:rPr lang="en-US" altLang="zh-CN" dirty="0">
+              <a:rPr lang="en-US" altLang="zh-CN" sz="1800" dirty="0">
                 <a:solidFill>
                   <a:srgbClr val="4A4A4A"/>
                 </a:solidFill>
                 <a:latin typeface="ITC Officina Sans Std Book" panose="020B0506040203020204" pitchFamily="34" charset="0"/>
               </a:rPr>
-              <a:t>graders enrolled in algebra US</a:t>
+              <a:t>grader US</a:t>
             </a:r>
+            <a:endParaRPr lang="en-US" altLang="zh-CN" dirty="0">
+              <a:solidFill>
+                <a:srgbClr val="4A4A4A"/>
+              </a:solidFill>
+              <a:latin typeface="ITC Officina Sans Std Book" panose="020B0506040203020204" pitchFamily="34" charset="0"/>
+            </a:endParaRPr>
           </a:p>
           <a:p>
             <a:endParaRPr lang="zh-CN" altLang="en-US" dirty="0">
@@ -42161,7 +42624,7 @@
           <p:cNvPr id="4" name="Chart 3">
             <a:extLst>
               <a:ext uri="{FF2B5EF4-FFF2-40B4-BE49-F238E27FC236}">
-                <a16:creationId xmlns:a16="http://schemas.microsoft.com/office/drawing/2014/main" id="{22D9413D-AA5F-78AB-CDDB-2C31AEE55CBE}"/>
+                <a16:creationId xmlns:a16="http://schemas.microsoft.com/office/drawing/2014/main" id="{4162E474-FA2F-42A3-82AD-33CB5A345534}"/>
               </a:ext>
             </a:extLst>
           </p:cNvPr>
@@ -42169,14 +42632,14 @@
           <p:nvPr>
             <p:extLst>
               <p:ext uri="{D42A27DB-BD31-4B8C-83A1-F6EECF244321}">
-                <p14:modId xmlns:p14="http://schemas.microsoft.com/office/powerpoint/2010/main" val="478264951"/>
+                <p14:modId xmlns:p14="http://schemas.microsoft.com/office/powerpoint/2010/main" val="3368905938"/>
               </p:ext>
             </p:extLst>
           </p:nvPr>
         </p:nvGraphicFramePr>
         <p:xfrm>
-          <a:off x="5102227" y="2191808"/>
-          <a:ext cx="6105035" cy="4279796"/>
+          <a:off x="5121261" y="2199646"/>
+          <a:ext cx="6094135" cy="4201154"/>
         </p:xfrm>
         <a:graphic>
           <a:graphicData uri="http://schemas.openxmlformats.org/drawingml/2006/chart">
@@ -42186,10 +42649,10 @@
       </p:graphicFrame>
       <p:sp>
         <p:nvSpPr>
-          <p:cNvPr id="6" name="TextBox 5">
+          <p:cNvPr id="7" name="TextBox 6">
             <a:extLst>
               <a:ext uri="{FF2B5EF4-FFF2-40B4-BE49-F238E27FC236}">
-                <a16:creationId xmlns:a16="http://schemas.microsoft.com/office/drawing/2014/main" id="{E7EB357B-DC3F-741B-737F-0734403E4940}"/>
+                <a16:creationId xmlns:a16="http://schemas.microsoft.com/office/drawing/2014/main" id="{D661DC72-C813-62D4-6A71-824D5AE965AF}"/>
               </a:ext>
             </a:extLst>
           </p:cNvPr>
@@ -42199,7 +42662,7 @@
         <p:spPr>
           <a:xfrm>
             <a:off x="581025" y="2190749"/>
-            <a:ext cx="3714750" cy="2123658"/>
+            <a:ext cx="3714750" cy="3046988"/>
           </a:xfrm>
           <a:prstGeom prst="rect">
             <a:avLst/>
@@ -42242,7 +42705,25 @@
                 </a:solidFill>
                 <a:latin typeface="ITC Officina Sans Std Book" panose="020B0506040203020204" pitchFamily="34" charset="0"/>
               </a:rPr>
-              <a:t>The algebra passing rate in CPS is greater than 95% across all ethnic groups, significantly higher than the national average. </a:t>
+              <a:t>In CPS 4</a:t>
+            </a:r>
+            <a:r>
+              <a:rPr lang="en-US" altLang="zh-CN" sz="1200" baseline="30000" dirty="0">
+                <a:solidFill>
+                  <a:srgbClr val="4A4A4A"/>
+                </a:solidFill>
+                <a:latin typeface="ITC Officina Sans Std Book" panose="020B0506040203020204" pitchFamily="34" charset="0"/>
+              </a:rPr>
+              <a:t>th</a:t>
+            </a:r>
+            <a:r>
+              <a:rPr lang="en-US" altLang="zh-CN" sz="1200" dirty="0">
+                <a:solidFill>
+                  <a:srgbClr val="4A4A4A"/>
+                </a:solidFill>
+                <a:latin typeface="ITC Officina Sans Std Book" panose="020B0506040203020204" pitchFamily="34" charset="0"/>
+              </a:rPr>
+              <a:t> grade, Asian have the highest proportion of students who excel at math. The proportion is 1.6 times higher than White, 8 times higher than Hispanics, and 16 times higher than black. </a:t>
             </a:r>
           </a:p>
           <a:p>
@@ -42269,14 +42750,28 @@
                 </a:solidFill>
                 <a:latin typeface="ITC Officina Sans Std Book" panose="020B0506040203020204" pitchFamily="34" charset="0"/>
               </a:rPr>
-              <a:t>Minor inequality detected in this metric </a:t>
+              <a:t>The proportion of 4</a:t>
             </a:r>
-          </a:p>
-          <a:p>
-            <a:pPr marL="171450" indent="-171450">
-              <a:buFont typeface="Arial" panose="020B0604020202020204" pitchFamily="34" charset="0"/>
-              <a:buChar char="•"/>
-            </a:pPr>
+            <a:r>
+              <a:rPr lang="en-US" altLang="zh-CN" sz="1200" baseline="30000" dirty="0">
+                <a:solidFill>
+                  <a:srgbClr val="4A4A4A"/>
+                </a:solidFill>
+                <a:latin typeface="ITC Officina Sans Std Book" panose="020B0506040203020204" pitchFamily="34" charset="0"/>
+              </a:rPr>
+              <a:t>th</a:t>
+            </a:r>
+            <a:r>
+              <a:rPr lang="en-US" altLang="zh-CN" sz="1200" dirty="0">
+                <a:solidFill>
+                  <a:srgbClr val="4A4A4A"/>
+                </a:solidFill>
+                <a:latin typeface="ITC Officina Sans Std Book" panose="020B0506040203020204" pitchFamily="34" charset="0"/>
+              </a:rPr>
+              <a:t> graders who excelled at math is slightly higher in CPS than the national average across all ethnic groups. </a:t>
+            </a:r>
+          </a:p>
+          <a:p>
             <a:endParaRPr lang="en-US" altLang="zh-CN" sz="1200" dirty="0">
               <a:solidFill>
                 <a:srgbClr val="4A4A4A"/>
@@ -42315,7 +42810,7 @@
                 </a:solidFill>
                 <a:latin typeface="ITC Officina Sans Std Book" panose="020B0506040203020204" pitchFamily="34" charset="0"/>
               </a:rPr>
-              <a:t>Great performance of CPS algebra class</a:t>
+              <a:t>The gap/disparity in ethnic groups is significantly enlarged from proficient students to advanced students.</a:t>
             </a:r>
           </a:p>
         </p:txBody>
@@ -42323,7 +42818,7 @@
     </p:spTree>
     <p:extLst>
       <p:ext uri="{BB962C8B-B14F-4D97-AF65-F5344CB8AC3E}">
-        <p14:creationId xmlns:p14="http://schemas.microsoft.com/office/powerpoint/2010/main" val="3325110144"/>
+        <p14:creationId xmlns:p14="http://schemas.microsoft.com/office/powerpoint/2010/main" val="960598161"/>
       </p:ext>
     </p:extLst>
   </p:cSld>
@@ -42412,7 +42907,7 @@
         <p:spPr>
           <a:xfrm>
             <a:off x="510556" y="386396"/>
-            <a:ext cx="11170886" cy="1785104"/>
+            <a:ext cx="11170886" cy="1508105"/>
           </a:xfrm>
           <a:prstGeom prst="rect">
             <a:avLst/>
@@ -42445,7 +42940,7 @@
                 <a:ea typeface="Tahoma" panose="020B0604030504040204" pitchFamily="34" charset="0"/>
                 <a:cs typeface="Tahoma" panose="020B0604030504040204" pitchFamily="34" charset="0"/>
               </a:rPr>
-              <a:t>: 4</a:t>
+              <a:t>: 8</a:t>
             </a:r>
             <a:r>
               <a:rPr lang="en-US" altLang="zh-CN" sz="2000" baseline="30000" dirty="0">
@@ -42478,7 +42973,7 @@
                 </a:solidFill>
                 <a:latin typeface="ITC Officina Sans Std Book" panose="020B0506040203020204" pitchFamily="34" charset="0"/>
               </a:rPr>
-              <a:t>The proportion of CPS 4th graders advanced in math by race/ethnicity</a:t>
+              <a:t>The proportion of CPS 8th graders advanced in math by race/ethnicity</a:t>
             </a:r>
           </a:p>
           <a:p>
@@ -42497,7 +42992,7 @@
                 </a:solidFill>
                 <a:latin typeface="ITC Officina Sans Std Book" panose="020B0506040203020204" pitchFamily="34" charset="0"/>
               </a:rPr>
-              <a:t>4</a:t>
+              <a:t>8</a:t>
             </a:r>
             <a:r>
               <a:rPr lang="en-US" altLang="zh-CN" sz="1800" baseline="30000" dirty="0">
@@ -42515,7 +43010,7 @@
                 </a:solidFill>
                 <a:latin typeface="ITC Officina Sans Std Book" panose="020B0506040203020204" pitchFamily="34" charset="0"/>
               </a:rPr>
-              <a:t>grader math advanced CHI / Total 4</a:t>
+              <a:t>grader math advanced IL / Total 8</a:t>
             </a:r>
             <a:r>
               <a:rPr lang="en-US" altLang="zh-CN" sz="1800" baseline="30000" dirty="0">
@@ -42533,7 +43028,7 @@
                 </a:solidFill>
                 <a:latin typeface="ITC Officina Sans Std Book" panose="020B0506040203020204" pitchFamily="34" charset="0"/>
               </a:rPr>
-              <a:t>grader CHI</a:t>
+              <a:t>grader IL</a:t>
             </a:r>
           </a:p>
           <a:p>
@@ -42544,7 +43039,7 @@
                 </a:solidFill>
                 <a:latin typeface="ITC Officina Sans Std Book" panose="020B0506040203020204" pitchFamily="34" charset="0"/>
               </a:rPr>
-              <a:t>Vs. 4</a:t>
+              <a:t>Vs. 8</a:t>
             </a:r>
             <a:r>
               <a:rPr lang="en-US" altLang="zh-CN" sz="1800" baseline="30000" dirty="0">
@@ -42562,7 +43057,7 @@
                 </a:solidFill>
                 <a:latin typeface="ITC Officina Sans Std Book" panose="020B0506040203020204" pitchFamily="34" charset="0"/>
               </a:rPr>
-              <a:t>grader math advanced US / Total 4</a:t>
+              <a:t>grader math advanced US / Total 8</a:t>
             </a:r>
             <a:r>
               <a:rPr lang="en-US" altLang="zh-CN" sz="1800" baseline="30000" dirty="0">
@@ -42582,14 +43077,6 @@
               </a:rPr>
               <a:t>grader US</a:t>
             </a:r>
-            <a:endParaRPr lang="en-US" altLang="zh-CN" dirty="0">
-              <a:solidFill>
-                <a:srgbClr val="4A4A4A"/>
-              </a:solidFill>
-              <a:latin typeface="ITC Officina Sans Std Book" panose="020B0506040203020204" pitchFamily="34" charset="0"/>
-            </a:endParaRPr>
-          </a:p>
-          <a:p>
             <a:endParaRPr lang="zh-CN" altLang="en-US" dirty="0">
               <a:solidFill>
                 <a:srgbClr val="4A4A4A"/>
@@ -42604,7 +43091,7 @@
           <p:cNvPr id="4" name="Chart 3">
             <a:extLst>
               <a:ext uri="{FF2B5EF4-FFF2-40B4-BE49-F238E27FC236}">
-                <a16:creationId xmlns:a16="http://schemas.microsoft.com/office/drawing/2014/main" id="{4162E474-FA2F-42A3-82AD-33CB5A345534}"/>
+                <a16:creationId xmlns:a16="http://schemas.microsoft.com/office/drawing/2014/main" id="{777676DA-CB61-7F28-2EDB-92A32D5CCF29}"/>
               </a:ext>
             </a:extLst>
           </p:cNvPr>
@@ -42612,14 +43099,14 @@
           <p:nvPr>
             <p:extLst>
               <p:ext uri="{D42A27DB-BD31-4B8C-83A1-F6EECF244321}">
-                <p14:modId xmlns:p14="http://schemas.microsoft.com/office/powerpoint/2010/main" val="3368905938"/>
+                <p14:modId xmlns:p14="http://schemas.microsoft.com/office/powerpoint/2010/main" val="2033237531"/>
               </p:ext>
             </p:extLst>
           </p:nvPr>
         </p:nvGraphicFramePr>
         <p:xfrm>
-          <a:off x="5121261" y="2199646"/>
-          <a:ext cx="6094135" cy="4201154"/>
+          <a:off x="5110482" y="2199908"/>
+          <a:ext cx="6123575" cy="4200892"/>
         </p:xfrm>
         <a:graphic>
           <a:graphicData uri="http://schemas.openxmlformats.org/drawingml/2006/chart">
@@ -42629,10 +43116,10 @@
       </p:graphicFrame>
       <p:sp>
         <p:nvSpPr>
-          <p:cNvPr id="7" name="TextBox 6">
+          <p:cNvPr id="6" name="TextBox 5">
             <a:extLst>
               <a:ext uri="{FF2B5EF4-FFF2-40B4-BE49-F238E27FC236}">
-                <a16:creationId xmlns:a16="http://schemas.microsoft.com/office/drawing/2014/main" id="{D661DC72-C813-62D4-6A71-824D5AE965AF}"/>
+                <a16:creationId xmlns:a16="http://schemas.microsoft.com/office/drawing/2014/main" id="{5443AC60-F62C-717E-6400-5BCA9B556DC2}"/>
               </a:ext>
             </a:extLst>
           </p:cNvPr>
@@ -42642,7 +43129,7 @@
         <p:spPr>
           <a:xfrm>
             <a:off x="581025" y="2190749"/>
-            <a:ext cx="3714750" cy="3046988"/>
+            <a:ext cx="3714750" cy="3231654"/>
           </a:xfrm>
           <a:prstGeom prst="rect">
             <a:avLst/>
@@ -42685,7 +43172,7 @@
                 </a:solidFill>
                 <a:latin typeface="ITC Officina Sans Std Book" panose="020B0506040203020204" pitchFamily="34" charset="0"/>
               </a:rPr>
-              <a:t>In CPS 4</a:t>
+              <a:t>In CPS 8</a:t>
             </a:r>
             <a:r>
               <a:rPr lang="en-US" altLang="zh-CN" sz="1200" baseline="30000" dirty="0">
@@ -42703,7 +43190,7 @@
                 </a:solidFill>
                 <a:latin typeface="ITC Officina Sans Std Book" panose="020B0506040203020204" pitchFamily="34" charset="0"/>
               </a:rPr>
-              <a:t> grade, Asian have the highest proportion of students who excel at math. The proportion is 1.6 times higher than White, 8 times higher than Hispanics, and 16 times higher than black. </a:t>
+              <a:t> grade, Asian have the highest proportion of students who excel at math. The proportion is 1.7 times higher than White, 6 times higher than Hispanics, and 19 times higher than black. </a:t>
             </a:r>
           </a:p>
           <a:p>
@@ -42730,7 +43217,7 @@
                 </a:solidFill>
                 <a:latin typeface="ITC Officina Sans Std Book" panose="020B0506040203020204" pitchFamily="34" charset="0"/>
               </a:rPr>
-              <a:t>The proportion of 4</a:t>
+              <a:t>The proportion of 8</a:t>
             </a:r>
             <a:r>
               <a:rPr lang="en-US" altLang="zh-CN" sz="1200" baseline="30000" dirty="0">
@@ -42790,7 +43277,43 @@
                 </a:solidFill>
                 <a:latin typeface="ITC Officina Sans Std Book" panose="020B0506040203020204" pitchFamily="34" charset="0"/>
               </a:rPr>
-              <a:t>The gap/disparity in ethnic groups is significantly enlarged from proficient students to advanced students.</a:t>
+              <a:t>The proportion of Hispanic students who excelled at math has increased by 50% from 4</a:t>
+            </a:r>
+            <a:r>
+              <a:rPr lang="en-US" altLang="zh-CN" sz="1200" baseline="30000" dirty="0">
+                <a:solidFill>
+                  <a:srgbClr val="4A4A4A"/>
+                </a:solidFill>
+                <a:latin typeface="ITC Officina Sans Std Book" panose="020B0506040203020204" pitchFamily="34" charset="0"/>
+              </a:rPr>
+              <a:t>th</a:t>
+            </a:r>
+            <a:r>
+              <a:rPr lang="en-US" altLang="zh-CN" sz="1200" dirty="0">
+                <a:solidFill>
+                  <a:srgbClr val="4A4A4A"/>
+                </a:solidFill>
+                <a:latin typeface="ITC Officina Sans Std Book" panose="020B0506040203020204" pitchFamily="34" charset="0"/>
+              </a:rPr>
+              <a:t> to 8</a:t>
+            </a:r>
+            <a:r>
+              <a:rPr lang="en-US" altLang="zh-CN" sz="1200" baseline="30000" dirty="0">
+                <a:solidFill>
+                  <a:srgbClr val="4A4A4A"/>
+                </a:solidFill>
+                <a:latin typeface="ITC Officina Sans Std Book" panose="020B0506040203020204" pitchFamily="34" charset="0"/>
+              </a:rPr>
+              <a:t>th</a:t>
+            </a:r>
+            <a:r>
+              <a:rPr lang="en-US" altLang="zh-CN" sz="1200" dirty="0">
+                <a:solidFill>
+                  <a:srgbClr val="4A4A4A"/>
+                </a:solidFill>
+                <a:latin typeface="ITC Officina Sans Std Book" panose="020B0506040203020204" pitchFamily="34" charset="0"/>
+              </a:rPr>
+              <a:t> grade. This increment in population is 2.8 times greater than the increment of the other three ethnic groups combined.</a:t>
             </a:r>
           </a:p>
         </p:txBody>
@@ -42798,7 +43321,7 @@
     </p:spTree>
     <p:extLst>
       <p:ext uri="{BB962C8B-B14F-4D97-AF65-F5344CB8AC3E}">
-        <p14:creationId xmlns:p14="http://schemas.microsoft.com/office/powerpoint/2010/main" val="960598161"/>
+        <p14:creationId xmlns:p14="http://schemas.microsoft.com/office/powerpoint/2010/main" val="3408944671"/>
       </p:ext>
     </p:extLst>
   </p:cSld>
@@ -42887,7 +43410,7 @@
         <p:spPr>
           <a:xfrm>
             <a:off x="510556" y="386396"/>
-            <a:ext cx="11170886" cy="1508105"/>
+            <a:ext cx="11170886" cy="1231106"/>
           </a:xfrm>
           <a:prstGeom prst="rect">
             <a:avLst/>
@@ -42909,7 +43432,7 @@
                 <a:ea typeface="Tahoma" panose="020B0604030504040204" pitchFamily="34" charset="0"/>
                 <a:cs typeface="Tahoma" panose="020B0604030504040204" pitchFamily="34" charset="0"/>
               </a:rPr>
-              <a:t>Excellence</a:t>
+              <a:t>Access</a:t>
             </a:r>
             <a:r>
               <a:rPr lang="en-US" altLang="zh-CN" sz="2000" dirty="0">
@@ -42920,29 +43443,7 @@
                 <a:ea typeface="Tahoma" panose="020B0604030504040204" pitchFamily="34" charset="0"/>
                 <a:cs typeface="Tahoma" panose="020B0604030504040204" pitchFamily="34" charset="0"/>
               </a:rPr>
-              <a:t>: 8</a:t>
-            </a:r>
-            <a:r>
-              <a:rPr lang="en-US" altLang="zh-CN" sz="2000" baseline="30000" dirty="0">
-                <a:solidFill>
-                  <a:schemeClr val="tx2"/>
-                </a:solidFill>
-                <a:latin typeface="Antique Olive Std Compact" panose="020B0904030504040204" pitchFamily="34" charset="0"/>
-                <a:ea typeface="Tahoma" panose="020B0604030504040204" pitchFamily="34" charset="0"/>
-                <a:cs typeface="Tahoma" panose="020B0604030504040204" pitchFamily="34" charset="0"/>
-              </a:rPr>
-              <a:t>th</a:t>
-            </a:r>
-            <a:r>
-              <a:rPr lang="en-US" altLang="zh-CN" sz="2000" dirty="0">
-                <a:solidFill>
-                  <a:schemeClr val="tx2"/>
-                </a:solidFill>
-                <a:latin typeface="Antique Olive Std Compact" panose="020B0904030504040204" pitchFamily="34" charset="0"/>
-                <a:ea typeface="Tahoma" panose="020B0604030504040204" pitchFamily="34" charset="0"/>
-                <a:cs typeface="Tahoma" panose="020B0604030504040204" pitchFamily="34" charset="0"/>
-              </a:rPr>
-              <a:t> grade Math Advanced </a:t>
+              <a:t>: CPS K-8 STEM Magnet School Enrollment </a:t>
             </a:r>
           </a:p>
           <a:p>
@@ -42953,7 +43454,7 @@
                 </a:solidFill>
                 <a:latin typeface="ITC Officina Sans Std Book" panose="020B0506040203020204" pitchFamily="34" charset="0"/>
               </a:rPr>
-              <a:t>The proportion of CPS 8th graders advanced in math by race/ethnicity</a:t>
+              <a:t>The proportion of CPS K-8 students enrolled in a STEM magnet school by race/ethnicity</a:t>
             </a:r>
           </a:p>
           <a:p>
@@ -42972,97 +43473,8 @@
                 </a:solidFill>
                 <a:latin typeface="ITC Officina Sans Std Book" panose="020B0506040203020204" pitchFamily="34" charset="0"/>
               </a:rPr>
-              <a:t>8</a:t>
+              <a:t>STEM magnet enrolled CHI / Total K8 CHI</a:t>
             </a:r>
-            <a:r>
-              <a:rPr lang="en-US" altLang="zh-CN" sz="1800" baseline="30000" dirty="0">
-                <a:solidFill>
-                  <a:srgbClr val="4A4A4A"/>
-                </a:solidFill>
-                <a:latin typeface="ITC Officina Sans Std Book" panose="020B0506040203020204" pitchFamily="34" charset="0"/>
-              </a:rPr>
-              <a:t>th </a:t>
-            </a:r>
-            <a:r>
-              <a:rPr lang="en-US" altLang="zh-CN" sz="1800" dirty="0">
-                <a:solidFill>
-                  <a:srgbClr val="4A4A4A"/>
-                </a:solidFill>
-                <a:latin typeface="ITC Officina Sans Std Book" panose="020B0506040203020204" pitchFamily="34" charset="0"/>
-              </a:rPr>
-              <a:t>grader math advanced IL / Total 8</a:t>
-            </a:r>
-            <a:r>
-              <a:rPr lang="en-US" altLang="zh-CN" sz="1800" baseline="30000" dirty="0">
-                <a:solidFill>
-                  <a:srgbClr val="4A4A4A"/>
-                </a:solidFill>
-                <a:latin typeface="ITC Officina Sans Std Book" panose="020B0506040203020204" pitchFamily="34" charset="0"/>
-              </a:rPr>
-              <a:t>th </a:t>
-            </a:r>
-            <a:r>
-              <a:rPr lang="en-US" altLang="zh-CN" sz="1800" dirty="0">
-                <a:solidFill>
-                  <a:srgbClr val="4A4A4A"/>
-                </a:solidFill>
-                <a:latin typeface="ITC Officina Sans Std Book" panose="020B0506040203020204" pitchFamily="34" charset="0"/>
-              </a:rPr>
-              <a:t>grader IL</a:t>
-            </a:r>
-          </a:p>
-          <a:p>
-            <a:r>
-              <a:rPr lang="en-US" altLang="zh-CN" sz="1800" dirty="0">
-                <a:solidFill>
-                  <a:srgbClr val="4A4A4A"/>
-                </a:solidFill>
-                <a:latin typeface="ITC Officina Sans Std Book" panose="020B0506040203020204" pitchFamily="34" charset="0"/>
-              </a:rPr>
-              <a:t>Vs. 8</a:t>
-            </a:r>
-            <a:r>
-              <a:rPr lang="en-US" altLang="zh-CN" sz="1800" baseline="30000" dirty="0">
-                <a:solidFill>
-                  <a:srgbClr val="4A4A4A"/>
-                </a:solidFill>
-                <a:latin typeface="ITC Officina Sans Std Book" panose="020B0506040203020204" pitchFamily="34" charset="0"/>
-              </a:rPr>
-              <a:t>th </a:t>
-            </a:r>
-            <a:r>
-              <a:rPr lang="en-US" altLang="zh-CN" sz="1800" dirty="0">
-                <a:solidFill>
-                  <a:srgbClr val="4A4A4A"/>
-                </a:solidFill>
-                <a:latin typeface="ITC Officina Sans Std Book" panose="020B0506040203020204" pitchFamily="34" charset="0"/>
-              </a:rPr>
-              <a:t>grader math advanced US / Total 8</a:t>
-            </a:r>
-            <a:r>
-              <a:rPr lang="en-US" altLang="zh-CN" sz="1800" baseline="30000" dirty="0">
-                <a:solidFill>
-                  <a:srgbClr val="4A4A4A"/>
-                </a:solidFill>
-                <a:latin typeface="ITC Officina Sans Std Book" panose="020B0506040203020204" pitchFamily="34" charset="0"/>
-              </a:rPr>
-              <a:t>th </a:t>
-            </a:r>
-            <a:r>
-              <a:rPr lang="en-US" altLang="zh-CN" sz="1800" dirty="0">
-                <a:solidFill>
-                  <a:srgbClr val="4A4A4A"/>
-                </a:solidFill>
-                <a:latin typeface="ITC Officina Sans Std Book" panose="020B0506040203020204" pitchFamily="34" charset="0"/>
-              </a:rPr>
-              <a:t>grader US</a:t>
-            </a:r>
-            <a:endParaRPr lang="zh-CN" altLang="en-US" dirty="0">
-              <a:solidFill>
-                <a:srgbClr val="4A4A4A"/>
-              </a:solidFill>
-              <a:latin typeface="ITC Officina Sans Std Book" panose="020B0506040203020204" pitchFamily="34" charset="0"/>
-            </a:endParaRPr>
           </a:p>
         </p:txBody>
       </p:sp>
@@ -43071,7 +43483,7 @@
           <p:cNvPr id="4" name="Chart 3">
             <a:extLst>
               <a:ext uri="{FF2B5EF4-FFF2-40B4-BE49-F238E27FC236}">
-                <a16:creationId xmlns:a16="http://schemas.microsoft.com/office/drawing/2014/main" id="{777676DA-CB61-7F28-2EDB-92A32D5CCF29}"/>
+                <a16:creationId xmlns:a16="http://schemas.microsoft.com/office/drawing/2014/main" id="{AA454B12-AA68-C443-0CF7-BAB8BFEE347D}"/>
               </a:ext>
             </a:extLst>
           </p:cNvPr>
@@ -43079,14 +43491,14 @@
           <p:nvPr>
             <p:extLst>
               <p:ext uri="{D42A27DB-BD31-4B8C-83A1-F6EECF244321}">
-                <p14:modId xmlns:p14="http://schemas.microsoft.com/office/powerpoint/2010/main" val="2033237531"/>
+                <p14:modId xmlns:p14="http://schemas.microsoft.com/office/powerpoint/2010/main" val="4040185891"/>
               </p:ext>
             </p:extLst>
           </p:nvPr>
         </p:nvGraphicFramePr>
         <p:xfrm>
-          <a:off x="5110482" y="2199908"/>
-          <a:ext cx="6123575" cy="4200892"/>
+          <a:off x="5106307" y="2190749"/>
+          <a:ext cx="6142718" cy="4219074"/>
         </p:xfrm>
         <a:graphic>
           <a:graphicData uri="http://schemas.openxmlformats.org/drawingml/2006/chart">
@@ -43099,7 +43511,7 @@
           <p:cNvPr id="6" name="TextBox 5">
             <a:extLst>
               <a:ext uri="{FF2B5EF4-FFF2-40B4-BE49-F238E27FC236}">
-                <a16:creationId xmlns:a16="http://schemas.microsoft.com/office/drawing/2014/main" id="{5443AC60-F62C-717E-6400-5BCA9B556DC2}"/>
+                <a16:creationId xmlns:a16="http://schemas.microsoft.com/office/drawing/2014/main" id="{F10AF634-5CC6-72C9-97D9-C3D55DB383D6}"/>
               </a:ext>
             </a:extLst>
           </p:cNvPr>
@@ -43109,7 +43521,7 @@
         <p:spPr>
           <a:xfrm>
             <a:off x="581025" y="2190749"/>
-            <a:ext cx="3714750" cy="3231654"/>
+            <a:ext cx="3714750" cy="2123658"/>
           </a:xfrm>
           <a:prstGeom prst="rect">
             <a:avLst/>
@@ -43152,33 +43564,30 @@
                 </a:solidFill>
                 <a:latin typeface="ITC Officina Sans Std Book" panose="020B0506040203020204" pitchFamily="34" charset="0"/>
               </a:rPr>
-              <a:t>In CPS 8</a:t>
+              <a:t>Asians and Black students have the highest STEM Magnet school enrollment rate relative to their population size in K-8. 1.8 times higher than Hispanics, and 2.8 times higher than white students</a:t>
             </a:r>
+          </a:p>
+          <a:p>
+            <a:endParaRPr lang="en-US" altLang="zh-CN" sz="1200" dirty="0">
+              <a:solidFill>
+                <a:srgbClr val="4A4A4A"/>
+              </a:solidFill>
+              <a:latin typeface="ITC Officina Sans Std Book" panose="020B0506040203020204" pitchFamily="34" charset="0"/>
+            </a:endParaRPr>
+          </a:p>
+          <a:p>
             <a:r>
-              <a:rPr lang="en-US" altLang="zh-CN" sz="1200" baseline="30000" dirty="0">
+              <a:rPr lang="en-US" altLang="zh-CN" sz="1200" b="1" u="sng" dirty="0">
                 <a:solidFill>
                   <a:srgbClr val="4A4A4A"/>
                 </a:solidFill>
                 <a:latin typeface="ITC Officina Sans Std Book" panose="020B0506040203020204" pitchFamily="34" charset="0"/>
               </a:rPr>
-              <a:t>th</a:t>
+              <a:t>Takeaways</a:t>
             </a:r>
-            <a:r>
-              <a:rPr lang="en-US" altLang="zh-CN" sz="1200" dirty="0">
-                <a:solidFill>
-                  <a:srgbClr val="4A4A4A"/>
-                </a:solidFill>
-                <a:latin typeface="ITC Officina Sans Std Book" panose="020B0506040203020204" pitchFamily="34" charset="0"/>
-              </a:rPr>
-              <a:t> grade, Asian have the highest proportion of students who excel at math. The proportion is 1.7 times higher than White, 6 times higher than Hispanics, and 19 times higher than black. </a:t>
-            </a:r>
-          </a:p>
-          <a:p>
-            <a:pPr marL="171450" indent="-171450">
-              <a:buFont typeface="Arial" panose="020B0604020202020204" pitchFamily="34" charset="0"/>
-              <a:buChar char="•"/>
-            </a:pPr>
-            <a:endParaRPr lang="en-US" altLang="zh-CN" sz="1200" dirty="0">
+          </a:p>
+          <a:p>
+            <a:endParaRPr lang="en-US" altLang="zh-CN" sz="1200" b="1" u="sng" dirty="0">
               <a:solidFill>
                 <a:srgbClr val="4A4A4A"/>
               </a:solidFill>
@@ -43197,103 +43606,7 @@
                 </a:solidFill>
                 <a:latin typeface="ITC Officina Sans Std Book" panose="020B0506040203020204" pitchFamily="34" charset="0"/>
               </a:rPr>
-              <a:t>The proportion of 8</a:t>
-            </a:r>
-            <a:r>
-              <a:rPr lang="en-US" altLang="zh-CN" sz="1200" baseline="30000" dirty="0">
-                <a:solidFill>
-                  <a:srgbClr val="4A4A4A"/>
-                </a:solidFill>
-                <a:latin typeface="ITC Officina Sans Std Book" panose="020B0506040203020204" pitchFamily="34" charset="0"/>
-              </a:rPr>
-              <a:t>th</a:t>
-            </a:r>
-            <a:r>
-              <a:rPr lang="en-US" altLang="zh-CN" sz="1200" dirty="0">
-                <a:solidFill>
-                  <a:srgbClr val="4A4A4A"/>
-                </a:solidFill>
-                <a:latin typeface="ITC Officina Sans Std Book" panose="020B0506040203020204" pitchFamily="34" charset="0"/>
-              </a:rPr>
-              <a:t> graders who excelled at math is slightly higher in CPS than the national average across all ethnic groups. </a:t>
-            </a:r>
-          </a:p>
-          <a:p>
-            <a:endParaRPr lang="en-US" altLang="zh-CN" sz="1200" dirty="0">
-              <a:solidFill>
-                <a:srgbClr val="4A4A4A"/>
-              </a:solidFill>
-              <a:latin typeface="ITC Officina Sans Std Book" panose="020B0506040203020204" pitchFamily="34" charset="0"/>
-            </a:endParaRPr>
-          </a:p>
-          <a:p>
-            <a:r>
-              <a:rPr lang="en-US" altLang="zh-CN" sz="1200" b="1" u="sng" dirty="0">
-                <a:solidFill>
-                  <a:srgbClr val="4A4A4A"/>
-                </a:solidFill>
-                <a:latin typeface="ITC Officina Sans Std Book" panose="020B0506040203020204" pitchFamily="34" charset="0"/>
-              </a:rPr>
-              <a:t>Takeaways</a:t>
-            </a:r>
-          </a:p>
-          <a:p>
-            <a:endParaRPr lang="en-US" altLang="zh-CN" sz="1200" b="1" u="sng" dirty="0">
-              <a:solidFill>
-                <a:srgbClr val="4A4A4A"/>
-              </a:solidFill>
-              <a:latin typeface="ITC Officina Sans Std Book" panose="020B0506040203020204" pitchFamily="34" charset="0"/>
-            </a:endParaRPr>
-          </a:p>
-          <a:p>
-            <a:pPr marL="171450" indent="-171450">
-              <a:buFont typeface="Arial" panose="020B0604020202020204" pitchFamily="34" charset="0"/>
-              <a:buChar char="•"/>
-            </a:pPr>
-            <a:r>
-              <a:rPr lang="en-US" altLang="zh-CN" sz="1200" dirty="0">
-                <a:solidFill>
-                  <a:srgbClr val="4A4A4A"/>
-                </a:solidFill>
-                <a:latin typeface="ITC Officina Sans Std Book" panose="020B0506040203020204" pitchFamily="34" charset="0"/>
-              </a:rPr>
-              <a:t>The proportion of Hispanic students who excelled at math has increased by 50% from 4</a:t>
-            </a:r>
-            <a:r>
-              <a:rPr lang="en-US" altLang="zh-CN" sz="1200" baseline="30000" dirty="0">
-                <a:solidFill>
-                  <a:srgbClr val="4A4A4A"/>
-                </a:solidFill>
-                <a:latin typeface="ITC Officina Sans Std Book" panose="020B0506040203020204" pitchFamily="34" charset="0"/>
-              </a:rPr>
-              <a:t>th</a:t>
-            </a:r>
-            <a:r>
-              <a:rPr lang="en-US" altLang="zh-CN" sz="1200" dirty="0">
-                <a:solidFill>
-                  <a:srgbClr val="4A4A4A"/>
-                </a:solidFill>
-                <a:latin typeface="ITC Officina Sans Std Book" panose="020B0506040203020204" pitchFamily="34" charset="0"/>
-              </a:rPr>
-              <a:t> to 8</a:t>
-            </a:r>
-            <a:r>
-              <a:rPr lang="en-US" altLang="zh-CN" sz="1200" baseline="30000" dirty="0">
-                <a:solidFill>
-                  <a:srgbClr val="4A4A4A"/>
-                </a:solidFill>
-                <a:latin typeface="ITC Officina Sans Std Book" panose="020B0506040203020204" pitchFamily="34" charset="0"/>
-              </a:rPr>
-              <a:t>th</a:t>
-            </a:r>
-            <a:r>
-              <a:rPr lang="en-US" altLang="zh-CN" sz="1200" dirty="0">
-                <a:solidFill>
-                  <a:srgbClr val="4A4A4A"/>
-                </a:solidFill>
-                <a:latin typeface="ITC Officina Sans Std Book" panose="020B0506040203020204" pitchFamily="34" charset="0"/>
-              </a:rPr>
-              <a:t> grade. This increment in population is 2.8 times greater than the increment of the other three ethnic groups combined.</a:t>
+              <a:t>The proportion of Black students enrolled in K-8 STEM Magnet schools is twice that of Hispanic students.</a:t>
             </a:r>
           </a:p>
         </p:txBody>
@@ -43301,7 +43614,7 @@
     </p:spTree>
     <p:extLst>
       <p:ext uri="{BB962C8B-B14F-4D97-AF65-F5344CB8AC3E}">
-        <p14:creationId xmlns:p14="http://schemas.microsoft.com/office/powerpoint/2010/main" val="3408944671"/>
+        <p14:creationId xmlns:p14="http://schemas.microsoft.com/office/powerpoint/2010/main" val="3531626399"/>
       </p:ext>
     </p:extLst>
   </p:cSld>
@@ -43375,6 +43688,34 @@
           </a:p>
         </p:txBody>
       </p:sp>
+      <p:graphicFrame>
+        <p:nvGraphicFramePr>
+          <p:cNvPr id="4" name="Chart 3">
+            <a:extLst>
+              <a:ext uri="{FF2B5EF4-FFF2-40B4-BE49-F238E27FC236}">
+                <a16:creationId xmlns:a16="http://schemas.microsoft.com/office/drawing/2014/main" id="{E7795A0D-755D-BA7D-0845-A51D1B6D7167}"/>
+              </a:ext>
+            </a:extLst>
+          </p:cNvPr>
+          <p:cNvGraphicFramePr/>
+          <p:nvPr>
+            <p:extLst>
+              <p:ext uri="{D42A27DB-BD31-4B8C-83A1-F6EECF244321}">
+                <p14:modId xmlns:p14="http://schemas.microsoft.com/office/powerpoint/2010/main" val="180275019"/>
+              </p:ext>
+            </p:extLst>
+          </p:nvPr>
+        </p:nvGraphicFramePr>
+        <p:xfrm>
+          <a:off x="5125728" y="2190749"/>
+          <a:ext cx="6123297" cy="4200526"/>
+        </p:xfrm>
+        <a:graphic>
+          <a:graphicData uri="http://schemas.openxmlformats.org/drawingml/2006/chart">
+            <c:chart xmlns:c="http://schemas.openxmlformats.org/drawingml/2006/chart" xmlns:r="http://schemas.openxmlformats.org/officeDocument/2006/relationships" r:id="rId2"/>
+          </a:graphicData>
+        </a:graphic>
+      </p:graphicFrame>
       <p:sp>
         <p:nvSpPr>
           <p:cNvPr id="123" name="TextBox 122">
@@ -43390,7 +43731,7 @@
         <p:spPr>
           <a:xfrm>
             <a:off x="510556" y="386396"/>
-            <a:ext cx="11170886" cy="1231106"/>
+            <a:ext cx="11170886" cy="1785104"/>
           </a:xfrm>
           <a:prstGeom prst="rect">
             <a:avLst/>
@@ -43423,8 +43764,49 @@
                 <a:ea typeface="Tahoma" panose="020B0604030504040204" pitchFamily="34" charset="0"/>
                 <a:cs typeface="Tahoma" panose="020B0604030504040204" pitchFamily="34" charset="0"/>
               </a:rPr>
-              <a:t>: CPS K-8 STEM Magnet School Enrollment </a:t>
+              <a:t>: </a:t>
             </a:r>
+            <a:r>
+              <a:rPr lang="sv-SE" altLang="zh-CN" sz="2000" dirty="0">
+                <a:solidFill>
+                  <a:schemeClr val="tx2"/>
+                </a:solidFill>
+                <a:latin typeface="Antique Olive Std Compact" panose="020B0904030504040204" pitchFamily="34" charset="0"/>
+                <a:ea typeface="Tahoma" panose="020B0604030504040204" pitchFamily="34" charset="0"/>
+                <a:cs typeface="Tahoma" panose="020B0604030504040204" pitchFamily="34" charset="0"/>
+              </a:rPr>
+              <a:t>8</a:t>
+            </a:r>
+            <a:r>
+              <a:rPr lang="sv-SE" altLang="zh-CN" sz="2000" baseline="30000" dirty="0">
+                <a:solidFill>
+                  <a:schemeClr val="tx2"/>
+                </a:solidFill>
+                <a:latin typeface="Antique Olive Std Compact" panose="020B0904030504040204" pitchFamily="34" charset="0"/>
+                <a:ea typeface="Tahoma" panose="020B0604030504040204" pitchFamily="34" charset="0"/>
+                <a:cs typeface="Tahoma" panose="020B0604030504040204" pitchFamily="34" charset="0"/>
+              </a:rPr>
+              <a:t>th</a:t>
+            </a:r>
+            <a:r>
+              <a:rPr lang="sv-SE" altLang="zh-CN" sz="2000" dirty="0">
+                <a:solidFill>
+                  <a:schemeClr val="tx2"/>
+                </a:solidFill>
+                <a:latin typeface="Antique Olive Std Compact" panose="020B0904030504040204" pitchFamily="34" charset="0"/>
+                <a:ea typeface="Tahoma" panose="020B0604030504040204" pitchFamily="34" charset="0"/>
+                <a:cs typeface="Tahoma" panose="020B0604030504040204" pitchFamily="34" charset="0"/>
+              </a:rPr>
+              <a:t> grade algebra 1 enrollment</a:t>
+            </a:r>
+            <a:endParaRPr lang="en-US" altLang="zh-CN" sz="2000" dirty="0">
+              <a:solidFill>
+                <a:schemeClr val="tx2"/>
+              </a:solidFill>
+              <a:latin typeface="Antique Olive Std Compact" panose="020B0904030504040204" pitchFamily="34" charset="0"/>
+              <a:ea typeface="Tahoma" panose="020B0604030504040204" pitchFamily="34" charset="0"/>
+              <a:cs typeface="Tahoma" panose="020B0604030504040204" pitchFamily="34" charset="0"/>
+            </a:endParaRPr>
           </a:p>
           <a:p>
             <a:r>
@@ -43434,11 +43816,11 @@
                 </a:solidFill>
                 <a:latin typeface="ITC Officina Sans Std Book" panose="020B0506040203020204" pitchFamily="34" charset="0"/>
               </a:rPr>
-              <a:t>The proportion of CPS K-8 students enrolled in a STEM magnet school by race/ethnicity</a:t>
+              <a:t>The proportion of CPS 8th graders enrolled into algebra 1 by race/ethnicity</a:t>
             </a:r>
           </a:p>
           <a:p>
-            <a:endParaRPr lang="en-US" altLang="zh-CN" dirty="0">
+            <a:endParaRPr lang="en-US" altLang="zh-CN" sz="1800" dirty="0">
               <a:solidFill>
                 <a:srgbClr val="4A4A4A"/>
               </a:solidFill>
@@ -43453,45 +43835,108 @@
                 </a:solidFill>
                 <a:latin typeface="ITC Officina Sans Std Book" panose="020B0506040203020204" pitchFamily="34" charset="0"/>
               </a:rPr>
-              <a:t>STEM magnet enrolled CHI / Total K8 CHI</a:t>
+              <a:t>8</a:t>
             </a:r>
+            <a:r>
+              <a:rPr lang="en-US" altLang="zh-CN" sz="1800" baseline="30000" dirty="0">
+                <a:solidFill>
+                  <a:srgbClr val="4A4A4A"/>
+                </a:solidFill>
+                <a:latin typeface="ITC Officina Sans Std Book" panose="020B0506040203020204" pitchFamily="34" charset="0"/>
+              </a:rPr>
+              <a:t>th </a:t>
+            </a:r>
+            <a:r>
+              <a:rPr lang="en-US" altLang="zh-CN" sz="1800" dirty="0">
+                <a:solidFill>
+                  <a:srgbClr val="4A4A4A"/>
+                </a:solidFill>
+                <a:latin typeface="ITC Officina Sans Std Book" panose="020B0506040203020204" pitchFamily="34" charset="0"/>
+              </a:rPr>
+              <a:t>grader enroll algebra CHI / Total 8</a:t>
+            </a:r>
+            <a:r>
+              <a:rPr lang="en-US" altLang="zh-CN" sz="1800" baseline="30000" dirty="0">
+                <a:solidFill>
+                  <a:srgbClr val="4A4A4A"/>
+                </a:solidFill>
+                <a:latin typeface="ITC Officina Sans Std Book" panose="020B0506040203020204" pitchFamily="34" charset="0"/>
+              </a:rPr>
+              <a:t>th </a:t>
+            </a:r>
+            <a:r>
+              <a:rPr lang="en-US" altLang="zh-CN" sz="1800" dirty="0">
+                <a:solidFill>
+                  <a:srgbClr val="4A4A4A"/>
+                </a:solidFill>
+                <a:latin typeface="ITC Officina Sans Std Book" panose="020B0506040203020204" pitchFamily="34" charset="0"/>
+              </a:rPr>
+              <a:t>grader CHI</a:t>
+            </a:r>
+          </a:p>
+          <a:p>
+            <a:r>
+              <a:rPr lang="en-US" altLang="zh-CN" sz="1800" dirty="0">
+                <a:solidFill>
+                  <a:srgbClr val="4A4A4A"/>
+                </a:solidFill>
+                <a:latin typeface="ITC Officina Sans Std Book" panose="020B0506040203020204" pitchFamily="34" charset="0"/>
+              </a:rPr>
+              <a:t>Vs. 8</a:t>
+            </a:r>
+            <a:r>
+              <a:rPr lang="en-US" altLang="zh-CN" sz="1800" baseline="30000" dirty="0">
+                <a:solidFill>
+                  <a:srgbClr val="4A4A4A"/>
+                </a:solidFill>
+                <a:latin typeface="ITC Officina Sans Std Book" panose="020B0506040203020204" pitchFamily="34" charset="0"/>
+              </a:rPr>
+              <a:t>th </a:t>
+            </a:r>
+            <a:r>
+              <a:rPr lang="en-US" altLang="zh-CN" sz="1800" dirty="0">
+                <a:solidFill>
+                  <a:srgbClr val="4A4A4A"/>
+                </a:solidFill>
+                <a:latin typeface="ITC Officina Sans Std Book" panose="020B0506040203020204" pitchFamily="34" charset="0"/>
+              </a:rPr>
+              <a:t>grader enroll algebra US / Total 8</a:t>
+            </a:r>
+            <a:r>
+              <a:rPr lang="en-US" altLang="zh-CN" sz="1800" baseline="30000" dirty="0">
+                <a:solidFill>
+                  <a:srgbClr val="4A4A4A"/>
+                </a:solidFill>
+                <a:latin typeface="ITC Officina Sans Std Book" panose="020B0506040203020204" pitchFamily="34" charset="0"/>
+              </a:rPr>
+              <a:t>th </a:t>
+            </a:r>
+            <a:r>
+              <a:rPr lang="en-US" altLang="zh-CN" sz="1800" dirty="0">
+                <a:solidFill>
+                  <a:srgbClr val="4A4A4A"/>
+                </a:solidFill>
+                <a:latin typeface="ITC Officina Sans Std Book" panose="020B0506040203020204" pitchFamily="34" charset="0"/>
+              </a:rPr>
+              <a:t>grader US</a:t>
+            </a:r>
+          </a:p>
+          <a:p>
+            <a:endParaRPr lang="zh-CN" altLang="en-US" dirty="0">
+              <a:solidFill>
+                <a:srgbClr val="4A4A4A"/>
+              </a:solidFill>
+              <a:latin typeface="ITC Officina Sans Std Book" panose="020B0506040203020204" pitchFamily="34" charset="0"/>
+            </a:endParaRPr>
           </a:p>
         </p:txBody>
       </p:sp>
-      <p:graphicFrame>
-        <p:nvGraphicFramePr>
-          <p:cNvPr id="4" name="Chart 3">
-            <a:extLst>
-              <a:ext uri="{FF2B5EF4-FFF2-40B4-BE49-F238E27FC236}">
-                <a16:creationId xmlns:a16="http://schemas.microsoft.com/office/drawing/2014/main" id="{AA454B12-AA68-C443-0CF7-BAB8BFEE347D}"/>
-              </a:ext>
-            </a:extLst>
-          </p:cNvPr>
-          <p:cNvGraphicFramePr/>
-          <p:nvPr>
-            <p:extLst>
-              <p:ext uri="{D42A27DB-BD31-4B8C-83A1-F6EECF244321}">
-                <p14:modId xmlns:p14="http://schemas.microsoft.com/office/powerpoint/2010/main" val="4040185891"/>
-              </p:ext>
-            </p:extLst>
-          </p:nvPr>
-        </p:nvGraphicFramePr>
-        <p:xfrm>
-          <a:off x="5106307" y="2190749"/>
-          <a:ext cx="6142718" cy="4219074"/>
-        </p:xfrm>
-        <a:graphic>
-          <a:graphicData uri="http://schemas.openxmlformats.org/drawingml/2006/chart">
-            <c:chart xmlns:c="http://schemas.openxmlformats.org/drawingml/2006/chart" xmlns:r="http://schemas.openxmlformats.org/officeDocument/2006/relationships" r:id="rId2"/>
-          </a:graphicData>
-        </a:graphic>
-      </p:graphicFrame>
       <p:sp>
         <p:nvSpPr>
           <p:cNvPr id="6" name="TextBox 5">
             <a:extLst>
               <a:ext uri="{FF2B5EF4-FFF2-40B4-BE49-F238E27FC236}">
-                <a16:creationId xmlns:a16="http://schemas.microsoft.com/office/drawing/2014/main" id="{F10AF634-5CC6-72C9-97D9-C3D55DB383D6}"/>
+                <a16:creationId xmlns:a16="http://schemas.microsoft.com/office/drawing/2014/main" id="{1F33623B-1500-CB7E-F3A6-B2E4C74F68B1}"/>
               </a:ext>
             </a:extLst>
           </p:cNvPr>
@@ -43501,7 +43946,7 @@
         <p:spPr>
           <a:xfrm>
             <a:off x="581025" y="2190749"/>
-            <a:ext cx="3714750" cy="2123658"/>
+            <a:ext cx="3714750" cy="3416320"/>
           </a:xfrm>
           <a:prstGeom prst="rect">
             <a:avLst/>
@@ -43544,30 +43989,15 @@
                 </a:solidFill>
                 <a:latin typeface="ITC Officina Sans Std Book" panose="020B0506040203020204" pitchFamily="34" charset="0"/>
               </a:rPr>
-              <a:t>Asians and Black students have the highest STEM Magnet school enrollment rate relative to their population size in K-8. 1.8 times higher than Hispanics, and 2.8 times higher than white students</a:t>
+              <a:t>The algebra enrollment rate of Asians and white students is significantly higher than that of Hispanic and Black students. 2.4 times higher than Hispanics, and 4.4 times higher than black.</a:t>
             </a:r>
           </a:p>
           <a:p>
+            <a:pPr marL="171450" indent="-171450">
+              <a:buFont typeface="Arial" panose="020B0604020202020204" pitchFamily="34" charset="0"/>
+              <a:buChar char="•"/>
+            </a:pPr>
             <a:endParaRPr lang="en-US" altLang="zh-CN" sz="1200" dirty="0">
-              <a:solidFill>
-                <a:srgbClr val="4A4A4A"/>
-              </a:solidFill>
-              <a:latin typeface="ITC Officina Sans Std Book" panose="020B0506040203020204" pitchFamily="34" charset="0"/>
-            </a:endParaRPr>
-          </a:p>
-          <a:p>
-            <a:r>
-              <a:rPr lang="en-US" altLang="zh-CN" sz="1200" b="1" u="sng" dirty="0">
-                <a:solidFill>
-                  <a:srgbClr val="4A4A4A"/>
-                </a:solidFill>
-                <a:latin typeface="ITC Officina Sans Std Book" panose="020B0506040203020204" pitchFamily="34" charset="0"/>
-              </a:rPr>
-              <a:t>Takeaways</a:t>
-            </a:r>
-          </a:p>
-          <a:p>
-            <a:endParaRPr lang="en-US" altLang="zh-CN" sz="1200" b="1" u="sng" dirty="0">
               <a:solidFill>
                 <a:srgbClr val="4A4A4A"/>
               </a:solidFill>
@@ -43586,7 +44016,49 @@
                 </a:solidFill>
                 <a:latin typeface="ITC Officina Sans Std Book" panose="020B0506040203020204" pitchFamily="34" charset="0"/>
               </a:rPr>
-              <a:t>The proportion of Black students enrolled in K-8 STEM Magnet schools is twice that of Hispanic students.</a:t>
+              <a:t>Significant gap between H/B and W/A. The algebra 1 class enrollment rates for White and Asian in CPS are 14-20% higher than the national average, however, that of Hispanics and Black students is 2% higher and 3% lower than the national average.</a:t>
+            </a:r>
+          </a:p>
+          <a:p>
+            <a:endParaRPr lang="en-US" altLang="zh-CN" sz="1200" dirty="0">
+              <a:solidFill>
+                <a:srgbClr val="4A4A4A"/>
+              </a:solidFill>
+              <a:latin typeface="ITC Officina Sans Std Book" panose="020B0506040203020204" pitchFamily="34" charset="0"/>
+            </a:endParaRPr>
+          </a:p>
+          <a:p>
+            <a:r>
+              <a:rPr lang="en-US" altLang="zh-CN" sz="1200" b="1" u="sng" dirty="0">
+                <a:solidFill>
+                  <a:srgbClr val="4A4A4A"/>
+                </a:solidFill>
+                <a:latin typeface="ITC Officina Sans Std Book" panose="020B0506040203020204" pitchFamily="34" charset="0"/>
+              </a:rPr>
+              <a:t>Takeaways</a:t>
+            </a:r>
+          </a:p>
+          <a:p>
+            <a:endParaRPr lang="en-US" altLang="zh-CN" sz="1200" b="1" u="sng" dirty="0">
+              <a:solidFill>
+                <a:srgbClr val="4A4A4A"/>
+              </a:solidFill>
+              <a:latin typeface="ITC Officina Sans Std Book" panose="020B0506040203020204" pitchFamily="34" charset="0"/>
+            </a:endParaRPr>
+          </a:p>
+          <a:p>
+            <a:pPr marL="171450" indent="-171450">
+              <a:buFont typeface="Arial" panose="020B0604020202020204" pitchFamily="34" charset="0"/>
+              <a:buChar char="•"/>
+            </a:pPr>
+            <a:r>
+              <a:rPr lang="en-US" altLang="zh-CN" sz="1200" dirty="0">
+                <a:solidFill>
+                  <a:srgbClr val="4A4A4A"/>
+                </a:solidFill>
+                <a:latin typeface="ITC Officina Sans Std Book" panose="020B0506040203020204" pitchFamily="34" charset="0"/>
+              </a:rPr>
+              <a:t>In relation to the national average algebra enrollment rate, White and Asian students are outperforming, while black students are outperformed.</a:t>
             </a:r>
           </a:p>
         </p:txBody>
@@ -43594,7 +44066,7 @@
     </p:spTree>
     <p:extLst>
       <p:ext uri="{BB962C8B-B14F-4D97-AF65-F5344CB8AC3E}">
-        <p14:creationId xmlns:p14="http://schemas.microsoft.com/office/powerpoint/2010/main" val="3531626399"/>
+        <p14:creationId xmlns:p14="http://schemas.microsoft.com/office/powerpoint/2010/main" val="1337442639"/>
       </p:ext>
     </p:extLst>
   </p:cSld>
